--- a/tool_tier3_docs/sreens.pptx
+++ b/tool_tier3_docs/sreens.pptx
@@ -256,7 +256,7 @@
           <a:p>
             <a:fld id="{3F95A33F-0BE4-4972-96C4-351B17A890F5}" type="datetimeFigureOut">
               <a:rPr lang="en-US" smtClean="0"/>
-              <a:t>1/14/2019</a:t>
+              <a:t>01/14/2019</a:t>
             </a:fld>
             <a:endParaRPr lang="en-US"/>
           </a:p>
@@ -424,7 +424,7 @@
           <a:p>
             <a:fld id="{3F95A33F-0BE4-4972-96C4-351B17A890F5}" type="datetimeFigureOut">
               <a:rPr lang="en-US" smtClean="0"/>
-              <a:t>1/14/2019</a:t>
+              <a:t>01/14/2019</a:t>
             </a:fld>
             <a:endParaRPr lang="en-US"/>
           </a:p>
@@ -602,7 +602,7 @@
           <a:p>
             <a:fld id="{3F95A33F-0BE4-4972-96C4-351B17A890F5}" type="datetimeFigureOut">
               <a:rPr lang="en-US" smtClean="0"/>
-              <a:t>1/14/2019</a:t>
+              <a:t>01/14/2019</a:t>
             </a:fld>
             <a:endParaRPr lang="en-US"/>
           </a:p>
@@ -770,7 +770,7 @@
           <a:p>
             <a:fld id="{3F95A33F-0BE4-4972-96C4-351B17A890F5}" type="datetimeFigureOut">
               <a:rPr lang="en-US" smtClean="0"/>
-              <a:t>1/14/2019</a:t>
+              <a:t>01/14/2019</a:t>
             </a:fld>
             <a:endParaRPr lang="en-US"/>
           </a:p>
@@ -1015,7 +1015,7 @@
           <a:p>
             <a:fld id="{3F95A33F-0BE4-4972-96C4-351B17A890F5}" type="datetimeFigureOut">
               <a:rPr lang="en-US" smtClean="0"/>
-              <a:t>1/14/2019</a:t>
+              <a:t>01/14/2019</a:t>
             </a:fld>
             <a:endParaRPr lang="en-US"/>
           </a:p>
@@ -1244,7 +1244,7 @@
           <a:p>
             <a:fld id="{3F95A33F-0BE4-4972-96C4-351B17A890F5}" type="datetimeFigureOut">
               <a:rPr lang="en-US" smtClean="0"/>
-              <a:t>1/14/2019</a:t>
+              <a:t>01/14/2019</a:t>
             </a:fld>
             <a:endParaRPr lang="en-US"/>
           </a:p>
@@ -1608,7 +1608,7 @@
           <a:p>
             <a:fld id="{3F95A33F-0BE4-4972-96C4-351B17A890F5}" type="datetimeFigureOut">
               <a:rPr lang="en-US" smtClean="0"/>
-              <a:t>1/14/2019</a:t>
+              <a:t>01/14/2019</a:t>
             </a:fld>
             <a:endParaRPr lang="en-US"/>
           </a:p>
@@ -1725,7 +1725,7 @@
           <a:p>
             <a:fld id="{3F95A33F-0BE4-4972-96C4-351B17A890F5}" type="datetimeFigureOut">
               <a:rPr lang="en-US" smtClean="0"/>
-              <a:t>1/14/2019</a:t>
+              <a:t>01/14/2019</a:t>
             </a:fld>
             <a:endParaRPr lang="en-US"/>
           </a:p>
@@ -1820,7 +1820,7 @@
           <a:p>
             <a:fld id="{3F95A33F-0BE4-4972-96C4-351B17A890F5}" type="datetimeFigureOut">
               <a:rPr lang="en-US" smtClean="0"/>
-              <a:t>1/14/2019</a:t>
+              <a:t>01/14/2019</a:t>
             </a:fld>
             <a:endParaRPr lang="en-US"/>
           </a:p>
@@ -2095,7 +2095,7 @@
           <a:p>
             <a:fld id="{3F95A33F-0BE4-4972-96C4-351B17A890F5}" type="datetimeFigureOut">
               <a:rPr lang="en-US" smtClean="0"/>
-              <a:t>1/14/2019</a:t>
+              <a:t>01/14/2019</a:t>
             </a:fld>
             <a:endParaRPr lang="en-US"/>
           </a:p>
@@ -2347,7 +2347,7 @@
           <a:p>
             <a:fld id="{3F95A33F-0BE4-4972-96C4-351B17A890F5}" type="datetimeFigureOut">
               <a:rPr lang="en-US" smtClean="0"/>
-              <a:t>1/14/2019</a:t>
+              <a:t>01/14/2019</a:t>
             </a:fld>
             <a:endParaRPr lang="en-US"/>
           </a:p>
@@ -2558,7 +2558,7 @@
           <a:p>
             <a:fld id="{3F95A33F-0BE4-4972-96C4-351B17A890F5}" type="datetimeFigureOut">
               <a:rPr lang="en-US" smtClean="0"/>
-              <a:t>1/14/2019</a:t>
+              <a:t>01/14/2019</a:t>
             </a:fld>
             <a:endParaRPr lang="en-US"/>
           </a:p>
@@ -16205,7 +16205,7 @@
         </p:nvSpPr>
         <p:spPr>
           <a:xfrm>
-            <a:off x="3291608" y="1236725"/>
+            <a:off x="3364768" y="1237251"/>
             <a:ext cx="1324426" cy="332193"/>
           </a:xfrm>
           <a:prstGeom prst="rect">
@@ -16252,7 +16252,7 @@
         </p:nvSpPr>
         <p:spPr>
           <a:xfrm>
-            <a:off x="3291607" y="2004881"/>
+            <a:off x="3349530" y="1990374"/>
             <a:ext cx="1330255" cy="360802"/>
           </a:xfrm>
           <a:prstGeom prst="rect">
@@ -16299,7 +16299,7 @@
         </p:nvSpPr>
         <p:spPr>
           <a:xfrm>
-            <a:off x="3303263" y="2494122"/>
+            <a:off x="3367681" y="2491865"/>
             <a:ext cx="1318599" cy="375213"/>
           </a:xfrm>
           <a:prstGeom prst="rect">
@@ -16664,7 +16664,7 @@
         </p:nvSpPr>
         <p:spPr>
           <a:xfrm>
-            <a:off x="4856920" y="2017885"/>
+            <a:off x="4870093" y="1980072"/>
             <a:ext cx="1184945" cy="347506"/>
           </a:xfrm>
           <a:prstGeom prst="rect">
@@ -16752,7 +16752,7 @@
         </p:nvSpPr>
         <p:spPr>
           <a:xfrm>
-            <a:off x="4840728" y="2520390"/>
+            <a:off x="4867076" y="2519136"/>
             <a:ext cx="1201137" cy="331314"/>
           </a:xfrm>
           <a:prstGeom prst="rect">

--- a/tool_tier3_docs/sreens.pptx
+++ b/tool_tier3_docs/sreens.pptx
@@ -256,7 +256,7 @@
           <a:p>
             <a:fld id="{3F95A33F-0BE4-4972-96C4-351B17A890F5}" type="datetimeFigureOut">
               <a:rPr lang="en-US" smtClean="0"/>
-              <a:t>01/14/2019</a:t>
+              <a:t>1/15/2019</a:t>
             </a:fld>
             <a:endParaRPr lang="en-US"/>
           </a:p>
@@ -424,7 +424,7 @@
           <a:p>
             <a:fld id="{3F95A33F-0BE4-4972-96C4-351B17A890F5}" type="datetimeFigureOut">
               <a:rPr lang="en-US" smtClean="0"/>
-              <a:t>01/14/2019</a:t>
+              <a:t>1/15/2019</a:t>
             </a:fld>
             <a:endParaRPr lang="en-US"/>
           </a:p>
@@ -602,7 +602,7 @@
           <a:p>
             <a:fld id="{3F95A33F-0BE4-4972-96C4-351B17A890F5}" type="datetimeFigureOut">
               <a:rPr lang="en-US" smtClean="0"/>
-              <a:t>01/14/2019</a:t>
+              <a:t>1/15/2019</a:t>
             </a:fld>
             <a:endParaRPr lang="en-US"/>
           </a:p>
@@ -770,7 +770,7 @@
           <a:p>
             <a:fld id="{3F95A33F-0BE4-4972-96C4-351B17A890F5}" type="datetimeFigureOut">
               <a:rPr lang="en-US" smtClean="0"/>
-              <a:t>01/14/2019</a:t>
+              <a:t>1/15/2019</a:t>
             </a:fld>
             <a:endParaRPr lang="en-US"/>
           </a:p>
@@ -1015,7 +1015,7 @@
           <a:p>
             <a:fld id="{3F95A33F-0BE4-4972-96C4-351B17A890F5}" type="datetimeFigureOut">
               <a:rPr lang="en-US" smtClean="0"/>
-              <a:t>01/14/2019</a:t>
+              <a:t>1/15/2019</a:t>
             </a:fld>
             <a:endParaRPr lang="en-US"/>
           </a:p>
@@ -1244,7 +1244,7 @@
           <a:p>
             <a:fld id="{3F95A33F-0BE4-4972-96C4-351B17A890F5}" type="datetimeFigureOut">
               <a:rPr lang="en-US" smtClean="0"/>
-              <a:t>01/14/2019</a:t>
+              <a:t>1/15/2019</a:t>
             </a:fld>
             <a:endParaRPr lang="en-US"/>
           </a:p>
@@ -1608,7 +1608,7 @@
           <a:p>
             <a:fld id="{3F95A33F-0BE4-4972-96C4-351B17A890F5}" type="datetimeFigureOut">
               <a:rPr lang="en-US" smtClean="0"/>
-              <a:t>01/14/2019</a:t>
+              <a:t>1/15/2019</a:t>
             </a:fld>
             <a:endParaRPr lang="en-US"/>
           </a:p>
@@ -1725,7 +1725,7 @@
           <a:p>
             <a:fld id="{3F95A33F-0BE4-4972-96C4-351B17A890F5}" type="datetimeFigureOut">
               <a:rPr lang="en-US" smtClean="0"/>
-              <a:t>01/14/2019</a:t>
+              <a:t>1/15/2019</a:t>
             </a:fld>
             <a:endParaRPr lang="en-US"/>
           </a:p>
@@ -1820,7 +1820,7 @@
           <a:p>
             <a:fld id="{3F95A33F-0BE4-4972-96C4-351B17A890F5}" type="datetimeFigureOut">
               <a:rPr lang="en-US" smtClean="0"/>
-              <a:t>01/14/2019</a:t>
+              <a:t>1/15/2019</a:t>
             </a:fld>
             <a:endParaRPr lang="en-US"/>
           </a:p>
@@ -2095,7 +2095,7 @@
           <a:p>
             <a:fld id="{3F95A33F-0BE4-4972-96C4-351B17A890F5}" type="datetimeFigureOut">
               <a:rPr lang="en-US" smtClean="0"/>
-              <a:t>01/14/2019</a:t>
+              <a:t>1/15/2019</a:t>
             </a:fld>
             <a:endParaRPr lang="en-US"/>
           </a:p>
@@ -2347,7 +2347,7 @@
           <a:p>
             <a:fld id="{3F95A33F-0BE4-4972-96C4-351B17A890F5}" type="datetimeFigureOut">
               <a:rPr lang="en-US" smtClean="0"/>
-              <a:t>01/14/2019</a:t>
+              <a:t>1/15/2019</a:t>
             </a:fld>
             <a:endParaRPr lang="en-US"/>
           </a:p>
@@ -2558,7 +2558,7 @@
           <a:p>
             <a:fld id="{3F95A33F-0BE4-4972-96C4-351B17A890F5}" type="datetimeFigureOut">
               <a:rPr lang="en-US" smtClean="0"/>
-              <a:t>01/14/2019</a:t>
+              <a:t>1/15/2019</a:t>
             </a:fld>
             <a:endParaRPr lang="en-US"/>
           </a:p>
@@ -3412,7 +3412,7 @@
             <a:pPr algn="ctr"/>
             <a:r>
               <a:rPr lang="en-US"/>
-              <a:t>Client</a:t>
+              <a:t>Clients</a:t>
             </a:r>
           </a:p>
         </p:txBody>
@@ -3459,7 +3459,7 @@
             <a:pPr algn="ctr"/>
             <a:r>
               <a:rPr lang="en-US"/>
-              <a:t>Authorization</a:t>
+              <a:t>Authorizations</a:t>
             </a:r>
           </a:p>
         </p:txBody>
@@ -3929,7 +3929,7 @@
             <a:pPr algn="ctr"/>
             <a:r>
               <a:rPr lang="en-US"/>
-              <a:t>TL</a:t>
+              <a:t>CT_MAP</a:t>
             </a:r>
           </a:p>
         </p:txBody>
@@ -4066,7 +4066,7 @@
             <a:pPr algn="ctr"/>
             <a:r>
               <a:rPr lang="en-US"/>
-              <a:t>TL</a:t>
+              <a:t>JASA</a:t>
             </a:r>
           </a:p>
         </p:txBody>
@@ -5378,7 +5378,7 @@
             <a:pPr algn="ctr"/>
             <a:r>
               <a:rPr lang="en-US"/>
-              <a:t>Authorization</a:t>
+              <a:t>Authorizations</a:t>
             </a:r>
           </a:p>
         </p:txBody>
@@ -5425,7 +5425,7 @@
             <a:pPr algn="ctr"/>
             <a:r>
               <a:rPr lang="en-US"/>
-              <a:t>Client</a:t>
+              <a:t>Clients</a:t>
             </a:r>
           </a:p>
         </p:txBody>
@@ -5895,7 +5895,7 @@
             <a:pPr algn="ctr"/>
             <a:r>
               <a:rPr lang="en-US"/>
-              <a:t>TL</a:t>
+              <a:t>CT_MAP</a:t>
             </a:r>
           </a:p>
         </p:txBody>
@@ -6032,7 +6032,7 @@
             <a:pPr algn="ctr"/>
             <a:r>
               <a:rPr lang="en-US"/>
-              <a:t>Home Health</a:t>
+              <a:t>JASA</a:t>
             </a:r>
           </a:p>
         </p:txBody>
@@ -6694,7 +6694,7 @@
           <p:nvPr>
             <p:extLst>
               <p:ext uri="{D42A27DB-BD31-4B8C-83A1-F6EECF244321}">
-                <p14:modId xmlns:p14="http://schemas.microsoft.com/office/powerpoint/2010/main" val="4244250317"/>
+                <p14:modId xmlns:p14="http://schemas.microsoft.com/office/powerpoint/2010/main" val="2996611486"/>
               </p:ext>
             </p:extLst>
           </p:nvPr>
@@ -7076,7 +7076,7 @@
                     <a:p>
                       <a:r>
                         <a:rPr lang="en-US" sz="1400"/>
-                        <a:t>12345</a:t>
+                        <a:t>DF</a:t>
                       </a:r>
                     </a:p>
                   </a:txBody>
@@ -8017,20 +8017,20 @@
       </p:grpSpPr>
       <p:sp>
         <p:nvSpPr>
-          <p:cNvPr id="6" name="Rectangle 5">
-            <a:extLst>
-              <a:ext uri="{FF2B5EF4-FFF2-40B4-BE49-F238E27FC236}">
-                <a16:creationId xmlns:a16="http://schemas.microsoft.com/office/drawing/2014/main" id="{DF2B91E9-EED4-4DD8-9263-1C184BC2C671}"/>
-              </a:ext>
-            </a:extLst>
-          </p:cNvPr>
-          <p:cNvSpPr/>
-          <p:nvPr/>
-        </p:nvSpPr>
-        <p:spPr>
-          <a:xfrm>
-            <a:off x="323272" y="1237673"/>
-            <a:ext cx="1380915" cy="338266"/>
+          <p:cNvPr id="7" name="Rectangle 6">
+            <a:extLst>
+              <a:ext uri="{FF2B5EF4-FFF2-40B4-BE49-F238E27FC236}">
+                <a16:creationId xmlns:a16="http://schemas.microsoft.com/office/drawing/2014/main" id="{D6BAFB21-A5ED-4D97-A21B-7037E5B62055}"/>
+              </a:ext>
+            </a:extLst>
+          </p:cNvPr>
+          <p:cNvSpPr/>
+          <p:nvPr/>
+        </p:nvSpPr>
+        <p:spPr>
+          <a:xfrm>
+            <a:off x="323272" y="1716827"/>
+            <a:ext cx="1590966" cy="338266"/>
           </a:xfrm>
           <a:prstGeom prst="rect">
             <a:avLst/>
@@ -8057,27 +8057,27 @@
             <a:pPr algn="ctr"/>
             <a:r>
               <a:rPr lang="en-US" sz="1400"/>
-              <a:t>Jurisdiction</a:t>
-            </a:r>
-          </a:p>
-        </p:txBody>
-      </p:sp>
-      <p:sp>
-        <p:nvSpPr>
-          <p:cNvPr id="7" name="Rectangle 6">
-            <a:extLst>
-              <a:ext uri="{FF2B5EF4-FFF2-40B4-BE49-F238E27FC236}">
-                <a16:creationId xmlns:a16="http://schemas.microsoft.com/office/drawing/2014/main" id="{D6BAFB21-A5ED-4D97-A21B-7037E5B62055}"/>
-              </a:ext>
-            </a:extLst>
-          </p:cNvPr>
-          <p:cNvSpPr/>
-          <p:nvPr/>
-        </p:nvSpPr>
-        <p:spPr>
-          <a:xfrm>
-            <a:off x="323273" y="1716827"/>
-            <a:ext cx="1380914" cy="338266"/>
+              <a:t>First name</a:t>
+            </a:r>
+          </a:p>
+        </p:txBody>
+      </p:sp>
+      <p:sp>
+        <p:nvSpPr>
+          <p:cNvPr id="8" name="Rectangle 7">
+            <a:extLst>
+              <a:ext uri="{FF2B5EF4-FFF2-40B4-BE49-F238E27FC236}">
+                <a16:creationId xmlns:a16="http://schemas.microsoft.com/office/drawing/2014/main" id="{6676BFCD-4CA3-4401-B454-D77FF8A98A72}"/>
+              </a:ext>
+            </a:extLst>
+          </p:cNvPr>
+          <p:cNvSpPr/>
+          <p:nvPr/>
+        </p:nvSpPr>
+        <p:spPr>
+          <a:xfrm>
+            <a:off x="323272" y="2219609"/>
+            <a:ext cx="1590966" cy="338266"/>
           </a:xfrm>
           <a:prstGeom prst="rect">
             <a:avLst/>
@@ -8104,27 +8104,27 @@
             <a:pPr algn="ctr"/>
             <a:r>
               <a:rPr lang="en-US" sz="1400"/>
-              <a:t>First name</a:t>
-            </a:r>
-          </a:p>
-        </p:txBody>
-      </p:sp>
-      <p:sp>
-        <p:nvSpPr>
-          <p:cNvPr id="8" name="Rectangle 7">
-            <a:extLst>
-              <a:ext uri="{FF2B5EF4-FFF2-40B4-BE49-F238E27FC236}">
-                <a16:creationId xmlns:a16="http://schemas.microsoft.com/office/drawing/2014/main" id="{6676BFCD-4CA3-4401-B454-D77FF8A98A72}"/>
-              </a:ext>
-            </a:extLst>
-          </p:cNvPr>
-          <p:cNvSpPr/>
-          <p:nvPr/>
-        </p:nvSpPr>
-        <p:spPr>
-          <a:xfrm>
-            <a:off x="323272" y="2219609"/>
-            <a:ext cx="1380914" cy="338266"/>
+              <a:t>Patient ID</a:t>
+            </a:r>
+          </a:p>
+        </p:txBody>
+      </p:sp>
+      <p:sp>
+        <p:nvSpPr>
+          <p:cNvPr id="9" name="Rectangle 8">
+            <a:extLst>
+              <a:ext uri="{FF2B5EF4-FFF2-40B4-BE49-F238E27FC236}">
+                <a16:creationId xmlns:a16="http://schemas.microsoft.com/office/drawing/2014/main" id="{4C36CCE1-27C2-47E1-BDE9-A914861A542A}"/>
+              </a:ext>
+            </a:extLst>
+          </p:cNvPr>
+          <p:cNvSpPr/>
+          <p:nvPr/>
+        </p:nvSpPr>
+        <p:spPr>
+          <a:xfrm>
+            <a:off x="305512" y="4486783"/>
+            <a:ext cx="1590966" cy="338266"/>
           </a:xfrm>
           <a:prstGeom prst="rect">
             <a:avLst/>
@@ -8151,27 +8151,27 @@
             <a:pPr algn="ctr"/>
             <a:r>
               <a:rPr lang="en-US" sz="1400"/>
-              <a:t>Client ID</a:t>
-            </a:r>
-          </a:p>
-        </p:txBody>
-      </p:sp>
-      <p:sp>
-        <p:nvSpPr>
-          <p:cNvPr id="9" name="Rectangle 8">
-            <a:extLst>
-              <a:ext uri="{FF2B5EF4-FFF2-40B4-BE49-F238E27FC236}">
-                <a16:creationId xmlns:a16="http://schemas.microsoft.com/office/drawing/2014/main" id="{4C36CCE1-27C2-47E1-BDE9-A914861A542A}"/>
-              </a:ext>
-            </a:extLst>
-          </p:cNvPr>
-          <p:cNvSpPr/>
-          <p:nvPr/>
-        </p:nvSpPr>
-        <p:spPr>
-          <a:xfrm>
-            <a:off x="305512" y="4486783"/>
-            <a:ext cx="1380914" cy="338266"/>
+              <a:t>To</a:t>
+            </a:r>
+          </a:p>
+        </p:txBody>
+      </p:sp>
+      <p:sp>
+        <p:nvSpPr>
+          <p:cNvPr id="10" name="Rectangle 9">
+            <a:extLst>
+              <a:ext uri="{FF2B5EF4-FFF2-40B4-BE49-F238E27FC236}">
+                <a16:creationId xmlns:a16="http://schemas.microsoft.com/office/drawing/2014/main" id="{843BE703-94CE-4448-B367-F5DBE92E5A21}"/>
+              </a:ext>
+            </a:extLst>
+          </p:cNvPr>
+          <p:cNvSpPr/>
+          <p:nvPr/>
+        </p:nvSpPr>
+        <p:spPr>
+          <a:xfrm>
+            <a:off x="305512" y="3945875"/>
+            <a:ext cx="1590966" cy="338266"/>
           </a:xfrm>
           <a:prstGeom prst="rect">
             <a:avLst/>
@@ -8198,27 +8198,27 @@
             <a:pPr algn="ctr"/>
             <a:r>
               <a:rPr lang="en-US" sz="1400"/>
-              <a:t>To</a:t>
-            </a:r>
-          </a:p>
-        </p:txBody>
-      </p:sp>
-      <p:sp>
-        <p:nvSpPr>
-          <p:cNvPr id="10" name="Rectangle 9">
-            <a:extLst>
-              <a:ext uri="{FF2B5EF4-FFF2-40B4-BE49-F238E27FC236}">
-                <a16:creationId xmlns:a16="http://schemas.microsoft.com/office/drawing/2014/main" id="{843BE703-94CE-4448-B367-F5DBE92E5A21}"/>
-              </a:ext>
-            </a:extLst>
-          </p:cNvPr>
-          <p:cNvSpPr/>
-          <p:nvPr/>
-        </p:nvSpPr>
-        <p:spPr>
-          <a:xfrm>
-            <a:off x="305512" y="3945875"/>
-            <a:ext cx="1380914" cy="338266"/>
+              <a:t>From</a:t>
+            </a:r>
+          </a:p>
+        </p:txBody>
+      </p:sp>
+      <p:sp>
+        <p:nvSpPr>
+          <p:cNvPr id="11" name="Rectangle 10">
+            <a:extLst>
+              <a:ext uri="{FF2B5EF4-FFF2-40B4-BE49-F238E27FC236}">
+                <a16:creationId xmlns:a16="http://schemas.microsoft.com/office/drawing/2014/main" id="{C7FF2387-9D28-4BCA-9A73-D405644BC1C1}"/>
+              </a:ext>
+            </a:extLst>
+          </p:cNvPr>
+          <p:cNvSpPr/>
+          <p:nvPr/>
+        </p:nvSpPr>
+        <p:spPr>
+          <a:xfrm>
+            <a:off x="323272" y="1228343"/>
+            <a:ext cx="1590966" cy="375213"/>
           </a:xfrm>
           <a:prstGeom prst="rect">
             <a:avLst/>
@@ -8245,27 +8245,27 @@
             <a:pPr algn="ctr"/>
             <a:r>
               <a:rPr lang="en-US" sz="1400"/>
-              <a:t>From</a:t>
-            </a:r>
-          </a:p>
-        </p:txBody>
-      </p:sp>
-      <p:sp>
-        <p:nvSpPr>
-          <p:cNvPr id="11" name="Rectangle 10">
-            <a:extLst>
-              <a:ext uri="{FF2B5EF4-FFF2-40B4-BE49-F238E27FC236}">
-                <a16:creationId xmlns:a16="http://schemas.microsoft.com/office/drawing/2014/main" id="{C7FF2387-9D28-4BCA-9A73-D405644BC1C1}"/>
-              </a:ext>
-            </a:extLst>
-          </p:cNvPr>
-          <p:cNvSpPr/>
-          <p:nvPr/>
-        </p:nvSpPr>
-        <p:spPr>
-          <a:xfrm>
-            <a:off x="5631870" y="1200724"/>
-            <a:ext cx="1590966" cy="375213"/>
+              <a:t>Agency</a:t>
+            </a:r>
+          </a:p>
+        </p:txBody>
+      </p:sp>
+      <p:sp>
+        <p:nvSpPr>
+          <p:cNvPr id="12" name="Rectangle 11">
+            <a:extLst>
+              <a:ext uri="{FF2B5EF4-FFF2-40B4-BE49-F238E27FC236}">
+                <a16:creationId xmlns:a16="http://schemas.microsoft.com/office/drawing/2014/main" id="{3CCD1C28-5DF6-44EB-920C-EC57152A0D8B}"/>
+              </a:ext>
+            </a:extLst>
+          </p:cNvPr>
+          <p:cNvSpPr/>
+          <p:nvPr/>
+        </p:nvSpPr>
+        <p:spPr>
+          <a:xfrm>
+            <a:off x="5631868" y="1692300"/>
+            <a:ext cx="1590968" cy="375213"/>
           </a:xfrm>
           <a:prstGeom prst="rect">
             <a:avLst/>
@@ -8292,26 +8292,26 @@
             <a:pPr algn="ctr"/>
             <a:r>
               <a:rPr lang="en-US" sz="1400"/>
-              <a:t>Agency</a:t>
-            </a:r>
-          </a:p>
-        </p:txBody>
-      </p:sp>
-      <p:sp>
-        <p:nvSpPr>
-          <p:cNvPr id="12" name="Rectangle 11">
-            <a:extLst>
-              <a:ext uri="{FF2B5EF4-FFF2-40B4-BE49-F238E27FC236}">
-                <a16:creationId xmlns:a16="http://schemas.microsoft.com/office/drawing/2014/main" id="{3CCD1C28-5DF6-44EB-920C-EC57152A0D8B}"/>
-              </a:ext>
-            </a:extLst>
-          </p:cNvPr>
-          <p:cNvSpPr/>
-          <p:nvPr/>
-        </p:nvSpPr>
-        <p:spPr>
-          <a:xfrm>
-            <a:off x="5631868" y="1692300"/>
+              <a:t>Last name</a:t>
+            </a:r>
+          </a:p>
+        </p:txBody>
+      </p:sp>
+      <p:sp>
+        <p:nvSpPr>
+          <p:cNvPr id="13" name="Rectangle 12">
+            <a:extLst>
+              <a:ext uri="{FF2B5EF4-FFF2-40B4-BE49-F238E27FC236}">
+                <a16:creationId xmlns:a16="http://schemas.microsoft.com/office/drawing/2014/main" id="{868D2B36-8FE5-448A-BDC8-06396EB03A3F}"/>
+              </a:ext>
+            </a:extLst>
+          </p:cNvPr>
+          <p:cNvSpPr/>
+          <p:nvPr/>
+        </p:nvSpPr>
+        <p:spPr>
+          <a:xfrm>
+            <a:off x="5631868" y="2214961"/>
             <a:ext cx="1590968" cy="375213"/>
           </a:xfrm>
           <a:prstGeom prst="rect">
@@ -8339,27 +8339,74 @@
             <a:pPr algn="ctr"/>
             <a:r>
               <a:rPr lang="en-US" sz="1400"/>
-              <a:t>Last name</a:t>
-            </a:r>
-          </a:p>
-        </p:txBody>
-      </p:sp>
-      <p:sp>
-        <p:nvSpPr>
-          <p:cNvPr id="13" name="Rectangle 12">
-            <a:extLst>
-              <a:ext uri="{FF2B5EF4-FFF2-40B4-BE49-F238E27FC236}">
-                <a16:creationId xmlns:a16="http://schemas.microsoft.com/office/drawing/2014/main" id="{868D2B36-8FE5-448A-BDC8-06396EB03A3F}"/>
-              </a:ext>
-            </a:extLst>
-          </p:cNvPr>
-          <p:cNvSpPr/>
-          <p:nvPr/>
-        </p:nvSpPr>
-        <p:spPr>
-          <a:xfrm>
-            <a:off x="5631868" y="2214961"/>
-            <a:ext cx="1590968" cy="375213"/>
+              <a:t>Admission Type</a:t>
+            </a:r>
+          </a:p>
+        </p:txBody>
+      </p:sp>
+      <p:sp>
+        <p:nvSpPr>
+          <p:cNvPr id="18" name="Rectangle 17">
+            <a:extLst>
+              <a:ext uri="{FF2B5EF4-FFF2-40B4-BE49-F238E27FC236}">
+                <a16:creationId xmlns:a16="http://schemas.microsoft.com/office/drawing/2014/main" id="{CC900875-9094-414F-800C-ED9618E8058F}"/>
+              </a:ext>
+            </a:extLst>
+          </p:cNvPr>
+          <p:cNvSpPr/>
+          <p:nvPr/>
+        </p:nvSpPr>
+        <p:spPr>
+          <a:xfrm>
+            <a:off x="2219749" y="1217424"/>
+            <a:ext cx="1856600" cy="347506"/>
+          </a:xfrm>
+          <a:prstGeom prst="rect">
+            <a:avLst/>
+          </a:prstGeom>
+        </p:spPr>
+        <p:style>
+          <a:lnRef idx="1">
+            <a:schemeClr val="accent3"/>
+          </a:lnRef>
+          <a:fillRef idx="2">
+            <a:schemeClr val="accent3"/>
+          </a:fillRef>
+          <a:effectRef idx="1">
+            <a:schemeClr val="accent3"/>
+          </a:effectRef>
+          <a:fontRef idx="minor">
+            <a:schemeClr val="dk1"/>
+          </a:fontRef>
+        </p:style>
+        <p:txBody>
+          <a:bodyPr rtlCol="0" anchor="ctr"/>
+          <a:lstStyle/>
+          <a:p>
+            <a:pPr algn="ctr"/>
+            <a:r>
+              <a:rPr lang="en-US"/>
+              <a:t>JASA</a:t>
+            </a:r>
+          </a:p>
+        </p:txBody>
+      </p:sp>
+      <p:sp>
+        <p:nvSpPr>
+          <p:cNvPr id="19" name="Rectangle 18">
+            <a:extLst>
+              <a:ext uri="{FF2B5EF4-FFF2-40B4-BE49-F238E27FC236}">
+                <a16:creationId xmlns:a16="http://schemas.microsoft.com/office/drawing/2014/main" id="{CEE1AD42-0C03-495D-8F23-F33499C0A6EF}"/>
+              </a:ext>
+            </a:extLst>
+          </p:cNvPr>
+          <p:cNvSpPr/>
+          <p:nvPr/>
+        </p:nvSpPr>
+        <p:spPr>
+          <a:xfrm>
+            <a:off x="3799084" y="1217606"/>
+            <a:ext cx="267855" cy="332513"/>
           </a:xfrm>
           <a:prstGeom prst="rect">
             <a:avLst/>
@@ -8384,243 +8431,12 @@
           <a:lstStyle/>
           <a:p>
             <a:pPr algn="ctr"/>
-            <a:r>
-              <a:rPr lang="en-US" sz="1400"/>
-              <a:t>Admission Type</a:t>
-            </a:r>
-          </a:p>
-        </p:txBody>
-      </p:sp>
-      <p:sp>
-        <p:nvSpPr>
-          <p:cNvPr id="15" name="Rectangle 14">
-            <a:extLst>
-              <a:ext uri="{FF2B5EF4-FFF2-40B4-BE49-F238E27FC236}">
-                <a16:creationId xmlns:a16="http://schemas.microsoft.com/office/drawing/2014/main" id="{B17E0830-B6D5-4D53-9249-125783436C6D}"/>
-              </a:ext>
-            </a:extLst>
-          </p:cNvPr>
-          <p:cNvSpPr/>
-          <p:nvPr/>
-        </p:nvSpPr>
-        <p:spPr>
-          <a:xfrm>
-            <a:off x="2235200" y="1237672"/>
-            <a:ext cx="1773382" cy="338266"/>
-          </a:xfrm>
-          <a:prstGeom prst="rect">
-            <a:avLst/>
-          </a:prstGeom>
-        </p:spPr>
-        <p:style>
-          <a:lnRef idx="1">
-            <a:schemeClr val="accent3"/>
-          </a:lnRef>
-          <a:fillRef idx="2">
-            <a:schemeClr val="accent3"/>
-          </a:fillRef>
-          <a:effectRef idx="1">
-            <a:schemeClr val="accent3"/>
-          </a:effectRef>
-          <a:fontRef idx="minor">
-            <a:schemeClr val="dk1"/>
-          </a:fontRef>
-        </p:style>
-        <p:txBody>
-          <a:bodyPr rtlCol="0" anchor="ctr"/>
-          <a:lstStyle/>
-          <a:p>
-            <a:pPr algn="ctr"/>
-            <a:r>
-              <a:rPr lang="en-US"/>
-              <a:t>TL</a:t>
-            </a:r>
-          </a:p>
-        </p:txBody>
-      </p:sp>
-      <p:sp>
-        <p:nvSpPr>
-          <p:cNvPr id="16" name="Rectangle 15">
-            <a:extLst>
-              <a:ext uri="{FF2B5EF4-FFF2-40B4-BE49-F238E27FC236}">
-                <a16:creationId xmlns:a16="http://schemas.microsoft.com/office/drawing/2014/main" id="{80C3F056-1057-49DA-9124-1CD80474C8FD}"/>
-              </a:ext>
-            </a:extLst>
-          </p:cNvPr>
-          <p:cNvSpPr/>
-          <p:nvPr/>
-        </p:nvSpPr>
-        <p:spPr>
-          <a:xfrm>
-            <a:off x="3771901" y="1243952"/>
-            <a:ext cx="227446" cy="338266"/>
-          </a:xfrm>
-          <a:prstGeom prst="rect">
-            <a:avLst/>
-          </a:prstGeom>
-        </p:spPr>
-        <p:style>
-          <a:lnRef idx="2">
-            <a:schemeClr val="accent6"/>
-          </a:lnRef>
-          <a:fillRef idx="1">
-            <a:schemeClr val="lt1"/>
-          </a:fillRef>
-          <a:effectRef idx="0">
-            <a:schemeClr val="accent6"/>
-          </a:effectRef>
-          <a:fontRef idx="minor">
-            <a:schemeClr val="dk1"/>
-          </a:fontRef>
-        </p:style>
-        <p:txBody>
-          <a:bodyPr rtlCol="0" anchor="ctr"/>
-          <a:lstStyle/>
-          <a:p>
-            <a:pPr algn="ctr"/>
             <a:endParaRPr lang="en-US"/>
           </a:p>
         </p:txBody>
       </p:sp>
       <p:sp>
         <p:nvSpPr>
-          <p:cNvPr id="17" name="Flowchart: Merge 16">
-            <a:extLst>
-              <a:ext uri="{FF2B5EF4-FFF2-40B4-BE49-F238E27FC236}">
-                <a16:creationId xmlns:a16="http://schemas.microsoft.com/office/drawing/2014/main" id="{638B81E3-A37F-4BFA-9FD4-7E8A91C2E92E}"/>
-              </a:ext>
-            </a:extLst>
-          </p:cNvPr>
-          <p:cNvSpPr/>
-          <p:nvPr/>
-        </p:nvSpPr>
-        <p:spPr>
-          <a:xfrm>
-            <a:off x="3840480" y="1398271"/>
-            <a:ext cx="127179" cy="103156"/>
-          </a:xfrm>
-          <a:prstGeom prst="flowChartMerge">
-            <a:avLst/>
-          </a:prstGeom>
-        </p:spPr>
-        <p:style>
-          <a:lnRef idx="2">
-            <a:schemeClr val="accent1">
-              <a:shade val="50000"/>
-            </a:schemeClr>
-          </a:lnRef>
-          <a:fillRef idx="1">
-            <a:schemeClr val="accent1"/>
-          </a:fillRef>
-          <a:effectRef idx="0">
-            <a:schemeClr val="accent1"/>
-          </a:effectRef>
-          <a:fontRef idx="minor">
-            <a:schemeClr val="lt1"/>
-          </a:fontRef>
-        </p:style>
-        <p:txBody>
-          <a:bodyPr rtlCol="0" anchor="ctr"/>
-          <a:lstStyle/>
-          <a:p>
-            <a:pPr algn="ctr"/>
-            <a:endParaRPr lang="en-US"/>
-          </a:p>
-        </p:txBody>
-      </p:sp>
-      <p:sp>
-        <p:nvSpPr>
-          <p:cNvPr id="18" name="Rectangle 17">
-            <a:extLst>
-              <a:ext uri="{FF2B5EF4-FFF2-40B4-BE49-F238E27FC236}">
-                <a16:creationId xmlns:a16="http://schemas.microsoft.com/office/drawing/2014/main" id="{CC900875-9094-414F-800C-ED9618E8058F}"/>
-              </a:ext>
-            </a:extLst>
-          </p:cNvPr>
-          <p:cNvSpPr/>
-          <p:nvPr/>
-        </p:nvSpPr>
-        <p:spPr>
-          <a:xfrm>
-            <a:off x="7659256" y="1200725"/>
-            <a:ext cx="1856600" cy="347506"/>
-          </a:xfrm>
-          <a:prstGeom prst="rect">
-            <a:avLst/>
-          </a:prstGeom>
-        </p:spPr>
-        <p:style>
-          <a:lnRef idx="1">
-            <a:schemeClr val="accent3"/>
-          </a:lnRef>
-          <a:fillRef idx="2">
-            <a:schemeClr val="accent3"/>
-          </a:fillRef>
-          <a:effectRef idx="1">
-            <a:schemeClr val="accent3"/>
-          </a:effectRef>
-          <a:fontRef idx="minor">
-            <a:schemeClr val="dk1"/>
-          </a:fontRef>
-        </p:style>
-        <p:txBody>
-          <a:bodyPr rtlCol="0" anchor="ctr"/>
-          <a:lstStyle/>
-          <a:p>
-            <a:pPr algn="ctr"/>
-            <a:r>
-              <a:rPr lang="en-US"/>
-              <a:t>Home Health</a:t>
-            </a:r>
-          </a:p>
-        </p:txBody>
-      </p:sp>
-      <p:sp>
-        <p:nvSpPr>
-          <p:cNvPr id="19" name="Rectangle 18">
-            <a:extLst>
-              <a:ext uri="{FF2B5EF4-FFF2-40B4-BE49-F238E27FC236}">
-                <a16:creationId xmlns:a16="http://schemas.microsoft.com/office/drawing/2014/main" id="{CEE1AD42-0C03-495D-8F23-F33499C0A6EF}"/>
-              </a:ext>
-            </a:extLst>
-          </p:cNvPr>
-          <p:cNvSpPr/>
-          <p:nvPr/>
-        </p:nvSpPr>
-        <p:spPr>
-          <a:xfrm>
-            <a:off x="9238591" y="1200907"/>
-            <a:ext cx="267855" cy="332513"/>
-          </a:xfrm>
-          <a:prstGeom prst="rect">
-            <a:avLst/>
-          </a:prstGeom>
-        </p:spPr>
-        <p:style>
-          <a:lnRef idx="2">
-            <a:schemeClr val="accent6"/>
-          </a:lnRef>
-          <a:fillRef idx="1">
-            <a:schemeClr val="lt1"/>
-          </a:fillRef>
-          <a:effectRef idx="0">
-            <a:schemeClr val="accent6"/>
-          </a:effectRef>
-          <a:fontRef idx="minor">
-            <a:schemeClr val="dk1"/>
-          </a:fontRef>
-        </p:style>
-        <p:txBody>
-          <a:bodyPr rtlCol="0" anchor="ctr"/>
-          <a:lstStyle/>
-          <a:p>
-            <a:pPr algn="ctr"/>
-            <a:endParaRPr lang="en-US"/>
-          </a:p>
-        </p:txBody>
-      </p:sp>
-      <p:sp>
-        <p:nvSpPr>
           <p:cNvPr id="20" name="Flowchart: Merge 19">
             <a:extLst>
               <a:ext uri="{FF2B5EF4-FFF2-40B4-BE49-F238E27FC236}">
@@ -8633,7 +8449,7 @@
         </p:nvSpPr>
         <p:spPr>
           <a:xfrm>
-            <a:off x="9303246" y="1367163"/>
+            <a:off x="3863739" y="1383862"/>
             <a:ext cx="129309" cy="110837"/>
           </a:xfrm>
           <a:prstGeom prst="flowChartMerge">
@@ -9021,8 +8837,8 @@
         </p:nvSpPr>
         <p:spPr>
           <a:xfrm>
-            <a:off x="4008582" y="0"/>
-            <a:ext cx="4525818" cy="411024"/>
+            <a:off x="3799084" y="0"/>
+            <a:ext cx="4735316" cy="411024"/>
           </a:xfrm>
           <a:prstGeom prst="rect">
             <a:avLst/>
@@ -9060,7 +8876,7 @@
             </a:r>
             <a:r>
               <a:rPr lang="en-US"/>
-              <a:t> tool – Review responses for clients</a:t>
+              <a:t> tool – Review responses for Patients</a:t>
             </a:r>
           </a:p>
         </p:txBody>
@@ -9654,7 +9470,7 @@
         <p:spPr>
           <a:xfrm>
             <a:off x="305512" y="2744476"/>
-            <a:ext cx="1380914" cy="338266"/>
+            <a:ext cx="1590966" cy="338266"/>
           </a:xfrm>
           <a:prstGeom prst="rect">
             <a:avLst/>
@@ -10226,7 +10042,7 @@
             <a:pPr algn="ctr"/>
             <a:r>
               <a:rPr lang="en-US" sz="1400"/>
-              <a:t>Client</a:t>
+              <a:t>Patients</a:t>
             </a:r>
           </a:p>
         </p:txBody>
@@ -10272,8 +10088,8 @@
           <a:p>
             <a:pPr algn="ctr"/>
             <a:r>
-              <a:rPr lang="en-US" sz="1400"/>
-              <a:t>Authorization</a:t>
+              <a:rPr lang="en-US" sz="1300"/>
+              <a:t>Authorizations</a:t>
             </a:r>
           </a:p>
         </p:txBody>
@@ -10367,7 +10183,7 @@
             <a:pPr algn="ctr"/>
             <a:r>
               <a:rPr lang="en-US" sz="1400"/>
-              <a:t>Billing</a:t>
+              <a:t>Billings</a:t>
             </a:r>
           </a:p>
         </p:txBody>
@@ -10451,20 +10267,20 @@
       </p:grpSpPr>
       <p:sp>
         <p:nvSpPr>
-          <p:cNvPr id="6" name="Rectangle 5">
-            <a:extLst>
-              <a:ext uri="{FF2B5EF4-FFF2-40B4-BE49-F238E27FC236}">
-                <a16:creationId xmlns:a16="http://schemas.microsoft.com/office/drawing/2014/main" id="{DF2B91E9-EED4-4DD8-9263-1C184BC2C671}"/>
-              </a:ext>
-            </a:extLst>
-          </p:cNvPr>
-          <p:cNvSpPr/>
-          <p:nvPr/>
-        </p:nvSpPr>
-        <p:spPr>
-          <a:xfrm>
-            <a:off x="323272" y="1237673"/>
-            <a:ext cx="1380915" cy="338266"/>
+          <p:cNvPr id="7" name="Rectangle 6">
+            <a:extLst>
+              <a:ext uri="{FF2B5EF4-FFF2-40B4-BE49-F238E27FC236}">
+                <a16:creationId xmlns:a16="http://schemas.microsoft.com/office/drawing/2014/main" id="{D6BAFB21-A5ED-4D97-A21B-7037E5B62055}"/>
+              </a:ext>
+            </a:extLst>
+          </p:cNvPr>
+          <p:cNvSpPr/>
+          <p:nvPr/>
+        </p:nvSpPr>
+        <p:spPr>
+          <a:xfrm>
+            <a:off x="323273" y="1716827"/>
+            <a:ext cx="1380914" cy="338266"/>
           </a:xfrm>
           <a:prstGeom prst="rect">
             <a:avLst/>
@@ -10491,26 +10307,26 @@
             <a:pPr algn="ctr"/>
             <a:r>
               <a:rPr lang="en-US" sz="1400"/>
-              <a:t>Jurisdiction</a:t>
-            </a:r>
-          </a:p>
-        </p:txBody>
-      </p:sp>
-      <p:sp>
-        <p:nvSpPr>
-          <p:cNvPr id="7" name="Rectangle 6">
-            <a:extLst>
-              <a:ext uri="{FF2B5EF4-FFF2-40B4-BE49-F238E27FC236}">
-                <a16:creationId xmlns:a16="http://schemas.microsoft.com/office/drawing/2014/main" id="{D6BAFB21-A5ED-4D97-A21B-7037E5B62055}"/>
-              </a:ext>
-            </a:extLst>
-          </p:cNvPr>
-          <p:cNvSpPr/>
-          <p:nvPr/>
-        </p:nvSpPr>
-        <p:spPr>
-          <a:xfrm>
-            <a:off x="323273" y="1716827"/>
+              <a:t>First name</a:t>
+            </a:r>
+          </a:p>
+        </p:txBody>
+      </p:sp>
+      <p:sp>
+        <p:nvSpPr>
+          <p:cNvPr id="8" name="Rectangle 7">
+            <a:extLst>
+              <a:ext uri="{FF2B5EF4-FFF2-40B4-BE49-F238E27FC236}">
+                <a16:creationId xmlns:a16="http://schemas.microsoft.com/office/drawing/2014/main" id="{6676BFCD-4CA3-4401-B454-D77FF8A98A72}"/>
+              </a:ext>
+            </a:extLst>
+          </p:cNvPr>
+          <p:cNvSpPr/>
+          <p:nvPr/>
+        </p:nvSpPr>
+        <p:spPr>
+          <a:xfrm>
+            <a:off x="323272" y="2219609"/>
             <a:ext cx="1380914" cy="338266"/>
           </a:xfrm>
           <a:prstGeom prst="rect">
@@ -10538,26 +10354,26 @@
             <a:pPr algn="ctr"/>
             <a:r>
               <a:rPr lang="en-US" sz="1400"/>
-              <a:t>First name</a:t>
-            </a:r>
-          </a:p>
-        </p:txBody>
-      </p:sp>
-      <p:sp>
-        <p:nvSpPr>
-          <p:cNvPr id="8" name="Rectangle 7">
-            <a:extLst>
-              <a:ext uri="{FF2B5EF4-FFF2-40B4-BE49-F238E27FC236}">
-                <a16:creationId xmlns:a16="http://schemas.microsoft.com/office/drawing/2014/main" id="{6676BFCD-4CA3-4401-B454-D77FF8A98A72}"/>
-              </a:ext>
-            </a:extLst>
-          </p:cNvPr>
-          <p:cNvSpPr/>
-          <p:nvPr/>
-        </p:nvSpPr>
-        <p:spPr>
-          <a:xfrm>
-            <a:off x="323272" y="2219609"/>
+              <a:t>Service</a:t>
+            </a:r>
+          </a:p>
+        </p:txBody>
+      </p:sp>
+      <p:sp>
+        <p:nvSpPr>
+          <p:cNvPr id="9" name="Rectangle 8">
+            <a:extLst>
+              <a:ext uri="{FF2B5EF4-FFF2-40B4-BE49-F238E27FC236}">
+                <a16:creationId xmlns:a16="http://schemas.microsoft.com/office/drawing/2014/main" id="{4C36CCE1-27C2-47E1-BDE9-A914861A542A}"/>
+              </a:ext>
+            </a:extLst>
+          </p:cNvPr>
+          <p:cNvSpPr/>
+          <p:nvPr/>
+        </p:nvSpPr>
+        <p:spPr>
+          <a:xfrm>
+            <a:off x="305512" y="4486783"/>
             <a:ext cx="1380914" cy="338266"/>
           </a:xfrm>
           <a:prstGeom prst="rect">
@@ -10585,26 +10401,26 @@
             <a:pPr algn="ctr"/>
             <a:r>
               <a:rPr lang="en-US" sz="1400"/>
-              <a:t>Service</a:t>
-            </a:r>
-          </a:p>
-        </p:txBody>
-      </p:sp>
-      <p:sp>
-        <p:nvSpPr>
-          <p:cNvPr id="9" name="Rectangle 8">
-            <a:extLst>
-              <a:ext uri="{FF2B5EF4-FFF2-40B4-BE49-F238E27FC236}">
-                <a16:creationId xmlns:a16="http://schemas.microsoft.com/office/drawing/2014/main" id="{4C36CCE1-27C2-47E1-BDE9-A914861A542A}"/>
-              </a:ext>
-            </a:extLst>
-          </p:cNvPr>
-          <p:cNvSpPr/>
-          <p:nvPr/>
-        </p:nvSpPr>
-        <p:spPr>
-          <a:xfrm>
-            <a:off x="305512" y="4486783"/>
+              <a:t>End</a:t>
+            </a:r>
+          </a:p>
+        </p:txBody>
+      </p:sp>
+      <p:sp>
+        <p:nvSpPr>
+          <p:cNvPr id="10" name="Rectangle 9">
+            <a:extLst>
+              <a:ext uri="{FF2B5EF4-FFF2-40B4-BE49-F238E27FC236}">
+                <a16:creationId xmlns:a16="http://schemas.microsoft.com/office/drawing/2014/main" id="{843BE703-94CE-4448-B367-F5DBE92E5A21}"/>
+              </a:ext>
+            </a:extLst>
+          </p:cNvPr>
+          <p:cNvSpPr/>
+          <p:nvPr/>
+        </p:nvSpPr>
+        <p:spPr>
+          <a:xfrm>
+            <a:off x="305512" y="3945875"/>
             <a:ext cx="1380914" cy="338266"/>
           </a:xfrm>
           <a:prstGeom prst="rect">
@@ -10632,27 +10448,27 @@
             <a:pPr algn="ctr"/>
             <a:r>
               <a:rPr lang="en-US" sz="1400"/>
-              <a:t>End</a:t>
-            </a:r>
-          </a:p>
-        </p:txBody>
-      </p:sp>
-      <p:sp>
-        <p:nvSpPr>
-          <p:cNvPr id="10" name="Rectangle 9">
-            <a:extLst>
-              <a:ext uri="{FF2B5EF4-FFF2-40B4-BE49-F238E27FC236}">
-                <a16:creationId xmlns:a16="http://schemas.microsoft.com/office/drawing/2014/main" id="{843BE703-94CE-4448-B367-F5DBE92E5A21}"/>
-              </a:ext>
-            </a:extLst>
-          </p:cNvPr>
-          <p:cNvSpPr/>
-          <p:nvPr/>
-        </p:nvSpPr>
-        <p:spPr>
-          <a:xfrm>
-            <a:off x="305512" y="3945875"/>
-            <a:ext cx="1380914" cy="338266"/>
+              <a:t>Begin</a:t>
+            </a:r>
+          </a:p>
+        </p:txBody>
+      </p:sp>
+      <p:sp>
+        <p:nvSpPr>
+          <p:cNvPr id="11" name="Rectangle 10">
+            <a:extLst>
+              <a:ext uri="{FF2B5EF4-FFF2-40B4-BE49-F238E27FC236}">
+                <a16:creationId xmlns:a16="http://schemas.microsoft.com/office/drawing/2014/main" id="{C7FF2387-9D28-4BCA-9A73-D405644BC1C1}"/>
+              </a:ext>
+            </a:extLst>
+          </p:cNvPr>
+          <p:cNvSpPr/>
+          <p:nvPr/>
+        </p:nvSpPr>
+        <p:spPr>
+          <a:xfrm>
+            <a:off x="323272" y="1161487"/>
+            <a:ext cx="1380914" cy="375213"/>
           </a:xfrm>
           <a:prstGeom prst="rect">
             <a:avLst/>
@@ -10679,27 +10495,27 @@
             <a:pPr algn="ctr"/>
             <a:r>
               <a:rPr lang="en-US" sz="1400"/>
-              <a:t>Begin</a:t>
-            </a:r>
-          </a:p>
-        </p:txBody>
-      </p:sp>
-      <p:sp>
-        <p:nvSpPr>
-          <p:cNvPr id="11" name="Rectangle 10">
-            <a:extLst>
-              <a:ext uri="{FF2B5EF4-FFF2-40B4-BE49-F238E27FC236}">
-                <a16:creationId xmlns:a16="http://schemas.microsoft.com/office/drawing/2014/main" id="{C7FF2387-9D28-4BCA-9A73-D405644BC1C1}"/>
-              </a:ext>
-            </a:extLst>
-          </p:cNvPr>
-          <p:cNvSpPr/>
-          <p:nvPr/>
-        </p:nvSpPr>
-        <p:spPr>
-          <a:xfrm>
-            <a:off x="5631870" y="1200724"/>
-            <a:ext cx="1590966" cy="375213"/>
+              <a:t>Agency</a:t>
+            </a:r>
+          </a:p>
+        </p:txBody>
+      </p:sp>
+      <p:sp>
+        <p:nvSpPr>
+          <p:cNvPr id="12" name="Rectangle 11">
+            <a:extLst>
+              <a:ext uri="{FF2B5EF4-FFF2-40B4-BE49-F238E27FC236}">
+                <a16:creationId xmlns:a16="http://schemas.microsoft.com/office/drawing/2014/main" id="{3CCD1C28-5DF6-44EB-920C-EC57152A0D8B}"/>
+              </a:ext>
+            </a:extLst>
+          </p:cNvPr>
+          <p:cNvSpPr/>
+          <p:nvPr/>
+        </p:nvSpPr>
+        <p:spPr>
+          <a:xfrm>
+            <a:off x="5631868" y="1692300"/>
+            <a:ext cx="1590968" cy="375213"/>
           </a:xfrm>
           <a:prstGeom prst="rect">
             <a:avLst/>
@@ -10726,26 +10542,26 @@
             <a:pPr algn="ctr"/>
             <a:r>
               <a:rPr lang="en-US" sz="1400"/>
-              <a:t>Agency</a:t>
-            </a:r>
-          </a:p>
-        </p:txBody>
-      </p:sp>
-      <p:sp>
-        <p:nvSpPr>
-          <p:cNvPr id="12" name="Rectangle 11">
-            <a:extLst>
-              <a:ext uri="{FF2B5EF4-FFF2-40B4-BE49-F238E27FC236}">
-                <a16:creationId xmlns:a16="http://schemas.microsoft.com/office/drawing/2014/main" id="{3CCD1C28-5DF6-44EB-920C-EC57152A0D8B}"/>
-              </a:ext>
-            </a:extLst>
-          </p:cNvPr>
-          <p:cNvSpPr/>
-          <p:nvPr/>
-        </p:nvSpPr>
-        <p:spPr>
-          <a:xfrm>
-            <a:off x="5631868" y="1692300"/>
+              <a:t>Last name</a:t>
+            </a:r>
+          </a:p>
+        </p:txBody>
+      </p:sp>
+      <p:sp>
+        <p:nvSpPr>
+          <p:cNvPr id="13" name="Rectangle 12">
+            <a:extLst>
+              <a:ext uri="{FF2B5EF4-FFF2-40B4-BE49-F238E27FC236}">
+                <a16:creationId xmlns:a16="http://schemas.microsoft.com/office/drawing/2014/main" id="{868D2B36-8FE5-448A-BDC8-06396EB03A3F}"/>
+              </a:ext>
+            </a:extLst>
+          </p:cNvPr>
+          <p:cNvSpPr/>
+          <p:nvPr/>
+        </p:nvSpPr>
+        <p:spPr>
+          <a:xfrm>
+            <a:off x="5631868" y="2214961"/>
             <a:ext cx="1590968" cy="375213"/>
           </a:xfrm>
           <a:prstGeom prst="rect">
@@ -10773,27 +10589,74 @@
             <a:pPr algn="ctr"/>
             <a:r>
               <a:rPr lang="en-US" sz="1400"/>
-              <a:t>Last name</a:t>
-            </a:r>
-          </a:p>
-        </p:txBody>
-      </p:sp>
-      <p:sp>
-        <p:nvSpPr>
-          <p:cNvPr id="13" name="Rectangle 12">
-            <a:extLst>
-              <a:ext uri="{FF2B5EF4-FFF2-40B4-BE49-F238E27FC236}">
-                <a16:creationId xmlns:a16="http://schemas.microsoft.com/office/drawing/2014/main" id="{868D2B36-8FE5-448A-BDC8-06396EB03A3F}"/>
-              </a:ext>
-            </a:extLst>
-          </p:cNvPr>
-          <p:cNvSpPr/>
-          <p:nvPr/>
-        </p:nvSpPr>
-        <p:spPr>
-          <a:xfrm>
-            <a:off x="5631868" y="2214961"/>
-            <a:ext cx="1590968" cy="375213"/>
+              <a:t>Admission Type</a:t>
+            </a:r>
+          </a:p>
+        </p:txBody>
+      </p:sp>
+      <p:sp>
+        <p:nvSpPr>
+          <p:cNvPr id="18" name="Rectangle 17">
+            <a:extLst>
+              <a:ext uri="{FF2B5EF4-FFF2-40B4-BE49-F238E27FC236}">
+                <a16:creationId xmlns:a16="http://schemas.microsoft.com/office/drawing/2014/main" id="{CC900875-9094-414F-800C-ED9618E8058F}"/>
+              </a:ext>
+            </a:extLst>
+          </p:cNvPr>
+          <p:cNvSpPr/>
+          <p:nvPr/>
+        </p:nvSpPr>
+        <p:spPr>
+          <a:xfrm>
+            <a:off x="2219750" y="1161488"/>
+            <a:ext cx="1841380" cy="347506"/>
+          </a:xfrm>
+          <a:prstGeom prst="rect">
+            <a:avLst/>
+          </a:prstGeom>
+        </p:spPr>
+        <p:style>
+          <a:lnRef idx="1">
+            <a:schemeClr val="accent3"/>
+          </a:lnRef>
+          <a:fillRef idx="2">
+            <a:schemeClr val="accent3"/>
+          </a:fillRef>
+          <a:effectRef idx="1">
+            <a:schemeClr val="accent3"/>
+          </a:effectRef>
+          <a:fontRef idx="minor">
+            <a:schemeClr val="dk1"/>
+          </a:fontRef>
+        </p:style>
+        <p:txBody>
+          <a:bodyPr rtlCol="0" anchor="ctr"/>
+          <a:lstStyle/>
+          <a:p>
+            <a:pPr algn="ctr"/>
+            <a:r>
+              <a:rPr lang="en-US"/>
+              <a:t>JASA</a:t>
+            </a:r>
+          </a:p>
+        </p:txBody>
+      </p:sp>
+      <p:sp>
+        <p:nvSpPr>
+          <p:cNvPr id="19" name="Rectangle 18">
+            <a:extLst>
+              <a:ext uri="{FF2B5EF4-FFF2-40B4-BE49-F238E27FC236}">
+                <a16:creationId xmlns:a16="http://schemas.microsoft.com/office/drawing/2014/main" id="{CEE1AD42-0C03-495D-8F23-F33499C0A6EF}"/>
+              </a:ext>
+            </a:extLst>
+          </p:cNvPr>
+          <p:cNvSpPr/>
+          <p:nvPr/>
+        </p:nvSpPr>
+        <p:spPr>
+          <a:xfrm>
+            <a:off x="3793274" y="1161669"/>
+            <a:ext cx="267855" cy="332513"/>
           </a:xfrm>
           <a:prstGeom prst="rect">
             <a:avLst/>
@@ -10818,243 +10681,12 @@
           <a:lstStyle/>
           <a:p>
             <a:pPr algn="ctr"/>
-            <a:r>
-              <a:rPr lang="en-US" sz="1400"/>
-              <a:t>Admission Type</a:t>
-            </a:r>
-          </a:p>
-        </p:txBody>
-      </p:sp>
-      <p:sp>
-        <p:nvSpPr>
-          <p:cNvPr id="15" name="Rectangle 14">
-            <a:extLst>
-              <a:ext uri="{FF2B5EF4-FFF2-40B4-BE49-F238E27FC236}">
-                <a16:creationId xmlns:a16="http://schemas.microsoft.com/office/drawing/2014/main" id="{B17E0830-B6D5-4D53-9249-125783436C6D}"/>
-              </a:ext>
-            </a:extLst>
-          </p:cNvPr>
-          <p:cNvSpPr/>
-          <p:nvPr/>
-        </p:nvSpPr>
-        <p:spPr>
-          <a:xfrm>
-            <a:off x="2235200" y="1237672"/>
-            <a:ext cx="1773382" cy="338266"/>
-          </a:xfrm>
-          <a:prstGeom prst="rect">
-            <a:avLst/>
-          </a:prstGeom>
-        </p:spPr>
-        <p:style>
-          <a:lnRef idx="1">
-            <a:schemeClr val="accent3"/>
-          </a:lnRef>
-          <a:fillRef idx="2">
-            <a:schemeClr val="accent3"/>
-          </a:fillRef>
-          <a:effectRef idx="1">
-            <a:schemeClr val="accent3"/>
-          </a:effectRef>
-          <a:fontRef idx="minor">
-            <a:schemeClr val="dk1"/>
-          </a:fontRef>
-        </p:style>
-        <p:txBody>
-          <a:bodyPr rtlCol="0" anchor="ctr"/>
-          <a:lstStyle/>
-          <a:p>
-            <a:pPr algn="ctr"/>
-            <a:r>
-              <a:rPr lang="en-US"/>
-              <a:t>TL</a:t>
-            </a:r>
-          </a:p>
-        </p:txBody>
-      </p:sp>
-      <p:sp>
-        <p:nvSpPr>
-          <p:cNvPr id="16" name="Rectangle 15">
-            <a:extLst>
-              <a:ext uri="{FF2B5EF4-FFF2-40B4-BE49-F238E27FC236}">
-                <a16:creationId xmlns:a16="http://schemas.microsoft.com/office/drawing/2014/main" id="{80C3F056-1057-49DA-9124-1CD80474C8FD}"/>
-              </a:ext>
-            </a:extLst>
-          </p:cNvPr>
-          <p:cNvSpPr/>
-          <p:nvPr/>
-        </p:nvSpPr>
-        <p:spPr>
-          <a:xfrm>
-            <a:off x="3771901" y="1243952"/>
-            <a:ext cx="227446" cy="338266"/>
-          </a:xfrm>
-          <a:prstGeom prst="rect">
-            <a:avLst/>
-          </a:prstGeom>
-        </p:spPr>
-        <p:style>
-          <a:lnRef idx="2">
-            <a:schemeClr val="accent6"/>
-          </a:lnRef>
-          <a:fillRef idx="1">
-            <a:schemeClr val="lt1"/>
-          </a:fillRef>
-          <a:effectRef idx="0">
-            <a:schemeClr val="accent6"/>
-          </a:effectRef>
-          <a:fontRef idx="minor">
-            <a:schemeClr val="dk1"/>
-          </a:fontRef>
-        </p:style>
-        <p:txBody>
-          <a:bodyPr rtlCol="0" anchor="ctr"/>
-          <a:lstStyle/>
-          <a:p>
-            <a:pPr algn="ctr"/>
             <a:endParaRPr lang="en-US"/>
           </a:p>
         </p:txBody>
       </p:sp>
       <p:sp>
         <p:nvSpPr>
-          <p:cNvPr id="17" name="Flowchart: Merge 16">
-            <a:extLst>
-              <a:ext uri="{FF2B5EF4-FFF2-40B4-BE49-F238E27FC236}">
-                <a16:creationId xmlns:a16="http://schemas.microsoft.com/office/drawing/2014/main" id="{638B81E3-A37F-4BFA-9FD4-7E8A91C2E92E}"/>
-              </a:ext>
-            </a:extLst>
-          </p:cNvPr>
-          <p:cNvSpPr/>
-          <p:nvPr/>
-        </p:nvSpPr>
-        <p:spPr>
-          <a:xfrm>
-            <a:off x="3840480" y="1398271"/>
-            <a:ext cx="127179" cy="103156"/>
-          </a:xfrm>
-          <a:prstGeom prst="flowChartMerge">
-            <a:avLst/>
-          </a:prstGeom>
-        </p:spPr>
-        <p:style>
-          <a:lnRef idx="2">
-            <a:schemeClr val="accent1">
-              <a:shade val="50000"/>
-            </a:schemeClr>
-          </a:lnRef>
-          <a:fillRef idx="1">
-            <a:schemeClr val="accent1"/>
-          </a:fillRef>
-          <a:effectRef idx="0">
-            <a:schemeClr val="accent1"/>
-          </a:effectRef>
-          <a:fontRef idx="minor">
-            <a:schemeClr val="lt1"/>
-          </a:fontRef>
-        </p:style>
-        <p:txBody>
-          <a:bodyPr rtlCol="0" anchor="ctr"/>
-          <a:lstStyle/>
-          <a:p>
-            <a:pPr algn="ctr"/>
-            <a:endParaRPr lang="en-US"/>
-          </a:p>
-        </p:txBody>
-      </p:sp>
-      <p:sp>
-        <p:nvSpPr>
-          <p:cNvPr id="18" name="Rectangle 17">
-            <a:extLst>
-              <a:ext uri="{FF2B5EF4-FFF2-40B4-BE49-F238E27FC236}">
-                <a16:creationId xmlns:a16="http://schemas.microsoft.com/office/drawing/2014/main" id="{CC900875-9094-414F-800C-ED9618E8058F}"/>
-              </a:ext>
-            </a:extLst>
-          </p:cNvPr>
-          <p:cNvSpPr/>
-          <p:nvPr/>
-        </p:nvSpPr>
-        <p:spPr>
-          <a:xfrm>
-            <a:off x="7659256" y="1200725"/>
-            <a:ext cx="1856600" cy="347506"/>
-          </a:xfrm>
-          <a:prstGeom prst="rect">
-            <a:avLst/>
-          </a:prstGeom>
-        </p:spPr>
-        <p:style>
-          <a:lnRef idx="1">
-            <a:schemeClr val="accent3"/>
-          </a:lnRef>
-          <a:fillRef idx="2">
-            <a:schemeClr val="accent3"/>
-          </a:fillRef>
-          <a:effectRef idx="1">
-            <a:schemeClr val="accent3"/>
-          </a:effectRef>
-          <a:fontRef idx="minor">
-            <a:schemeClr val="dk1"/>
-          </a:fontRef>
-        </p:style>
-        <p:txBody>
-          <a:bodyPr rtlCol="0" anchor="ctr"/>
-          <a:lstStyle/>
-          <a:p>
-            <a:pPr algn="ctr"/>
-            <a:r>
-              <a:rPr lang="en-US"/>
-              <a:t>Home Health</a:t>
-            </a:r>
-          </a:p>
-        </p:txBody>
-      </p:sp>
-      <p:sp>
-        <p:nvSpPr>
-          <p:cNvPr id="19" name="Rectangle 18">
-            <a:extLst>
-              <a:ext uri="{FF2B5EF4-FFF2-40B4-BE49-F238E27FC236}">
-                <a16:creationId xmlns:a16="http://schemas.microsoft.com/office/drawing/2014/main" id="{CEE1AD42-0C03-495D-8F23-F33499C0A6EF}"/>
-              </a:ext>
-            </a:extLst>
-          </p:cNvPr>
-          <p:cNvSpPr/>
-          <p:nvPr/>
-        </p:nvSpPr>
-        <p:spPr>
-          <a:xfrm>
-            <a:off x="9238591" y="1200907"/>
-            <a:ext cx="267855" cy="332513"/>
-          </a:xfrm>
-          <a:prstGeom prst="rect">
-            <a:avLst/>
-          </a:prstGeom>
-        </p:spPr>
-        <p:style>
-          <a:lnRef idx="2">
-            <a:schemeClr val="accent6"/>
-          </a:lnRef>
-          <a:fillRef idx="1">
-            <a:schemeClr val="lt1"/>
-          </a:fillRef>
-          <a:effectRef idx="0">
-            <a:schemeClr val="accent6"/>
-          </a:effectRef>
-          <a:fontRef idx="minor">
-            <a:schemeClr val="dk1"/>
-          </a:fontRef>
-        </p:style>
-        <p:txBody>
-          <a:bodyPr rtlCol="0" anchor="ctr"/>
-          <a:lstStyle/>
-          <a:p>
-            <a:pPr algn="ctr"/>
-            <a:endParaRPr lang="en-US"/>
-          </a:p>
-        </p:txBody>
-      </p:sp>
-      <p:sp>
-        <p:nvSpPr>
           <p:cNvPr id="20" name="Flowchart: Merge 19">
             <a:extLst>
               <a:ext uri="{FF2B5EF4-FFF2-40B4-BE49-F238E27FC236}">
@@ -11067,7 +10699,7 @@
         </p:nvSpPr>
         <p:spPr>
           <a:xfrm>
-            <a:off x="9303246" y="1367163"/>
+            <a:off x="3862546" y="1332952"/>
             <a:ext cx="129309" cy="110837"/>
           </a:xfrm>
           <a:prstGeom prst="flowChartMerge">
@@ -12756,7 +12388,7 @@
             <a:pPr algn="ctr"/>
             <a:r>
               <a:rPr lang="en-US" sz="1400"/>
-              <a:t>Client</a:t>
+              <a:t>Patients</a:t>
             </a:r>
           </a:p>
         </p:txBody>
@@ -12802,8 +12434,8 @@
           <a:p>
             <a:pPr algn="ctr"/>
             <a:r>
-              <a:rPr lang="en-US" sz="1400"/>
-              <a:t>Authorization</a:t>
+              <a:rPr lang="en-US" sz="1300"/>
+              <a:t>Authorizations</a:t>
             </a:r>
           </a:p>
         </p:txBody>
@@ -12897,7 +12529,7 @@
             <a:pPr algn="ctr"/>
             <a:r>
               <a:rPr lang="en-US" sz="1400"/>
-              <a:t>Billing</a:t>
+              <a:t>Billings</a:t>
             </a:r>
           </a:p>
         </p:txBody>
@@ -12981,19 +12613,19 @@
       </p:grpSpPr>
       <p:sp>
         <p:nvSpPr>
-          <p:cNvPr id="6" name="Rectangle 5">
-            <a:extLst>
-              <a:ext uri="{FF2B5EF4-FFF2-40B4-BE49-F238E27FC236}">
-                <a16:creationId xmlns:a16="http://schemas.microsoft.com/office/drawing/2014/main" id="{DF2B91E9-EED4-4DD8-9263-1C184BC2C671}"/>
-              </a:ext>
-            </a:extLst>
-          </p:cNvPr>
-          <p:cNvSpPr/>
-          <p:nvPr/>
-        </p:nvSpPr>
-        <p:spPr>
-          <a:xfrm>
-            <a:off x="323273" y="1237673"/>
+          <p:cNvPr id="7" name="Rectangle 6">
+            <a:extLst>
+              <a:ext uri="{FF2B5EF4-FFF2-40B4-BE49-F238E27FC236}">
+                <a16:creationId xmlns:a16="http://schemas.microsoft.com/office/drawing/2014/main" id="{D6BAFB21-A5ED-4D97-A21B-7037E5B62055}"/>
+              </a:ext>
+            </a:extLst>
+          </p:cNvPr>
+          <p:cNvSpPr/>
+          <p:nvPr/>
+        </p:nvSpPr>
+        <p:spPr>
+          <a:xfrm>
+            <a:off x="313117" y="1993406"/>
             <a:ext cx="1020582" cy="338266"/>
           </a:xfrm>
           <a:prstGeom prst="rect">
@@ -13021,27 +12653,27 @@
             <a:pPr algn="ctr"/>
             <a:r>
               <a:rPr lang="en-US" sz="1400"/>
-              <a:t>Jurisdiction</a:t>
-            </a:r>
-          </a:p>
-        </p:txBody>
-      </p:sp>
-      <p:sp>
-        <p:nvSpPr>
-          <p:cNvPr id="7" name="Rectangle 6">
-            <a:extLst>
-              <a:ext uri="{FF2B5EF4-FFF2-40B4-BE49-F238E27FC236}">
-                <a16:creationId xmlns:a16="http://schemas.microsoft.com/office/drawing/2014/main" id="{D6BAFB21-A5ED-4D97-A21B-7037E5B62055}"/>
-              </a:ext>
-            </a:extLst>
-          </p:cNvPr>
-          <p:cNvSpPr/>
-          <p:nvPr/>
-        </p:nvSpPr>
-        <p:spPr>
-          <a:xfrm>
-            <a:off x="313117" y="1993406"/>
-            <a:ext cx="1020582" cy="338266"/>
+              <a:t>First name</a:t>
+            </a:r>
+          </a:p>
+        </p:txBody>
+      </p:sp>
+      <p:sp>
+        <p:nvSpPr>
+          <p:cNvPr id="8" name="Rectangle 7">
+            <a:extLst>
+              <a:ext uri="{FF2B5EF4-FFF2-40B4-BE49-F238E27FC236}">
+                <a16:creationId xmlns:a16="http://schemas.microsoft.com/office/drawing/2014/main" id="{6676BFCD-4CA3-4401-B454-D77FF8A98A72}"/>
+              </a:ext>
+            </a:extLst>
+          </p:cNvPr>
+          <p:cNvSpPr/>
+          <p:nvPr/>
+        </p:nvSpPr>
+        <p:spPr>
+          <a:xfrm>
+            <a:off x="321609" y="2524378"/>
+            <a:ext cx="995898" cy="338266"/>
           </a:xfrm>
           <a:prstGeom prst="rect">
             <a:avLst/>
@@ -13068,27 +12700,27 @@
             <a:pPr algn="ctr"/>
             <a:r>
               <a:rPr lang="en-US" sz="1400"/>
-              <a:t>First name</a:t>
-            </a:r>
-          </a:p>
-        </p:txBody>
-      </p:sp>
-      <p:sp>
-        <p:nvSpPr>
-          <p:cNvPr id="8" name="Rectangle 7">
-            <a:extLst>
-              <a:ext uri="{FF2B5EF4-FFF2-40B4-BE49-F238E27FC236}">
-                <a16:creationId xmlns:a16="http://schemas.microsoft.com/office/drawing/2014/main" id="{6676BFCD-4CA3-4401-B454-D77FF8A98A72}"/>
-              </a:ext>
-            </a:extLst>
-          </p:cNvPr>
-          <p:cNvSpPr/>
-          <p:nvPr/>
-        </p:nvSpPr>
-        <p:spPr>
-          <a:xfrm>
-            <a:off x="321609" y="2524378"/>
-            <a:ext cx="995898" cy="338266"/>
+              <a:t>Sched ID</a:t>
+            </a:r>
+          </a:p>
+        </p:txBody>
+      </p:sp>
+      <p:sp>
+        <p:nvSpPr>
+          <p:cNvPr id="9" name="Rectangle 8">
+            <a:extLst>
+              <a:ext uri="{FF2B5EF4-FFF2-40B4-BE49-F238E27FC236}">
+                <a16:creationId xmlns:a16="http://schemas.microsoft.com/office/drawing/2014/main" id="{4C36CCE1-27C2-47E1-BDE9-A914861A542A}"/>
+              </a:ext>
+            </a:extLst>
+          </p:cNvPr>
+          <p:cNvSpPr/>
+          <p:nvPr/>
+        </p:nvSpPr>
+        <p:spPr>
+          <a:xfrm>
+            <a:off x="321609" y="3997430"/>
+            <a:ext cx="1012090" cy="338266"/>
           </a:xfrm>
           <a:prstGeom prst="rect">
             <a:avLst/>
@@ -13115,26 +12747,26 @@
             <a:pPr algn="ctr"/>
             <a:r>
               <a:rPr lang="en-US" sz="1400"/>
-              <a:t>Sched ID</a:t>
-            </a:r>
-          </a:p>
-        </p:txBody>
-      </p:sp>
-      <p:sp>
-        <p:nvSpPr>
-          <p:cNvPr id="9" name="Rectangle 8">
-            <a:extLst>
-              <a:ext uri="{FF2B5EF4-FFF2-40B4-BE49-F238E27FC236}">
-                <a16:creationId xmlns:a16="http://schemas.microsoft.com/office/drawing/2014/main" id="{4C36CCE1-27C2-47E1-BDE9-A914861A542A}"/>
-              </a:ext>
-            </a:extLst>
-          </p:cNvPr>
-          <p:cNvSpPr/>
-          <p:nvPr/>
-        </p:nvSpPr>
-        <p:spPr>
-          <a:xfrm>
-            <a:off x="321609" y="3997430"/>
+              <a:t>To</a:t>
+            </a:r>
+          </a:p>
+        </p:txBody>
+      </p:sp>
+      <p:sp>
+        <p:nvSpPr>
+          <p:cNvPr id="10" name="Rectangle 9">
+            <a:extLst>
+              <a:ext uri="{FF2B5EF4-FFF2-40B4-BE49-F238E27FC236}">
+                <a16:creationId xmlns:a16="http://schemas.microsoft.com/office/drawing/2014/main" id="{843BE703-94CE-4448-B367-F5DBE92E5A21}"/>
+              </a:ext>
+            </a:extLst>
+          </p:cNvPr>
+          <p:cNvSpPr/>
+          <p:nvPr/>
+        </p:nvSpPr>
+        <p:spPr>
+          <a:xfrm>
+            <a:off x="321609" y="3456522"/>
             <a:ext cx="1012090" cy="338266"/>
           </a:xfrm>
           <a:prstGeom prst="rect">
@@ -13162,27 +12794,27 @@
             <a:pPr algn="ctr"/>
             <a:r>
               <a:rPr lang="en-US" sz="1400"/>
-              <a:t>To</a:t>
-            </a:r>
-          </a:p>
-        </p:txBody>
-      </p:sp>
-      <p:sp>
-        <p:nvSpPr>
-          <p:cNvPr id="10" name="Rectangle 9">
-            <a:extLst>
-              <a:ext uri="{FF2B5EF4-FFF2-40B4-BE49-F238E27FC236}">
-                <a16:creationId xmlns:a16="http://schemas.microsoft.com/office/drawing/2014/main" id="{843BE703-94CE-4448-B367-F5DBE92E5A21}"/>
-              </a:ext>
-            </a:extLst>
-          </p:cNvPr>
-          <p:cNvSpPr/>
-          <p:nvPr/>
-        </p:nvSpPr>
-        <p:spPr>
-          <a:xfrm>
-            <a:off x="321609" y="3456522"/>
-            <a:ext cx="1012090" cy="338266"/>
+              <a:t>From</a:t>
+            </a:r>
+          </a:p>
+        </p:txBody>
+      </p:sp>
+      <p:sp>
+        <p:nvSpPr>
+          <p:cNvPr id="11" name="Rectangle 10">
+            <a:extLst>
+              <a:ext uri="{FF2B5EF4-FFF2-40B4-BE49-F238E27FC236}">
+                <a16:creationId xmlns:a16="http://schemas.microsoft.com/office/drawing/2014/main" id="{C7FF2387-9D28-4BCA-9A73-D405644BC1C1}"/>
+              </a:ext>
+            </a:extLst>
+          </p:cNvPr>
+          <p:cNvSpPr/>
+          <p:nvPr/>
+        </p:nvSpPr>
+        <p:spPr>
+          <a:xfrm>
+            <a:off x="321609" y="1236628"/>
+            <a:ext cx="1020581" cy="332193"/>
           </a:xfrm>
           <a:prstGeom prst="rect">
             <a:avLst/>
@@ -13209,27 +12841,27 @@
             <a:pPr algn="ctr"/>
             <a:r>
               <a:rPr lang="en-US" sz="1400"/>
-              <a:t>From</a:t>
-            </a:r>
-          </a:p>
-        </p:txBody>
-      </p:sp>
-      <p:sp>
-        <p:nvSpPr>
-          <p:cNvPr id="11" name="Rectangle 10">
-            <a:extLst>
-              <a:ext uri="{FF2B5EF4-FFF2-40B4-BE49-F238E27FC236}">
-                <a16:creationId xmlns:a16="http://schemas.microsoft.com/office/drawing/2014/main" id="{C7FF2387-9D28-4BCA-9A73-D405644BC1C1}"/>
-              </a:ext>
-            </a:extLst>
-          </p:cNvPr>
-          <p:cNvSpPr/>
-          <p:nvPr/>
-        </p:nvSpPr>
-        <p:spPr>
-          <a:xfrm>
-            <a:off x="3462006" y="1236725"/>
-            <a:ext cx="1020581" cy="332193"/>
+              <a:t>Agency</a:t>
+            </a:r>
+          </a:p>
+        </p:txBody>
+      </p:sp>
+      <p:sp>
+        <p:nvSpPr>
+          <p:cNvPr id="12" name="Rectangle 11">
+            <a:extLst>
+              <a:ext uri="{FF2B5EF4-FFF2-40B4-BE49-F238E27FC236}">
+                <a16:creationId xmlns:a16="http://schemas.microsoft.com/office/drawing/2014/main" id="{3CCD1C28-5DF6-44EB-920C-EC57152A0D8B}"/>
+              </a:ext>
+            </a:extLst>
+          </p:cNvPr>
+          <p:cNvSpPr/>
+          <p:nvPr/>
+        </p:nvSpPr>
+        <p:spPr>
+          <a:xfrm>
+            <a:off x="3451848" y="2004881"/>
+            <a:ext cx="1020582" cy="360802"/>
           </a:xfrm>
           <a:prstGeom prst="rect">
             <a:avLst/>
@@ -13256,27 +12888,27 @@
             <a:pPr algn="ctr"/>
             <a:r>
               <a:rPr lang="en-US" sz="1400"/>
-              <a:t>Agency</a:t>
-            </a:r>
-          </a:p>
-        </p:txBody>
-      </p:sp>
-      <p:sp>
-        <p:nvSpPr>
-          <p:cNvPr id="12" name="Rectangle 11">
-            <a:extLst>
-              <a:ext uri="{FF2B5EF4-FFF2-40B4-BE49-F238E27FC236}">
-                <a16:creationId xmlns:a16="http://schemas.microsoft.com/office/drawing/2014/main" id="{3CCD1C28-5DF6-44EB-920C-EC57152A0D8B}"/>
-              </a:ext>
-            </a:extLst>
-          </p:cNvPr>
-          <p:cNvSpPr/>
-          <p:nvPr/>
-        </p:nvSpPr>
-        <p:spPr>
-          <a:xfrm>
-            <a:off x="3451848" y="2004881"/>
-            <a:ext cx="1020582" cy="360802"/>
+              <a:t>Last name</a:t>
+            </a:r>
+          </a:p>
+        </p:txBody>
+      </p:sp>
+      <p:sp>
+        <p:nvSpPr>
+          <p:cNvPr id="13" name="Rectangle 12">
+            <a:extLst>
+              <a:ext uri="{FF2B5EF4-FFF2-40B4-BE49-F238E27FC236}">
+                <a16:creationId xmlns:a16="http://schemas.microsoft.com/office/drawing/2014/main" id="{868D2B36-8FE5-448A-BDC8-06396EB03A3F}"/>
+              </a:ext>
+            </a:extLst>
+          </p:cNvPr>
+          <p:cNvSpPr/>
+          <p:nvPr/>
+        </p:nvSpPr>
+        <p:spPr>
+          <a:xfrm>
+            <a:off x="3431202" y="2494122"/>
+            <a:ext cx="1035193" cy="375213"/>
           </a:xfrm>
           <a:prstGeom prst="rect">
             <a:avLst/>
@@ -13303,27 +12935,74 @@
             <a:pPr algn="ctr"/>
             <a:r>
               <a:rPr lang="en-US" sz="1400"/>
-              <a:t>Last name</a:t>
-            </a:r>
-          </a:p>
-        </p:txBody>
-      </p:sp>
-      <p:sp>
-        <p:nvSpPr>
-          <p:cNvPr id="13" name="Rectangle 12">
-            <a:extLst>
-              <a:ext uri="{FF2B5EF4-FFF2-40B4-BE49-F238E27FC236}">
-                <a16:creationId xmlns:a16="http://schemas.microsoft.com/office/drawing/2014/main" id="{868D2B36-8FE5-448A-BDC8-06396EB03A3F}"/>
-              </a:ext>
-            </a:extLst>
-          </p:cNvPr>
-          <p:cNvSpPr/>
-          <p:nvPr/>
-        </p:nvSpPr>
-        <p:spPr>
-          <a:xfrm>
-            <a:off x="3431202" y="2494122"/>
-            <a:ext cx="1035193" cy="375213"/>
+              <a:t>Service</a:t>
+            </a:r>
+          </a:p>
+        </p:txBody>
+      </p:sp>
+      <p:sp>
+        <p:nvSpPr>
+          <p:cNvPr id="18" name="Rectangle 17">
+            <a:extLst>
+              <a:ext uri="{FF2B5EF4-FFF2-40B4-BE49-F238E27FC236}">
+                <a16:creationId xmlns:a16="http://schemas.microsoft.com/office/drawing/2014/main" id="{CC900875-9094-414F-800C-ED9618E8058F}"/>
+              </a:ext>
+            </a:extLst>
+          </p:cNvPr>
+          <p:cNvSpPr/>
+          <p:nvPr/>
+        </p:nvSpPr>
+        <p:spPr>
+          <a:xfrm>
+            <a:off x="1716650" y="1235117"/>
+            <a:ext cx="1190981" cy="347506"/>
+          </a:xfrm>
+          <a:prstGeom prst="rect">
+            <a:avLst/>
+          </a:prstGeom>
+        </p:spPr>
+        <p:style>
+          <a:lnRef idx="1">
+            <a:schemeClr val="accent3"/>
+          </a:lnRef>
+          <a:fillRef idx="2">
+            <a:schemeClr val="accent3"/>
+          </a:fillRef>
+          <a:effectRef idx="1">
+            <a:schemeClr val="accent3"/>
+          </a:effectRef>
+          <a:fontRef idx="minor">
+            <a:schemeClr val="dk1"/>
+          </a:fontRef>
+        </p:style>
+        <p:txBody>
+          <a:bodyPr rtlCol="0" anchor="ctr"/>
+          <a:lstStyle/>
+          <a:p>
+            <a:pPr algn="ctr"/>
+            <a:r>
+              <a:rPr lang="en-US" sz="1200"/>
+              <a:t>JASA</a:t>
+            </a:r>
+          </a:p>
+        </p:txBody>
+      </p:sp>
+      <p:sp>
+        <p:nvSpPr>
+          <p:cNvPr id="19" name="Rectangle 18">
+            <a:extLst>
+              <a:ext uri="{FF2B5EF4-FFF2-40B4-BE49-F238E27FC236}">
+                <a16:creationId xmlns:a16="http://schemas.microsoft.com/office/drawing/2014/main" id="{CEE1AD42-0C03-495D-8F23-F33499C0A6EF}"/>
+              </a:ext>
+            </a:extLst>
+          </p:cNvPr>
+          <p:cNvSpPr/>
+          <p:nvPr/>
+        </p:nvSpPr>
+        <p:spPr>
+          <a:xfrm>
+            <a:off x="2736640" y="1237580"/>
+            <a:ext cx="244234" cy="332513"/>
           </a:xfrm>
           <a:prstGeom prst="rect">
             <a:avLst/>
@@ -13348,243 +13027,12 @@
           <a:lstStyle/>
           <a:p>
             <a:pPr algn="ctr"/>
-            <a:r>
-              <a:rPr lang="en-US" sz="1400"/>
-              <a:t>Service</a:t>
-            </a:r>
-          </a:p>
-        </p:txBody>
-      </p:sp>
-      <p:sp>
-        <p:nvSpPr>
-          <p:cNvPr id="15" name="Rectangle 14">
-            <a:extLst>
-              <a:ext uri="{FF2B5EF4-FFF2-40B4-BE49-F238E27FC236}">
-                <a16:creationId xmlns:a16="http://schemas.microsoft.com/office/drawing/2014/main" id="{B17E0830-B6D5-4D53-9249-125783436C6D}"/>
-              </a:ext>
-            </a:extLst>
-          </p:cNvPr>
-          <p:cNvSpPr/>
-          <p:nvPr/>
-        </p:nvSpPr>
-        <p:spPr>
-          <a:xfrm>
-            <a:off x="1686426" y="1247946"/>
-            <a:ext cx="1310640" cy="338266"/>
-          </a:xfrm>
-          <a:prstGeom prst="rect">
-            <a:avLst/>
-          </a:prstGeom>
-        </p:spPr>
-        <p:style>
-          <a:lnRef idx="1">
-            <a:schemeClr val="accent3"/>
-          </a:lnRef>
-          <a:fillRef idx="2">
-            <a:schemeClr val="accent3"/>
-          </a:fillRef>
-          <a:effectRef idx="1">
-            <a:schemeClr val="accent3"/>
-          </a:effectRef>
-          <a:fontRef idx="minor">
-            <a:schemeClr val="dk1"/>
-          </a:fontRef>
-        </p:style>
-        <p:txBody>
-          <a:bodyPr rtlCol="0" anchor="ctr"/>
-          <a:lstStyle/>
-          <a:p>
-            <a:pPr algn="ctr"/>
-            <a:r>
-              <a:rPr lang="en-US" sz="1200"/>
-              <a:t>TL</a:t>
-            </a:r>
-          </a:p>
-        </p:txBody>
-      </p:sp>
-      <p:sp>
-        <p:nvSpPr>
-          <p:cNvPr id="16" name="Rectangle 15">
-            <a:extLst>
-              <a:ext uri="{FF2B5EF4-FFF2-40B4-BE49-F238E27FC236}">
-                <a16:creationId xmlns:a16="http://schemas.microsoft.com/office/drawing/2014/main" id="{80C3F056-1057-49DA-9124-1CD80474C8FD}"/>
-              </a:ext>
-            </a:extLst>
-          </p:cNvPr>
-          <p:cNvSpPr/>
-          <p:nvPr/>
-        </p:nvSpPr>
-        <p:spPr>
-          <a:xfrm>
-            <a:off x="2826610" y="1247946"/>
-            <a:ext cx="168097" cy="327176"/>
-          </a:xfrm>
-          <a:prstGeom prst="rect">
-            <a:avLst/>
-          </a:prstGeom>
-        </p:spPr>
-        <p:style>
-          <a:lnRef idx="2">
-            <a:schemeClr val="accent6"/>
-          </a:lnRef>
-          <a:fillRef idx="1">
-            <a:schemeClr val="lt1"/>
-          </a:fillRef>
-          <a:effectRef idx="0">
-            <a:schemeClr val="accent6"/>
-          </a:effectRef>
-          <a:fontRef idx="minor">
-            <a:schemeClr val="dk1"/>
-          </a:fontRef>
-        </p:style>
-        <p:txBody>
-          <a:bodyPr rtlCol="0" anchor="ctr"/>
-          <a:lstStyle/>
-          <a:p>
-            <a:pPr algn="ctr"/>
             <a:endParaRPr lang="en-US"/>
           </a:p>
         </p:txBody>
       </p:sp>
       <p:sp>
         <p:nvSpPr>
-          <p:cNvPr id="17" name="Flowchart: Merge 16">
-            <a:extLst>
-              <a:ext uri="{FF2B5EF4-FFF2-40B4-BE49-F238E27FC236}">
-                <a16:creationId xmlns:a16="http://schemas.microsoft.com/office/drawing/2014/main" id="{638B81E3-A37F-4BFA-9FD4-7E8A91C2E92E}"/>
-              </a:ext>
-            </a:extLst>
-          </p:cNvPr>
-          <p:cNvSpPr/>
-          <p:nvPr/>
-        </p:nvSpPr>
-        <p:spPr>
-          <a:xfrm>
-            <a:off x="2872470" y="1424157"/>
-            <a:ext cx="93993" cy="103156"/>
-          </a:xfrm>
-          <a:prstGeom prst="flowChartMerge">
-            <a:avLst/>
-          </a:prstGeom>
-        </p:spPr>
-        <p:style>
-          <a:lnRef idx="2">
-            <a:schemeClr val="accent1">
-              <a:shade val="50000"/>
-            </a:schemeClr>
-          </a:lnRef>
-          <a:fillRef idx="1">
-            <a:schemeClr val="accent1"/>
-          </a:fillRef>
-          <a:effectRef idx="0">
-            <a:schemeClr val="accent1"/>
-          </a:effectRef>
-          <a:fontRef idx="minor">
-            <a:schemeClr val="lt1"/>
-          </a:fontRef>
-        </p:style>
-        <p:txBody>
-          <a:bodyPr rtlCol="0" anchor="ctr"/>
-          <a:lstStyle/>
-          <a:p>
-            <a:pPr algn="ctr"/>
-            <a:endParaRPr lang="en-US"/>
-          </a:p>
-        </p:txBody>
-      </p:sp>
-      <p:sp>
-        <p:nvSpPr>
-          <p:cNvPr id="18" name="Rectangle 17">
-            <a:extLst>
-              <a:ext uri="{FF2B5EF4-FFF2-40B4-BE49-F238E27FC236}">
-                <a16:creationId xmlns:a16="http://schemas.microsoft.com/office/drawing/2014/main" id="{CC900875-9094-414F-800C-ED9618E8058F}"/>
-              </a:ext>
-            </a:extLst>
-          </p:cNvPr>
-          <p:cNvSpPr/>
-          <p:nvPr/>
-        </p:nvSpPr>
-        <p:spPr>
-          <a:xfrm>
-            <a:off x="4732472" y="1233942"/>
-            <a:ext cx="1190981" cy="347506"/>
-          </a:xfrm>
-          <a:prstGeom prst="rect">
-            <a:avLst/>
-          </a:prstGeom>
-        </p:spPr>
-        <p:style>
-          <a:lnRef idx="1">
-            <a:schemeClr val="accent3"/>
-          </a:lnRef>
-          <a:fillRef idx="2">
-            <a:schemeClr val="accent3"/>
-          </a:fillRef>
-          <a:effectRef idx="1">
-            <a:schemeClr val="accent3"/>
-          </a:effectRef>
-          <a:fontRef idx="minor">
-            <a:schemeClr val="dk1"/>
-          </a:fontRef>
-        </p:style>
-        <p:txBody>
-          <a:bodyPr rtlCol="0" anchor="ctr"/>
-          <a:lstStyle/>
-          <a:p>
-            <a:pPr algn="ctr"/>
-            <a:r>
-              <a:rPr lang="en-US" sz="1200"/>
-              <a:t>Home Health</a:t>
-            </a:r>
-          </a:p>
-        </p:txBody>
-      </p:sp>
-      <p:sp>
-        <p:nvSpPr>
-          <p:cNvPr id="19" name="Rectangle 18">
-            <a:extLst>
-              <a:ext uri="{FF2B5EF4-FFF2-40B4-BE49-F238E27FC236}">
-                <a16:creationId xmlns:a16="http://schemas.microsoft.com/office/drawing/2014/main" id="{CEE1AD42-0C03-495D-8F23-F33499C0A6EF}"/>
-              </a:ext>
-            </a:extLst>
-          </p:cNvPr>
-          <p:cNvSpPr/>
-          <p:nvPr/>
-        </p:nvSpPr>
-        <p:spPr>
-          <a:xfrm>
-            <a:off x="5752462" y="1236405"/>
-            <a:ext cx="170991" cy="332513"/>
-          </a:xfrm>
-          <a:prstGeom prst="rect">
-            <a:avLst/>
-          </a:prstGeom>
-        </p:spPr>
-        <p:style>
-          <a:lnRef idx="2">
-            <a:schemeClr val="accent6"/>
-          </a:lnRef>
-          <a:fillRef idx="1">
-            <a:schemeClr val="lt1"/>
-          </a:fillRef>
-          <a:effectRef idx="0">
-            <a:schemeClr val="accent6"/>
-          </a:effectRef>
-          <a:fontRef idx="minor">
-            <a:schemeClr val="dk1"/>
-          </a:fontRef>
-        </p:style>
-        <p:txBody>
-          <a:bodyPr rtlCol="0" anchor="ctr"/>
-          <a:lstStyle/>
-          <a:p>
-            <a:pPr algn="ctr"/>
-            <a:endParaRPr lang="en-US"/>
-          </a:p>
-        </p:txBody>
-      </p:sp>
-      <p:sp>
-        <p:nvSpPr>
           <p:cNvPr id="20" name="Flowchart: Merge 19">
             <a:extLst>
               <a:ext uri="{FF2B5EF4-FFF2-40B4-BE49-F238E27FC236}">
@@ -13597,7 +13045,7 @@
         </p:nvSpPr>
         <p:spPr>
           <a:xfrm>
-            <a:off x="5802569" y="1407580"/>
+            <a:off x="2821392" y="1412311"/>
             <a:ext cx="74730" cy="110837"/>
           </a:xfrm>
           <a:prstGeom prst="flowChartMerge">
@@ -15278,7 +14726,7 @@
             <a:pPr algn="ctr"/>
             <a:r>
               <a:rPr lang="en-US" sz="1400"/>
-              <a:t>Client</a:t>
+              <a:t>Patients</a:t>
             </a:r>
           </a:p>
         </p:txBody>
@@ -15324,8 +14772,8 @@
           <a:p>
             <a:pPr algn="ctr"/>
             <a:r>
-              <a:rPr lang="en-US" sz="1400"/>
-              <a:t>Authorization</a:t>
+              <a:rPr lang="en-US" sz="1300"/>
+              <a:t>Authorizations</a:t>
             </a:r>
           </a:p>
         </p:txBody>
@@ -15419,7 +14867,7 @@
             <a:pPr algn="ctr"/>
             <a:r>
               <a:rPr lang="en-US" sz="1400"/>
-              <a:t>Billing</a:t>
+              <a:t>Billings</a:t>
             </a:r>
           </a:p>
         </p:txBody>
@@ -15516,7 +14964,7 @@
             <a:pPr algn="ctr"/>
             <a:r>
               <a:rPr lang="en-US" sz="1400" b="1" u="sng"/>
-              <a:t>Client</a:t>
+              <a:t>Patient</a:t>
             </a:r>
           </a:p>
         </p:txBody>
@@ -15717,8 +15165,8 @@
         </p:nvSpPr>
         <p:spPr>
           <a:xfrm>
-            <a:off x="6341160" y="1681436"/>
-            <a:ext cx="788432" cy="225453"/>
+            <a:off x="6341159" y="1681436"/>
+            <a:ext cx="1033495" cy="225453"/>
           </a:xfrm>
           <a:prstGeom prst="rect">
             <a:avLst/>
@@ -15748,7 +15196,7 @@
             <a:pPr algn="ctr"/>
             <a:r>
               <a:rPr lang="en-US" sz="1400" b="1" u="sng"/>
-              <a:t>Staff</a:t>
+              <a:t>Caregiver</a:t>
             </a:r>
           </a:p>
         </p:txBody>
@@ -15958,19 +15406,19 @@
       </p:grpSpPr>
       <p:sp>
         <p:nvSpPr>
-          <p:cNvPr id="6" name="Rectangle 5">
-            <a:extLst>
-              <a:ext uri="{FF2B5EF4-FFF2-40B4-BE49-F238E27FC236}">
-                <a16:creationId xmlns:a16="http://schemas.microsoft.com/office/drawing/2014/main" id="{DF2B91E9-EED4-4DD8-9263-1C184BC2C671}"/>
-              </a:ext>
-            </a:extLst>
-          </p:cNvPr>
-          <p:cNvSpPr/>
-          <p:nvPr/>
-        </p:nvSpPr>
-        <p:spPr>
-          <a:xfrm>
-            <a:off x="323272" y="1237673"/>
+          <p:cNvPr id="7" name="Rectangle 6">
+            <a:extLst>
+              <a:ext uri="{FF2B5EF4-FFF2-40B4-BE49-F238E27FC236}">
+                <a16:creationId xmlns:a16="http://schemas.microsoft.com/office/drawing/2014/main" id="{D6BAFB21-A5ED-4D97-A21B-7037E5B62055}"/>
+              </a:ext>
+            </a:extLst>
+          </p:cNvPr>
+          <p:cNvSpPr/>
+          <p:nvPr/>
+        </p:nvSpPr>
+        <p:spPr>
+          <a:xfrm>
+            <a:off x="313116" y="1993406"/>
             <a:ext cx="1310639" cy="338266"/>
           </a:xfrm>
           <a:prstGeom prst="rect">
@@ -15998,27 +15446,27 @@
             <a:pPr algn="ctr"/>
             <a:r>
               <a:rPr lang="en-US" sz="1400"/>
-              <a:t>Jurisdiction</a:t>
-            </a:r>
-          </a:p>
-        </p:txBody>
-      </p:sp>
-      <p:sp>
-        <p:nvSpPr>
-          <p:cNvPr id="7" name="Rectangle 6">
-            <a:extLst>
-              <a:ext uri="{FF2B5EF4-FFF2-40B4-BE49-F238E27FC236}">
-                <a16:creationId xmlns:a16="http://schemas.microsoft.com/office/drawing/2014/main" id="{D6BAFB21-A5ED-4D97-A21B-7037E5B62055}"/>
-              </a:ext>
-            </a:extLst>
-          </p:cNvPr>
-          <p:cNvSpPr/>
-          <p:nvPr/>
-        </p:nvSpPr>
-        <p:spPr>
-          <a:xfrm>
-            <a:off x="313116" y="1993406"/>
-            <a:ext cx="1310639" cy="338266"/>
+              <a:t>First name</a:t>
+            </a:r>
+          </a:p>
+        </p:txBody>
+      </p:sp>
+      <p:sp>
+        <p:nvSpPr>
+          <p:cNvPr id="8" name="Rectangle 7">
+            <a:extLst>
+              <a:ext uri="{FF2B5EF4-FFF2-40B4-BE49-F238E27FC236}">
+                <a16:creationId xmlns:a16="http://schemas.microsoft.com/office/drawing/2014/main" id="{6676BFCD-4CA3-4401-B454-D77FF8A98A72}"/>
+              </a:ext>
+            </a:extLst>
+          </p:cNvPr>
+          <p:cNvSpPr/>
+          <p:nvPr/>
+        </p:nvSpPr>
+        <p:spPr>
+          <a:xfrm>
+            <a:off x="321608" y="2524378"/>
+            <a:ext cx="1302147" cy="338266"/>
           </a:xfrm>
           <a:prstGeom prst="rect">
             <a:avLst/>
@@ -16045,27 +15493,27 @@
             <a:pPr algn="ctr"/>
             <a:r>
               <a:rPr lang="en-US" sz="1400"/>
-              <a:t>First name</a:t>
-            </a:r>
-          </a:p>
-        </p:txBody>
-      </p:sp>
-      <p:sp>
-        <p:nvSpPr>
-          <p:cNvPr id="8" name="Rectangle 7">
-            <a:extLst>
-              <a:ext uri="{FF2B5EF4-FFF2-40B4-BE49-F238E27FC236}">
-                <a16:creationId xmlns:a16="http://schemas.microsoft.com/office/drawing/2014/main" id="{6676BFCD-4CA3-4401-B454-D77FF8A98A72}"/>
-              </a:ext>
-            </a:extLst>
-          </p:cNvPr>
-          <p:cNvSpPr/>
-          <p:nvPr/>
-        </p:nvSpPr>
-        <p:spPr>
-          <a:xfrm>
-            <a:off x="321608" y="2524378"/>
-            <a:ext cx="1302147" cy="338266"/>
+              <a:t>Billing Sched ID</a:t>
+            </a:r>
+          </a:p>
+        </p:txBody>
+      </p:sp>
+      <p:sp>
+        <p:nvSpPr>
+          <p:cNvPr id="9" name="Rectangle 8">
+            <a:extLst>
+              <a:ext uri="{FF2B5EF4-FFF2-40B4-BE49-F238E27FC236}">
+                <a16:creationId xmlns:a16="http://schemas.microsoft.com/office/drawing/2014/main" id="{4C36CCE1-27C2-47E1-BDE9-A914861A542A}"/>
+              </a:ext>
+            </a:extLst>
+          </p:cNvPr>
+          <p:cNvSpPr/>
+          <p:nvPr/>
+        </p:nvSpPr>
+        <p:spPr>
+          <a:xfrm>
+            <a:off x="321609" y="3997430"/>
+            <a:ext cx="1012090" cy="338266"/>
           </a:xfrm>
           <a:prstGeom prst="rect">
             <a:avLst/>
@@ -16092,26 +15540,26 @@
             <a:pPr algn="ctr"/>
             <a:r>
               <a:rPr lang="en-US" sz="1400"/>
-              <a:t>Billing Sched ID</a:t>
-            </a:r>
-          </a:p>
-        </p:txBody>
-      </p:sp>
-      <p:sp>
-        <p:nvSpPr>
-          <p:cNvPr id="9" name="Rectangle 8">
-            <a:extLst>
-              <a:ext uri="{FF2B5EF4-FFF2-40B4-BE49-F238E27FC236}">
-                <a16:creationId xmlns:a16="http://schemas.microsoft.com/office/drawing/2014/main" id="{4C36CCE1-27C2-47E1-BDE9-A914861A542A}"/>
-              </a:ext>
-            </a:extLst>
-          </p:cNvPr>
-          <p:cNvSpPr/>
-          <p:nvPr/>
-        </p:nvSpPr>
-        <p:spPr>
-          <a:xfrm>
-            <a:off x="321609" y="3997430"/>
+              <a:t>To</a:t>
+            </a:r>
+          </a:p>
+        </p:txBody>
+      </p:sp>
+      <p:sp>
+        <p:nvSpPr>
+          <p:cNvPr id="10" name="Rectangle 9">
+            <a:extLst>
+              <a:ext uri="{FF2B5EF4-FFF2-40B4-BE49-F238E27FC236}">
+                <a16:creationId xmlns:a16="http://schemas.microsoft.com/office/drawing/2014/main" id="{843BE703-94CE-4448-B367-F5DBE92E5A21}"/>
+              </a:ext>
+            </a:extLst>
+          </p:cNvPr>
+          <p:cNvSpPr/>
+          <p:nvPr/>
+        </p:nvSpPr>
+        <p:spPr>
+          <a:xfrm>
+            <a:off x="321609" y="3456522"/>
             <a:ext cx="1012090" cy="338266"/>
           </a:xfrm>
           <a:prstGeom prst="rect">
@@ -16139,27 +15587,27 @@
             <a:pPr algn="ctr"/>
             <a:r>
               <a:rPr lang="en-US" sz="1400"/>
-              <a:t>To</a:t>
-            </a:r>
-          </a:p>
-        </p:txBody>
-      </p:sp>
-      <p:sp>
-        <p:nvSpPr>
-          <p:cNvPr id="10" name="Rectangle 9">
-            <a:extLst>
-              <a:ext uri="{FF2B5EF4-FFF2-40B4-BE49-F238E27FC236}">
-                <a16:creationId xmlns:a16="http://schemas.microsoft.com/office/drawing/2014/main" id="{843BE703-94CE-4448-B367-F5DBE92E5A21}"/>
-              </a:ext>
-            </a:extLst>
-          </p:cNvPr>
-          <p:cNvSpPr/>
-          <p:nvPr/>
-        </p:nvSpPr>
-        <p:spPr>
-          <a:xfrm>
-            <a:off x="321609" y="3456522"/>
-            <a:ext cx="1012090" cy="338266"/>
+              <a:t>From</a:t>
+            </a:r>
+          </a:p>
+        </p:txBody>
+      </p:sp>
+      <p:sp>
+        <p:nvSpPr>
+          <p:cNvPr id="11" name="Rectangle 10">
+            <a:extLst>
+              <a:ext uri="{FF2B5EF4-FFF2-40B4-BE49-F238E27FC236}">
+                <a16:creationId xmlns:a16="http://schemas.microsoft.com/office/drawing/2014/main" id="{C7FF2387-9D28-4BCA-9A73-D405644BC1C1}"/>
+              </a:ext>
+            </a:extLst>
+          </p:cNvPr>
+          <p:cNvSpPr/>
+          <p:nvPr/>
+        </p:nvSpPr>
+        <p:spPr>
+          <a:xfrm>
+            <a:off x="299329" y="1360902"/>
+            <a:ext cx="1324426" cy="332193"/>
           </a:xfrm>
           <a:prstGeom prst="rect">
             <a:avLst/>
@@ -16186,27 +15634,27 @@
             <a:pPr algn="ctr"/>
             <a:r>
               <a:rPr lang="en-US" sz="1400"/>
-              <a:t>From</a:t>
-            </a:r>
-          </a:p>
-        </p:txBody>
-      </p:sp>
-      <p:sp>
-        <p:nvSpPr>
-          <p:cNvPr id="11" name="Rectangle 10">
-            <a:extLst>
-              <a:ext uri="{FF2B5EF4-FFF2-40B4-BE49-F238E27FC236}">
-                <a16:creationId xmlns:a16="http://schemas.microsoft.com/office/drawing/2014/main" id="{C7FF2387-9D28-4BCA-9A73-D405644BC1C1}"/>
-              </a:ext>
-            </a:extLst>
-          </p:cNvPr>
-          <p:cNvSpPr/>
-          <p:nvPr/>
-        </p:nvSpPr>
-        <p:spPr>
-          <a:xfrm>
-            <a:off x="3364768" y="1237251"/>
-            <a:ext cx="1324426" cy="332193"/>
+              <a:t>Agency</a:t>
+            </a:r>
+          </a:p>
+        </p:txBody>
+      </p:sp>
+      <p:sp>
+        <p:nvSpPr>
+          <p:cNvPr id="12" name="Rectangle 11">
+            <a:extLst>
+              <a:ext uri="{FF2B5EF4-FFF2-40B4-BE49-F238E27FC236}">
+                <a16:creationId xmlns:a16="http://schemas.microsoft.com/office/drawing/2014/main" id="{3CCD1C28-5DF6-44EB-920C-EC57152A0D8B}"/>
+              </a:ext>
+            </a:extLst>
+          </p:cNvPr>
+          <p:cNvSpPr/>
+          <p:nvPr/>
+        </p:nvSpPr>
+        <p:spPr>
+          <a:xfrm>
+            <a:off x="3349530" y="1990374"/>
+            <a:ext cx="1330255" cy="360802"/>
           </a:xfrm>
           <a:prstGeom prst="rect">
             <a:avLst/>
@@ -16233,27 +15681,27 @@
             <a:pPr algn="ctr"/>
             <a:r>
               <a:rPr lang="en-US" sz="1400"/>
-              <a:t>Agency</a:t>
-            </a:r>
-          </a:p>
-        </p:txBody>
-      </p:sp>
-      <p:sp>
-        <p:nvSpPr>
-          <p:cNvPr id="12" name="Rectangle 11">
-            <a:extLst>
-              <a:ext uri="{FF2B5EF4-FFF2-40B4-BE49-F238E27FC236}">
-                <a16:creationId xmlns:a16="http://schemas.microsoft.com/office/drawing/2014/main" id="{3CCD1C28-5DF6-44EB-920C-EC57152A0D8B}"/>
-              </a:ext>
-            </a:extLst>
-          </p:cNvPr>
-          <p:cNvSpPr/>
-          <p:nvPr/>
-        </p:nvSpPr>
-        <p:spPr>
-          <a:xfrm>
-            <a:off x="3349530" y="1990374"/>
-            <a:ext cx="1330255" cy="360802"/>
+              <a:t>Last name</a:t>
+            </a:r>
+          </a:p>
+        </p:txBody>
+      </p:sp>
+      <p:sp>
+        <p:nvSpPr>
+          <p:cNvPr id="13" name="Rectangle 12">
+            <a:extLst>
+              <a:ext uri="{FF2B5EF4-FFF2-40B4-BE49-F238E27FC236}">
+                <a16:creationId xmlns:a16="http://schemas.microsoft.com/office/drawing/2014/main" id="{868D2B36-8FE5-448A-BDC8-06396EB03A3F}"/>
+              </a:ext>
+            </a:extLst>
+          </p:cNvPr>
+          <p:cNvSpPr/>
+          <p:nvPr/>
+        </p:nvSpPr>
+        <p:spPr>
+          <a:xfrm>
+            <a:off x="3367681" y="2491865"/>
+            <a:ext cx="1318599" cy="375213"/>
           </a:xfrm>
           <a:prstGeom prst="rect">
             <a:avLst/>
@@ -16280,27 +15728,74 @@
             <a:pPr algn="ctr"/>
             <a:r>
               <a:rPr lang="en-US" sz="1400"/>
-              <a:t>Last name</a:t>
-            </a:r>
-          </a:p>
-        </p:txBody>
-      </p:sp>
-      <p:sp>
-        <p:nvSpPr>
-          <p:cNvPr id="13" name="Rectangle 12">
-            <a:extLst>
-              <a:ext uri="{FF2B5EF4-FFF2-40B4-BE49-F238E27FC236}">
-                <a16:creationId xmlns:a16="http://schemas.microsoft.com/office/drawing/2014/main" id="{868D2B36-8FE5-448A-BDC8-06396EB03A3F}"/>
-              </a:ext>
-            </a:extLst>
-          </p:cNvPr>
-          <p:cNvSpPr/>
-          <p:nvPr/>
-        </p:nvSpPr>
-        <p:spPr>
-          <a:xfrm>
-            <a:off x="3367681" y="2491865"/>
-            <a:ext cx="1318599" cy="375213"/>
+              <a:t>Invoice number</a:t>
+            </a:r>
+          </a:p>
+        </p:txBody>
+      </p:sp>
+      <p:sp>
+        <p:nvSpPr>
+          <p:cNvPr id="18" name="Rectangle 17">
+            <a:extLst>
+              <a:ext uri="{FF2B5EF4-FFF2-40B4-BE49-F238E27FC236}">
+                <a16:creationId xmlns:a16="http://schemas.microsoft.com/office/drawing/2014/main" id="{CC900875-9094-414F-800C-ED9618E8058F}"/>
+              </a:ext>
+            </a:extLst>
+          </p:cNvPr>
+          <p:cNvSpPr/>
+          <p:nvPr/>
+        </p:nvSpPr>
+        <p:spPr>
+          <a:xfrm>
+            <a:off x="1681499" y="1365757"/>
+            <a:ext cx="1311120" cy="347506"/>
+          </a:xfrm>
+          <a:prstGeom prst="rect">
+            <a:avLst/>
+          </a:prstGeom>
+        </p:spPr>
+        <p:style>
+          <a:lnRef idx="1">
+            <a:schemeClr val="accent3"/>
+          </a:lnRef>
+          <a:fillRef idx="2">
+            <a:schemeClr val="accent3"/>
+          </a:fillRef>
+          <a:effectRef idx="1">
+            <a:schemeClr val="accent3"/>
+          </a:effectRef>
+          <a:fontRef idx="minor">
+            <a:schemeClr val="dk1"/>
+          </a:fontRef>
+        </p:style>
+        <p:txBody>
+          <a:bodyPr rtlCol="0" anchor="ctr"/>
+          <a:lstStyle/>
+          <a:p>
+            <a:pPr algn="ctr"/>
+            <a:r>
+              <a:rPr lang="en-US" sz="1200"/>
+              <a:t>JASA</a:t>
+            </a:r>
+          </a:p>
+        </p:txBody>
+      </p:sp>
+      <p:sp>
+        <p:nvSpPr>
+          <p:cNvPr id="19" name="Rectangle 18">
+            <a:extLst>
+              <a:ext uri="{FF2B5EF4-FFF2-40B4-BE49-F238E27FC236}">
+                <a16:creationId xmlns:a16="http://schemas.microsoft.com/office/drawing/2014/main" id="{CEE1AD42-0C03-495D-8F23-F33499C0A6EF}"/>
+              </a:ext>
+            </a:extLst>
+          </p:cNvPr>
+          <p:cNvSpPr/>
+          <p:nvPr/>
+        </p:nvSpPr>
+        <p:spPr>
+          <a:xfrm>
+            <a:off x="2821627" y="1368220"/>
+            <a:ext cx="170991" cy="332513"/>
           </a:xfrm>
           <a:prstGeom prst="rect">
             <a:avLst/>
@@ -16325,243 +15820,12 @@
           <a:lstStyle/>
           <a:p>
             <a:pPr algn="ctr"/>
-            <a:r>
-              <a:rPr lang="en-US" sz="1400"/>
-              <a:t>Invoice number</a:t>
-            </a:r>
-          </a:p>
-        </p:txBody>
-      </p:sp>
-      <p:sp>
-        <p:nvSpPr>
-          <p:cNvPr id="15" name="Rectangle 14">
-            <a:extLst>
-              <a:ext uri="{FF2B5EF4-FFF2-40B4-BE49-F238E27FC236}">
-                <a16:creationId xmlns:a16="http://schemas.microsoft.com/office/drawing/2014/main" id="{B17E0830-B6D5-4D53-9249-125783436C6D}"/>
-              </a:ext>
-            </a:extLst>
-          </p:cNvPr>
-          <p:cNvSpPr/>
-          <p:nvPr/>
-        </p:nvSpPr>
-        <p:spPr>
-          <a:xfrm>
-            <a:off x="1686426" y="1247946"/>
-            <a:ext cx="1310640" cy="338266"/>
-          </a:xfrm>
-          <a:prstGeom prst="rect">
-            <a:avLst/>
-          </a:prstGeom>
-        </p:spPr>
-        <p:style>
-          <a:lnRef idx="1">
-            <a:schemeClr val="accent3"/>
-          </a:lnRef>
-          <a:fillRef idx="2">
-            <a:schemeClr val="accent3"/>
-          </a:fillRef>
-          <a:effectRef idx="1">
-            <a:schemeClr val="accent3"/>
-          </a:effectRef>
-          <a:fontRef idx="minor">
-            <a:schemeClr val="dk1"/>
-          </a:fontRef>
-        </p:style>
-        <p:txBody>
-          <a:bodyPr rtlCol="0" anchor="ctr"/>
-          <a:lstStyle/>
-          <a:p>
-            <a:pPr algn="ctr"/>
-            <a:r>
-              <a:rPr lang="en-US" sz="1200"/>
-              <a:t>TL</a:t>
-            </a:r>
-          </a:p>
-        </p:txBody>
-      </p:sp>
-      <p:sp>
-        <p:nvSpPr>
-          <p:cNvPr id="16" name="Rectangle 15">
-            <a:extLst>
-              <a:ext uri="{FF2B5EF4-FFF2-40B4-BE49-F238E27FC236}">
-                <a16:creationId xmlns:a16="http://schemas.microsoft.com/office/drawing/2014/main" id="{80C3F056-1057-49DA-9124-1CD80474C8FD}"/>
-              </a:ext>
-            </a:extLst>
-          </p:cNvPr>
-          <p:cNvSpPr/>
-          <p:nvPr/>
-        </p:nvSpPr>
-        <p:spPr>
-          <a:xfrm>
-            <a:off x="2826610" y="1247946"/>
-            <a:ext cx="168097" cy="327176"/>
-          </a:xfrm>
-          <a:prstGeom prst="rect">
-            <a:avLst/>
-          </a:prstGeom>
-        </p:spPr>
-        <p:style>
-          <a:lnRef idx="2">
-            <a:schemeClr val="accent6"/>
-          </a:lnRef>
-          <a:fillRef idx="1">
-            <a:schemeClr val="lt1"/>
-          </a:fillRef>
-          <a:effectRef idx="0">
-            <a:schemeClr val="accent6"/>
-          </a:effectRef>
-          <a:fontRef idx="minor">
-            <a:schemeClr val="dk1"/>
-          </a:fontRef>
-        </p:style>
-        <p:txBody>
-          <a:bodyPr rtlCol="0" anchor="ctr"/>
-          <a:lstStyle/>
-          <a:p>
-            <a:pPr algn="ctr"/>
             <a:endParaRPr lang="en-US"/>
           </a:p>
         </p:txBody>
       </p:sp>
       <p:sp>
         <p:nvSpPr>
-          <p:cNvPr id="17" name="Flowchart: Merge 16">
-            <a:extLst>
-              <a:ext uri="{FF2B5EF4-FFF2-40B4-BE49-F238E27FC236}">
-                <a16:creationId xmlns:a16="http://schemas.microsoft.com/office/drawing/2014/main" id="{638B81E3-A37F-4BFA-9FD4-7E8A91C2E92E}"/>
-              </a:ext>
-            </a:extLst>
-          </p:cNvPr>
-          <p:cNvSpPr/>
-          <p:nvPr/>
-        </p:nvSpPr>
-        <p:spPr>
-          <a:xfrm>
-            <a:off x="2872470" y="1424157"/>
-            <a:ext cx="93993" cy="103156"/>
-          </a:xfrm>
-          <a:prstGeom prst="flowChartMerge">
-            <a:avLst/>
-          </a:prstGeom>
-        </p:spPr>
-        <p:style>
-          <a:lnRef idx="2">
-            <a:schemeClr val="accent1">
-              <a:shade val="50000"/>
-            </a:schemeClr>
-          </a:lnRef>
-          <a:fillRef idx="1">
-            <a:schemeClr val="accent1"/>
-          </a:fillRef>
-          <a:effectRef idx="0">
-            <a:schemeClr val="accent1"/>
-          </a:effectRef>
-          <a:fontRef idx="minor">
-            <a:schemeClr val="lt1"/>
-          </a:fontRef>
-        </p:style>
-        <p:txBody>
-          <a:bodyPr rtlCol="0" anchor="ctr"/>
-          <a:lstStyle/>
-          <a:p>
-            <a:pPr algn="ctr"/>
-            <a:endParaRPr lang="en-US"/>
-          </a:p>
-        </p:txBody>
-      </p:sp>
-      <p:sp>
-        <p:nvSpPr>
-          <p:cNvPr id="18" name="Rectangle 17">
-            <a:extLst>
-              <a:ext uri="{FF2B5EF4-FFF2-40B4-BE49-F238E27FC236}">
-                <a16:creationId xmlns:a16="http://schemas.microsoft.com/office/drawing/2014/main" id="{CC900875-9094-414F-800C-ED9618E8058F}"/>
-              </a:ext>
-            </a:extLst>
-          </p:cNvPr>
-          <p:cNvSpPr/>
-          <p:nvPr/>
-        </p:nvSpPr>
-        <p:spPr>
-          <a:xfrm>
-            <a:off x="4867076" y="1242106"/>
-            <a:ext cx="1190981" cy="347506"/>
-          </a:xfrm>
-          <a:prstGeom prst="rect">
-            <a:avLst/>
-          </a:prstGeom>
-        </p:spPr>
-        <p:style>
-          <a:lnRef idx="1">
-            <a:schemeClr val="accent3"/>
-          </a:lnRef>
-          <a:fillRef idx="2">
-            <a:schemeClr val="accent3"/>
-          </a:fillRef>
-          <a:effectRef idx="1">
-            <a:schemeClr val="accent3"/>
-          </a:effectRef>
-          <a:fontRef idx="minor">
-            <a:schemeClr val="dk1"/>
-          </a:fontRef>
-        </p:style>
-        <p:txBody>
-          <a:bodyPr rtlCol="0" anchor="ctr"/>
-          <a:lstStyle/>
-          <a:p>
-            <a:pPr algn="ctr"/>
-            <a:r>
-              <a:rPr lang="en-US" sz="1200"/>
-              <a:t>Home Health</a:t>
-            </a:r>
-          </a:p>
-        </p:txBody>
-      </p:sp>
-      <p:sp>
-        <p:nvSpPr>
-          <p:cNvPr id="19" name="Rectangle 18">
-            <a:extLst>
-              <a:ext uri="{FF2B5EF4-FFF2-40B4-BE49-F238E27FC236}">
-                <a16:creationId xmlns:a16="http://schemas.microsoft.com/office/drawing/2014/main" id="{CEE1AD42-0C03-495D-8F23-F33499C0A6EF}"/>
-              </a:ext>
-            </a:extLst>
-          </p:cNvPr>
-          <p:cNvSpPr/>
-          <p:nvPr/>
-        </p:nvSpPr>
-        <p:spPr>
-          <a:xfrm>
-            <a:off x="5887066" y="1244569"/>
-            <a:ext cx="170991" cy="332513"/>
-          </a:xfrm>
-          <a:prstGeom prst="rect">
-            <a:avLst/>
-          </a:prstGeom>
-        </p:spPr>
-        <p:style>
-          <a:lnRef idx="2">
-            <a:schemeClr val="accent6"/>
-          </a:lnRef>
-          <a:fillRef idx="1">
-            <a:schemeClr val="lt1"/>
-          </a:fillRef>
-          <a:effectRef idx="0">
-            <a:schemeClr val="accent6"/>
-          </a:effectRef>
-          <a:fontRef idx="minor">
-            <a:schemeClr val="dk1"/>
-          </a:fontRef>
-        </p:style>
-        <p:txBody>
-          <a:bodyPr rtlCol="0" anchor="ctr"/>
-          <a:lstStyle/>
-          <a:p>
-            <a:pPr algn="ctr"/>
-            <a:endParaRPr lang="en-US"/>
-          </a:p>
-        </p:txBody>
-      </p:sp>
-      <p:sp>
-        <p:nvSpPr>
           <p:cNvPr id="20" name="Flowchart: Merge 19">
             <a:extLst>
               <a:ext uri="{FF2B5EF4-FFF2-40B4-BE49-F238E27FC236}">
@@ -16574,7 +15838,7 @@
         </p:nvSpPr>
         <p:spPr>
           <a:xfrm>
-            <a:off x="5937173" y="1415744"/>
+            <a:off x="2871734" y="1539395"/>
             <a:ext cx="74730" cy="110837"/>
           </a:xfrm>
           <a:prstGeom prst="flowChartMerge">
@@ -17838,7 +17102,7 @@
             <a:pPr algn="ctr"/>
             <a:r>
               <a:rPr lang="en-US" sz="1400"/>
-              <a:t>Client</a:t>
+              <a:t>Patients</a:t>
             </a:r>
           </a:p>
         </p:txBody>
@@ -17979,7 +17243,7 @@
             <a:pPr algn="ctr"/>
             <a:r>
               <a:rPr lang="en-US" sz="1400"/>
-              <a:t>Billing</a:t>
+              <a:t>Billings</a:t>
             </a:r>
           </a:p>
         </p:txBody>
@@ -18027,56 +17291,6 @@
             <a:r>
               <a:rPr lang="en-US" sz="1400"/>
               <a:t>Caregivers</a:t>
-            </a:r>
-          </a:p>
-        </p:txBody>
-      </p:sp>
-      <p:sp>
-        <p:nvSpPr>
-          <p:cNvPr id="58" name="Rectangle 57">
-            <a:extLst>
-              <a:ext uri="{FF2B5EF4-FFF2-40B4-BE49-F238E27FC236}">
-                <a16:creationId xmlns:a16="http://schemas.microsoft.com/office/drawing/2014/main" id="{BC499278-7357-45D3-A12F-3AFEEA5E6D12}"/>
-              </a:ext>
-            </a:extLst>
-          </p:cNvPr>
-          <p:cNvSpPr/>
-          <p:nvPr/>
-        </p:nvSpPr>
-        <p:spPr>
-          <a:xfrm>
-            <a:off x="252831" y="1674652"/>
-            <a:ext cx="788432" cy="225453"/>
-          </a:xfrm>
-          <a:prstGeom prst="rect">
-            <a:avLst/>
-          </a:prstGeom>
-          <a:ln>
-            <a:noFill/>
-          </a:ln>
-        </p:spPr>
-        <p:style>
-          <a:lnRef idx="2">
-            <a:schemeClr val="accent6"/>
-          </a:lnRef>
-          <a:fillRef idx="1">
-            <a:schemeClr val="lt1"/>
-          </a:fillRef>
-          <a:effectRef idx="0">
-            <a:schemeClr val="accent6"/>
-          </a:effectRef>
-          <a:fontRef idx="minor">
-            <a:schemeClr val="dk1"/>
-          </a:fontRef>
-        </p:style>
-        <p:txBody>
-          <a:bodyPr rtlCol="0" anchor="ctr"/>
-          <a:lstStyle/>
-          <a:p>
-            <a:pPr algn="ctr"/>
-            <a:r>
-              <a:rPr lang="en-US" sz="1400" b="1" u="sng"/>
-              <a:t>Client</a:t>
             </a:r>
           </a:p>
         </p:txBody>
@@ -18113,20 +17327,20 @@
       </p:grpSpPr>
       <p:sp>
         <p:nvSpPr>
-          <p:cNvPr id="6" name="Rectangle 5">
-            <a:extLst>
-              <a:ext uri="{FF2B5EF4-FFF2-40B4-BE49-F238E27FC236}">
-                <a16:creationId xmlns:a16="http://schemas.microsoft.com/office/drawing/2014/main" id="{DF2B91E9-EED4-4DD8-9263-1C184BC2C671}"/>
-              </a:ext>
-            </a:extLst>
-          </p:cNvPr>
-          <p:cNvSpPr/>
-          <p:nvPr/>
-        </p:nvSpPr>
-        <p:spPr>
-          <a:xfrm>
-            <a:off x="323272" y="1237673"/>
-            <a:ext cx="1380915" cy="338266"/>
+          <p:cNvPr id="7" name="Rectangle 6">
+            <a:extLst>
+              <a:ext uri="{FF2B5EF4-FFF2-40B4-BE49-F238E27FC236}">
+                <a16:creationId xmlns:a16="http://schemas.microsoft.com/office/drawing/2014/main" id="{D6BAFB21-A5ED-4D97-A21B-7037E5B62055}"/>
+              </a:ext>
+            </a:extLst>
+          </p:cNvPr>
+          <p:cNvSpPr/>
+          <p:nvPr/>
+        </p:nvSpPr>
+        <p:spPr>
+          <a:xfrm>
+            <a:off x="323273" y="1716827"/>
+            <a:ext cx="1380914" cy="338266"/>
           </a:xfrm>
           <a:prstGeom prst="rect">
             <a:avLst/>
@@ -18153,26 +17367,26 @@
             <a:pPr algn="ctr"/>
             <a:r>
               <a:rPr lang="en-US" sz="1400"/>
-              <a:t>Jurisdiction</a:t>
-            </a:r>
-          </a:p>
-        </p:txBody>
-      </p:sp>
-      <p:sp>
-        <p:nvSpPr>
-          <p:cNvPr id="7" name="Rectangle 6">
-            <a:extLst>
-              <a:ext uri="{FF2B5EF4-FFF2-40B4-BE49-F238E27FC236}">
-                <a16:creationId xmlns:a16="http://schemas.microsoft.com/office/drawing/2014/main" id="{D6BAFB21-A5ED-4D97-A21B-7037E5B62055}"/>
-              </a:ext>
-            </a:extLst>
-          </p:cNvPr>
-          <p:cNvSpPr/>
-          <p:nvPr/>
-        </p:nvSpPr>
-        <p:spPr>
-          <a:xfrm>
-            <a:off x="323273" y="1716827"/>
+              <a:t>First name</a:t>
+            </a:r>
+          </a:p>
+        </p:txBody>
+      </p:sp>
+      <p:sp>
+        <p:nvSpPr>
+          <p:cNvPr id="8" name="Rectangle 7">
+            <a:extLst>
+              <a:ext uri="{FF2B5EF4-FFF2-40B4-BE49-F238E27FC236}">
+                <a16:creationId xmlns:a16="http://schemas.microsoft.com/office/drawing/2014/main" id="{6676BFCD-4CA3-4401-B454-D77FF8A98A72}"/>
+              </a:ext>
+            </a:extLst>
+          </p:cNvPr>
+          <p:cNvSpPr/>
+          <p:nvPr/>
+        </p:nvSpPr>
+        <p:spPr>
+          <a:xfrm>
+            <a:off x="323272" y="2219609"/>
             <a:ext cx="1380914" cy="338266"/>
           </a:xfrm>
           <a:prstGeom prst="rect">
@@ -18200,27 +17414,27 @@
             <a:pPr algn="ctr"/>
             <a:r>
               <a:rPr lang="en-US" sz="1400"/>
-              <a:t>First name</a:t>
-            </a:r>
-          </a:p>
-        </p:txBody>
-      </p:sp>
-      <p:sp>
-        <p:nvSpPr>
-          <p:cNvPr id="8" name="Rectangle 7">
-            <a:extLst>
-              <a:ext uri="{FF2B5EF4-FFF2-40B4-BE49-F238E27FC236}">
-                <a16:creationId xmlns:a16="http://schemas.microsoft.com/office/drawing/2014/main" id="{6676BFCD-4CA3-4401-B454-D77FF8A98A72}"/>
-              </a:ext>
-            </a:extLst>
-          </p:cNvPr>
-          <p:cNvSpPr/>
-          <p:nvPr/>
-        </p:nvSpPr>
-        <p:spPr>
-          <a:xfrm>
-            <a:off x="323272" y="2219609"/>
-            <a:ext cx="1380914" cy="338266"/>
+              <a:t>Caregiver ID</a:t>
+            </a:r>
+          </a:p>
+        </p:txBody>
+      </p:sp>
+      <p:sp>
+        <p:nvSpPr>
+          <p:cNvPr id="11" name="Rectangle 10">
+            <a:extLst>
+              <a:ext uri="{FF2B5EF4-FFF2-40B4-BE49-F238E27FC236}">
+                <a16:creationId xmlns:a16="http://schemas.microsoft.com/office/drawing/2014/main" id="{C7FF2387-9D28-4BCA-9A73-D405644BC1C1}"/>
+              </a:ext>
+            </a:extLst>
+          </p:cNvPr>
+          <p:cNvSpPr/>
+          <p:nvPr/>
+        </p:nvSpPr>
+        <p:spPr>
+          <a:xfrm>
+            <a:off x="323272" y="1201946"/>
+            <a:ext cx="1380914" cy="375213"/>
           </a:xfrm>
           <a:prstGeom prst="rect">
             <a:avLst/>
@@ -18247,27 +17461,27 @@
             <a:pPr algn="ctr"/>
             <a:r>
               <a:rPr lang="en-US" sz="1400"/>
-              <a:t>Caregiver ID</a:t>
-            </a:r>
-          </a:p>
-        </p:txBody>
-      </p:sp>
-      <p:sp>
-        <p:nvSpPr>
-          <p:cNvPr id="11" name="Rectangle 10">
-            <a:extLst>
-              <a:ext uri="{FF2B5EF4-FFF2-40B4-BE49-F238E27FC236}">
-                <a16:creationId xmlns:a16="http://schemas.microsoft.com/office/drawing/2014/main" id="{C7FF2387-9D28-4BCA-9A73-D405644BC1C1}"/>
-              </a:ext>
-            </a:extLst>
-          </p:cNvPr>
-          <p:cNvSpPr/>
-          <p:nvPr/>
-        </p:nvSpPr>
-        <p:spPr>
-          <a:xfrm>
-            <a:off x="5631870" y="1200724"/>
-            <a:ext cx="1590966" cy="375213"/>
+              <a:t>Agency</a:t>
+            </a:r>
+          </a:p>
+        </p:txBody>
+      </p:sp>
+      <p:sp>
+        <p:nvSpPr>
+          <p:cNvPr id="12" name="Rectangle 11">
+            <a:extLst>
+              <a:ext uri="{FF2B5EF4-FFF2-40B4-BE49-F238E27FC236}">
+                <a16:creationId xmlns:a16="http://schemas.microsoft.com/office/drawing/2014/main" id="{3CCD1C28-5DF6-44EB-920C-EC57152A0D8B}"/>
+              </a:ext>
+            </a:extLst>
+          </p:cNvPr>
+          <p:cNvSpPr/>
+          <p:nvPr/>
+        </p:nvSpPr>
+        <p:spPr>
+          <a:xfrm>
+            <a:off x="5631868" y="1692300"/>
+            <a:ext cx="1590968" cy="375213"/>
           </a:xfrm>
           <a:prstGeom prst="rect">
             <a:avLst/>
@@ -18294,26 +17508,26 @@
             <a:pPr algn="ctr"/>
             <a:r>
               <a:rPr lang="en-US" sz="1400"/>
-              <a:t>Agency</a:t>
-            </a:r>
-          </a:p>
-        </p:txBody>
-      </p:sp>
-      <p:sp>
-        <p:nvSpPr>
-          <p:cNvPr id="12" name="Rectangle 11">
-            <a:extLst>
-              <a:ext uri="{FF2B5EF4-FFF2-40B4-BE49-F238E27FC236}">
-                <a16:creationId xmlns:a16="http://schemas.microsoft.com/office/drawing/2014/main" id="{3CCD1C28-5DF6-44EB-920C-EC57152A0D8B}"/>
-              </a:ext>
-            </a:extLst>
-          </p:cNvPr>
-          <p:cNvSpPr/>
-          <p:nvPr/>
-        </p:nvSpPr>
-        <p:spPr>
-          <a:xfrm>
-            <a:off x="5631868" y="1692300"/>
+              <a:t>Last name</a:t>
+            </a:r>
+          </a:p>
+        </p:txBody>
+      </p:sp>
+      <p:sp>
+        <p:nvSpPr>
+          <p:cNvPr id="13" name="Rectangle 12">
+            <a:extLst>
+              <a:ext uri="{FF2B5EF4-FFF2-40B4-BE49-F238E27FC236}">
+                <a16:creationId xmlns:a16="http://schemas.microsoft.com/office/drawing/2014/main" id="{868D2B36-8FE5-448A-BDC8-06396EB03A3F}"/>
+              </a:ext>
+            </a:extLst>
+          </p:cNvPr>
+          <p:cNvSpPr/>
+          <p:nvPr/>
+        </p:nvSpPr>
+        <p:spPr>
+          <a:xfrm>
+            <a:off x="5631868" y="2214961"/>
             <a:ext cx="1590968" cy="375213"/>
           </a:xfrm>
           <a:prstGeom prst="rect">
@@ -18341,27 +17555,74 @@
             <a:pPr algn="ctr"/>
             <a:r>
               <a:rPr lang="en-US" sz="1400"/>
-              <a:t>Last name</a:t>
-            </a:r>
-          </a:p>
-        </p:txBody>
-      </p:sp>
-      <p:sp>
-        <p:nvSpPr>
-          <p:cNvPr id="13" name="Rectangle 12">
-            <a:extLst>
-              <a:ext uri="{FF2B5EF4-FFF2-40B4-BE49-F238E27FC236}">
-                <a16:creationId xmlns:a16="http://schemas.microsoft.com/office/drawing/2014/main" id="{868D2B36-8FE5-448A-BDC8-06396EB03A3F}"/>
-              </a:ext>
-            </a:extLst>
-          </p:cNvPr>
-          <p:cNvSpPr/>
-          <p:nvPr/>
-        </p:nvSpPr>
-        <p:spPr>
-          <a:xfrm>
-            <a:off x="5631868" y="2214961"/>
-            <a:ext cx="1590968" cy="375213"/>
+              <a:t>SSN</a:t>
+            </a:r>
+          </a:p>
+        </p:txBody>
+      </p:sp>
+      <p:sp>
+        <p:nvSpPr>
+          <p:cNvPr id="18" name="Rectangle 17">
+            <a:extLst>
+              <a:ext uri="{FF2B5EF4-FFF2-40B4-BE49-F238E27FC236}">
+                <a16:creationId xmlns:a16="http://schemas.microsoft.com/office/drawing/2014/main" id="{CC900875-9094-414F-800C-ED9618E8058F}"/>
+              </a:ext>
+            </a:extLst>
+          </p:cNvPr>
+          <p:cNvSpPr/>
+          <p:nvPr/>
+        </p:nvSpPr>
+        <p:spPr>
+          <a:xfrm>
+            <a:off x="2225964" y="1201947"/>
+            <a:ext cx="1755622" cy="347506"/>
+          </a:xfrm>
+          <a:prstGeom prst="rect">
+            <a:avLst/>
+          </a:prstGeom>
+        </p:spPr>
+        <p:style>
+          <a:lnRef idx="1">
+            <a:schemeClr val="accent3"/>
+          </a:lnRef>
+          <a:fillRef idx="2">
+            <a:schemeClr val="accent3"/>
+          </a:fillRef>
+          <a:effectRef idx="1">
+            <a:schemeClr val="accent3"/>
+          </a:effectRef>
+          <a:fontRef idx="minor">
+            <a:schemeClr val="dk1"/>
+          </a:fontRef>
+        </p:style>
+        <p:txBody>
+          <a:bodyPr rtlCol="0" anchor="ctr"/>
+          <a:lstStyle/>
+          <a:p>
+            <a:pPr algn="ctr"/>
+            <a:r>
+              <a:rPr lang="en-US"/>
+              <a:t>JASA</a:t>
+            </a:r>
+          </a:p>
+        </p:txBody>
+      </p:sp>
+      <p:sp>
+        <p:nvSpPr>
+          <p:cNvPr id="19" name="Rectangle 18">
+            <a:extLst>
+              <a:ext uri="{FF2B5EF4-FFF2-40B4-BE49-F238E27FC236}">
+                <a16:creationId xmlns:a16="http://schemas.microsoft.com/office/drawing/2014/main" id="{CEE1AD42-0C03-495D-8F23-F33499C0A6EF}"/>
+              </a:ext>
+            </a:extLst>
+          </p:cNvPr>
+          <p:cNvSpPr/>
+          <p:nvPr/>
+        </p:nvSpPr>
+        <p:spPr>
+          <a:xfrm>
+            <a:off x="3763825" y="1209449"/>
+            <a:ext cx="267855" cy="332513"/>
           </a:xfrm>
           <a:prstGeom prst="rect">
             <a:avLst/>
@@ -18386,243 +17647,12 @@
           <a:lstStyle/>
           <a:p>
             <a:pPr algn="ctr"/>
-            <a:r>
-              <a:rPr lang="en-US" sz="1400"/>
-              <a:t>SSN</a:t>
-            </a:r>
-          </a:p>
-        </p:txBody>
-      </p:sp>
-      <p:sp>
-        <p:nvSpPr>
-          <p:cNvPr id="15" name="Rectangle 14">
-            <a:extLst>
-              <a:ext uri="{FF2B5EF4-FFF2-40B4-BE49-F238E27FC236}">
-                <a16:creationId xmlns:a16="http://schemas.microsoft.com/office/drawing/2014/main" id="{B17E0830-B6D5-4D53-9249-125783436C6D}"/>
-              </a:ext>
-            </a:extLst>
-          </p:cNvPr>
-          <p:cNvSpPr/>
-          <p:nvPr/>
-        </p:nvSpPr>
-        <p:spPr>
-          <a:xfrm>
-            <a:off x="2235200" y="1237672"/>
-            <a:ext cx="1773382" cy="338266"/>
-          </a:xfrm>
-          <a:prstGeom prst="rect">
-            <a:avLst/>
-          </a:prstGeom>
-        </p:spPr>
-        <p:style>
-          <a:lnRef idx="1">
-            <a:schemeClr val="accent3"/>
-          </a:lnRef>
-          <a:fillRef idx="2">
-            <a:schemeClr val="accent3"/>
-          </a:fillRef>
-          <a:effectRef idx="1">
-            <a:schemeClr val="accent3"/>
-          </a:effectRef>
-          <a:fontRef idx="minor">
-            <a:schemeClr val="dk1"/>
-          </a:fontRef>
-        </p:style>
-        <p:txBody>
-          <a:bodyPr rtlCol="0" anchor="ctr"/>
-          <a:lstStyle/>
-          <a:p>
-            <a:pPr algn="ctr"/>
-            <a:r>
-              <a:rPr lang="en-US"/>
-              <a:t>TL</a:t>
-            </a:r>
-          </a:p>
-        </p:txBody>
-      </p:sp>
-      <p:sp>
-        <p:nvSpPr>
-          <p:cNvPr id="16" name="Rectangle 15">
-            <a:extLst>
-              <a:ext uri="{FF2B5EF4-FFF2-40B4-BE49-F238E27FC236}">
-                <a16:creationId xmlns:a16="http://schemas.microsoft.com/office/drawing/2014/main" id="{80C3F056-1057-49DA-9124-1CD80474C8FD}"/>
-              </a:ext>
-            </a:extLst>
-          </p:cNvPr>
-          <p:cNvSpPr/>
-          <p:nvPr/>
-        </p:nvSpPr>
-        <p:spPr>
-          <a:xfrm>
-            <a:off x="3771901" y="1243952"/>
-            <a:ext cx="227446" cy="338266"/>
-          </a:xfrm>
-          <a:prstGeom prst="rect">
-            <a:avLst/>
-          </a:prstGeom>
-        </p:spPr>
-        <p:style>
-          <a:lnRef idx="2">
-            <a:schemeClr val="accent6"/>
-          </a:lnRef>
-          <a:fillRef idx="1">
-            <a:schemeClr val="lt1"/>
-          </a:fillRef>
-          <a:effectRef idx="0">
-            <a:schemeClr val="accent6"/>
-          </a:effectRef>
-          <a:fontRef idx="minor">
-            <a:schemeClr val="dk1"/>
-          </a:fontRef>
-        </p:style>
-        <p:txBody>
-          <a:bodyPr rtlCol="0" anchor="ctr"/>
-          <a:lstStyle/>
-          <a:p>
-            <a:pPr algn="ctr"/>
             <a:endParaRPr lang="en-US"/>
           </a:p>
         </p:txBody>
       </p:sp>
       <p:sp>
         <p:nvSpPr>
-          <p:cNvPr id="17" name="Flowchart: Merge 16">
-            <a:extLst>
-              <a:ext uri="{FF2B5EF4-FFF2-40B4-BE49-F238E27FC236}">
-                <a16:creationId xmlns:a16="http://schemas.microsoft.com/office/drawing/2014/main" id="{638B81E3-A37F-4BFA-9FD4-7E8A91C2E92E}"/>
-              </a:ext>
-            </a:extLst>
-          </p:cNvPr>
-          <p:cNvSpPr/>
-          <p:nvPr/>
-        </p:nvSpPr>
-        <p:spPr>
-          <a:xfrm>
-            <a:off x="3840480" y="1398271"/>
-            <a:ext cx="127179" cy="103156"/>
-          </a:xfrm>
-          <a:prstGeom prst="flowChartMerge">
-            <a:avLst/>
-          </a:prstGeom>
-        </p:spPr>
-        <p:style>
-          <a:lnRef idx="2">
-            <a:schemeClr val="accent1">
-              <a:shade val="50000"/>
-            </a:schemeClr>
-          </a:lnRef>
-          <a:fillRef idx="1">
-            <a:schemeClr val="accent1"/>
-          </a:fillRef>
-          <a:effectRef idx="0">
-            <a:schemeClr val="accent1"/>
-          </a:effectRef>
-          <a:fontRef idx="minor">
-            <a:schemeClr val="lt1"/>
-          </a:fontRef>
-        </p:style>
-        <p:txBody>
-          <a:bodyPr rtlCol="0" anchor="ctr"/>
-          <a:lstStyle/>
-          <a:p>
-            <a:pPr algn="ctr"/>
-            <a:endParaRPr lang="en-US"/>
-          </a:p>
-        </p:txBody>
-      </p:sp>
-      <p:sp>
-        <p:nvSpPr>
-          <p:cNvPr id="18" name="Rectangle 17">
-            <a:extLst>
-              <a:ext uri="{FF2B5EF4-FFF2-40B4-BE49-F238E27FC236}">
-                <a16:creationId xmlns:a16="http://schemas.microsoft.com/office/drawing/2014/main" id="{CC900875-9094-414F-800C-ED9618E8058F}"/>
-              </a:ext>
-            </a:extLst>
-          </p:cNvPr>
-          <p:cNvSpPr/>
-          <p:nvPr/>
-        </p:nvSpPr>
-        <p:spPr>
-          <a:xfrm>
-            <a:off x="7659256" y="1200725"/>
-            <a:ext cx="1856600" cy="347506"/>
-          </a:xfrm>
-          <a:prstGeom prst="rect">
-            <a:avLst/>
-          </a:prstGeom>
-        </p:spPr>
-        <p:style>
-          <a:lnRef idx="1">
-            <a:schemeClr val="accent3"/>
-          </a:lnRef>
-          <a:fillRef idx="2">
-            <a:schemeClr val="accent3"/>
-          </a:fillRef>
-          <a:effectRef idx="1">
-            <a:schemeClr val="accent3"/>
-          </a:effectRef>
-          <a:fontRef idx="minor">
-            <a:schemeClr val="dk1"/>
-          </a:fontRef>
-        </p:style>
-        <p:txBody>
-          <a:bodyPr rtlCol="0" anchor="ctr"/>
-          <a:lstStyle/>
-          <a:p>
-            <a:pPr algn="ctr"/>
-            <a:r>
-              <a:rPr lang="en-US"/>
-              <a:t>Home Health</a:t>
-            </a:r>
-          </a:p>
-        </p:txBody>
-      </p:sp>
-      <p:sp>
-        <p:nvSpPr>
-          <p:cNvPr id="19" name="Rectangle 18">
-            <a:extLst>
-              <a:ext uri="{FF2B5EF4-FFF2-40B4-BE49-F238E27FC236}">
-                <a16:creationId xmlns:a16="http://schemas.microsoft.com/office/drawing/2014/main" id="{CEE1AD42-0C03-495D-8F23-F33499C0A6EF}"/>
-              </a:ext>
-            </a:extLst>
-          </p:cNvPr>
-          <p:cNvSpPr/>
-          <p:nvPr/>
-        </p:nvSpPr>
-        <p:spPr>
-          <a:xfrm>
-            <a:off x="9238591" y="1200907"/>
-            <a:ext cx="267855" cy="332513"/>
-          </a:xfrm>
-          <a:prstGeom prst="rect">
-            <a:avLst/>
-          </a:prstGeom>
-        </p:spPr>
-        <p:style>
-          <a:lnRef idx="2">
-            <a:schemeClr val="accent6"/>
-          </a:lnRef>
-          <a:fillRef idx="1">
-            <a:schemeClr val="lt1"/>
-          </a:fillRef>
-          <a:effectRef idx="0">
-            <a:schemeClr val="accent6"/>
-          </a:effectRef>
-          <a:fontRef idx="minor">
-            <a:schemeClr val="dk1"/>
-          </a:fontRef>
-        </p:style>
-        <p:txBody>
-          <a:bodyPr rtlCol="0" anchor="ctr"/>
-          <a:lstStyle/>
-          <a:p>
-            <a:pPr algn="ctr"/>
-            <a:endParaRPr lang="en-US"/>
-          </a:p>
-        </p:txBody>
-      </p:sp>
-      <p:sp>
-        <p:nvSpPr>
           <p:cNvPr id="20" name="Flowchart: Merge 19">
             <a:extLst>
               <a:ext uri="{FF2B5EF4-FFF2-40B4-BE49-F238E27FC236}">
@@ -18635,7 +17665,7 @@
         </p:nvSpPr>
         <p:spPr>
           <a:xfrm>
-            <a:off x="9303246" y="1367163"/>
+            <a:off x="3852277" y="1375228"/>
             <a:ext cx="129309" cy="110837"/>
           </a:xfrm>
           <a:prstGeom prst="flowChartMerge">
@@ -19024,7 +18054,7 @@
           <p:nvPr>
             <p:extLst>
               <p:ext uri="{D42A27DB-BD31-4B8C-83A1-F6EECF244321}">
-                <p14:modId xmlns:p14="http://schemas.microsoft.com/office/powerpoint/2010/main" val="116241559"/>
+                <p14:modId xmlns:p14="http://schemas.microsoft.com/office/powerpoint/2010/main" val="1316811778"/>
               </p:ext>
             </p:extLst>
           </p:nvPr>
@@ -19347,7 +18377,10 @@
                     <a:bodyPr/>
                     <a:lstStyle/>
                     <a:p>
-                      <a:endParaRPr lang="en-US" sz="1400"/>
+                      <a:r>
+                        <a:rPr lang="en-US" sz="1400"/>
+                        <a:t>TRUE</a:t>
+                      </a:r>
                     </a:p>
                   </a:txBody>
                   <a:tcPr/>

--- a/tool_tier3_docs/sreens.pptx
+++ b/tool_tier3_docs/sreens.pptx
@@ -256,7 +256,7 @@
           <a:p>
             <a:fld id="{3F95A33F-0BE4-4972-96C4-351B17A890F5}" type="datetimeFigureOut">
               <a:rPr lang="en-US" smtClean="0"/>
-              <a:t>1/15/2019</a:t>
+              <a:t>1/16/2019</a:t>
             </a:fld>
             <a:endParaRPr lang="en-US"/>
           </a:p>
@@ -424,7 +424,7 @@
           <a:p>
             <a:fld id="{3F95A33F-0BE4-4972-96C4-351B17A890F5}" type="datetimeFigureOut">
               <a:rPr lang="en-US" smtClean="0"/>
-              <a:t>1/15/2019</a:t>
+              <a:t>1/16/2019</a:t>
             </a:fld>
             <a:endParaRPr lang="en-US"/>
           </a:p>
@@ -602,7 +602,7 @@
           <a:p>
             <a:fld id="{3F95A33F-0BE4-4972-96C4-351B17A890F5}" type="datetimeFigureOut">
               <a:rPr lang="en-US" smtClean="0"/>
-              <a:t>1/15/2019</a:t>
+              <a:t>1/16/2019</a:t>
             </a:fld>
             <a:endParaRPr lang="en-US"/>
           </a:p>
@@ -770,7 +770,7 @@
           <a:p>
             <a:fld id="{3F95A33F-0BE4-4972-96C4-351B17A890F5}" type="datetimeFigureOut">
               <a:rPr lang="en-US" smtClean="0"/>
-              <a:t>1/15/2019</a:t>
+              <a:t>1/16/2019</a:t>
             </a:fld>
             <a:endParaRPr lang="en-US"/>
           </a:p>
@@ -1015,7 +1015,7 @@
           <a:p>
             <a:fld id="{3F95A33F-0BE4-4972-96C4-351B17A890F5}" type="datetimeFigureOut">
               <a:rPr lang="en-US" smtClean="0"/>
-              <a:t>1/15/2019</a:t>
+              <a:t>1/16/2019</a:t>
             </a:fld>
             <a:endParaRPr lang="en-US"/>
           </a:p>
@@ -1244,7 +1244,7 @@
           <a:p>
             <a:fld id="{3F95A33F-0BE4-4972-96C4-351B17A890F5}" type="datetimeFigureOut">
               <a:rPr lang="en-US" smtClean="0"/>
-              <a:t>1/15/2019</a:t>
+              <a:t>1/16/2019</a:t>
             </a:fld>
             <a:endParaRPr lang="en-US"/>
           </a:p>
@@ -1608,7 +1608,7 @@
           <a:p>
             <a:fld id="{3F95A33F-0BE4-4972-96C4-351B17A890F5}" type="datetimeFigureOut">
               <a:rPr lang="en-US" smtClean="0"/>
-              <a:t>1/15/2019</a:t>
+              <a:t>1/16/2019</a:t>
             </a:fld>
             <a:endParaRPr lang="en-US"/>
           </a:p>
@@ -1725,7 +1725,7 @@
           <a:p>
             <a:fld id="{3F95A33F-0BE4-4972-96C4-351B17A890F5}" type="datetimeFigureOut">
               <a:rPr lang="en-US" smtClean="0"/>
-              <a:t>1/15/2019</a:t>
+              <a:t>1/16/2019</a:t>
             </a:fld>
             <a:endParaRPr lang="en-US"/>
           </a:p>
@@ -1820,7 +1820,7 @@
           <a:p>
             <a:fld id="{3F95A33F-0BE4-4972-96C4-351B17A890F5}" type="datetimeFigureOut">
               <a:rPr lang="en-US" smtClean="0"/>
-              <a:t>1/15/2019</a:t>
+              <a:t>1/16/2019</a:t>
             </a:fld>
             <a:endParaRPr lang="en-US"/>
           </a:p>
@@ -2095,7 +2095,7 @@
           <a:p>
             <a:fld id="{3F95A33F-0BE4-4972-96C4-351B17A890F5}" type="datetimeFigureOut">
               <a:rPr lang="en-US" smtClean="0"/>
-              <a:t>1/15/2019</a:t>
+              <a:t>1/16/2019</a:t>
             </a:fld>
             <a:endParaRPr lang="en-US"/>
           </a:p>
@@ -2347,7 +2347,7 @@
           <a:p>
             <a:fld id="{3F95A33F-0BE4-4972-96C4-351B17A890F5}" type="datetimeFigureOut">
               <a:rPr lang="en-US" smtClean="0"/>
-              <a:t>1/15/2019</a:t>
+              <a:t>1/16/2019</a:t>
             </a:fld>
             <a:endParaRPr lang="en-US"/>
           </a:p>
@@ -2558,7 +2558,7 @@
           <a:p>
             <a:fld id="{3F95A33F-0BE4-4972-96C4-351B17A890F5}" type="datetimeFigureOut">
               <a:rPr lang="en-US" smtClean="0"/>
-              <a:t>1/15/2019</a:t>
+              <a:t>1/16/2019</a:t>
             </a:fld>
             <a:endParaRPr lang="en-US"/>
           </a:p>
@@ -5306,6 +5306,917 @@
           </a:p>
         </p:txBody>
       </p:sp>
+      <p:sp>
+        <p:nvSpPr>
+          <p:cNvPr id="41" name="Flowchart: Merge 40">
+            <a:extLst>
+              <a:ext uri="{FF2B5EF4-FFF2-40B4-BE49-F238E27FC236}">
+                <a16:creationId xmlns:a16="http://schemas.microsoft.com/office/drawing/2014/main" id="{8CDF7707-B978-4569-BFF7-9C8F22962F8B}"/>
+              </a:ext>
+            </a:extLst>
+          </p:cNvPr>
+          <p:cNvSpPr/>
+          <p:nvPr/>
+        </p:nvSpPr>
+        <p:spPr>
+          <a:xfrm>
+            <a:off x="2105891" y="4593348"/>
+            <a:ext cx="129309" cy="110837"/>
+          </a:xfrm>
+          <a:prstGeom prst="flowChartMerge">
+            <a:avLst/>
+          </a:prstGeom>
+        </p:spPr>
+        <p:style>
+          <a:lnRef idx="2">
+            <a:schemeClr val="accent6"/>
+          </a:lnRef>
+          <a:fillRef idx="1">
+            <a:schemeClr val="lt1"/>
+          </a:fillRef>
+          <a:effectRef idx="0">
+            <a:schemeClr val="accent6"/>
+          </a:effectRef>
+          <a:fontRef idx="minor">
+            <a:schemeClr val="dk1"/>
+          </a:fontRef>
+        </p:style>
+        <p:txBody>
+          <a:bodyPr rtlCol="0" anchor="ctr"/>
+          <a:lstStyle/>
+          <a:p>
+            <a:pPr algn="ctr"/>
+            <a:endParaRPr lang="en-US"/>
+          </a:p>
+        </p:txBody>
+      </p:sp>
+      <p:sp>
+        <p:nvSpPr>
+          <p:cNvPr id="42" name="Flowchart: Merge 41">
+            <a:extLst>
+              <a:ext uri="{FF2B5EF4-FFF2-40B4-BE49-F238E27FC236}">
+                <a16:creationId xmlns:a16="http://schemas.microsoft.com/office/drawing/2014/main" id="{6CF4F2CE-D50F-48D7-9FEE-187BDFD81242}"/>
+              </a:ext>
+            </a:extLst>
+          </p:cNvPr>
+          <p:cNvSpPr/>
+          <p:nvPr/>
+        </p:nvSpPr>
+        <p:spPr>
+          <a:xfrm>
+            <a:off x="3447011" y="4614131"/>
+            <a:ext cx="129309" cy="110837"/>
+          </a:xfrm>
+          <a:prstGeom prst="flowChartMerge">
+            <a:avLst/>
+          </a:prstGeom>
+        </p:spPr>
+        <p:style>
+          <a:lnRef idx="2">
+            <a:schemeClr val="accent6"/>
+          </a:lnRef>
+          <a:fillRef idx="1">
+            <a:schemeClr val="lt1"/>
+          </a:fillRef>
+          <a:effectRef idx="0">
+            <a:schemeClr val="accent6"/>
+          </a:effectRef>
+          <a:fontRef idx="minor">
+            <a:schemeClr val="dk1"/>
+          </a:fontRef>
+        </p:style>
+        <p:txBody>
+          <a:bodyPr rtlCol="0" anchor="ctr"/>
+          <a:lstStyle/>
+          <a:p>
+            <a:pPr algn="ctr"/>
+            <a:endParaRPr lang="en-US"/>
+          </a:p>
+        </p:txBody>
+      </p:sp>
+      <p:sp>
+        <p:nvSpPr>
+          <p:cNvPr id="43" name="Flowchart: Merge 42">
+            <a:extLst>
+              <a:ext uri="{FF2B5EF4-FFF2-40B4-BE49-F238E27FC236}">
+                <a16:creationId xmlns:a16="http://schemas.microsoft.com/office/drawing/2014/main" id="{F5BB8732-379D-4098-BC54-2AEB4F390C98}"/>
+              </a:ext>
+            </a:extLst>
+          </p:cNvPr>
+          <p:cNvSpPr/>
+          <p:nvPr/>
+        </p:nvSpPr>
+        <p:spPr>
+          <a:xfrm>
+            <a:off x="4723476" y="4593348"/>
+            <a:ext cx="129309" cy="110837"/>
+          </a:xfrm>
+          <a:prstGeom prst="flowChartMerge">
+            <a:avLst/>
+          </a:prstGeom>
+        </p:spPr>
+        <p:style>
+          <a:lnRef idx="2">
+            <a:schemeClr val="accent6"/>
+          </a:lnRef>
+          <a:fillRef idx="1">
+            <a:schemeClr val="lt1"/>
+          </a:fillRef>
+          <a:effectRef idx="0">
+            <a:schemeClr val="accent6"/>
+          </a:effectRef>
+          <a:fontRef idx="minor">
+            <a:schemeClr val="dk1"/>
+          </a:fontRef>
+        </p:style>
+        <p:txBody>
+          <a:bodyPr rtlCol="0" anchor="ctr"/>
+          <a:lstStyle/>
+          <a:p>
+            <a:pPr algn="ctr"/>
+            <a:endParaRPr lang="en-US"/>
+          </a:p>
+        </p:txBody>
+      </p:sp>
+      <p:sp>
+        <p:nvSpPr>
+          <p:cNvPr id="44" name="Flowchart: Merge 43">
+            <a:extLst>
+              <a:ext uri="{FF2B5EF4-FFF2-40B4-BE49-F238E27FC236}">
+                <a16:creationId xmlns:a16="http://schemas.microsoft.com/office/drawing/2014/main" id="{94509135-140D-4800-9B42-F7163AA0CB44}"/>
+              </a:ext>
+            </a:extLst>
+          </p:cNvPr>
+          <p:cNvSpPr/>
+          <p:nvPr/>
+        </p:nvSpPr>
+        <p:spPr>
+          <a:xfrm>
+            <a:off x="5846618" y="4629708"/>
+            <a:ext cx="129309" cy="110837"/>
+          </a:xfrm>
+          <a:prstGeom prst="flowChartMerge">
+            <a:avLst/>
+          </a:prstGeom>
+        </p:spPr>
+        <p:style>
+          <a:lnRef idx="2">
+            <a:schemeClr val="accent6"/>
+          </a:lnRef>
+          <a:fillRef idx="1">
+            <a:schemeClr val="lt1"/>
+          </a:fillRef>
+          <a:effectRef idx="0">
+            <a:schemeClr val="accent6"/>
+          </a:effectRef>
+          <a:fontRef idx="minor">
+            <a:schemeClr val="dk1"/>
+          </a:fontRef>
+        </p:style>
+        <p:txBody>
+          <a:bodyPr rtlCol="0" anchor="ctr"/>
+          <a:lstStyle/>
+          <a:p>
+            <a:pPr algn="ctr"/>
+            <a:endParaRPr lang="en-US"/>
+          </a:p>
+        </p:txBody>
+      </p:sp>
+      <p:sp>
+        <p:nvSpPr>
+          <p:cNvPr id="45" name="Flowchart: Merge 44">
+            <a:extLst>
+              <a:ext uri="{FF2B5EF4-FFF2-40B4-BE49-F238E27FC236}">
+                <a16:creationId xmlns:a16="http://schemas.microsoft.com/office/drawing/2014/main" id="{BD27A70C-8833-4480-AAA4-350991E1958E}"/>
+              </a:ext>
+            </a:extLst>
+          </p:cNvPr>
+          <p:cNvSpPr/>
+          <p:nvPr/>
+        </p:nvSpPr>
+        <p:spPr>
+          <a:xfrm>
+            <a:off x="7058428" y="4597301"/>
+            <a:ext cx="129309" cy="110837"/>
+          </a:xfrm>
+          <a:prstGeom prst="flowChartMerge">
+            <a:avLst/>
+          </a:prstGeom>
+        </p:spPr>
+        <p:style>
+          <a:lnRef idx="2">
+            <a:schemeClr val="accent6"/>
+          </a:lnRef>
+          <a:fillRef idx="1">
+            <a:schemeClr val="lt1"/>
+          </a:fillRef>
+          <a:effectRef idx="0">
+            <a:schemeClr val="accent6"/>
+          </a:effectRef>
+          <a:fontRef idx="minor">
+            <a:schemeClr val="dk1"/>
+          </a:fontRef>
+        </p:style>
+        <p:txBody>
+          <a:bodyPr rtlCol="0" anchor="ctr"/>
+          <a:lstStyle/>
+          <a:p>
+            <a:pPr algn="ctr"/>
+            <a:endParaRPr lang="en-US"/>
+          </a:p>
+        </p:txBody>
+      </p:sp>
+      <p:sp>
+        <p:nvSpPr>
+          <p:cNvPr id="46" name="Flowchart: Merge 45">
+            <a:extLst>
+              <a:ext uri="{FF2B5EF4-FFF2-40B4-BE49-F238E27FC236}">
+                <a16:creationId xmlns:a16="http://schemas.microsoft.com/office/drawing/2014/main" id="{6CCE99A2-A41C-46D0-B896-6A41CC1AC850}"/>
+              </a:ext>
+            </a:extLst>
+          </p:cNvPr>
+          <p:cNvSpPr/>
+          <p:nvPr/>
+        </p:nvSpPr>
+        <p:spPr>
+          <a:xfrm>
+            <a:off x="8237219" y="4597300"/>
+            <a:ext cx="129309" cy="110837"/>
+          </a:xfrm>
+          <a:prstGeom prst="flowChartMerge">
+            <a:avLst/>
+          </a:prstGeom>
+        </p:spPr>
+        <p:style>
+          <a:lnRef idx="2">
+            <a:schemeClr val="accent6"/>
+          </a:lnRef>
+          <a:fillRef idx="1">
+            <a:schemeClr val="lt1"/>
+          </a:fillRef>
+          <a:effectRef idx="0">
+            <a:schemeClr val="accent6"/>
+          </a:effectRef>
+          <a:fontRef idx="minor">
+            <a:schemeClr val="dk1"/>
+          </a:fontRef>
+        </p:style>
+        <p:txBody>
+          <a:bodyPr rtlCol="0" anchor="ctr"/>
+          <a:lstStyle/>
+          <a:p>
+            <a:pPr algn="ctr"/>
+            <a:endParaRPr lang="en-US"/>
+          </a:p>
+        </p:txBody>
+      </p:sp>
+      <p:sp>
+        <p:nvSpPr>
+          <p:cNvPr id="47" name="Flowchart: Merge 46">
+            <a:extLst>
+              <a:ext uri="{FF2B5EF4-FFF2-40B4-BE49-F238E27FC236}">
+                <a16:creationId xmlns:a16="http://schemas.microsoft.com/office/drawing/2014/main" id="{984D88B9-9F15-4213-944B-5F35D55AF0B2}"/>
+              </a:ext>
+            </a:extLst>
+          </p:cNvPr>
+          <p:cNvSpPr/>
+          <p:nvPr/>
+        </p:nvSpPr>
+        <p:spPr>
+          <a:xfrm>
+            <a:off x="9351355" y="4629707"/>
+            <a:ext cx="129309" cy="110837"/>
+          </a:xfrm>
+          <a:prstGeom prst="flowChartMerge">
+            <a:avLst/>
+          </a:prstGeom>
+        </p:spPr>
+        <p:style>
+          <a:lnRef idx="2">
+            <a:schemeClr val="accent6"/>
+          </a:lnRef>
+          <a:fillRef idx="1">
+            <a:schemeClr val="lt1"/>
+          </a:fillRef>
+          <a:effectRef idx="0">
+            <a:schemeClr val="accent6"/>
+          </a:effectRef>
+          <a:fontRef idx="minor">
+            <a:schemeClr val="dk1"/>
+          </a:fontRef>
+        </p:style>
+        <p:txBody>
+          <a:bodyPr rtlCol="0" anchor="ctr"/>
+          <a:lstStyle/>
+          <a:p>
+            <a:pPr algn="ctr"/>
+            <a:endParaRPr lang="en-US"/>
+          </a:p>
+        </p:txBody>
+      </p:sp>
+      <p:sp>
+        <p:nvSpPr>
+          <p:cNvPr id="48" name="Flowchart: Merge 47">
+            <a:extLst>
+              <a:ext uri="{FF2B5EF4-FFF2-40B4-BE49-F238E27FC236}">
+                <a16:creationId xmlns:a16="http://schemas.microsoft.com/office/drawing/2014/main" id="{3AD054C5-EF80-4263-A9D2-4262EA0E4F28}"/>
+              </a:ext>
+            </a:extLst>
+          </p:cNvPr>
+          <p:cNvSpPr/>
+          <p:nvPr/>
+        </p:nvSpPr>
+        <p:spPr>
+          <a:xfrm>
+            <a:off x="10572171" y="4629707"/>
+            <a:ext cx="129309" cy="110837"/>
+          </a:xfrm>
+          <a:prstGeom prst="flowChartMerge">
+            <a:avLst/>
+          </a:prstGeom>
+        </p:spPr>
+        <p:style>
+          <a:lnRef idx="2">
+            <a:schemeClr val="accent6"/>
+          </a:lnRef>
+          <a:fillRef idx="1">
+            <a:schemeClr val="lt1"/>
+          </a:fillRef>
+          <a:effectRef idx="0">
+            <a:schemeClr val="accent6"/>
+          </a:effectRef>
+          <a:fontRef idx="minor">
+            <a:schemeClr val="dk1"/>
+          </a:fontRef>
+        </p:style>
+        <p:txBody>
+          <a:bodyPr rtlCol="0" anchor="ctr"/>
+          <a:lstStyle/>
+          <a:p>
+            <a:pPr algn="ctr"/>
+            <a:endParaRPr lang="en-US"/>
+          </a:p>
+        </p:txBody>
+      </p:sp>
+      <p:sp>
+        <p:nvSpPr>
+          <p:cNvPr id="49" name="Flowchart: Merge 48">
+            <a:extLst>
+              <a:ext uri="{FF2B5EF4-FFF2-40B4-BE49-F238E27FC236}">
+                <a16:creationId xmlns:a16="http://schemas.microsoft.com/office/drawing/2014/main" id="{F048E8F7-ACC0-4408-A4D5-544EC5E79037}"/>
+              </a:ext>
+            </a:extLst>
+          </p:cNvPr>
+          <p:cNvSpPr/>
+          <p:nvPr/>
+        </p:nvSpPr>
+        <p:spPr>
+          <a:xfrm>
+            <a:off x="11728332" y="4597299"/>
+            <a:ext cx="129309" cy="110837"/>
+          </a:xfrm>
+          <a:prstGeom prst="flowChartMerge">
+            <a:avLst/>
+          </a:prstGeom>
+        </p:spPr>
+        <p:style>
+          <a:lnRef idx="2">
+            <a:schemeClr val="accent6"/>
+          </a:lnRef>
+          <a:fillRef idx="1">
+            <a:schemeClr val="lt1"/>
+          </a:fillRef>
+          <a:effectRef idx="0">
+            <a:schemeClr val="accent6"/>
+          </a:effectRef>
+          <a:fontRef idx="minor">
+            <a:schemeClr val="dk1"/>
+          </a:fontRef>
+        </p:style>
+        <p:txBody>
+          <a:bodyPr rtlCol="0" anchor="ctr"/>
+          <a:lstStyle/>
+          <a:p>
+            <a:pPr algn="ctr"/>
+            <a:endParaRPr lang="en-US"/>
+          </a:p>
+        </p:txBody>
+      </p:sp>
+      <p:sp>
+        <p:nvSpPr>
+          <p:cNvPr id="50" name="Rectangle 49">
+            <a:extLst>
+              <a:ext uri="{FF2B5EF4-FFF2-40B4-BE49-F238E27FC236}">
+                <a16:creationId xmlns:a16="http://schemas.microsoft.com/office/drawing/2014/main" id="{17B52FF7-B740-4FB5-B7FA-09B5870A4C42}"/>
+              </a:ext>
+            </a:extLst>
+          </p:cNvPr>
+          <p:cNvSpPr/>
+          <p:nvPr/>
+        </p:nvSpPr>
+        <p:spPr>
+          <a:xfrm>
+            <a:off x="5162202" y="6060567"/>
+            <a:ext cx="750106" cy="220142"/>
+          </a:xfrm>
+          <a:prstGeom prst="rect">
+            <a:avLst/>
+          </a:prstGeom>
+        </p:spPr>
+        <p:style>
+          <a:lnRef idx="2">
+            <a:schemeClr val="accent6"/>
+          </a:lnRef>
+          <a:fillRef idx="1">
+            <a:schemeClr val="lt1"/>
+          </a:fillRef>
+          <a:effectRef idx="0">
+            <a:schemeClr val="accent6"/>
+          </a:effectRef>
+          <a:fontRef idx="minor">
+            <a:schemeClr val="dk1"/>
+          </a:fontRef>
+        </p:style>
+        <p:txBody>
+          <a:bodyPr rtlCol="0" anchor="ctr"/>
+          <a:lstStyle/>
+          <a:p>
+            <a:pPr algn="ctr"/>
+            <a:r>
+              <a:rPr lang="en-US"/>
+              <a:t>Page</a:t>
+            </a:r>
+          </a:p>
+        </p:txBody>
+      </p:sp>
+      <p:sp>
+        <p:nvSpPr>
+          <p:cNvPr id="51" name="Rectangle 50">
+            <a:extLst>
+              <a:ext uri="{FF2B5EF4-FFF2-40B4-BE49-F238E27FC236}">
+                <a16:creationId xmlns:a16="http://schemas.microsoft.com/office/drawing/2014/main" id="{E8E192C7-C649-4CB5-9256-BD773BE5096C}"/>
+              </a:ext>
+            </a:extLst>
+          </p:cNvPr>
+          <p:cNvSpPr/>
+          <p:nvPr/>
+        </p:nvSpPr>
+        <p:spPr>
+          <a:xfrm>
+            <a:off x="5975927" y="6060567"/>
+            <a:ext cx="750106" cy="220142"/>
+          </a:xfrm>
+          <a:prstGeom prst="rect">
+            <a:avLst/>
+          </a:prstGeom>
+        </p:spPr>
+        <p:style>
+          <a:lnRef idx="2">
+            <a:schemeClr val="accent6"/>
+          </a:lnRef>
+          <a:fillRef idx="1">
+            <a:schemeClr val="lt1"/>
+          </a:fillRef>
+          <a:effectRef idx="0">
+            <a:schemeClr val="accent6"/>
+          </a:effectRef>
+          <a:fontRef idx="minor">
+            <a:schemeClr val="dk1"/>
+          </a:fontRef>
+        </p:style>
+        <p:txBody>
+          <a:bodyPr rtlCol="0" anchor="ctr"/>
+          <a:lstStyle/>
+          <a:p>
+            <a:pPr algn="ctr"/>
+            <a:r>
+              <a:rPr lang="en-US"/>
+              <a:t>1 / 10</a:t>
+            </a:r>
+          </a:p>
+        </p:txBody>
+      </p:sp>
+      <p:sp>
+        <p:nvSpPr>
+          <p:cNvPr id="52" name="Rectangle 51">
+            <a:extLst>
+              <a:ext uri="{FF2B5EF4-FFF2-40B4-BE49-F238E27FC236}">
+                <a16:creationId xmlns:a16="http://schemas.microsoft.com/office/drawing/2014/main" id="{485983A3-4208-41E5-9843-B6D8777641F7}"/>
+              </a:ext>
+            </a:extLst>
+          </p:cNvPr>
+          <p:cNvSpPr/>
+          <p:nvPr/>
+        </p:nvSpPr>
+        <p:spPr>
+          <a:xfrm>
+            <a:off x="4477732" y="6410376"/>
+            <a:ext cx="375053" cy="220142"/>
+          </a:xfrm>
+          <a:prstGeom prst="rect">
+            <a:avLst/>
+          </a:prstGeom>
+        </p:spPr>
+        <p:style>
+          <a:lnRef idx="1">
+            <a:schemeClr val="accent2"/>
+          </a:lnRef>
+          <a:fillRef idx="2">
+            <a:schemeClr val="accent2"/>
+          </a:fillRef>
+          <a:effectRef idx="1">
+            <a:schemeClr val="accent2"/>
+          </a:effectRef>
+          <a:fontRef idx="minor">
+            <a:schemeClr val="dk1"/>
+          </a:fontRef>
+        </p:style>
+        <p:txBody>
+          <a:bodyPr rtlCol="0" anchor="ctr"/>
+          <a:lstStyle/>
+          <a:p>
+            <a:pPr algn="ctr"/>
+            <a:r>
+              <a:rPr lang="en-US"/>
+              <a:t>1</a:t>
+            </a:r>
+          </a:p>
+        </p:txBody>
+      </p:sp>
+      <p:sp>
+        <p:nvSpPr>
+          <p:cNvPr id="53" name="Rectangle 52">
+            <a:extLst>
+              <a:ext uri="{FF2B5EF4-FFF2-40B4-BE49-F238E27FC236}">
+                <a16:creationId xmlns:a16="http://schemas.microsoft.com/office/drawing/2014/main" id="{4BB17924-A859-47E1-90D7-25EF0294769A}"/>
+              </a:ext>
+            </a:extLst>
+          </p:cNvPr>
+          <p:cNvSpPr/>
+          <p:nvPr/>
+        </p:nvSpPr>
+        <p:spPr>
+          <a:xfrm>
+            <a:off x="4974675" y="6413856"/>
+            <a:ext cx="375053" cy="220142"/>
+          </a:xfrm>
+          <a:prstGeom prst="rect">
+            <a:avLst/>
+          </a:prstGeom>
+        </p:spPr>
+        <p:style>
+          <a:lnRef idx="1">
+            <a:schemeClr val="accent2"/>
+          </a:lnRef>
+          <a:fillRef idx="2">
+            <a:schemeClr val="accent2"/>
+          </a:fillRef>
+          <a:effectRef idx="1">
+            <a:schemeClr val="accent2"/>
+          </a:effectRef>
+          <a:fontRef idx="minor">
+            <a:schemeClr val="dk1"/>
+          </a:fontRef>
+        </p:style>
+        <p:txBody>
+          <a:bodyPr rtlCol="0" anchor="ctr"/>
+          <a:lstStyle/>
+          <a:p>
+            <a:pPr algn="ctr"/>
+            <a:r>
+              <a:rPr lang="en-US"/>
+              <a:t>2</a:t>
+            </a:r>
+          </a:p>
+        </p:txBody>
+      </p:sp>
+      <p:sp>
+        <p:nvSpPr>
+          <p:cNvPr id="54" name="Rectangle 53">
+            <a:extLst>
+              <a:ext uri="{FF2B5EF4-FFF2-40B4-BE49-F238E27FC236}">
+                <a16:creationId xmlns:a16="http://schemas.microsoft.com/office/drawing/2014/main" id="{8B978E0F-D8B3-4FAC-AFB5-C9BD1F48A0BD}"/>
+              </a:ext>
+            </a:extLst>
+          </p:cNvPr>
+          <p:cNvSpPr/>
+          <p:nvPr/>
+        </p:nvSpPr>
+        <p:spPr>
+          <a:xfrm>
+            <a:off x="5410960" y="6404245"/>
+            <a:ext cx="375053" cy="220142"/>
+          </a:xfrm>
+          <a:prstGeom prst="rect">
+            <a:avLst/>
+          </a:prstGeom>
+        </p:spPr>
+        <p:style>
+          <a:lnRef idx="1">
+            <a:schemeClr val="accent2"/>
+          </a:lnRef>
+          <a:fillRef idx="2">
+            <a:schemeClr val="accent2"/>
+          </a:fillRef>
+          <a:effectRef idx="1">
+            <a:schemeClr val="accent2"/>
+          </a:effectRef>
+          <a:fontRef idx="minor">
+            <a:schemeClr val="dk1"/>
+          </a:fontRef>
+        </p:style>
+        <p:txBody>
+          <a:bodyPr rtlCol="0" anchor="ctr"/>
+          <a:lstStyle/>
+          <a:p>
+            <a:pPr algn="ctr"/>
+            <a:r>
+              <a:rPr lang="en-US"/>
+              <a:t>3</a:t>
+            </a:r>
+          </a:p>
+        </p:txBody>
+      </p:sp>
+      <p:sp>
+        <p:nvSpPr>
+          <p:cNvPr id="55" name="Rectangle 54">
+            <a:extLst>
+              <a:ext uri="{FF2B5EF4-FFF2-40B4-BE49-F238E27FC236}">
+                <a16:creationId xmlns:a16="http://schemas.microsoft.com/office/drawing/2014/main" id="{1E64C623-1B59-4D0A-94E2-FB054F083713}"/>
+              </a:ext>
+            </a:extLst>
+          </p:cNvPr>
+          <p:cNvSpPr/>
+          <p:nvPr/>
+        </p:nvSpPr>
+        <p:spPr>
+          <a:xfrm>
+            <a:off x="6267964" y="6404245"/>
+            <a:ext cx="375053" cy="220142"/>
+          </a:xfrm>
+          <a:prstGeom prst="rect">
+            <a:avLst/>
+          </a:prstGeom>
+        </p:spPr>
+        <p:style>
+          <a:lnRef idx="1">
+            <a:schemeClr val="accent2"/>
+          </a:lnRef>
+          <a:fillRef idx="2">
+            <a:schemeClr val="accent2"/>
+          </a:fillRef>
+          <a:effectRef idx="1">
+            <a:schemeClr val="accent2"/>
+          </a:effectRef>
+          <a:fontRef idx="minor">
+            <a:schemeClr val="dk1"/>
+          </a:fontRef>
+        </p:style>
+        <p:txBody>
+          <a:bodyPr rtlCol="0" anchor="ctr"/>
+          <a:lstStyle/>
+          <a:p>
+            <a:pPr algn="ctr"/>
+            <a:r>
+              <a:rPr lang="en-US"/>
+              <a:t>8</a:t>
+            </a:r>
+          </a:p>
+        </p:txBody>
+      </p:sp>
+      <p:sp>
+        <p:nvSpPr>
+          <p:cNvPr id="56" name="Rectangle 55">
+            <a:extLst>
+              <a:ext uri="{FF2B5EF4-FFF2-40B4-BE49-F238E27FC236}">
+                <a16:creationId xmlns:a16="http://schemas.microsoft.com/office/drawing/2014/main" id="{1D2736DE-57AA-449A-8519-E4FBA434E2AA}"/>
+              </a:ext>
+            </a:extLst>
+          </p:cNvPr>
+          <p:cNvSpPr/>
+          <p:nvPr/>
+        </p:nvSpPr>
+        <p:spPr>
+          <a:xfrm>
+            <a:off x="6722716" y="6404245"/>
+            <a:ext cx="375053" cy="220142"/>
+          </a:xfrm>
+          <a:prstGeom prst="rect">
+            <a:avLst/>
+          </a:prstGeom>
+        </p:spPr>
+        <p:style>
+          <a:lnRef idx="1">
+            <a:schemeClr val="accent2"/>
+          </a:lnRef>
+          <a:fillRef idx="2">
+            <a:schemeClr val="accent2"/>
+          </a:fillRef>
+          <a:effectRef idx="1">
+            <a:schemeClr val="accent2"/>
+          </a:effectRef>
+          <a:fontRef idx="minor">
+            <a:schemeClr val="dk1"/>
+          </a:fontRef>
+        </p:style>
+        <p:txBody>
+          <a:bodyPr rtlCol="0" anchor="ctr"/>
+          <a:lstStyle/>
+          <a:p>
+            <a:pPr algn="ctr"/>
+            <a:r>
+              <a:rPr lang="en-US"/>
+              <a:t>9</a:t>
+            </a:r>
+          </a:p>
+        </p:txBody>
+      </p:sp>
+      <p:sp>
+        <p:nvSpPr>
+          <p:cNvPr id="57" name="Rectangle 56">
+            <a:extLst>
+              <a:ext uri="{FF2B5EF4-FFF2-40B4-BE49-F238E27FC236}">
+                <a16:creationId xmlns:a16="http://schemas.microsoft.com/office/drawing/2014/main" id="{D3B99728-8A78-4C2C-B99C-46D4128C587D}"/>
+              </a:ext>
+            </a:extLst>
+          </p:cNvPr>
+          <p:cNvSpPr/>
+          <p:nvPr/>
+        </p:nvSpPr>
+        <p:spPr>
+          <a:xfrm>
+            <a:off x="7230459" y="6404245"/>
+            <a:ext cx="428797" cy="220142"/>
+          </a:xfrm>
+          <a:prstGeom prst="rect">
+            <a:avLst/>
+          </a:prstGeom>
+        </p:spPr>
+        <p:style>
+          <a:lnRef idx="1">
+            <a:schemeClr val="accent2"/>
+          </a:lnRef>
+          <a:fillRef idx="2">
+            <a:schemeClr val="accent2"/>
+          </a:fillRef>
+          <a:effectRef idx="1">
+            <a:schemeClr val="accent2"/>
+          </a:effectRef>
+          <a:fontRef idx="minor">
+            <a:schemeClr val="dk1"/>
+          </a:fontRef>
+        </p:style>
+        <p:txBody>
+          <a:bodyPr rtlCol="0" anchor="ctr"/>
+          <a:lstStyle/>
+          <a:p>
+            <a:pPr algn="ctr"/>
+            <a:r>
+              <a:rPr lang="en-US"/>
+              <a:t>10</a:t>
+            </a:r>
+          </a:p>
+        </p:txBody>
+      </p:sp>
+      <p:sp>
+        <p:nvSpPr>
+          <p:cNvPr id="58" name="Rectangle 57">
+            <a:extLst>
+              <a:ext uri="{FF2B5EF4-FFF2-40B4-BE49-F238E27FC236}">
+                <a16:creationId xmlns:a16="http://schemas.microsoft.com/office/drawing/2014/main" id="{F6DEB154-9391-48B4-9E42-7E3CD6F1369C}"/>
+              </a:ext>
+            </a:extLst>
+          </p:cNvPr>
+          <p:cNvSpPr/>
+          <p:nvPr/>
+        </p:nvSpPr>
+        <p:spPr>
+          <a:xfrm>
+            <a:off x="5834434" y="6413856"/>
+            <a:ext cx="375053" cy="220142"/>
+          </a:xfrm>
+          <a:prstGeom prst="rect">
+            <a:avLst/>
+          </a:prstGeom>
+        </p:spPr>
+        <p:style>
+          <a:lnRef idx="2">
+            <a:schemeClr val="accent6"/>
+          </a:lnRef>
+          <a:fillRef idx="1">
+            <a:schemeClr val="lt1"/>
+          </a:fillRef>
+          <a:effectRef idx="0">
+            <a:schemeClr val="accent6"/>
+          </a:effectRef>
+          <a:fontRef idx="minor">
+            <a:schemeClr val="dk1"/>
+          </a:fontRef>
+        </p:style>
+        <p:txBody>
+          <a:bodyPr rtlCol="0" anchor="ctr"/>
+          <a:lstStyle/>
+          <a:p>
+            <a:pPr algn="ctr"/>
+            <a:r>
+              <a:rPr lang="en-US"/>
+              <a:t>…</a:t>
+            </a:r>
+          </a:p>
+        </p:txBody>
+      </p:sp>
+      <p:sp>
+        <p:nvSpPr>
+          <p:cNvPr id="3" name="Arrow: Left 2">
+            <a:extLst>
+              <a:ext uri="{FF2B5EF4-FFF2-40B4-BE49-F238E27FC236}">
+                <a16:creationId xmlns:a16="http://schemas.microsoft.com/office/drawing/2014/main" id="{176EC719-8570-4AA2-80A7-D146C15FE081}"/>
+              </a:ext>
+            </a:extLst>
+          </p:cNvPr>
+          <p:cNvSpPr/>
+          <p:nvPr/>
+        </p:nvSpPr>
+        <p:spPr>
+          <a:xfrm>
+            <a:off x="4723476" y="6108192"/>
+            <a:ext cx="198348" cy="136156"/>
+          </a:xfrm>
+          <a:prstGeom prst="leftArrow">
+            <a:avLst/>
+          </a:prstGeom>
+        </p:spPr>
+        <p:style>
+          <a:lnRef idx="2">
+            <a:schemeClr val="accent1">
+              <a:shade val="50000"/>
+            </a:schemeClr>
+          </a:lnRef>
+          <a:fillRef idx="1">
+            <a:schemeClr val="accent1"/>
+          </a:fillRef>
+          <a:effectRef idx="0">
+            <a:schemeClr val="accent1"/>
+          </a:effectRef>
+          <a:fontRef idx="minor">
+            <a:schemeClr val="lt1"/>
+          </a:fontRef>
+        </p:style>
+        <p:txBody>
+          <a:bodyPr rtlCol="0" anchor="ctr"/>
+          <a:lstStyle/>
+          <a:p>
+            <a:pPr algn="ctr"/>
+            <a:endParaRPr lang="en-US"/>
+          </a:p>
+        </p:txBody>
+      </p:sp>
+      <p:sp>
+        <p:nvSpPr>
+          <p:cNvPr id="4" name="Arrow: Right 3">
+            <a:extLst>
+              <a:ext uri="{FF2B5EF4-FFF2-40B4-BE49-F238E27FC236}">
+                <a16:creationId xmlns:a16="http://schemas.microsoft.com/office/drawing/2014/main" id="{0A960A4D-2AA5-4F63-983B-17CF9F305B46}"/>
+              </a:ext>
+            </a:extLst>
+          </p:cNvPr>
+          <p:cNvSpPr/>
+          <p:nvPr/>
+        </p:nvSpPr>
+        <p:spPr>
+          <a:xfrm>
+            <a:off x="6939255" y="6102234"/>
+            <a:ext cx="215926" cy="129880"/>
+          </a:xfrm>
+          <a:prstGeom prst="rightArrow">
+            <a:avLst/>
+          </a:prstGeom>
+        </p:spPr>
+        <p:style>
+          <a:lnRef idx="2">
+            <a:schemeClr val="accent1">
+              <a:shade val="50000"/>
+            </a:schemeClr>
+          </a:lnRef>
+          <a:fillRef idx="1">
+            <a:schemeClr val="accent1"/>
+          </a:fillRef>
+          <a:effectRef idx="0">
+            <a:schemeClr val="accent1"/>
+          </a:effectRef>
+          <a:fontRef idx="minor">
+            <a:schemeClr val="lt1"/>
+          </a:fontRef>
+        </p:style>
+        <p:txBody>
+          <a:bodyPr rtlCol="0" anchor="ctr"/>
+          <a:lstStyle/>
+          <a:p>
+            <a:pPr algn="ctr"/>
+            <a:endParaRPr lang="en-US"/>
+          </a:p>
+        </p:txBody>
+      </p:sp>
     </p:spTree>
     <p:extLst>
       <p:ext uri="{BB962C8B-B14F-4D97-AF65-F5344CB8AC3E}">
@@ -5491,7 +6402,7 @@
         </p:nvSpPr>
         <p:spPr>
           <a:xfrm>
-            <a:off x="323273" y="1716827"/>
+            <a:off x="323273" y="1646297"/>
             <a:ext cx="1380914" cy="338266"/>
           </a:xfrm>
           <a:prstGeom prst="rect">
@@ -5538,7 +6449,7 @@
         </p:nvSpPr>
         <p:spPr>
           <a:xfrm>
-            <a:off x="323272" y="2219609"/>
+            <a:off x="323273" y="2077986"/>
             <a:ext cx="1380914" cy="338266"/>
           </a:xfrm>
           <a:prstGeom prst="rect">
@@ -5585,7 +6496,7 @@
         </p:nvSpPr>
         <p:spPr>
           <a:xfrm>
-            <a:off x="305512" y="4486783"/>
+            <a:off x="317057" y="3880191"/>
             <a:ext cx="1380914" cy="338266"/>
           </a:xfrm>
           <a:prstGeom prst="rect">
@@ -5632,7 +6543,7 @@
         </p:nvSpPr>
         <p:spPr>
           <a:xfrm>
-            <a:off x="305512" y="3945875"/>
+            <a:off x="317057" y="3450088"/>
             <a:ext cx="1380914" cy="338266"/>
           </a:xfrm>
           <a:prstGeom prst="rect">
@@ -5726,7 +6637,7 @@
         </p:nvSpPr>
         <p:spPr>
           <a:xfrm>
-            <a:off x="5631868" y="1692300"/>
+            <a:off x="5631868" y="1621770"/>
             <a:ext cx="1590968" cy="375213"/>
           </a:xfrm>
           <a:prstGeom prst="rect">
@@ -5773,7 +6684,7 @@
         </p:nvSpPr>
         <p:spPr>
           <a:xfrm>
-            <a:off x="5631868" y="2214961"/>
+            <a:off x="5631869" y="2073338"/>
             <a:ext cx="1590968" cy="375213"/>
           </a:xfrm>
           <a:prstGeom prst="rect">
@@ -5820,7 +6731,7 @@
         </p:nvSpPr>
         <p:spPr>
           <a:xfrm>
-            <a:off x="5631868" y="3295720"/>
+            <a:off x="5643413" y="2963043"/>
             <a:ext cx="1590968" cy="375213"/>
           </a:xfrm>
           <a:prstGeom prst="rect">
@@ -6141,7 +7052,7 @@
         </p:nvSpPr>
         <p:spPr>
           <a:xfrm>
-            <a:off x="2225964" y="1716827"/>
+            <a:off x="2225964" y="1646297"/>
             <a:ext cx="1773382" cy="338266"/>
           </a:xfrm>
           <a:prstGeom prst="rect">
@@ -6185,7 +7096,7 @@
         </p:nvSpPr>
         <p:spPr>
           <a:xfrm>
-            <a:off x="7659256" y="1695884"/>
+            <a:off x="7659256" y="1625354"/>
             <a:ext cx="1847190" cy="359210"/>
           </a:xfrm>
           <a:prstGeom prst="rect">
@@ -6229,7 +7140,7 @@
         </p:nvSpPr>
         <p:spPr>
           <a:xfrm>
-            <a:off x="2225964" y="2216133"/>
+            <a:off x="2225965" y="2074510"/>
             <a:ext cx="1773382" cy="338266"/>
           </a:xfrm>
           <a:prstGeom prst="rect">
@@ -6273,7 +7184,7 @@
         </p:nvSpPr>
         <p:spPr>
           <a:xfrm>
-            <a:off x="7650020" y="2223085"/>
+            <a:off x="7650021" y="2081462"/>
             <a:ext cx="1847190" cy="331314"/>
           </a:xfrm>
           <a:prstGeom prst="rect">
@@ -6317,7 +7228,7 @@
         </p:nvSpPr>
         <p:spPr>
           <a:xfrm>
-            <a:off x="2219749" y="3940686"/>
+            <a:off x="2231294" y="3444899"/>
             <a:ext cx="1773382" cy="338266"/>
           </a:xfrm>
           <a:prstGeom prst="rect">
@@ -6364,7 +7275,7 @@
         </p:nvSpPr>
         <p:spPr>
           <a:xfrm>
-            <a:off x="7650020" y="3320043"/>
+            <a:off x="7661565" y="2987366"/>
             <a:ext cx="3621484" cy="347506"/>
           </a:xfrm>
           <a:prstGeom prst="rect">
@@ -6408,7 +7319,7 @@
         </p:nvSpPr>
         <p:spPr>
           <a:xfrm>
-            <a:off x="2219749" y="4486785"/>
+            <a:off x="2231294" y="3880193"/>
             <a:ext cx="1773382" cy="338266"/>
           </a:xfrm>
           <a:prstGeom prst="rect">
@@ -6469,7 +7380,7 @@
         </p:blipFill>
         <p:spPr>
           <a:xfrm flipH="1">
-            <a:off x="4027848" y="3903973"/>
+            <a:off x="4039393" y="3408186"/>
             <a:ext cx="434517" cy="434517"/>
           </a:xfrm>
           <a:prstGeom prst="rect">
@@ -6505,7 +7416,7 @@
         </p:blipFill>
         <p:spPr>
           <a:xfrm flipH="1">
-            <a:off x="4025620" y="4436774"/>
+            <a:off x="4037165" y="3830182"/>
             <a:ext cx="434517" cy="434517"/>
           </a:xfrm>
           <a:prstGeom prst="rect">
@@ -6657,7 +7568,7 @@
         </p:nvCxnSpPr>
         <p:spPr>
           <a:xfrm flipV="1">
-            <a:off x="-120073" y="4956628"/>
+            <a:off x="9671" y="4264699"/>
             <a:ext cx="12192000" cy="27708"/>
           </a:xfrm>
           <a:prstGeom prst="line">
@@ -6694,13 +7605,13 @@
           <p:nvPr>
             <p:extLst>
               <p:ext uri="{D42A27DB-BD31-4B8C-83A1-F6EECF244321}">
-                <p14:modId xmlns:p14="http://schemas.microsoft.com/office/powerpoint/2010/main" val="2996611486"/>
+                <p14:modId xmlns:p14="http://schemas.microsoft.com/office/powerpoint/2010/main" val="2386294079"/>
               </p:ext>
             </p:extLst>
           </p:nvPr>
         </p:nvGraphicFramePr>
         <p:xfrm>
-          <a:off x="252832" y="5048415"/>
+          <a:off x="252832" y="4361727"/>
           <a:ext cx="11686336" cy="1767840"/>
         </p:xfrm>
         <a:graphic>
@@ -7463,7 +8374,7 @@
         </p:nvSpPr>
         <p:spPr>
           <a:xfrm>
-            <a:off x="305512" y="2744476"/>
+            <a:off x="317057" y="2532936"/>
             <a:ext cx="1380914" cy="338266"/>
           </a:xfrm>
           <a:prstGeom prst="rect">
@@ -7510,7 +8421,7 @@
         </p:nvSpPr>
         <p:spPr>
           <a:xfrm>
-            <a:off x="2208204" y="2748808"/>
+            <a:off x="2219749" y="2537268"/>
             <a:ext cx="1773382" cy="338266"/>
           </a:xfrm>
           <a:prstGeom prst="rect">
@@ -7554,7 +8465,7 @@
         </p:nvSpPr>
         <p:spPr>
           <a:xfrm>
-            <a:off x="305512" y="3334435"/>
+            <a:off x="317057" y="3001758"/>
             <a:ext cx="1380914" cy="338266"/>
           </a:xfrm>
           <a:prstGeom prst="rect">
@@ -7601,7 +8512,7 @@
         </p:nvSpPr>
         <p:spPr>
           <a:xfrm>
-            <a:off x="2219749" y="3320043"/>
+            <a:off x="2231294" y="2987366"/>
             <a:ext cx="1773382" cy="338266"/>
           </a:xfrm>
           <a:prstGeom prst="rect">
@@ -7645,7 +8556,7 @@
         </p:nvSpPr>
         <p:spPr>
           <a:xfrm>
-            <a:off x="5615627" y="4503147"/>
+            <a:off x="5627172" y="3896555"/>
             <a:ext cx="1607208" cy="338266"/>
           </a:xfrm>
           <a:prstGeom prst="rect">
@@ -7692,7 +8603,7 @@
         </p:nvSpPr>
         <p:spPr>
           <a:xfrm>
-            <a:off x="5615626" y="3962239"/>
+            <a:off x="5627171" y="3466452"/>
             <a:ext cx="1607209" cy="338266"/>
           </a:xfrm>
           <a:prstGeom prst="rect">
@@ -7739,7 +8650,7 @@
         </p:nvSpPr>
         <p:spPr>
           <a:xfrm>
-            <a:off x="7650020" y="3957068"/>
+            <a:off x="7661565" y="3461281"/>
             <a:ext cx="1773382" cy="338266"/>
           </a:xfrm>
           <a:prstGeom prst="rect">
@@ -7800,7 +8711,7 @@
         </p:blipFill>
         <p:spPr>
           <a:xfrm flipH="1">
-            <a:off x="9458119" y="3920355"/>
+            <a:off x="9469662" y="3442311"/>
             <a:ext cx="434517" cy="434517"/>
           </a:xfrm>
           <a:prstGeom prst="rect">
@@ -7836,7 +8747,7 @@
         </p:blipFill>
         <p:spPr>
           <a:xfrm flipH="1">
-            <a:off x="9458118" y="4455021"/>
+            <a:off x="9469662" y="3832065"/>
             <a:ext cx="434517" cy="434517"/>
           </a:xfrm>
           <a:prstGeom prst="rect">
@@ -7858,7 +8769,7 @@
         </p:nvSpPr>
         <p:spPr>
           <a:xfrm>
-            <a:off x="7659173" y="4489073"/>
+            <a:off x="7670718" y="3882481"/>
             <a:ext cx="1773382" cy="338266"/>
           </a:xfrm>
           <a:prstGeom prst="rect">
@@ -7982,6 +8893,1137 @@
               <a:rPr lang="en-US"/>
               <a:t>Clear filters</a:t>
             </a:r>
+          </a:p>
+        </p:txBody>
+      </p:sp>
+      <p:sp>
+        <p:nvSpPr>
+          <p:cNvPr id="51" name="Rectangle 50">
+            <a:extLst>
+              <a:ext uri="{FF2B5EF4-FFF2-40B4-BE49-F238E27FC236}">
+                <a16:creationId xmlns:a16="http://schemas.microsoft.com/office/drawing/2014/main" id="{F67EEBD9-EE83-44F5-8C9B-876B222BB2D6}"/>
+              </a:ext>
+            </a:extLst>
+          </p:cNvPr>
+          <p:cNvSpPr/>
+          <p:nvPr/>
+        </p:nvSpPr>
+        <p:spPr>
+          <a:xfrm>
+            <a:off x="5162202" y="6198046"/>
+            <a:ext cx="750106" cy="220142"/>
+          </a:xfrm>
+          <a:prstGeom prst="rect">
+            <a:avLst/>
+          </a:prstGeom>
+        </p:spPr>
+        <p:style>
+          <a:lnRef idx="2">
+            <a:schemeClr val="accent6"/>
+          </a:lnRef>
+          <a:fillRef idx="1">
+            <a:schemeClr val="lt1"/>
+          </a:fillRef>
+          <a:effectRef idx="0">
+            <a:schemeClr val="accent6"/>
+          </a:effectRef>
+          <a:fontRef idx="minor">
+            <a:schemeClr val="dk1"/>
+          </a:fontRef>
+        </p:style>
+        <p:txBody>
+          <a:bodyPr rtlCol="0" anchor="ctr"/>
+          <a:lstStyle/>
+          <a:p>
+            <a:pPr algn="ctr"/>
+            <a:r>
+              <a:rPr lang="en-US"/>
+              <a:t>Page</a:t>
+            </a:r>
+          </a:p>
+        </p:txBody>
+      </p:sp>
+      <p:sp>
+        <p:nvSpPr>
+          <p:cNvPr id="52" name="Rectangle 51">
+            <a:extLst>
+              <a:ext uri="{FF2B5EF4-FFF2-40B4-BE49-F238E27FC236}">
+                <a16:creationId xmlns:a16="http://schemas.microsoft.com/office/drawing/2014/main" id="{078672E6-E980-4F37-9D54-C31DD120D8A2}"/>
+              </a:ext>
+            </a:extLst>
+          </p:cNvPr>
+          <p:cNvSpPr/>
+          <p:nvPr/>
+        </p:nvSpPr>
+        <p:spPr>
+          <a:xfrm>
+            <a:off x="5975927" y="6198046"/>
+            <a:ext cx="750106" cy="220142"/>
+          </a:xfrm>
+          <a:prstGeom prst="rect">
+            <a:avLst/>
+          </a:prstGeom>
+        </p:spPr>
+        <p:style>
+          <a:lnRef idx="2">
+            <a:schemeClr val="accent6"/>
+          </a:lnRef>
+          <a:fillRef idx="1">
+            <a:schemeClr val="lt1"/>
+          </a:fillRef>
+          <a:effectRef idx="0">
+            <a:schemeClr val="accent6"/>
+          </a:effectRef>
+          <a:fontRef idx="minor">
+            <a:schemeClr val="dk1"/>
+          </a:fontRef>
+        </p:style>
+        <p:txBody>
+          <a:bodyPr rtlCol="0" anchor="ctr"/>
+          <a:lstStyle/>
+          <a:p>
+            <a:pPr algn="ctr"/>
+            <a:r>
+              <a:rPr lang="en-US"/>
+              <a:t>1 / 10</a:t>
+            </a:r>
+          </a:p>
+        </p:txBody>
+      </p:sp>
+      <p:sp>
+        <p:nvSpPr>
+          <p:cNvPr id="53" name="Rectangle 52">
+            <a:extLst>
+              <a:ext uri="{FF2B5EF4-FFF2-40B4-BE49-F238E27FC236}">
+                <a16:creationId xmlns:a16="http://schemas.microsoft.com/office/drawing/2014/main" id="{77C2F41F-40EB-4F74-8346-E7BFB841CBC8}"/>
+              </a:ext>
+            </a:extLst>
+          </p:cNvPr>
+          <p:cNvSpPr/>
+          <p:nvPr/>
+        </p:nvSpPr>
+        <p:spPr>
+          <a:xfrm>
+            <a:off x="4477732" y="6547855"/>
+            <a:ext cx="375053" cy="220142"/>
+          </a:xfrm>
+          <a:prstGeom prst="rect">
+            <a:avLst/>
+          </a:prstGeom>
+        </p:spPr>
+        <p:style>
+          <a:lnRef idx="1">
+            <a:schemeClr val="accent2"/>
+          </a:lnRef>
+          <a:fillRef idx="2">
+            <a:schemeClr val="accent2"/>
+          </a:fillRef>
+          <a:effectRef idx="1">
+            <a:schemeClr val="accent2"/>
+          </a:effectRef>
+          <a:fontRef idx="minor">
+            <a:schemeClr val="dk1"/>
+          </a:fontRef>
+        </p:style>
+        <p:txBody>
+          <a:bodyPr rtlCol="0" anchor="ctr"/>
+          <a:lstStyle/>
+          <a:p>
+            <a:pPr algn="ctr"/>
+            <a:r>
+              <a:rPr lang="en-US"/>
+              <a:t>1</a:t>
+            </a:r>
+          </a:p>
+        </p:txBody>
+      </p:sp>
+      <p:sp>
+        <p:nvSpPr>
+          <p:cNvPr id="54" name="Rectangle 53">
+            <a:extLst>
+              <a:ext uri="{FF2B5EF4-FFF2-40B4-BE49-F238E27FC236}">
+                <a16:creationId xmlns:a16="http://schemas.microsoft.com/office/drawing/2014/main" id="{E39A48AF-9445-406B-9681-1AC6BA2B2794}"/>
+              </a:ext>
+            </a:extLst>
+          </p:cNvPr>
+          <p:cNvSpPr/>
+          <p:nvPr/>
+        </p:nvSpPr>
+        <p:spPr>
+          <a:xfrm>
+            <a:off x="4974675" y="6551335"/>
+            <a:ext cx="375053" cy="220142"/>
+          </a:xfrm>
+          <a:prstGeom prst="rect">
+            <a:avLst/>
+          </a:prstGeom>
+        </p:spPr>
+        <p:style>
+          <a:lnRef idx="1">
+            <a:schemeClr val="accent2"/>
+          </a:lnRef>
+          <a:fillRef idx="2">
+            <a:schemeClr val="accent2"/>
+          </a:fillRef>
+          <a:effectRef idx="1">
+            <a:schemeClr val="accent2"/>
+          </a:effectRef>
+          <a:fontRef idx="minor">
+            <a:schemeClr val="dk1"/>
+          </a:fontRef>
+        </p:style>
+        <p:txBody>
+          <a:bodyPr rtlCol="0" anchor="ctr"/>
+          <a:lstStyle/>
+          <a:p>
+            <a:pPr algn="ctr"/>
+            <a:r>
+              <a:rPr lang="en-US"/>
+              <a:t>2</a:t>
+            </a:r>
+          </a:p>
+        </p:txBody>
+      </p:sp>
+      <p:sp>
+        <p:nvSpPr>
+          <p:cNvPr id="55" name="Rectangle 54">
+            <a:extLst>
+              <a:ext uri="{FF2B5EF4-FFF2-40B4-BE49-F238E27FC236}">
+                <a16:creationId xmlns:a16="http://schemas.microsoft.com/office/drawing/2014/main" id="{5854DBDE-2C32-4080-9991-E202EEB31FCA}"/>
+              </a:ext>
+            </a:extLst>
+          </p:cNvPr>
+          <p:cNvSpPr/>
+          <p:nvPr/>
+        </p:nvSpPr>
+        <p:spPr>
+          <a:xfrm>
+            <a:off x="5410960" y="6541724"/>
+            <a:ext cx="375053" cy="220142"/>
+          </a:xfrm>
+          <a:prstGeom prst="rect">
+            <a:avLst/>
+          </a:prstGeom>
+        </p:spPr>
+        <p:style>
+          <a:lnRef idx="1">
+            <a:schemeClr val="accent2"/>
+          </a:lnRef>
+          <a:fillRef idx="2">
+            <a:schemeClr val="accent2"/>
+          </a:fillRef>
+          <a:effectRef idx="1">
+            <a:schemeClr val="accent2"/>
+          </a:effectRef>
+          <a:fontRef idx="minor">
+            <a:schemeClr val="dk1"/>
+          </a:fontRef>
+        </p:style>
+        <p:txBody>
+          <a:bodyPr rtlCol="0" anchor="ctr"/>
+          <a:lstStyle/>
+          <a:p>
+            <a:pPr algn="ctr"/>
+            <a:r>
+              <a:rPr lang="en-US"/>
+              <a:t>3</a:t>
+            </a:r>
+          </a:p>
+        </p:txBody>
+      </p:sp>
+      <p:sp>
+        <p:nvSpPr>
+          <p:cNvPr id="56" name="Rectangle 55">
+            <a:extLst>
+              <a:ext uri="{FF2B5EF4-FFF2-40B4-BE49-F238E27FC236}">
+                <a16:creationId xmlns:a16="http://schemas.microsoft.com/office/drawing/2014/main" id="{F94F8E2E-8E12-4E96-BCF6-00FF5B1CB871}"/>
+              </a:ext>
+            </a:extLst>
+          </p:cNvPr>
+          <p:cNvSpPr/>
+          <p:nvPr/>
+        </p:nvSpPr>
+        <p:spPr>
+          <a:xfrm>
+            <a:off x="6267964" y="6541724"/>
+            <a:ext cx="375053" cy="220142"/>
+          </a:xfrm>
+          <a:prstGeom prst="rect">
+            <a:avLst/>
+          </a:prstGeom>
+        </p:spPr>
+        <p:style>
+          <a:lnRef idx="1">
+            <a:schemeClr val="accent2"/>
+          </a:lnRef>
+          <a:fillRef idx="2">
+            <a:schemeClr val="accent2"/>
+          </a:fillRef>
+          <a:effectRef idx="1">
+            <a:schemeClr val="accent2"/>
+          </a:effectRef>
+          <a:fontRef idx="minor">
+            <a:schemeClr val="dk1"/>
+          </a:fontRef>
+        </p:style>
+        <p:txBody>
+          <a:bodyPr rtlCol="0" anchor="ctr"/>
+          <a:lstStyle/>
+          <a:p>
+            <a:pPr algn="ctr"/>
+            <a:r>
+              <a:rPr lang="en-US"/>
+              <a:t>8</a:t>
+            </a:r>
+          </a:p>
+        </p:txBody>
+      </p:sp>
+      <p:sp>
+        <p:nvSpPr>
+          <p:cNvPr id="57" name="Rectangle 56">
+            <a:extLst>
+              <a:ext uri="{FF2B5EF4-FFF2-40B4-BE49-F238E27FC236}">
+                <a16:creationId xmlns:a16="http://schemas.microsoft.com/office/drawing/2014/main" id="{61D2AA9B-5D81-4ADB-97D9-5AF5FC514C86}"/>
+              </a:ext>
+            </a:extLst>
+          </p:cNvPr>
+          <p:cNvSpPr/>
+          <p:nvPr/>
+        </p:nvSpPr>
+        <p:spPr>
+          <a:xfrm>
+            <a:off x="6722716" y="6541724"/>
+            <a:ext cx="375053" cy="220142"/>
+          </a:xfrm>
+          <a:prstGeom prst="rect">
+            <a:avLst/>
+          </a:prstGeom>
+        </p:spPr>
+        <p:style>
+          <a:lnRef idx="1">
+            <a:schemeClr val="accent2"/>
+          </a:lnRef>
+          <a:fillRef idx="2">
+            <a:schemeClr val="accent2"/>
+          </a:fillRef>
+          <a:effectRef idx="1">
+            <a:schemeClr val="accent2"/>
+          </a:effectRef>
+          <a:fontRef idx="minor">
+            <a:schemeClr val="dk1"/>
+          </a:fontRef>
+        </p:style>
+        <p:txBody>
+          <a:bodyPr rtlCol="0" anchor="ctr"/>
+          <a:lstStyle/>
+          <a:p>
+            <a:pPr algn="ctr"/>
+            <a:r>
+              <a:rPr lang="en-US"/>
+              <a:t>9</a:t>
+            </a:r>
+          </a:p>
+        </p:txBody>
+      </p:sp>
+      <p:sp>
+        <p:nvSpPr>
+          <p:cNvPr id="58" name="Rectangle 57">
+            <a:extLst>
+              <a:ext uri="{FF2B5EF4-FFF2-40B4-BE49-F238E27FC236}">
+                <a16:creationId xmlns:a16="http://schemas.microsoft.com/office/drawing/2014/main" id="{7DF0BC91-A2C5-4737-A8DE-15D5FFD1D7FB}"/>
+              </a:ext>
+            </a:extLst>
+          </p:cNvPr>
+          <p:cNvSpPr/>
+          <p:nvPr/>
+        </p:nvSpPr>
+        <p:spPr>
+          <a:xfrm>
+            <a:off x="7230459" y="6541724"/>
+            <a:ext cx="428797" cy="220142"/>
+          </a:xfrm>
+          <a:prstGeom prst="rect">
+            <a:avLst/>
+          </a:prstGeom>
+        </p:spPr>
+        <p:style>
+          <a:lnRef idx="1">
+            <a:schemeClr val="accent2"/>
+          </a:lnRef>
+          <a:fillRef idx="2">
+            <a:schemeClr val="accent2"/>
+          </a:fillRef>
+          <a:effectRef idx="1">
+            <a:schemeClr val="accent2"/>
+          </a:effectRef>
+          <a:fontRef idx="minor">
+            <a:schemeClr val="dk1"/>
+          </a:fontRef>
+        </p:style>
+        <p:txBody>
+          <a:bodyPr rtlCol="0" anchor="ctr"/>
+          <a:lstStyle/>
+          <a:p>
+            <a:pPr algn="ctr"/>
+            <a:r>
+              <a:rPr lang="en-US"/>
+              <a:t>10</a:t>
+            </a:r>
+          </a:p>
+        </p:txBody>
+      </p:sp>
+      <p:sp>
+        <p:nvSpPr>
+          <p:cNvPr id="59" name="Rectangle 58">
+            <a:extLst>
+              <a:ext uri="{FF2B5EF4-FFF2-40B4-BE49-F238E27FC236}">
+                <a16:creationId xmlns:a16="http://schemas.microsoft.com/office/drawing/2014/main" id="{A01EB6F5-0D96-4242-898E-047F69251CC9}"/>
+              </a:ext>
+            </a:extLst>
+          </p:cNvPr>
+          <p:cNvSpPr/>
+          <p:nvPr/>
+        </p:nvSpPr>
+        <p:spPr>
+          <a:xfrm>
+            <a:off x="5834434" y="6551335"/>
+            <a:ext cx="375053" cy="220142"/>
+          </a:xfrm>
+          <a:prstGeom prst="rect">
+            <a:avLst/>
+          </a:prstGeom>
+        </p:spPr>
+        <p:style>
+          <a:lnRef idx="2">
+            <a:schemeClr val="accent6"/>
+          </a:lnRef>
+          <a:fillRef idx="1">
+            <a:schemeClr val="lt1"/>
+          </a:fillRef>
+          <a:effectRef idx="0">
+            <a:schemeClr val="accent6"/>
+          </a:effectRef>
+          <a:fontRef idx="minor">
+            <a:schemeClr val="dk1"/>
+          </a:fontRef>
+        </p:style>
+        <p:txBody>
+          <a:bodyPr rtlCol="0" anchor="ctr"/>
+          <a:lstStyle/>
+          <a:p>
+            <a:pPr algn="ctr"/>
+            <a:r>
+              <a:rPr lang="en-US"/>
+              <a:t>…</a:t>
+            </a:r>
+          </a:p>
+        </p:txBody>
+      </p:sp>
+      <p:sp>
+        <p:nvSpPr>
+          <p:cNvPr id="60" name="Arrow: Left 59">
+            <a:extLst>
+              <a:ext uri="{FF2B5EF4-FFF2-40B4-BE49-F238E27FC236}">
+                <a16:creationId xmlns:a16="http://schemas.microsoft.com/office/drawing/2014/main" id="{7890FE14-5F6C-4F92-B57E-837744CE1E9F}"/>
+              </a:ext>
+            </a:extLst>
+          </p:cNvPr>
+          <p:cNvSpPr/>
+          <p:nvPr/>
+        </p:nvSpPr>
+        <p:spPr>
+          <a:xfrm>
+            <a:off x="4723476" y="6245671"/>
+            <a:ext cx="198348" cy="136156"/>
+          </a:xfrm>
+          <a:prstGeom prst="leftArrow">
+            <a:avLst/>
+          </a:prstGeom>
+        </p:spPr>
+        <p:style>
+          <a:lnRef idx="2">
+            <a:schemeClr val="accent1">
+              <a:shade val="50000"/>
+            </a:schemeClr>
+          </a:lnRef>
+          <a:fillRef idx="1">
+            <a:schemeClr val="accent1"/>
+          </a:fillRef>
+          <a:effectRef idx="0">
+            <a:schemeClr val="accent1"/>
+          </a:effectRef>
+          <a:fontRef idx="minor">
+            <a:schemeClr val="lt1"/>
+          </a:fontRef>
+        </p:style>
+        <p:txBody>
+          <a:bodyPr rtlCol="0" anchor="ctr"/>
+          <a:lstStyle/>
+          <a:p>
+            <a:pPr algn="ctr"/>
+            <a:endParaRPr lang="en-US"/>
+          </a:p>
+        </p:txBody>
+      </p:sp>
+      <p:sp>
+        <p:nvSpPr>
+          <p:cNvPr id="61" name="Arrow: Right 60">
+            <a:extLst>
+              <a:ext uri="{FF2B5EF4-FFF2-40B4-BE49-F238E27FC236}">
+                <a16:creationId xmlns:a16="http://schemas.microsoft.com/office/drawing/2014/main" id="{5DE3AAAF-E4EB-4310-BD36-6314DAFCEA6A}"/>
+              </a:ext>
+            </a:extLst>
+          </p:cNvPr>
+          <p:cNvSpPr/>
+          <p:nvPr/>
+        </p:nvSpPr>
+        <p:spPr>
+          <a:xfrm>
+            <a:off x="6939255" y="6239713"/>
+            <a:ext cx="215926" cy="129880"/>
+          </a:xfrm>
+          <a:prstGeom prst="rightArrow">
+            <a:avLst/>
+          </a:prstGeom>
+        </p:spPr>
+        <p:style>
+          <a:lnRef idx="2">
+            <a:schemeClr val="accent1">
+              <a:shade val="50000"/>
+            </a:schemeClr>
+          </a:lnRef>
+          <a:fillRef idx="1">
+            <a:schemeClr val="accent1"/>
+          </a:fillRef>
+          <a:effectRef idx="0">
+            <a:schemeClr val="accent1"/>
+          </a:effectRef>
+          <a:fontRef idx="minor">
+            <a:schemeClr val="lt1"/>
+          </a:fontRef>
+        </p:style>
+        <p:txBody>
+          <a:bodyPr rtlCol="0" anchor="ctr"/>
+          <a:lstStyle/>
+          <a:p>
+            <a:pPr algn="ctr"/>
+            <a:endParaRPr lang="en-US"/>
+          </a:p>
+        </p:txBody>
+      </p:sp>
+      <p:sp>
+        <p:nvSpPr>
+          <p:cNvPr id="62" name="Flowchart: Merge 61">
+            <a:extLst>
+              <a:ext uri="{FF2B5EF4-FFF2-40B4-BE49-F238E27FC236}">
+                <a16:creationId xmlns:a16="http://schemas.microsoft.com/office/drawing/2014/main" id="{FC596EB2-BA03-4431-96A6-8453EBF75056}"/>
+              </a:ext>
+            </a:extLst>
+          </p:cNvPr>
+          <p:cNvSpPr/>
+          <p:nvPr/>
+        </p:nvSpPr>
+        <p:spPr>
+          <a:xfrm>
+            <a:off x="1433946" y="4664230"/>
+            <a:ext cx="129309" cy="110837"/>
+          </a:xfrm>
+          <a:prstGeom prst="flowChartMerge">
+            <a:avLst/>
+          </a:prstGeom>
+        </p:spPr>
+        <p:style>
+          <a:lnRef idx="2">
+            <a:schemeClr val="accent6"/>
+          </a:lnRef>
+          <a:fillRef idx="1">
+            <a:schemeClr val="lt1"/>
+          </a:fillRef>
+          <a:effectRef idx="0">
+            <a:schemeClr val="accent6"/>
+          </a:effectRef>
+          <a:fontRef idx="minor">
+            <a:schemeClr val="dk1"/>
+          </a:fontRef>
+        </p:style>
+        <p:txBody>
+          <a:bodyPr rtlCol="0" anchor="ctr"/>
+          <a:lstStyle/>
+          <a:p>
+            <a:pPr algn="ctr"/>
+            <a:endParaRPr lang="en-US"/>
+          </a:p>
+        </p:txBody>
+      </p:sp>
+      <p:sp>
+        <p:nvSpPr>
+          <p:cNvPr id="63" name="Flowchart: Merge 62">
+            <a:extLst>
+              <a:ext uri="{FF2B5EF4-FFF2-40B4-BE49-F238E27FC236}">
+                <a16:creationId xmlns:a16="http://schemas.microsoft.com/office/drawing/2014/main" id="{1839685F-7E56-4A89-BFD2-0EED53AA71DF}"/>
+              </a:ext>
+            </a:extLst>
+          </p:cNvPr>
+          <p:cNvSpPr/>
+          <p:nvPr/>
+        </p:nvSpPr>
+        <p:spPr>
+          <a:xfrm>
+            <a:off x="2219749" y="4671463"/>
+            <a:ext cx="129309" cy="110837"/>
+          </a:xfrm>
+          <a:prstGeom prst="flowChartMerge">
+            <a:avLst/>
+          </a:prstGeom>
+        </p:spPr>
+        <p:style>
+          <a:lnRef idx="2">
+            <a:schemeClr val="accent6"/>
+          </a:lnRef>
+          <a:fillRef idx="1">
+            <a:schemeClr val="lt1"/>
+          </a:fillRef>
+          <a:effectRef idx="0">
+            <a:schemeClr val="accent6"/>
+          </a:effectRef>
+          <a:fontRef idx="minor">
+            <a:schemeClr val="dk1"/>
+          </a:fontRef>
+        </p:style>
+        <p:txBody>
+          <a:bodyPr rtlCol="0" anchor="ctr"/>
+          <a:lstStyle/>
+          <a:p>
+            <a:pPr algn="ctr"/>
+            <a:endParaRPr lang="en-US"/>
+          </a:p>
+        </p:txBody>
+      </p:sp>
+      <p:sp>
+        <p:nvSpPr>
+          <p:cNvPr id="64" name="Flowchart: Merge 63">
+            <a:extLst>
+              <a:ext uri="{FF2B5EF4-FFF2-40B4-BE49-F238E27FC236}">
+                <a16:creationId xmlns:a16="http://schemas.microsoft.com/office/drawing/2014/main" id="{0F36371B-9C4E-4080-A5C0-BD0534372816}"/>
+              </a:ext>
+            </a:extLst>
+          </p:cNvPr>
+          <p:cNvSpPr/>
+          <p:nvPr/>
+        </p:nvSpPr>
+        <p:spPr>
+          <a:xfrm>
+            <a:off x="3117985" y="4646623"/>
+            <a:ext cx="129309" cy="110837"/>
+          </a:xfrm>
+          <a:prstGeom prst="flowChartMerge">
+            <a:avLst/>
+          </a:prstGeom>
+        </p:spPr>
+        <p:style>
+          <a:lnRef idx="2">
+            <a:schemeClr val="accent6"/>
+          </a:lnRef>
+          <a:fillRef idx="1">
+            <a:schemeClr val="lt1"/>
+          </a:fillRef>
+          <a:effectRef idx="0">
+            <a:schemeClr val="accent6"/>
+          </a:effectRef>
+          <a:fontRef idx="minor">
+            <a:schemeClr val="dk1"/>
+          </a:fontRef>
+        </p:style>
+        <p:txBody>
+          <a:bodyPr rtlCol="0" anchor="ctr"/>
+          <a:lstStyle/>
+          <a:p>
+            <a:pPr algn="ctr"/>
+            <a:endParaRPr lang="en-US"/>
+          </a:p>
+        </p:txBody>
+      </p:sp>
+      <p:sp>
+        <p:nvSpPr>
+          <p:cNvPr id="65" name="Flowchart: Merge 64">
+            <a:extLst>
+              <a:ext uri="{FF2B5EF4-FFF2-40B4-BE49-F238E27FC236}">
+                <a16:creationId xmlns:a16="http://schemas.microsoft.com/office/drawing/2014/main" id="{2803C5C8-E7E7-4C8D-B1E1-8C8B8E6C042C}"/>
+              </a:ext>
+            </a:extLst>
+          </p:cNvPr>
+          <p:cNvSpPr/>
+          <p:nvPr/>
+        </p:nvSpPr>
+        <p:spPr>
+          <a:xfrm>
+            <a:off x="3793973" y="4664230"/>
+            <a:ext cx="129309" cy="110837"/>
+          </a:xfrm>
+          <a:prstGeom prst="flowChartMerge">
+            <a:avLst/>
+          </a:prstGeom>
+        </p:spPr>
+        <p:style>
+          <a:lnRef idx="2">
+            <a:schemeClr val="accent6"/>
+          </a:lnRef>
+          <a:fillRef idx="1">
+            <a:schemeClr val="lt1"/>
+          </a:fillRef>
+          <a:effectRef idx="0">
+            <a:schemeClr val="accent6"/>
+          </a:effectRef>
+          <a:fontRef idx="minor">
+            <a:schemeClr val="dk1"/>
+          </a:fontRef>
+        </p:style>
+        <p:txBody>
+          <a:bodyPr rtlCol="0" anchor="ctr"/>
+          <a:lstStyle/>
+          <a:p>
+            <a:pPr algn="ctr"/>
+            <a:endParaRPr lang="en-US"/>
+          </a:p>
+        </p:txBody>
+      </p:sp>
+      <p:sp>
+        <p:nvSpPr>
+          <p:cNvPr id="66" name="Flowchart: Merge 65">
+            <a:extLst>
+              <a:ext uri="{FF2B5EF4-FFF2-40B4-BE49-F238E27FC236}">
+                <a16:creationId xmlns:a16="http://schemas.microsoft.com/office/drawing/2014/main" id="{473373AB-5064-421D-9939-B449A633526E}"/>
+              </a:ext>
+            </a:extLst>
+          </p:cNvPr>
+          <p:cNvSpPr/>
+          <p:nvPr/>
+        </p:nvSpPr>
+        <p:spPr>
+          <a:xfrm>
+            <a:off x="4604116" y="4664229"/>
+            <a:ext cx="129309" cy="110837"/>
+          </a:xfrm>
+          <a:prstGeom prst="flowChartMerge">
+            <a:avLst/>
+          </a:prstGeom>
+        </p:spPr>
+        <p:style>
+          <a:lnRef idx="2">
+            <a:schemeClr val="accent6"/>
+          </a:lnRef>
+          <a:fillRef idx="1">
+            <a:schemeClr val="lt1"/>
+          </a:fillRef>
+          <a:effectRef idx="0">
+            <a:schemeClr val="accent6"/>
+          </a:effectRef>
+          <a:fontRef idx="minor">
+            <a:schemeClr val="dk1"/>
+          </a:fontRef>
+        </p:style>
+        <p:txBody>
+          <a:bodyPr rtlCol="0" anchor="ctr"/>
+          <a:lstStyle/>
+          <a:p>
+            <a:pPr algn="ctr"/>
+            <a:endParaRPr lang="en-US"/>
+          </a:p>
+        </p:txBody>
+      </p:sp>
+      <p:sp>
+        <p:nvSpPr>
+          <p:cNvPr id="67" name="Flowchart: Merge 66">
+            <a:extLst>
+              <a:ext uri="{FF2B5EF4-FFF2-40B4-BE49-F238E27FC236}">
+                <a16:creationId xmlns:a16="http://schemas.microsoft.com/office/drawing/2014/main" id="{09055E51-84E6-45CE-B3B5-92F868FF4236}"/>
+              </a:ext>
+            </a:extLst>
+          </p:cNvPr>
+          <p:cNvSpPr/>
+          <p:nvPr/>
+        </p:nvSpPr>
+        <p:spPr>
+          <a:xfrm>
+            <a:off x="5469177" y="4680278"/>
+            <a:ext cx="129309" cy="110837"/>
+          </a:xfrm>
+          <a:prstGeom prst="flowChartMerge">
+            <a:avLst/>
+          </a:prstGeom>
+        </p:spPr>
+        <p:style>
+          <a:lnRef idx="2">
+            <a:schemeClr val="accent6"/>
+          </a:lnRef>
+          <a:fillRef idx="1">
+            <a:schemeClr val="lt1"/>
+          </a:fillRef>
+          <a:effectRef idx="0">
+            <a:schemeClr val="accent6"/>
+          </a:effectRef>
+          <a:fontRef idx="minor">
+            <a:schemeClr val="dk1"/>
+          </a:fontRef>
+        </p:style>
+        <p:txBody>
+          <a:bodyPr rtlCol="0" anchor="ctr"/>
+          <a:lstStyle/>
+          <a:p>
+            <a:pPr algn="ctr"/>
+            <a:endParaRPr lang="en-US"/>
+          </a:p>
+        </p:txBody>
+      </p:sp>
+      <p:sp>
+        <p:nvSpPr>
+          <p:cNvPr id="68" name="Flowchart: Merge 67">
+            <a:extLst>
+              <a:ext uri="{FF2B5EF4-FFF2-40B4-BE49-F238E27FC236}">
+                <a16:creationId xmlns:a16="http://schemas.microsoft.com/office/drawing/2014/main" id="{693299A7-86DD-49FD-9BD8-6F6A67F8962B}"/>
+              </a:ext>
+            </a:extLst>
+          </p:cNvPr>
+          <p:cNvSpPr/>
+          <p:nvPr/>
+        </p:nvSpPr>
+        <p:spPr>
+          <a:xfrm>
+            <a:off x="6309588" y="4675808"/>
+            <a:ext cx="129309" cy="110837"/>
+          </a:xfrm>
+          <a:prstGeom prst="flowChartMerge">
+            <a:avLst/>
+          </a:prstGeom>
+        </p:spPr>
+        <p:style>
+          <a:lnRef idx="2">
+            <a:schemeClr val="accent6"/>
+          </a:lnRef>
+          <a:fillRef idx="1">
+            <a:schemeClr val="lt1"/>
+          </a:fillRef>
+          <a:effectRef idx="0">
+            <a:schemeClr val="accent6"/>
+          </a:effectRef>
+          <a:fontRef idx="minor">
+            <a:schemeClr val="dk1"/>
+          </a:fontRef>
+        </p:style>
+        <p:txBody>
+          <a:bodyPr rtlCol="0" anchor="ctr"/>
+          <a:lstStyle/>
+          <a:p>
+            <a:pPr algn="ctr"/>
+            <a:endParaRPr lang="en-US"/>
+          </a:p>
+        </p:txBody>
+      </p:sp>
+      <p:sp>
+        <p:nvSpPr>
+          <p:cNvPr id="69" name="Flowchart: Merge 68">
+            <a:extLst>
+              <a:ext uri="{FF2B5EF4-FFF2-40B4-BE49-F238E27FC236}">
+                <a16:creationId xmlns:a16="http://schemas.microsoft.com/office/drawing/2014/main" id="{2C4E8F7F-F04E-45B4-B69D-8C706CA0AA76}"/>
+              </a:ext>
+            </a:extLst>
+          </p:cNvPr>
+          <p:cNvSpPr/>
+          <p:nvPr/>
+        </p:nvSpPr>
+        <p:spPr>
+          <a:xfrm>
+            <a:off x="7144381" y="4668857"/>
+            <a:ext cx="129309" cy="110837"/>
+          </a:xfrm>
+          <a:prstGeom prst="flowChartMerge">
+            <a:avLst/>
+          </a:prstGeom>
+        </p:spPr>
+        <p:style>
+          <a:lnRef idx="2">
+            <a:schemeClr val="accent6"/>
+          </a:lnRef>
+          <a:fillRef idx="1">
+            <a:schemeClr val="lt1"/>
+          </a:fillRef>
+          <a:effectRef idx="0">
+            <a:schemeClr val="accent6"/>
+          </a:effectRef>
+          <a:fontRef idx="minor">
+            <a:schemeClr val="dk1"/>
+          </a:fontRef>
+        </p:style>
+        <p:txBody>
+          <a:bodyPr rtlCol="0" anchor="ctr"/>
+          <a:lstStyle/>
+          <a:p>
+            <a:pPr algn="ctr"/>
+            <a:endParaRPr lang="en-US"/>
+          </a:p>
+        </p:txBody>
+      </p:sp>
+      <p:sp>
+        <p:nvSpPr>
+          <p:cNvPr id="70" name="Flowchart: Merge 69">
+            <a:extLst>
+              <a:ext uri="{FF2B5EF4-FFF2-40B4-BE49-F238E27FC236}">
+                <a16:creationId xmlns:a16="http://schemas.microsoft.com/office/drawing/2014/main" id="{0A019D28-D8E0-4C8F-9F70-1E223044324C}"/>
+              </a:ext>
+            </a:extLst>
+          </p:cNvPr>
+          <p:cNvSpPr/>
+          <p:nvPr/>
+        </p:nvSpPr>
+        <p:spPr>
+          <a:xfrm>
+            <a:off x="7944787" y="4675808"/>
+            <a:ext cx="129309" cy="110837"/>
+          </a:xfrm>
+          <a:prstGeom prst="flowChartMerge">
+            <a:avLst/>
+          </a:prstGeom>
+        </p:spPr>
+        <p:style>
+          <a:lnRef idx="2">
+            <a:schemeClr val="accent6"/>
+          </a:lnRef>
+          <a:fillRef idx="1">
+            <a:schemeClr val="lt1"/>
+          </a:fillRef>
+          <a:effectRef idx="0">
+            <a:schemeClr val="accent6"/>
+          </a:effectRef>
+          <a:fontRef idx="minor">
+            <a:schemeClr val="dk1"/>
+          </a:fontRef>
+        </p:style>
+        <p:txBody>
+          <a:bodyPr rtlCol="0" anchor="ctr"/>
+          <a:lstStyle/>
+          <a:p>
+            <a:pPr algn="ctr"/>
+            <a:endParaRPr lang="en-US"/>
+          </a:p>
+        </p:txBody>
+      </p:sp>
+      <p:sp>
+        <p:nvSpPr>
+          <p:cNvPr id="71" name="Flowchart: Merge 70">
+            <a:extLst>
+              <a:ext uri="{FF2B5EF4-FFF2-40B4-BE49-F238E27FC236}">
+                <a16:creationId xmlns:a16="http://schemas.microsoft.com/office/drawing/2014/main" id="{66E558AF-39E0-4C60-8763-513D04CC9413}"/>
+              </a:ext>
+            </a:extLst>
+          </p:cNvPr>
+          <p:cNvSpPr/>
+          <p:nvPr/>
+        </p:nvSpPr>
+        <p:spPr>
+          <a:xfrm>
+            <a:off x="8754930" y="4675807"/>
+            <a:ext cx="129309" cy="110837"/>
+          </a:xfrm>
+          <a:prstGeom prst="flowChartMerge">
+            <a:avLst/>
+          </a:prstGeom>
+        </p:spPr>
+        <p:style>
+          <a:lnRef idx="2">
+            <a:schemeClr val="accent6"/>
+          </a:lnRef>
+          <a:fillRef idx="1">
+            <a:schemeClr val="lt1"/>
+          </a:fillRef>
+          <a:effectRef idx="0">
+            <a:schemeClr val="accent6"/>
+          </a:effectRef>
+          <a:fontRef idx="minor">
+            <a:schemeClr val="dk1"/>
+          </a:fontRef>
+        </p:style>
+        <p:txBody>
+          <a:bodyPr rtlCol="0" anchor="ctr"/>
+          <a:lstStyle/>
+          <a:p>
+            <a:pPr algn="ctr"/>
+            <a:endParaRPr lang="en-US"/>
+          </a:p>
+        </p:txBody>
+      </p:sp>
+      <p:sp>
+        <p:nvSpPr>
+          <p:cNvPr id="72" name="Flowchart: Merge 71">
+            <a:extLst>
+              <a:ext uri="{FF2B5EF4-FFF2-40B4-BE49-F238E27FC236}">
+                <a16:creationId xmlns:a16="http://schemas.microsoft.com/office/drawing/2014/main" id="{BEE324B3-5ABD-4CF6-A7C5-B5349D49EA54}"/>
+              </a:ext>
+            </a:extLst>
+          </p:cNvPr>
+          <p:cNvSpPr/>
+          <p:nvPr/>
+        </p:nvSpPr>
+        <p:spPr>
+          <a:xfrm>
+            <a:off x="9497211" y="4649057"/>
+            <a:ext cx="129309" cy="110837"/>
+          </a:xfrm>
+          <a:prstGeom prst="flowChartMerge">
+            <a:avLst/>
+          </a:prstGeom>
+        </p:spPr>
+        <p:style>
+          <a:lnRef idx="2">
+            <a:schemeClr val="accent6"/>
+          </a:lnRef>
+          <a:fillRef idx="1">
+            <a:schemeClr val="lt1"/>
+          </a:fillRef>
+          <a:effectRef idx="0">
+            <a:schemeClr val="accent6"/>
+          </a:effectRef>
+          <a:fontRef idx="minor">
+            <a:schemeClr val="dk1"/>
+          </a:fontRef>
+        </p:style>
+        <p:txBody>
+          <a:bodyPr rtlCol="0" anchor="ctr"/>
+          <a:lstStyle/>
+          <a:p>
+            <a:pPr algn="ctr"/>
+            <a:endParaRPr lang="en-US"/>
+          </a:p>
+        </p:txBody>
+      </p:sp>
+      <p:sp>
+        <p:nvSpPr>
+          <p:cNvPr id="73" name="Flowchart: Merge 72">
+            <a:extLst>
+              <a:ext uri="{FF2B5EF4-FFF2-40B4-BE49-F238E27FC236}">
+                <a16:creationId xmlns:a16="http://schemas.microsoft.com/office/drawing/2014/main" id="{6154C2D8-DA73-4E12-B6CA-C7FBD933AF4A}"/>
+              </a:ext>
+            </a:extLst>
+          </p:cNvPr>
+          <p:cNvSpPr/>
+          <p:nvPr/>
+        </p:nvSpPr>
+        <p:spPr>
+          <a:xfrm>
+            <a:off x="10297617" y="4620388"/>
+            <a:ext cx="129309" cy="110837"/>
+          </a:xfrm>
+          <a:prstGeom prst="flowChartMerge">
+            <a:avLst/>
+          </a:prstGeom>
+        </p:spPr>
+        <p:style>
+          <a:lnRef idx="2">
+            <a:schemeClr val="accent6"/>
+          </a:lnRef>
+          <a:fillRef idx="1">
+            <a:schemeClr val="lt1"/>
+          </a:fillRef>
+          <a:effectRef idx="0">
+            <a:schemeClr val="accent6"/>
+          </a:effectRef>
+          <a:fontRef idx="minor">
+            <a:schemeClr val="dk1"/>
+          </a:fontRef>
+        </p:style>
+        <p:txBody>
+          <a:bodyPr rtlCol="0" anchor="ctr"/>
+          <a:lstStyle/>
+          <a:p>
+            <a:pPr algn="ctr"/>
+            <a:endParaRPr lang="en-US"/>
+          </a:p>
+        </p:txBody>
+      </p:sp>
+      <p:sp>
+        <p:nvSpPr>
+          <p:cNvPr id="74" name="Flowchart: Merge 73">
+            <a:extLst>
+              <a:ext uri="{FF2B5EF4-FFF2-40B4-BE49-F238E27FC236}">
+                <a16:creationId xmlns:a16="http://schemas.microsoft.com/office/drawing/2014/main" id="{CE968CBB-87C6-4E55-8EF2-0EFA25DC645E}"/>
+              </a:ext>
+            </a:extLst>
+          </p:cNvPr>
+          <p:cNvSpPr/>
+          <p:nvPr/>
+        </p:nvSpPr>
+        <p:spPr>
+          <a:xfrm>
+            <a:off x="11033368" y="4620388"/>
+            <a:ext cx="129309" cy="110837"/>
+          </a:xfrm>
+          <a:prstGeom prst="flowChartMerge">
+            <a:avLst/>
+          </a:prstGeom>
+        </p:spPr>
+        <p:style>
+          <a:lnRef idx="2">
+            <a:schemeClr val="accent6"/>
+          </a:lnRef>
+          <a:fillRef idx="1">
+            <a:schemeClr val="lt1"/>
+          </a:fillRef>
+          <a:effectRef idx="0">
+            <a:schemeClr val="accent6"/>
+          </a:effectRef>
+          <a:fontRef idx="minor">
+            <a:schemeClr val="dk1"/>
+          </a:fontRef>
+        </p:style>
+        <p:txBody>
+          <a:bodyPr rtlCol="0" anchor="ctr"/>
+          <a:lstStyle/>
+          <a:p>
+            <a:pPr algn="ctr"/>
+            <a:endParaRPr lang="en-US"/>
+          </a:p>
+        </p:txBody>
+      </p:sp>
+      <p:sp>
+        <p:nvSpPr>
+          <p:cNvPr id="75" name="Flowchart: Merge 74">
+            <a:extLst>
+              <a:ext uri="{FF2B5EF4-FFF2-40B4-BE49-F238E27FC236}">
+                <a16:creationId xmlns:a16="http://schemas.microsoft.com/office/drawing/2014/main" id="{50A8EA90-C915-43D3-A4C7-662498584988}"/>
+              </a:ext>
+            </a:extLst>
+          </p:cNvPr>
+          <p:cNvSpPr/>
+          <p:nvPr/>
+        </p:nvSpPr>
+        <p:spPr>
+          <a:xfrm>
+            <a:off x="11803995" y="4599073"/>
+            <a:ext cx="129309" cy="110837"/>
+          </a:xfrm>
+          <a:prstGeom prst="flowChartMerge">
+            <a:avLst/>
+          </a:prstGeom>
+        </p:spPr>
+        <p:style>
+          <a:lnRef idx="2">
+            <a:schemeClr val="accent6"/>
+          </a:lnRef>
+          <a:fillRef idx="1">
+            <a:schemeClr val="lt1"/>
+          </a:fillRef>
+          <a:effectRef idx="0">
+            <a:schemeClr val="accent6"/>
+          </a:effectRef>
+          <a:fontRef idx="minor">
+            <a:schemeClr val="dk1"/>
+          </a:fontRef>
+        </p:style>
+        <p:txBody>
+          <a:bodyPr rtlCol="0" anchor="ctr"/>
+          <a:lstStyle/>
+          <a:p>
+            <a:pPr algn="ctr"/>
+            <a:endParaRPr lang="en-US"/>
           </a:p>
         </p:txBody>
       </p:sp>
@@ -10232,6 +12274,917 @@
               <a:rPr lang="en-US" sz="1400"/>
               <a:t>Caregivers</a:t>
             </a:r>
+          </a:p>
+        </p:txBody>
+      </p:sp>
+      <p:sp>
+        <p:nvSpPr>
+          <p:cNvPr id="2" name="Rectangle 1">
+            <a:extLst>
+              <a:ext uri="{FF2B5EF4-FFF2-40B4-BE49-F238E27FC236}">
+                <a16:creationId xmlns:a16="http://schemas.microsoft.com/office/drawing/2014/main" id="{DCBEAAF5-D045-4D7A-B91C-324C2D361EA2}"/>
+              </a:ext>
+            </a:extLst>
+          </p:cNvPr>
+          <p:cNvSpPr/>
+          <p:nvPr/>
+        </p:nvSpPr>
+        <p:spPr>
+          <a:xfrm>
+            <a:off x="0" y="6858000"/>
+            <a:ext cx="12192000" cy="656989"/>
+          </a:xfrm>
+          <a:prstGeom prst="rect">
+            <a:avLst/>
+          </a:prstGeom>
+        </p:spPr>
+        <p:style>
+          <a:lnRef idx="2">
+            <a:schemeClr val="accent1"/>
+          </a:lnRef>
+          <a:fillRef idx="1">
+            <a:schemeClr val="lt1"/>
+          </a:fillRef>
+          <a:effectRef idx="0">
+            <a:schemeClr val="accent1"/>
+          </a:effectRef>
+          <a:fontRef idx="minor">
+            <a:schemeClr val="dk1"/>
+          </a:fontRef>
+        </p:style>
+        <p:txBody>
+          <a:bodyPr rtlCol="0" anchor="ctr"/>
+          <a:lstStyle/>
+          <a:p>
+            <a:pPr algn="ctr"/>
+            <a:endParaRPr lang="en-US"/>
+          </a:p>
+        </p:txBody>
+      </p:sp>
+      <p:sp>
+        <p:nvSpPr>
+          <p:cNvPr id="58" name="Rectangle 57">
+            <a:extLst>
+              <a:ext uri="{FF2B5EF4-FFF2-40B4-BE49-F238E27FC236}">
+                <a16:creationId xmlns:a16="http://schemas.microsoft.com/office/drawing/2014/main" id="{37B736C5-1593-4906-8510-FD423DF2321F}"/>
+              </a:ext>
+            </a:extLst>
+          </p:cNvPr>
+          <p:cNvSpPr/>
+          <p:nvPr/>
+        </p:nvSpPr>
+        <p:spPr>
+          <a:xfrm>
+            <a:off x="5123514" y="6858000"/>
+            <a:ext cx="750106" cy="220142"/>
+          </a:xfrm>
+          <a:prstGeom prst="rect">
+            <a:avLst/>
+          </a:prstGeom>
+        </p:spPr>
+        <p:style>
+          <a:lnRef idx="2">
+            <a:schemeClr val="accent6"/>
+          </a:lnRef>
+          <a:fillRef idx="1">
+            <a:schemeClr val="lt1"/>
+          </a:fillRef>
+          <a:effectRef idx="0">
+            <a:schemeClr val="accent6"/>
+          </a:effectRef>
+          <a:fontRef idx="minor">
+            <a:schemeClr val="dk1"/>
+          </a:fontRef>
+        </p:style>
+        <p:txBody>
+          <a:bodyPr rtlCol="0" anchor="ctr"/>
+          <a:lstStyle/>
+          <a:p>
+            <a:pPr algn="ctr"/>
+            <a:r>
+              <a:rPr lang="en-US"/>
+              <a:t>Page</a:t>
+            </a:r>
+          </a:p>
+        </p:txBody>
+      </p:sp>
+      <p:sp>
+        <p:nvSpPr>
+          <p:cNvPr id="59" name="Rectangle 58">
+            <a:extLst>
+              <a:ext uri="{FF2B5EF4-FFF2-40B4-BE49-F238E27FC236}">
+                <a16:creationId xmlns:a16="http://schemas.microsoft.com/office/drawing/2014/main" id="{BF386F98-370D-41DF-BA42-6F43007ECA0E}"/>
+              </a:ext>
+            </a:extLst>
+          </p:cNvPr>
+          <p:cNvSpPr/>
+          <p:nvPr/>
+        </p:nvSpPr>
+        <p:spPr>
+          <a:xfrm>
+            <a:off x="5937239" y="6858000"/>
+            <a:ext cx="750106" cy="220142"/>
+          </a:xfrm>
+          <a:prstGeom prst="rect">
+            <a:avLst/>
+          </a:prstGeom>
+        </p:spPr>
+        <p:style>
+          <a:lnRef idx="2">
+            <a:schemeClr val="accent6"/>
+          </a:lnRef>
+          <a:fillRef idx="1">
+            <a:schemeClr val="lt1"/>
+          </a:fillRef>
+          <a:effectRef idx="0">
+            <a:schemeClr val="accent6"/>
+          </a:effectRef>
+          <a:fontRef idx="minor">
+            <a:schemeClr val="dk1"/>
+          </a:fontRef>
+        </p:style>
+        <p:txBody>
+          <a:bodyPr rtlCol="0" anchor="ctr"/>
+          <a:lstStyle/>
+          <a:p>
+            <a:pPr algn="ctr"/>
+            <a:r>
+              <a:rPr lang="en-US"/>
+              <a:t>1 / 10</a:t>
+            </a:r>
+          </a:p>
+        </p:txBody>
+      </p:sp>
+      <p:sp>
+        <p:nvSpPr>
+          <p:cNvPr id="60" name="Rectangle 59">
+            <a:extLst>
+              <a:ext uri="{FF2B5EF4-FFF2-40B4-BE49-F238E27FC236}">
+                <a16:creationId xmlns:a16="http://schemas.microsoft.com/office/drawing/2014/main" id="{AD240AD8-2F69-4F56-90B2-465DA1157241}"/>
+              </a:ext>
+            </a:extLst>
+          </p:cNvPr>
+          <p:cNvSpPr/>
+          <p:nvPr/>
+        </p:nvSpPr>
+        <p:spPr>
+          <a:xfrm>
+            <a:off x="4439044" y="7207809"/>
+            <a:ext cx="375053" cy="220142"/>
+          </a:xfrm>
+          <a:prstGeom prst="rect">
+            <a:avLst/>
+          </a:prstGeom>
+        </p:spPr>
+        <p:style>
+          <a:lnRef idx="1">
+            <a:schemeClr val="accent2"/>
+          </a:lnRef>
+          <a:fillRef idx="2">
+            <a:schemeClr val="accent2"/>
+          </a:fillRef>
+          <a:effectRef idx="1">
+            <a:schemeClr val="accent2"/>
+          </a:effectRef>
+          <a:fontRef idx="minor">
+            <a:schemeClr val="dk1"/>
+          </a:fontRef>
+        </p:style>
+        <p:txBody>
+          <a:bodyPr rtlCol="0" anchor="ctr"/>
+          <a:lstStyle/>
+          <a:p>
+            <a:pPr algn="ctr"/>
+            <a:r>
+              <a:rPr lang="en-US"/>
+              <a:t>1</a:t>
+            </a:r>
+          </a:p>
+        </p:txBody>
+      </p:sp>
+      <p:sp>
+        <p:nvSpPr>
+          <p:cNvPr id="61" name="Rectangle 60">
+            <a:extLst>
+              <a:ext uri="{FF2B5EF4-FFF2-40B4-BE49-F238E27FC236}">
+                <a16:creationId xmlns:a16="http://schemas.microsoft.com/office/drawing/2014/main" id="{FB191FA3-1613-428E-91D9-D237AEB36B11}"/>
+              </a:ext>
+            </a:extLst>
+          </p:cNvPr>
+          <p:cNvSpPr/>
+          <p:nvPr/>
+        </p:nvSpPr>
+        <p:spPr>
+          <a:xfrm>
+            <a:off x="4935987" y="7211289"/>
+            <a:ext cx="375053" cy="220142"/>
+          </a:xfrm>
+          <a:prstGeom prst="rect">
+            <a:avLst/>
+          </a:prstGeom>
+        </p:spPr>
+        <p:style>
+          <a:lnRef idx="1">
+            <a:schemeClr val="accent2"/>
+          </a:lnRef>
+          <a:fillRef idx="2">
+            <a:schemeClr val="accent2"/>
+          </a:fillRef>
+          <a:effectRef idx="1">
+            <a:schemeClr val="accent2"/>
+          </a:effectRef>
+          <a:fontRef idx="minor">
+            <a:schemeClr val="dk1"/>
+          </a:fontRef>
+        </p:style>
+        <p:txBody>
+          <a:bodyPr rtlCol="0" anchor="ctr"/>
+          <a:lstStyle/>
+          <a:p>
+            <a:pPr algn="ctr"/>
+            <a:r>
+              <a:rPr lang="en-US"/>
+              <a:t>2</a:t>
+            </a:r>
+          </a:p>
+        </p:txBody>
+      </p:sp>
+      <p:sp>
+        <p:nvSpPr>
+          <p:cNvPr id="62" name="Rectangle 61">
+            <a:extLst>
+              <a:ext uri="{FF2B5EF4-FFF2-40B4-BE49-F238E27FC236}">
+                <a16:creationId xmlns:a16="http://schemas.microsoft.com/office/drawing/2014/main" id="{1E789059-CBD6-4611-9E20-F2089A748E2D}"/>
+              </a:ext>
+            </a:extLst>
+          </p:cNvPr>
+          <p:cNvSpPr/>
+          <p:nvPr/>
+        </p:nvSpPr>
+        <p:spPr>
+          <a:xfrm>
+            <a:off x="5372272" y="7201678"/>
+            <a:ext cx="375053" cy="220142"/>
+          </a:xfrm>
+          <a:prstGeom prst="rect">
+            <a:avLst/>
+          </a:prstGeom>
+        </p:spPr>
+        <p:style>
+          <a:lnRef idx="1">
+            <a:schemeClr val="accent2"/>
+          </a:lnRef>
+          <a:fillRef idx="2">
+            <a:schemeClr val="accent2"/>
+          </a:fillRef>
+          <a:effectRef idx="1">
+            <a:schemeClr val="accent2"/>
+          </a:effectRef>
+          <a:fontRef idx="minor">
+            <a:schemeClr val="dk1"/>
+          </a:fontRef>
+        </p:style>
+        <p:txBody>
+          <a:bodyPr rtlCol="0" anchor="ctr"/>
+          <a:lstStyle/>
+          <a:p>
+            <a:pPr algn="ctr"/>
+            <a:r>
+              <a:rPr lang="en-US"/>
+              <a:t>3</a:t>
+            </a:r>
+          </a:p>
+        </p:txBody>
+      </p:sp>
+      <p:sp>
+        <p:nvSpPr>
+          <p:cNvPr id="63" name="Rectangle 62">
+            <a:extLst>
+              <a:ext uri="{FF2B5EF4-FFF2-40B4-BE49-F238E27FC236}">
+                <a16:creationId xmlns:a16="http://schemas.microsoft.com/office/drawing/2014/main" id="{96A851B3-F28C-4C8E-806F-B7C4B1016D3A}"/>
+              </a:ext>
+            </a:extLst>
+          </p:cNvPr>
+          <p:cNvSpPr/>
+          <p:nvPr/>
+        </p:nvSpPr>
+        <p:spPr>
+          <a:xfrm>
+            <a:off x="6229276" y="7201678"/>
+            <a:ext cx="375053" cy="220142"/>
+          </a:xfrm>
+          <a:prstGeom prst="rect">
+            <a:avLst/>
+          </a:prstGeom>
+        </p:spPr>
+        <p:style>
+          <a:lnRef idx="1">
+            <a:schemeClr val="accent2"/>
+          </a:lnRef>
+          <a:fillRef idx="2">
+            <a:schemeClr val="accent2"/>
+          </a:fillRef>
+          <a:effectRef idx="1">
+            <a:schemeClr val="accent2"/>
+          </a:effectRef>
+          <a:fontRef idx="minor">
+            <a:schemeClr val="dk1"/>
+          </a:fontRef>
+        </p:style>
+        <p:txBody>
+          <a:bodyPr rtlCol="0" anchor="ctr"/>
+          <a:lstStyle/>
+          <a:p>
+            <a:pPr algn="ctr"/>
+            <a:r>
+              <a:rPr lang="en-US"/>
+              <a:t>8</a:t>
+            </a:r>
+          </a:p>
+        </p:txBody>
+      </p:sp>
+      <p:sp>
+        <p:nvSpPr>
+          <p:cNvPr id="64" name="Rectangle 63">
+            <a:extLst>
+              <a:ext uri="{FF2B5EF4-FFF2-40B4-BE49-F238E27FC236}">
+                <a16:creationId xmlns:a16="http://schemas.microsoft.com/office/drawing/2014/main" id="{F7A7460B-48C2-49F9-8220-D66F438076A0}"/>
+              </a:ext>
+            </a:extLst>
+          </p:cNvPr>
+          <p:cNvSpPr/>
+          <p:nvPr/>
+        </p:nvSpPr>
+        <p:spPr>
+          <a:xfrm>
+            <a:off x="6684028" y="7201678"/>
+            <a:ext cx="375053" cy="220142"/>
+          </a:xfrm>
+          <a:prstGeom prst="rect">
+            <a:avLst/>
+          </a:prstGeom>
+        </p:spPr>
+        <p:style>
+          <a:lnRef idx="1">
+            <a:schemeClr val="accent2"/>
+          </a:lnRef>
+          <a:fillRef idx="2">
+            <a:schemeClr val="accent2"/>
+          </a:fillRef>
+          <a:effectRef idx="1">
+            <a:schemeClr val="accent2"/>
+          </a:effectRef>
+          <a:fontRef idx="minor">
+            <a:schemeClr val="dk1"/>
+          </a:fontRef>
+        </p:style>
+        <p:txBody>
+          <a:bodyPr rtlCol="0" anchor="ctr"/>
+          <a:lstStyle/>
+          <a:p>
+            <a:pPr algn="ctr"/>
+            <a:r>
+              <a:rPr lang="en-US"/>
+              <a:t>9</a:t>
+            </a:r>
+          </a:p>
+        </p:txBody>
+      </p:sp>
+      <p:sp>
+        <p:nvSpPr>
+          <p:cNvPr id="65" name="Rectangle 64">
+            <a:extLst>
+              <a:ext uri="{FF2B5EF4-FFF2-40B4-BE49-F238E27FC236}">
+                <a16:creationId xmlns:a16="http://schemas.microsoft.com/office/drawing/2014/main" id="{6489F027-B09A-4BE0-B943-5E5B2A0F38CB}"/>
+              </a:ext>
+            </a:extLst>
+          </p:cNvPr>
+          <p:cNvSpPr/>
+          <p:nvPr/>
+        </p:nvSpPr>
+        <p:spPr>
+          <a:xfrm>
+            <a:off x="7191771" y="7201678"/>
+            <a:ext cx="428797" cy="220142"/>
+          </a:xfrm>
+          <a:prstGeom prst="rect">
+            <a:avLst/>
+          </a:prstGeom>
+        </p:spPr>
+        <p:style>
+          <a:lnRef idx="1">
+            <a:schemeClr val="accent2"/>
+          </a:lnRef>
+          <a:fillRef idx="2">
+            <a:schemeClr val="accent2"/>
+          </a:fillRef>
+          <a:effectRef idx="1">
+            <a:schemeClr val="accent2"/>
+          </a:effectRef>
+          <a:fontRef idx="minor">
+            <a:schemeClr val="dk1"/>
+          </a:fontRef>
+        </p:style>
+        <p:txBody>
+          <a:bodyPr rtlCol="0" anchor="ctr"/>
+          <a:lstStyle/>
+          <a:p>
+            <a:pPr algn="ctr"/>
+            <a:r>
+              <a:rPr lang="en-US"/>
+              <a:t>10</a:t>
+            </a:r>
+          </a:p>
+        </p:txBody>
+      </p:sp>
+      <p:sp>
+        <p:nvSpPr>
+          <p:cNvPr id="66" name="Rectangle 65">
+            <a:extLst>
+              <a:ext uri="{FF2B5EF4-FFF2-40B4-BE49-F238E27FC236}">
+                <a16:creationId xmlns:a16="http://schemas.microsoft.com/office/drawing/2014/main" id="{53C4A1F7-0A2F-469D-ADD7-401608A1D0CF}"/>
+              </a:ext>
+            </a:extLst>
+          </p:cNvPr>
+          <p:cNvSpPr/>
+          <p:nvPr/>
+        </p:nvSpPr>
+        <p:spPr>
+          <a:xfrm>
+            <a:off x="5795746" y="7211289"/>
+            <a:ext cx="375053" cy="220142"/>
+          </a:xfrm>
+          <a:prstGeom prst="rect">
+            <a:avLst/>
+          </a:prstGeom>
+        </p:spPr>
+        <p:style>
+          <a:lnRef idx="2">
+            <a:schemeClr val="accent6"/>
+          </a:lnRef>
+          <a:fillRef idx="1">
+            <a:schemeClr val="lt1"/>
+          </a:fillRef>
+          <a:effectRef idx="0">
+            <a:schemeClr val="accent6"/>
+          </a:effectRef>
+          <a:fontRef idx="minor">
+            <a:schemeClr val="dk1"/>
+          </a:fontRef>
+        </p:style>
+        <p:txBody>
+          <a:bodyPr rtlCol="0" anchor="ctr"/>
+          <a:lstStyle/>
+          <a:p>
+            <a:pPr algn="ctr"/>
+            <a:r>
+              <a:rPr lang="en-US"/>
+              <a:t>…</a:t>
+            </a:r>
+          </a:p>
+        </p:txBody>
+      </p:sp>
+      <p:sp>
+        <p:nvSpPr>
+          <p:cNvPr id="67" name="Arrow: Left 66">
+            <a:extLst>
+              <a:ext uri="{FF2B5EF4-FFF2-40B4-BE49-F238E27FC236}">
+                <a16:creationId xmlns:a16="http://schemas.microsoft.com/office/drawing/2014/main" id="{88E68A4E-43DC-4A4B-B2A0-5BCC9A97807F}"/>
+              </a:ext>
+            </a:extLst>
+          </p:cNvPr>
+          <p:cNvSpPr/>
+          <p:nvPr/>
+        </p:nvSpPr>
+        <p:spPr>
+          <a:xfrm>
+            <a:off x="4684788" y="6905625"/>
+            <a:ext cx="198348" cy="136156"/>
+          </a:xfrm>
+          <a:prstGeom prst="leftArrow">
+            <a:avLst/>
+          </a:prstGeom>
+        </p:spPr>
+        <p:style>
+          <a:lnRef idx="2">
+            <a:schemeClr val="accent1">
+              <a:shade val="50000"/>
+            </a:schemeClr>
+          </a:lnRef>
+          <a:fillRef idx="1">
+            <a:schemeClr val="accent1"/>
+          </a:fillRef>
+          <a:effectRef idx="0">
+            <a:schemeClr val="accent1"/>
+          </a:effectRef>
+          <a:fontRef idx="minor">
+            <a:schemeClr val="lt1"/>
+          </a:fontRef>
+        </p:style>
+        <p:txBody>
+          <a:bodyPr rtlCol="0" anchor="ctr"/>
+          <a:lstStyle/>
+          <a:p>
+            <a:pPr algn="ctr"/>
+            <a:endParaRPr lang="en-US"/>
+          </a:p>
+        </p:txBody>
+      </p:sp>
+      <p:sp>
+        <p:nvSpPr>
+          <p:cNvPr id="68" name="Arrow: Right 67">
+            <a:extLst>
+              <a:ext uri="{FF2B5EF4-FFF2-40B4-BE49-F238E27FC236}">
+                <a16:creationId xmlns:a16="http://schemas.microsoft.com/office/drawing/2014/main" id="{7D4493BE-AE3C-4A76-AE3D-59C1633D54F1}"/>
+              </a:ext>
+            </a:extLst>
+          </p:cNvPr>
+          <p:cNvSpPr/>
+          <p:nvPr/>
+        </p:nvSpPr>
+        <p:spPr>
+          <a:xfrm>
+            <a:off x="6900567" y="6899667"/>
+            <a:ext cx="215926" cy="129880"/>
+          </a:xfrm>
+          <a:prstGeom prst="rightArrow">
+            <a:avLst/>
+          </a:prstGeom>
+        </p:spPr>
+        <p:style>
+          <a:lnRef idx="2">
+            <a:schemeClr val="accent1">
+              <a:shade val="50000"/>
+            </a:schemeClr>
+          </a:lnRef>
+          <a:fillRef idx="1">
+            <a:schemeClr val="accent1"/>
+          </a:fillRef>
+          <a:effectRef idx="0">
+            <a:schemeClr val="accent1"/>
+          </a:effectRef>
+          <a:fontRef idx="minor">
+            <a:schemeClr val="lt1"/>
+          </a:fontRef>
+        </p:style>
+        <p:txBody>
+          <a:bodyPr rtlCol="0" anchor="ctr"/>
+          <a:lstStyle/>
+          <a:p>
+            <a:pPr algn="ctr"/>
+            <a:endParaRPr lang="en-US"/>
+          </a:p>
+        </p:txBody>
+      </p:sp>
+      <p:sp>
+        <p:nvSpPr>
+          <p:cNvPr id="69" name="Flowchart: Merge 68">
+            <a:extLst>
+              <a:ext uri="{FF2B5EF4-FFF2-40B4-BE49-F238E27FC236}">
+                <a16:creationId xmlns:a16="http://schemas.microsoft.com/office/drawing/2014/main" id="{C949523E-B13F-4AA3-A02A-22CCF55C3598}"/>
+              </a:ext>
+            </a:extLst>
+          </p:cNvPr>
+          <p:cNvSpPr/>
+          <p:nvPr/>
+        </p:nvSpPr>
+        <p:spPr>
+          <a:xfrm>
+            <a:off x="2397991" y="5332352"/>
+            <a:ext cx="129309" cy="110837"/>
+          </a:xfrm>
+          <a:prstGeom prst="flowChartMerge">
+            <a:avLst/>
+          </a:prstGeom>
+        </p:spPr>
+        <p:style>
+          <a:lnRef idx="2">
+            <a:schemeClr val="accent6"/>
+          </a:lnRef>
+          <a:fillRef idx="1">
+            <a:schemeClr val="lt1"/>
+          </a:fillRef>
+          <a:effectRef idx="0">
+            <a:schemeClr val="accent6"/>
+          </a:effectRef>
+          <a:fontRef idx="minor">
+            <a:schemeClr val="dk1"/>
+          </a:fontRef>
+        </p:style>
+        <p:txBody>
+          <a:bodyPr rtlCol="0" anchor="ctr"/>
+          <a:lstStyle/>
+          <a:p>
+            <a:pPr algn="ctr"/>
+            <a:endParaRPr lang="en-US"/>
+          </a:p>
+        </p:txBody>
+      </p:sp>
+      <p:sp>
+        <p:nvSpPr>
+          <p:cNvPr id="70" name="Flowchart: Merge 69">
+            <a:extLst>
+              <a:ext uri="{FF2B5EF4-FFF2-40B4-BE49-F238E27FC236}">
+                <a16:creationId xmlns:a16="http://schemas.microsoft.com/office/drawing/2014/main" id="{03EEE110-98E3-40D9-AF21-B8C78B6BE6D3}"/>
+              </a:ext>
+            </a:extLst>
+          </p:cNvPr>
+          <p:cNvSpPr/>
+          <p:nvPr/>
+        </p:nvSpPr>
+        <p:spPr>
+          <a:xfrm>
+            <a:off x="4076349" y="5333000"/>
+            <a:ext cx="129309" cy="110837"/>
+          </a:xfrm>
+          <a:prstGeom prst="flowChartMerge">
+            <a:avLst/>
+          </a:prstGeom>
+        </p:spPr>
+        <p:style>
+          <a:lnRef idx="2">
+            <a:schemeClr val="accent6"/>
+          </a:lnRef>
+          <a:fillRef idx="1">
+            <a:schemeClr val="lt1"/>
+          </a:fillRef>
+          <a:effectRef idx="0">
+            <a:schemeClr val="accent6"/>
+          </a:effectRef>
+          <a:fontRef idx="minor">
+            <a:schemeClr val="dk1"/>
+          </a:fontRef>
+        </p:style>
+        <p:txBody>
+          <a:bodyPr rtlCol="0" anchor="ctr"/>
+          <a:lstStyle/>
+          <a:p>
+            <a:pPr algn="ctr"/>
+            <a:endParaRPr lang="en-US"/>
+          </a:p>
+        </p:txBody>
+      </p:sp>
+      <p:sp>
+        <p:nvSpPr>
+          <p:cNvPr id="71" name="Flowchart: Merge 70">
+            <a:extLst>
+              <a:ext uri="{FF2B5EF4-FFF2-40B4-BE49-F238E27FC236}">
+                <a16:creationId xmlns:a16="http://schemas.microsoft.com/office/drawing/2014/main" id="{5370DE08-8015-4F71-9244-23C0CE8855C2}"/>
+              </a:ext>
+            </a:extLst>
+          </p:cNvPr>
+          <p:cNvSpPr/>
+          <p:nvPr/>
+        </p:nvSpPr>
+        <p:spPr>
+          <a:xfrm>
+            <a:off x="5280660" y="5332352"/>
+            <a:ext cx="129309" cy="110837"/>
+          </a:xfrm>
+          <a:prstGeom prst="flowChartMerge">
+            <a:avLst/>
+          </a:prstGeom>
+        </p:spPr>
+        <p:style>
+          <a:lnRef idx="2">
+            <a:schemeClr val="accent6"/>
+          </a:lnRef>
+          <a:fillRef idx="1">
+            <a:schemeClr val="lt1"/>
+          </a:fillRef>
+          <a:effectRef idx="0">
+            <a:schemeClr val="accent6"/>
+          </a:effectRef>
+          <a:fontRef idx="minor">
+            <a:schemeClr val="dk1"/>
+          </a:fontRef>
+        </p:style>
+        <p:txBody>
+          <a:bodyPr rtlCol="0" anchor="ctr"/>
+          <a:lstStyle/>
+          <a:p>
+            <a:pPr algn="ctr"/>
+            <a:endParaRPr lang="en-US"/>
+          </a:p>
+        </p:txBody>
+      </p:sp>
+      <p:sp>
+        <p:nvSpPr>
+          <p:cNvPr id="72" name="Flowchart: Merge 71">
+            <a:extLst>
+              <a:ext uri="{FF2B5EF4-FFF2-40B4-BE49-F238E27FC236}">
+                <a16:creationId xmlns:a16="http://schemas.microsoft.com/office/drawing/2014/main" id="{F52BF7F5-4529-4FE4-A170-01CD7C56FEA2}"/>
+              </a:ext>
+            </a:extLst>
+          </p:cNvPr>
+          <p:cNvSpPr/>
+          <p:nvPr/>
+        </p:nvSpPr>
+        <p:spPr>
+          <a:xfrm>
+            <a:off x="6360028" y="5332332"/>
+            <a:ext cx="129309" cy="110837"/>
+          </a:xfrm>
+          <a:prstGeom prst="flowChartMerge">
+            <a:avLst/>
+          </a:prstGeom>
+        </p:spPr>
+        <p:style>
+          <a:lnRef idx="2">
+            <a:schemeClr val="accent6"/>
+          </a:lnRef>
+          <a:fillRef idx="1">
+            <a:schemeClr val="lt1"/>
+          </a:fillRef>
+          <a:effectRef idx="0">
+            <a:schemeClr val="accent6"/>
+          </a:effectRef>
+          <a:fontRef idx="minor">
+            <a:schemeClr val="dk1"/>
+          </a:fontRef>
+        </p:style>
+        <p:txBody>
+          <a:bodyPr rtlCol="0" anchor="ctr"/>
+          <a:lstStyle/>
+          <a:p>
+            <a:pPr algn="ctr"/>
+            <a:endParaRPr lang="en-US"/>
+          </a:p>
+        </p:txBody>
+      </p:sp>
+      <p:sp>
+        <p:nvSpPr>
+          <p:cNvPr id="73" name="Flowchart: Merge 72">
+            <a:extLst>
+              <a:ext uri="{FF2B5EF4-FFF2-40B4-BE49-F238E27FC236}">
+                <a16:creationId xmlns:a16="http://schemas.microsoft.com/office/drawing/2014/main" id="{875A7AA2-D22A-406F-B026-CDEB0A855BDE}"/>
+              </a:ext>
+            </a:extLst>
+          </p:cNvPr>
+          <p:cNvSpPr/>
+          <p:nvPr/>
+        </p:nvSpPr>
+        <p:spPr>
+          <a:xfrm>
+            <a:off x="7782791" y="5332331"/>
+            <a:ext cx="129309" cy="110837"/>
+          </a:xfrm>
+          <a:prstGeom prst="flowChartMerge">
+            <a:avLst/>
+          </a:prstGeom>
+        </p:spPr>
+        <p:style>
+          <a:lnRef idx="2">
+            <a:schemeClr val="accent6"/>
+          </a:lnRef>
+          <a:fillRef idx="1">
+            <a:schemeClr val="lt1"/>
+          </a:fillRef>
+          <a:effectRef idx="0">
+            <a:schemeClr val="accent6"/>
+          </a:effectRef>
+          <a:fontRef idx="minor">
+            <a:schemeClr val="dk1"/>
+          </a:fontRef>
+        </p:style>
+        <p:txBody>
+          <a:bodyPr rtlCol="0" anchor="ctr"/>
+          <a:lstStyle/>
+          <a:p>
+            <a:pPr algn="ctr"/>
+            <a:endParaRPr lang="en-US"/>
+          </a:p>
+        </p:txBody>
+      </p:sp>
+      <p:sp>
+        <p:nvSpPr>
+          <p:cNvPr id="74" name="Flowchart: Merge 73">
+            <a:extLst>
+              <a:ext uri="{FF2B5EF4-FFF2-40B4-BE49-F238E27FC236}">
+                <a16:creationId xmlns:a16="http://schemas.microsoft.com/office/drawing/2014/main" id="{62C3F33F-8C4B-4229-962B-D935BFAD626B}"/>
+              </a:ext>
+            </a:extLst>
+          </p:cNvPr>
+          <p:cNvSpPr/>
+          <p:nvPr/>
+        </p:nvSpPr>
+        <p:spPr>
+          <a:xfrm>
+            <a:off x="9205554" y="5318258"/>
+            <a:ext cx="129309" cy="110837"/>
+          </a:xfrm>
+          <a:prstGeom prst="flowChartMerge">
+            <a:avLst/>
+          </a:prstGeom>
+        </p:spPr>
+        <p:style>
+          <a:lnRef idx="2">
+            <a:schemeClr val="accent6"/>
+          </a:lnRef>
+          <a:fillRef idx="1">
+            <a:schemeClr val="lt1"/>
+          </a:fillRef>
+          <a:effectRef idx="0">
+            <a:schemeClr val="accent6"/>
+          </a:effectRef>
+          <a:fontRef idx="minor">
+            <a:schemeClr val="dk1"/>
+          </a:fontRef>
+        </p:style>
+        <p:txBody>
+          <a:bodyPr rtlCol="0" anchor="ctr"/>
+          <a:lstStyle/>
+          <a:p>
+            <a:pPr algn="ctr"/>
+            <a:endParaRPr lang="en-US"/>
+          </a:p>
+        </p:txBody>
+      </p:sp>
+      <p:sp>
+        <p:nvSpPr>
+          <p:cNvPr id="75" name="Flowchart: Merge 74">
+            <a:extLst>
+              <a:ext uri="{FF2B5EF4-FFF2-40B4-BE49-F238E27FC236}">
+                <a16:creationId xmlns:a16="http://schemas.microsoft.com/office/drawing/2014/main" id="{B523446B-2724-42FE-9796-605D04B95C72}"/>
+              </a:ext>
+            </a:extLst>
+          </p:cNvPr>
+          <p:cNvSpPr/>
+          <p:nvPr/>
+        </p:nvSpPr>
+        <p:spPr>
+          <a:xfrm>
+            <a:off x="10600805" y="5332331"/>
+            <a:ext cx="129309" cy="110837"/>
+          </a:xfrm>
+          <a:prstGeom prst="flowChartMerge">
+            <a:avLst/>
+          </a:prstGeom>
+        </p:spPr>
+        <p:style>
+          <a:lnRef idx="2">
+            <a:schemeClr val="accent6"/>
+          </a:lnRef>
+          <a:fillRef idx="1">
+            <a:schemeClr val="lt1"/>
+          </a:fillRef>
+          <a:effectRef idx="0">
+            <a:schemeClr val="accent6"/>
+          </a:effectRef>
+          <a:fontRef idx="minor">
+            <a:schemeClr val="dk1"/>
+          </a:fontRef>
+        </p:style>
+        <p:txBody>
+          <a:bodyPr rtlCol="0" anchor="ctr"/>
+          <a:lstStyle/>
+          <a:p>
+            <a:pPr algn="ctr"/>
+            <a:endParaRPr lang="en-US"/>
+          </a:p>
+        </p:txBody>
+      </p:sp>
+      <p:sp>
+        <p:nvSpPr>
+          <p:cNvPr id="76" name="Flowchart: Merge 75">
+            <a:extLst>
+              <a:ext uri="{FF2B5EF4-FFF2-40B4-BE49-F238E27FC236}">
+                <a16:creationId xmlns:a16="http://schemas.microsoft.com/office/drawing/2014/main" id="{C5358484-67CB-4C77-87ED-FE3920B5665E}"/>
+              </a:ext>
+            </a:extLst>
+          </p:cNvPr>
+          <p:cNvSpPr/>
+          <p:nvPr/>
+        </p:nvSpPr>
+        <p:spPr>
+          <a:xfrm>
+            <a:off x="11868727" y="5332331"/>
+            <a:ext cx="129309" cy="110837"/>
+          </a:xfrm>
+          <a:prstGeom prst="flowChartMerge">
+            <a:avLst/>
+          </a:prstGeom>
+        </p:spPr>
+        <p:style>
+          <a:lnRef idx="2">
+            <a:schemeClr val="accent6"/>
+          </a:lnRef>
+          <a:fillRef idx="1">
+            <a:schemeClr val="lt1"/>
+          </a:fillRef>
+          <a:effectRef idx="0">
+            <a:schemeClr val="accent6"/>
+          </a:effectRef>
+          <a:fontRef idx="minor">
+            <a:schemeClr val="dk1"/>
+          </a:fontRef>
+        </p:style>
+        <p:txBody>
+          <a:bodyPr rtlCol="0" anchor="ctr"/>
+          <a:lstStyle/>
+          <a:p>
+            <a:pPr algn="ctr"/>
+            <a:endParaRPr lang="en-US"/>
           </a:p>
         </p:txBody>
       </p:sp>
@@ -12581,6 +15534,961 @@
           </a:p>
         </p:txBody>
       </p:sp>
+      <p:sp>
+        <p:nvSpPr>
+          <p:cNvPr id="2" name="Rectangle 1">
+            <a:extLst>
+              <a:ext uri="{FF2B5EF4-FFF2-40B4-BE49-F238E27FC236}">
+                <a16:creationId xmlns:a16="http://schemas.microsoft.com/office/drawing/2014/main" id="{B0B08534-F9C7-40DA-9660-6D585497D7EA}"/>
+              </a:ext>
+            </a:extLst>
+          </p:cNvPr>
+          <p:cNvSpPr/>
+          <p:nvPr/>
+        </p:nvSpPr>
+        <p:spPr>
+          <a:xfrm>
+            <a:off x="0" y="6858000"/>
+            <a:ext cx="12192000" cy="663641"/>
+          </a:xfrm>
+          <a:prstGeom prst="rect">
+            <a:avLst/>
+          </a:prstGeom>
+        </p:spPr>
+        <p:style>
+          <a:lnRef idx="2">
+            <a:schemeClr val="accent1"/>
+          </a:lnRef>
+          <a:fillRef idx="1">
+            <a:schemeClr val="lt1"/>
+          </a:fillRef>
+          <a:effectRef idx="0">
+            <a:schemeClr val="accent1"/>
+          </a:effectRef>
+          <a:fontRef idx="minor">
+            <a:schemeClr val="dk1"/>
+          </a:fontRef>
+        </p:style>
+        <p:txBody>
+          <a:bodyPr rtlCol="0" anchor="ctr"/>
+          <a:lstStyle/>
+          <a:p>
+            <a:pPr algn="ctr"/>
+            <a:endParaRPr lang="en-US"/>
+          </a:p>
+        </p:txBody>
+      </p:sp>
+      <p:sp>
+        <p:nvSpPr>
+          <p:cNvPr id="53" name="Rectangle 52">
+            <a:extLst>
+              <a:ext uri="{FF2B5EF4-FFF2-40B4-BE49-F238E27FC236}">
+                <a16:creationId xmlns:a16="http://schemas.microsoft.com/office/drawing/2014/main" id="{9A104A5A-23CB-41F2-AE52-18D8A7648BA6}"/>
+              </a:ext>
+            </a:extLst>
+          </p:cNvPr>
+          <p:cNvSpPr/>
+          <p:nvPr/>
+        </p:nvSpPr>
+        <p:spPr>
+          <a:xfrm>
+            <a:off x="5123514" y="6909222"/>
+            <a:ext cx="750106" cy="220142"/>
+          </a:xfrm>
+          <a:prstGeom prst="rect">
+            <a:avLst/>
+          </a:prstGeom>
+        </p:spPr>
+        <p:style>
+          <a:lnRef idx="2">
+            <a:schemeClr val="accent6"/>
+          </a:lnRef>
+          <a:fillRef idx="1">
+            <a:schemeClr val="lt1"/>
+          </a:fillRef>
+          <a:effectRef idx="0">
+            <a:schemeClr val="accent6"/>
+          </a:effectRef>
+          <a:fontRef idx="minor">
+            <a:schemeClr val="dk1"/>
+          </a:fontRef>
+        </p:style>
+        <p:txBody>
+          <a:bodyPr rtlCol="0" anchor="ctr"/>
+          <a:lstStyle/>
+          <a:p>
+            <a:pPr algn="ctr"/>
+            <a:r>
+              <a:rPr lang="en-US"/>
+              <a:t>Page</a:t>
+            </a:r>
+          </a:p>
+        </p:txBody>
+      </p:sp>
+      <p:sp>
+        <p:nvSpPr>
+          <p:cNvPr id="54" name="Rectangle 53">
+            <a:extLst>
+              <a:ext uri="{FF2B5EF4-FFF2-40B4-BE49-F238E27FC236}">
+                <a16:creationId xmlns:a16="http://schemas.microsoft.com/office/drawing/2014/main" id="{8C5D4A0C-625B-4588-B2F7-086CC2641EB8}"/>
+              </a:ext>
+            </a:extLst>
+          </p:cNvPr>
+          <p:cNvSpPr/>
+          <p:nvPr/>
+        </p:nvSpPr>
+        <p:spPr>
+          <a:xfrm>
+            <a:off x="5937239" y="6909222"/>
+            <a:ext cx="750106" cy="220142"/>
+          </a:xfrm>
+          <a:prstGeom prst="rect">
+            <a:avLst/>
+          </a:prstGeom>
+        </p:spPr>
+        <p:style>
+          <a:lnRef idx="2">
+            <a:schemeClr val="accent6"/>
+          </a:lnRef>
+          <a:fillRef idx="1">
+            <a:schemeClr val="lt1"/>
+          </a:fillRef>
+          <a:effectRef idx="0">
+            <a:schemeClr val="accent6"/>
+          </a:effectRef>
+          <a:fontRef idx="minor">
+            <a:schemeClr val="dk1"/>
+          </a:fontRef>
+        </p:style>
+        <p:txBody>
+          <a:bodyPr rtlCol="0" anchor="ctr"/>
+          <a:lstStyle/>
+          <a:p>
+            <a:pPr algn="ctr"/>
+            <a:r>
+              <a:rPr lang="en-US"/>
+              <a:t>1 / 10</a:t>
+            </a:r>
+          </a:p>
+        </p:txBody>
+      </p:sp>
+      <p:sp>
+        <p:nvSpPr>
+          <p:cNvPr id="55" name="Rectangle 54">
+            <a:extLst>
+              <a:ext uri="{FF2B5EF4-FFF2-40B4-BE49-F238E27FC236}">
+                <a16:creationId xmlns:a16="http://schemas.microsoft.com/office/drawing/2014/main" id="{E9F1B940-2736-44FF-9DED-A040A9FBC021}"/>
+              </a:ext>
+            </a:extLst>
+          </p:cNvPr>
+          <p:cNvSpPr/>
+          <p:nvPr/>
+        </p:nvSpPr>
+        <p:spPr>
+          <a:xfrm>
+            <a:off x="4439044" y="7259031"/>
+            <a:ext cx="375053" cy="220142"/>
+          </a:xfrm>
+          <a:prstGeom prst="rect">
+            <a:avLst/>
+          </a:prstGeom>
+        </p:spPr>
+        <p:style>
+          <a:lnRef idx="1">
+            <a:schemeClr val="accent2"/>
+          </a:lnRef>
+          <a:fillRef idx="2">
+            <a:schemeClr val="accent2"/>
+          </a:fillRef>
+          <a:effectRef idx="1">
+            <a:schemeClr val="accent2"/>
+          </a:effectRef>
+          <a:fontRef idx="minor">
+            <a:schemeClr val="dk1"/>
+          </a:fontRef>
+        </p:style>
+        <p:txBody>
+          <a:bodyPr rtlCol="0" anchor="ctr"/>
+          <a:lstStyle/>
+          <a:p>
+            <a:pPr algn="ctr"/>
+            <a:r>
+              <a:rPr lang="en-US"/>
+              <a:t>1</a:t>
+            </a:r>
+          </a:p>
+        </p:txBody>
+      </p:sp>
+      <p:sp>
+        <p:nvSpPr>
+          <p:cNvPr id="56" name="Rectangle 55">
+            <a:extLst>
+              <a:ext uri="{FF2B5EF4-FFF2-40B4-BE49-F238E27FC236}">
+                <a16:creationId xmlns:a16="http://schemas.microsoft.com/office/drawing/2014/main" id="{39B42F57-6CB1-4F63-A92B-8134373E8C22}"/>
+              </a:ext>
+            </a:extLst>
+          </p:cNvPr>
+          <p:cNvSpPr/>
+          <p:nvPr/>
+        </p:nvSpPr>
+        <p:spPr>
+          <a:xfrm>
+            <a:off x="4935987" y="7262511"/>
+            <a:ext cx="375053" cy="220142"/>
+          </a:xfrm>
+          <a:prstGeom prst="rect">
+            <a:avLst/>
+          </a:prstGeom>
+        </p:spPr>
+        <p:style>
+          <a:lnRef idx="1">
+            <a:schemeClr val="accent2"/>
+          </a:lnRef>
+          <a:fillRef idx="2">
+            <a:schemeClr val="accent2"/>
+          </a:fillRef>
+          <a:effectRef idx="1">
+            <a:schemeClr val="accent2"/>
+          </a:effectRef>
+          <a:fontRef idx="minor">
+            <a:schemeClr val="dk1"/>
+          </a:fontRef>
+        </p:style>
+        <p:txBody>
+          <a:bodyPr rtlCol="0" anchor="ctr"/>
+          <a:lstStyle/>
+          <a:p>
+            <a:pPr algn="ctr"/>
+            <a:r>
+              <a:rPr lang="en-US"/>
+              <a:t>2</a:t>
+            </a:r>
+          </a:p>
+        </p:txBody>
+      </p:sp>
+      <p:sp>
+        <p:nvSpPr>
+          <p:cNvPr id="57" name="Rectangle 56">
+            <a:extLst>
+              <a:ext uri="{FF2B5EF4-FFF2-40B4-BE49-F238E27FC236}">
+                <a16:creationId xmlns:a16="http://schemas.microsoft.com/office/drawing/2014/main" id="{AF9229CF-4410-4DA1-AF3F-B0AB8A40682B}"/>
+              </a:ext>
+            </a:extLst>
+          </p:cNvPr>
+          <p:cNvSpPr/>
+          <p:nvPr/>
+        </p:nvSpPr>
+        <p:spPr>
+          <a:xfrm>
+            <a:off x="5372272" y="7252900"/>
+            <a:ext cx="375053" cy="220142"/>
+          </a:xfrm>
+          <a:prstGeom prst="rect">
+            <a:avLst/>
+          </a:prstGeom>
+        </p:spPr>
+        <p:style>
+          <a:lnRef idx="1">
+            <a:schemeClr val="accent2"/>
+          </a:lnRef>
+          <a:fillRef idx="2">
+            <a:schemeClr val="accent2"/>
+          </a:fillRef>
+          <a:effectRef idx="1">
+            <a:schemeClr val="accent2"/>
+          </a:effectRef>
+          <a:fontRef idx="minor">
+            <a:schemeClr val="dk1"/>
+          </a:fontRef>
+        </p:style>
+        <p:txBody>
+          <a:bodyPr rtlCol="0" anchor="ctr"/>
+          <a:lstStyle/>
+          <a:p>
+            <a:pPr algn="ctr"/>
+            <a:r>
+              <a:rPr lang="en-US"/>
+              <a:t>3</a:t>
+            </a:r>
+          </a:p>
+        </p:txBody>
+      </p:sp>
+      <p:sp>
+        <p:nvSpPr>
+          <p:cNvPr id="58" name="Rectangle 57">
+            <a:extLst>
+              <a:ext uri="{FF2B5EF4-FFF2-40B4-BE49-F238E27FC236}">
+                <a16:creationId xmlns:a16="http://schemas.microsoft.com/office/drawing/2014/main" id="{EDD14F85-8AF6-4E73-8818-51FD7CFA5A80}"/>
+              </a:ext>
+            </a:extLst>
+          </p:cNvPr>
+          <p:cNvSpPr/>
+          <p:nvPr/>
+        </p:nvSpPr>
+        <p:spPr>
+          <a:xfrm>
+            <a:off x="6229276" y="7252900"/>
+            <a:ext cx="375053" cy="220142"/>
+          </a:xfrm>
+          <a:prstGeom prst="rect">
+            <a:avLst/>
+          </a:prstGeom>
+        </p:spPr>
+        <p:style>
+          <a:lnRef idx="1">
+            <a:schemeClr val="accent2"/>
+          </a:lnRef>
+          <a:fillRef idx="2">
+            <a:schemeClr val="accent2"/>
+          </a:fillRef>
+          <a:effectRef idx="1">
+            <a:schemeClr val="accent2"/>
+          </a:effectRef>
+          <a:fontRef idx="minor">
+            <a:schemeClr val="dk1"/>
+          </a:fontRef>
+        </p:style>
+        <p:txBody>
+          <a:bodyPr rtlCol="0" anchor="ctr"/>
+          <a:lstStyle/>
+          <a:p>
+            <a:pPr algn="ctr"/>
+            <a:r>
+              <a:rPr lang="en-US"/>
+              <a:t>8</a:t>
+            </a:r>
+          </a:p>
+        </p:txBody>
+      </p:sp>
+      <p:sp>
+        <p:nvSpPr>
+          <p:cNvPr id="59" name="Rectangle 58">
+            <a:extLst>
+              <a:ext uri="{FF2B5EF4-FFF2-40B4-BE49-F238E27FC236}">
+                <a16:creationId xmlns:a16="http://schemas.microsoft.com/office/drawing/2014/main" id="{0DE1EEAA-D3A2-45FE-B9A0-BAD48496027E}"/>
+              </a:ext>
+            </a:extLst>
+          </p:cNvPr>
+          <p:cNvSpPr/>
+          <p:nvPr/>
+        </p:nvSpPr>
+        <p:spPr>
+          <a:xfrm>
+            <a:off x="6684028" y="7252900"/>
+            <a:ext cx="375053" cy="220142"/>
+          </a:xfrm>
+          <a:prstGeom prst="rect">
+            <a:avLst/>
+          </a:prstGeom>
+        </p:spPr>
+        <p:style>
+          <a:lnRef idx="1">
+            <a:schemeClr val="accent2"/>
+          </a:lnRef>
+          <a:fillRef idx="2">
+            <a:schemeClr val="accent2"/>
+          </a:fillRef>
+          <a:effectRef idx="1">
+            <a:schemeClr val="accent2"/>
+          </a:effectRef>
+          <a:fontRef idx="minor">
+            <a:schemeClr val="dk1"/>
+          </a:fontRef>
+        </p:style>
+        <p:txBody>
+          <a:bodyPr rtlCol="0" anchor="ctr"/>
+          <a:lstStyle/>
+          <a:p>
+            <a:pPr algn="ctr"/>
+            <a:r>
+              <a:rPr lang="en-US"/>
+              <a:t>9</a:t>
+            </a:r>
+          </a:p>
+        </p:txBody>
+      </p:sp>
+      <p:sp>
+        <p:nvSpPr>
+          <p:cNvPr id="65" name="Rectangle 64">
+            <a:extLst>
+              <a:ext uri="{FF2B5EF4-FFF2-40B4-BE49-F238E27FC236}">
+                <a16:creationId xmlns:a16="http://schemas.microsoft.com/office/drawing/2014/main" id="{A7C338E7-F01A-4DBE-A0DF-A9A85E6AA834}"/>
+              </a:ext>
+            </a:extLst>
+          </p:cNvPr>
+          <p:cNvSpPr/>
+          <p:nvPr/>
+        </p:nvSpPr>
+        <p:spPr>
+          <a:xfrm>
+            <a:off x="7191771" y="7252900"/>
+            <a:ext cx="428797" cy="220142"/>
+          </a:xfrm>
+          <a:prstGeom prst="rect">
+            <a:avLst/>
+          </a:prstGeom>
+        </p:spPr>
+        <p:style>
+          <a:lnRef idx="1">
+            <a:schemeClr val="accent2"/>
+          </a:lnRef>
+          <a:fillRef idx="2">
+            <a:schemeClr val="accent2"/>
+          </a:fillRef>
+          <a:effectRef idx="1">
+            <a:schemeClr val="accent2"/>
+          </a:effectRef>
+          <a:fontRef idx="minor">
+            <a:schemeClr val="dk1"/>
+          </a:fontRef>
+        </p:style>
+        <p:txBody>
+          <a:bodyPr rtlCol="0" anchor="ctr"/>
+          <a:lstStyle/>
+          <a:p>
+            <a:pPr algn="ctr"/>
+            <a:r>
+              <a:rPr lang="en-US"/>
+              <a:t>10</a:t>
+            </a:r>
+          </a:p>
+        </p:txBody>
+      </p:sp>
+      <p:sp>
+        <p:nvSpPr>
+          <p:cNvPr id="66" name="Rectangle 65">
+            <a:extLst>
+              <a:ext uri="{FF2B5EF4-FFF2-40B4-BE49-F238E27FC236}">
+                <a16:creationId xmlns:a16="http://schemas.microsoft.com/office/drawing/2014/main" id="{ED7C137D-FF17-43D2-ACA2-DD19A420A976}"/>
+              </a:ext>
+            </a:extLst>
+          </p:cNvPr>
+          <p:cNvSpPr/>
+          <p:nvPr/>
+        </p:nvSpPr>
+        <p:spPr>
+          <a:xfrm>
+            <a:off x="5795746" y="7262511"/>
+            <a:ext cx="375053" cy="220142"/>
+          </a:xfrm>
+          <a:prstGeom prst="rect">
+            <a:avLst/>
+          </a:prstGeom>
+        </p:spPr>
+        <p:style>
+          <a:lnRef idx="2">
+            <a:schemeClr val="accent6"/>
+          </a:lnRef>
+          <a:fillRef idx="1">
+            <a:schemeClr val="lt1"/>
+          </a:fillRef>
+          <a:effectRef idx="0">
+            <a:schemeClr val="accent6"/>
+          </a:effectRef>
+          <a:fontRef idx="minor">
+            <a:schemeClr val="dk1"/>
+          </a:fontRef>
+        </p:style>
+        <p:txBody>
+          <a:bodyPr rtlCol="0" anchor="ctr"/>
+          <a:lstStyle/>
+          <a:p>
+            <a:pPr algn="ctr"/>
+            <a:r>
+              <a:rPr lang="en-US"/>
+              <a:t>…</a:t>
+            </a:r>
+          </a:p>
+        </p:txBody>
+      </p:sp>
+      <p:sp>
+        <p:nvSpPr>
+          <p:cNvPr id="67" name="Arrow: Left 66">
+            <a:extLst>
+              <a:ext uri="{FF2B5EF4-FFF2-40B4-BE49-F238E27FC236}">
+                <a16:creationId xmlns:a16="http://schemas.microsoft.com/office/drawing/2014/main" id="{8B66B192-DA60-4ACC-894A-8C042AEECE50}"/>
+              </a:ext>
+            </a:extLst>
+          </p:cNvPr>
+          <p:cNvSpPr/>
+          <p:nvPr/>
+        </p:nvSpPr>
+        <p:spPr>
+          <a:xfrm>
+            <a:off x="4684788" y="6956847"/>
+            <a:ext cx="198348" cy="136156"/>
+          </a:xfrm>
+          <a:prstGeom prst="leftArrow">
+            <a:avLst/>
+          </a:prstGeom>
+        </p:spPr>
+        <p:style>
+          <a:lnRef idx="2">
+            <a:schemeClr val="accent1">
+              <a:shade val="50000"/>
+            </a:schemeClr>
+          </a:lnRef>
+          <a:fillRef idx="1">
+            <a:schemeClr val="accent1"/>
+          </a:fillRef>
+          <a:effectRef idx="0">
+            <a:schemeClr val="accent1"/>
+          </a:effectRef>
+          <a:fontRef idx="minor">
+            <a:schemeClr val="lt1"/>
+          </a:fontRef>
+        </p:style>
+        <p:txBody>
+          <a:bodyPr rtlCol="0" anchor="ctr"/>
+          <a:lstStyle/>
+          <a:p>
+            <a:pPr algn="ctr"/>
+            <a:endParaRPr lang="en-US"/>
+          </a:p>
+        </p:txBody>
+      </p:sp>
+      <p:sp>
+        <p:nvSpPr>
+          <p:cNvPr id="68" name="Arrow: Right 67">
+            <a:extLst>
+              <a:ext uri="{FF2B5EF4-FFF2-40B4-BE49-F238E27FC236}">
+                <a16:creationId xmlns:a16="http://schemas.microsoft.com/office/drawing/2014/main" id="{83325314-B17A-4FE9-BBC1-49A8305A85F8}"/>
+              </a:ext>
+            </a:extLst>
+          </p:cNvPr>
+          <p:cNvSpPr/>
+          <p:nvPr/>
+        </p:nvSpPr>
+        <p:spPr>
+          <a:xfrm>
+            <a:off x="6900567" y="6950889"/>
+            <a:ext cx="215926" cy="129880"/>
+          </a:xfrm>
+          <a:prstGeom prst="rightArrow">
+            <a:avLst/>
+          </a:prstGeom>
+        </p:spPr>
+        <p:style>
+          <a:lnRef idx="2">
+            <a:schemeClr val="accent1">
+              <a:shade val="50000"/>
+            </a:schemeClr>
+          </a:lnRef>
+          <a:fillRef idx="1">
+            <a:schemeClr val="accent1"/>
+          </a:fillRef>
+          <a:effectRef idx="0">
+            <a:schemeClr val="accent1"/>
+          </a:effectRef>
+          <a:fontRef idx="minor">
+            <a:schemeClr val="lt1"/>
+          </a:fontRef>
+        </p:style>
+        <p:txBody>
+          <a:bodyPr rtlCol="0" anchor="ctr"/>
+          <a:lstStyle/>
+          <a:p>
+            <a:pPr algn="ctr"/>
+            <a:endParaRPr lang="en-US"/>
+          </a:p>
+        </p:txBody>
+      </p:sp>
+      <p:sp>
+        <p:nvSpPr>
+          <p:cNvPr id="69" name="Flowchart: Merge 68">
+            <a:extLst>
+              <a:ext uri="{FF2B5EF4-FFF2-40B4-BE49-F238E27FC236}">
+                <a16:creationId xmlns:a16="http://schemas.microsoft.com/office/drawing/2014/main" id="{D7B59FA9-3430-4F32-8D76-E939E3B14E83}"/>
+              </a:ext>
+            </a:extLst>
+          </p:cNvPr>
+          <p:cNvSpPr/>
+          <p:nvPr/>
+        </p:nvSpPr>
+        <p:spPr>
+          <a:xfrm>
+            <a:off x="2208204" y="5345097"/>
+            <a:ext cx="129309" cy="110837"/>
+          </a:xfrm>
+          <a:prstGeom prst="flowChartMerge">
+            <a:avLst/>
+          </a:prstGeom>
+        </p:spPr>
+        <p:style>
+          <a:lnRef idx="2">
+            <a:schemeClr val="accent6"/>
+          </a:lnRef>
+          <a:fillRef idx="1">
+            <a:schemeClr val="lt1"/>
+          </a:fillRef>
+          <a:effectRef idx="0">
+            <a:schemeClr val="accent6"/>
+          </a:effectRef>
+          <a:fontRef idx="minor">
+            <a:schemeClr val="dk1"/>
+          </a:fontRef>
+        </p:style>
+        <p:txBody>
+          <a:bodyPr rtlCol="0" anchor="ctr"/>
+          <a:lstStyle/>
+          <a:p>
+            <a:pPr algn="ctr"/>
+            <a:endParaRPr lang="en-US"/>
+          </a:p>
+        </p:txBody>
+      </p:sp>
+      <p:sp>
+        <p:nvSpPr>
+          <p:cNvPr id="70" name="Flowchart: Merge 69">
+            <a:extLst>
+              <a:ext uri="{FF2B5EF4-FFF2-40B4-BE49-F238E27FC236}">
+                <a16:creationId xmlns:a16="http://schemas.microsoft.com/office/drawing/2014/main" id="{6DAB7502-F265-4EA9-8FBF-4E6682670F1E}"/>
+              </a:ext>
+            </a:extLst>
+          </p:cNvPr>
+          <p:cNvSpPr/>
+          <p:nvPr/>
+        </p:nvSpPr>
+        <p:spPr>
+          <a:xfrm>
+            <a:off x="3464791" y="5315970"/>
+            <a:ext cx="129309" cy="110837"/>
+          </a:xfrm>
+          <a:prstGeom prst="flowChartMerge">
+            <a:avLst/>
+          </a:prstGeom>
+        </p:spPr>
+        <p:style>
+          <a:lnRef idx="2">
+            <a:schemeClr val="accent6"/>
+          </a:lnRef>
+          <a:fillRef idx="1">
+            <a:schemeClr val="lt1"/>
+          </a:fillRef>
+          <a:effectRef idx="0">
+            <a:schemeClr val="accent6"/>
+          </a:effectRef>
+          <a:fontRef idx="minor">
+            <a:schemeClr val="dk1"/>
+          </a:fontRef>
+        </p:style>
+        <p:txBody>
+          <a:bodyPr rtlCol="0" anchor="ctr"/>
+          <a:lstStyle/>
+          <a:p>
+            <a:pPr algn="ctr"/>
+            <a:endParaRPr lang="en-US"/>
+          </a:p>
+        </p:txBody>
+      </p:sp>
+      <p:sp>
+        <p:nvSpPr>
+          <p:cNvPr id="71" name="Flowchart: Merge 70">
+            <a:extLst>
+              <a:ext uri="{FF2B5EF4-FFF2-40B4-BE49-F238E27FC236}">
+                <a16:creationId xmlns:a16="http://schemas.microsoft.com/office/drawing/2014/main" id="{21C5D202-EFDE-4FE8-952B-5D9585DC350E}"/>
+              </a:ext>
+            </a:extLst>
+          </p:cNvPr>
+          <p:cNvSpPr/>
+          <p:nvPr/>
+        </p:nvSpPr>
+        <p:spPr>
+          <a:xfrm>
+            <a:off x="4721378" y="5341679"/>
+            <a:ext cx="129309" cy="110837"/>
+          </a:xfrm>
+          <a:prstGeom prst="flowChartMerge">
+            <a:avLst/>
+          </a:prstGeom>
+        </p:spPr>
+        <p:style>
+          <a:lnRef idx="2">
+            <a:schemeClr val="accent6"/>
+          </a:lnRef>
+          <a:fillRef idx="1">
+            <a:schemeClr val="lt1"/>
+          </a:fillRef>
+          <a:effectRef idx="0">
+            <a:schemeClr val="accent6"/>
+          </a:effectRef>
+          <a:fontRef idx="minor">
+            <a:schemeClr val="dk1"/>
+          </a:fontRef>
+        </p:style>
+        <p:txBody>
+          <a:bodyPr rtlCol="0" anchor="ctr"/>
+          <a:lstStyle/>
+          <a:p>
+            <a:pPr algn="ctr"/>
+            <a:endParaRPr lang="en-US"/>
+          </a:p>
+        </p:txBody>
+      </p:sp>
+      <p:sp>
+        <p:nvSpPr>
+          <p:cNvPr id="72" name="Flowchart: Merge 71">
+            <a:extLst>
+              <a:ext uri="{FF2B5EF4-FFF2-40B4-BE49-F238E27FC236}">
+                <a16:creationId xmlns:a16="http://schemas.microsoft.com/office/drawing/2014/main" id="{2570968C-7324-4D51-91B3-780D204A43D7}"/>
+              </a:ext>
+            </a:extLst>
+          </p:cNvPr>
+          <p:cNvSpPr/>
+          <p:nvPr/>
+        </p:nvSpPr>
+        <p:spPr>
+          <a:xfrm>
+            <a:off x="5731091" y="5338261"/>
+            <a:ext cx="129309" cy="110837"/>
+          </a:xfrm>
+          <a:prstGeom prst="flowChartMerge">
+            <a:avLst/>
+          </a:prstGeom>
+        </p:spPr>
+        <p:style>
+          <a:lnRef idx="2">
+            <a:schemeClr val="accent6"/>
+          </a:lnRef>
+          <a:fillRef idx="1">
+            <a:schemeClr val="lt1"/>
+          </a:fillRef>
+          <a:effectRef idx="0">
+            <a:schemeClr val="accent6"/>
+          </a:effectRef>
+          <a:fontRef idx="minor">
+            <a:schemeClr val="dk1"/>
+          </a:fontRef>
+        </p:style>
+        <p:txBody>
+          <a:bodyPr rtlCol="0" anchor="ctr"/>
+          <a:lstStyle/>
+          <a:p>
+            <a:pPr algn="ctr"/>
+            <a:endParaRPr lang="en-US"/>
+          </a:p>
+        </p:txBody>
+      </p:sp>
+      <p:sp>
+        <p:nvSpPr>
+          <p:cNvPr id="73" name="Flowchart: Merge 72">
+            <a:extLst>
+              <a:ext uri="{FF2B5EF4-FFF2-40B4-BE49-F238E27FC236}">
+                <a16:creationId xmlns:a16="http://schemas.microsoft.com/office/drawing/2014/main" id="{DB54E47F-6047-44F2-B8DC-2545E4CAD8A2}"/>
+              </a:ext>
+            </a:extLst>
+          </p:cNvPr>
+          <p:cNvSpPr/>
+          <p:nvPr/>
+        </p:nvSpPr>
+        <p:spPr>
+          <a:xfrm>
+            <a:off x="7019966" y="5342770"/>
+            <a:ext cx="129309" cy="110837"/>
+          </a:xfrm>
+          <a:prstGeom prst="flowChartMerge">
+            <a:avLst/>
+          </a:prstGeom>
+        </p:spPr>
+        <p:style>
+          <a:lnRef idx="2">
+            <a:schemeClr val="accent6"/>
+          </a:lnRef>
+          <a:fillRef idx="1">
+            <a:schemeClr val="lt1"/>
+          </a:fillRef>
+          <a:effectRef idx="0">
+            <a:schemeClr val="accent6"/>
+          </a:effectRef>
+          <a:fontRef idx="minor">
+            <a:schemeClr val="dk1"/>
+          </a:fontRef>
+        </p:style>
+        <p:txBody>
+          <a:bodyPr rtlCol="0" anchor="ctr"/>
+          <a:lstStyle/>
+          <a:p>
+            <a:pPr algn="ctr"/>
+            <a:endParaRPr lang="en-US"/>
+          </a:p>
+        </p:txBody>
+      </p:sp>
+      <p:sp>
+        <p:nvSpPr>
+          <p:cNvPr id="74" name="Flowchart: Merge 73">
+            <a:extLst>
+              <a:ext uri="{FF2B5EF4-FFF2-40B4-BE49-F238E27FC236}">
+                <a16:creationId xmlns:a16="http://schemas.microsoft.com/office/drawing/2014/main" id="{439BFE40-F13D-4BE1-842C-0ABDFD279308}"/>
+              </a:ext>
+            </a:extLst>
+          </p:cNvPr>
+          <p:cNvSpPr/>
+          <p:nvPr/>
+        </p:nvSpPr>
+        <p:spPr>
+          <a:xfrm>
+            <a:off x="8257071" y="5368672"/>
+            <a:ext cx="129309" cy="110837"/>
+          </a:xfrm>
+          <a:prstGeom prst="flowChartMerge">
+            <a:avLst/>
+          </a:prstGeom>
+        </p:spPr>
+        <p:style>
+          <a:lnRef idx="2">
+            <a:schemeClr val="accent6"/>
+          </a:lnRef>
+          <a:fillRef idx="1">
+            <a:schemeClr val="lt1"/>
+          </a:fillRef>
+          <a:effectRef idx="0">
+            <a:schemeClr val="accent6"/>
+          </a:effectRef>
+          <a:fontRef idx="minor">
+            <a:schemeClr val="dk1"/>
+          </a:fontRef>
+        </p:style>
+        <p:txBody>
+          <a:bodyPr rtlCol="0" anchor="ctr"/>
+          <a:lstStyle/>
+          <a:p>
+            <a:pPr algn="ctr"/>
+            <a:endParaRPr lang="en-US"/>
+          </a:p>
+        </p:txBody>
+      </p:sp>
+      <p:sp>
+        <p:nvSpPr>
+          <p:cNvPr id="75" name="Flowchart: Merge 74">
+            <a:extLst>
+              <a:ext uri="{FF2B5EF4-FFF2-40B4-BE49-F238E27FC236}">
+                <a16:creationId xmlns:a16="http://schemas.microsoft.com/office/drawing/2014/main" id="{E82F111D-1E1E-4CB9-A391-A307C3E02E25}"/>
+              </a:ext>
+            </a:extLst>
+          </p:cNvPr>
+          <p:cNvSpPr/>
+          <p:nvPr/>
+        </p:nvSpPr>
+        <p:spPr>
+          <a:xfrm>
+            <a:off x="9522868" y="5348029"/>
+            <a:ext cx="129309" cy="110837"/>
+          </a:xfrm>
+          <a:prstGeom prst="flowChartMerge">
+            <a:avLst/>
+          </a:prstGeom>
+        </p:spPr>
+        <p:style>
+          <a:lnRef idx="2">
+            <a:schemeClr val="accent6"/>
+          </a:lnRef>
+          <a:fillRef idx="1">
+            <a:schemeClr val="lt1"/>
+          </a:fillRef>
+          <a:effectRef idx="0">
+            <a:schemeClr val="accent6"/>
+          </a:effectRef>
+          <a:fontRef idx="minor">
+            <a:schemeClr val="dk1"/>
+          </a:fontRef>
+        </p:style>
+        <p:txBody>
+          <a:bodyPr rtlCol="0" anchor="ctr"/>
+          <a:lstStyle/>
+          <a:p>
+            <a:pPr algn="ctr"/>
+            <a:endParaRPr lang="en-US"/>
+          </a:p>
+        </p:txBody>
+      </p:sp>
+      <p:sp>
+        <p:nvSpPr>
+          <p:cNvPr id="76" name="Flowchart: Merge 75">
+            <a:extLst>
+              <a:ext uri="{FF2B5EF4-FFF2-40B4-BE49-F238E27FC236}">
+                <a16:creationId xmlns:a16="http://schemas.microsoft.com/office/drawing/2014/main" id="{854E5895-13E8-429A-BF7F-BDA8E4D458F4}"/>
+              </a:ext>
+            </a:extLst>
+          </p:cNvPr>
+          <p:cNvSpPr/>
+          <p:nvPr/>
+        </p:nvSpPr>
+        <p:spPr>
+          <a:xfrm>
+            <a:off x="10695318" y="5338260"/>
+            <a:ext cx="129309" cy="110837"/>
+          </a:xfrm>
+          <a:prstGeom prst="flowChartMerge">
+            <a:avLst/>
+          </a:prstGeom>
+        </p:spPr>
+        <p:style>
+          <a:lnRef idx="2">
+            <a:schemeClr val="accent6"/>
+          </a:lnRef>
+          <a:fillRef idx="1">
+            <a:schemeClr val="lt1"/>
+          </a:fillRef>
+          <a:effectRef idx="0">
+            <a:schemeClr val="accent6"/>
+          </a:effectRef>
+          <a:fontRef idx="minor">
+            <a:schemeClr val="dk1"/>
+          </a:fontRef>
+        </p:style>
+        <p:txBody>
+          <a:bodyPr rtlCol="0" anchor="ctr"/>
+          <a:lstStyle/>
+          <a:p>
+            <a:pPr algn="ctr"/>
+            <a:endParaRPr lang="en-US"/>
+          </a:p>
+        </p:txBody>
+      </p:sp>
+      <p:sp>
+        <p:nvSpPr>
+          <p:cNvPr id="77" name="Flowchart: Merge 76">
+            <a:extLst>
+              <a:ext uri="{FF2B5EF4-FFF2-40B4-BE49-F238E27FC236}">
+                <a16:creationId xmlns:a16="http://schemas.microsoft.com/office/drawing/2014/main" id="{DAB21341-642D-4C89-95FA-ACAD6EDBB2DE}"/>
+              </a:ext>
+            </a:extLst>
+          </p:cNvPr>
+          <p:cNvSpPr/>
+          <p:nvPr/>
+        </p:nvSpPr>
+        <p:spPr>
+          <a:xfrm>
+            <a:off x="11887250" y="5368671"/>
+            <a:ext cx="129309" cy="110837"/>
+          </a:xfrm>
+          <a:prstGeom prst="flowChartMerge">
+            <a:avLst/>
+          </a:prstGeom>
+        </p:spPr>
+        <p:style>
+          <a:lnRef idx="2">
+            <a:schemeClr val="accent6"/>
+          </a:lnRef>
+          <a:fillRef idx="1">
+            <a:schemeClr val="lt1"/>
+          </a:fillRef>
+          <a:effectRef idx="0">
+            <a:schemeClr val="accent6"/>
+          </a:effectRef>
+          <a:fontRef idx="minor">
+            <a:schemeClr val="dk1"/>
+          </a:fontRef>
+        </p:style>
+        <p:txBody>
+          <a:bodyPr rtlCol="0" anchor="ctr"/>
+          <a:lstStyle/>
+          <a:p>
+            <a:pPr algn="ctr"/>
+            <a:endParaRPr lang="en-US"/>
+          </a:p>
+        </p:txBody>
+      </p:sp>
     </p:spTree>
     <p:extLst>
       <p:ext uri="{BB962C8B-B14F-4D97-AF65-F5344CB8AC3E}">
@@ -13602,7 +17510,7 @@
           <p:nvPr>
             <p:extLst>
               <p:ext uri="{D42A27DB-BD31-4B8C-83A1-F6EECF244321}">
-                <p14:modId xmlns:p14="http://schemas.microsoft.com/office/powerpoint/2010/main" val="714406502"/>
+                <p14:modId xmlns:p14="http://schemas.microsoft.com/office/powerpoint/2010/main" val="3844144490"/>
               </p:ext>
             </p:extLst>
           </p:nvPr>
@@ -14002,7 +17910,7 @@
                     <a:p>
                       <a:r>
                         <a:rPr lang="en-US" sz="1400"/>
-                        <a:t>8:45</a:t>
+                        <a:t>08:45</a:t>
                       </a:r>
                     </a:p>
                   </a:txBody>
@@ -14015,7 +17923,7 @@
                     <a:p>
                       <a:r>
                         <a:rPr lang="en-US" sz="1400"/>
-                        <a:t>9:45</a:t>
+                        <a:t>09:45</a:t>
                       </a:r>
                     </a:p>
                   </a:txBody>
@@ -14045,7 +17953,7 @@
                       </a:pPr>
                       <a:r>
                         <a:rPr lang="en-US" sz="1400"/>
-                        <a:t>8:47</a:t>
+                        <a:t>08:47</a:t>
                       </a:r>
                     </a:p>
                   </a:txBody>
@@ -14075,7 +17983,7 @@
                       </a:pPr>
                       <a:r>
                         <a:rPr lang="en-US" sz="1400"/>
-                        <a:t>9:42</a:t>
+                        <a:t>09:42</a:t>
                       </a:r>
                     </a:p>
                   </a:txBody>
@@ -15371,6 +19279,1049 @@
               </a:rPr>
               <a:t>V</a:t>
             </a:r>
+          </a:p>
+        </p:txBody>
+      </p:sp>
+      <p:sp>
+        <p:nvSpPr>
+          <p:cNvPr id="2" name="Rectangle 1">
+            <a:extLst>
+              <a:ext uri="{FF2B5EF4-FFF2-40B4-BE49-F238E27FC236}">
+                <a16:creationId xmlns:a16="http://schemas.microsoft.com/office/drawing/2014/main" id="{57C199ED-5D47-47F7-9CCC-616D749FDF75}"/>
+              </a:ext>
+            </a:extLst>
+          </p:cNvPr>
+          <p:cNvSpPr/>
+          <p:nvPr/>
+        </p:nvSpPr>
+        <p:spPr>
+          <a:xfrm>
+            <a:off x="9966" y="6858000"/>
+            <a:ext cx="12192000" cy="883599"/>
+          </a:xfrm>
+          <a:prstGeom prst="rect">
+            <a:avLst/>
+          </a:prstGeom>
+        </p:spPr>
+        <p:style>
+          <a:lnRef idx="2">
+            <a:schemeClr val="accent5"/>
+          </a:lnRef>
+          <a:fillRef idx="1">
+            <a:schemeClr val="lt1"/>
+          </a:fillRef>
+          <a:effectRef idx="0">
+            <a:schemeClr val="accent5"/>
+          </a:effectRef>
+          <a:fontRef idx="minor">
+            <a:schemeClr val="dk1"/>
+          </a:fontRef>
+        </p:style>
+        <p:txBody>
+          <a:bodyPr rtlCol="0" anchor="ctr"/>
+          <a:lstStyle/>
+          <a:p>
+            <a:pPr algn="ctr"/>
+            <a:endParaRPr lang="en-US"/>
+          </a:p>
+        </p:txBody>
+      </p:sp>
+      <p:sp>
+        <p:nvSpPr>
+          <p:cNvPr id="53" name="Rectangle 52">
+            <a:extLst>
+              <a:ext uri="{FF2B5EF4-FFF2-40B4-BE49-F238E27FC236}">
+                <a16:creationId xmlns:a16="http://schemas.microsoft.com/office/drawing/2014/main" id="{B381D586-C445-4425-B4E2-66E17E56AF57}"/>
+              </a:ext>
+            </a:extLst>
+          </p:cNvPr>
+          <p:cNvSpPr/>
+          <p:nvPr/>
+        </p:nvSpPr>
+        <p:spPr>
+          <a:xfrm>
+            <a:off x="5183665" y="6988693"/>
+            <a:ext cx="750106" cy="220142"/>
+          </a:xfrm>
+          <a:prstGeom prst="rect">
+            <a:avLst/>
+          </a:prstGeom>
+        </p:spPr>
+        <p:style>
+          <a:lnRef idx="2">
+            <a:schemeClr val="accent6"/>
+          </a:lnRef>
+          <a:fillRef idx="1">
+            <a:schemeClr val="lt1"/>
+          </a:fillRef>
+          <a:effectRef idx="0">
+            <a:schemeClr val="accent6"/>
+          </a:effectRef>
+          <a:fontRef idx="minor">
+            <a:schemeClr val="dk1"/>
+          </a:fontRef>
+        </p:style>
+        <p:txBody>
+          <a:bodyPr rtlCol="0" anchor="ctr"/>
+          <a:lstStyle/>
+          <a:p>
+            <a:pPr algn="ctr"/>
+            <a:r>
+              <a:rPr lang="en-US"/>
+              <a:t>Page</a:t>
+            </a:r>
+          </a:p>
+        </p:txBody>
+      </p:sp>
+      <p:sp>
+        <p:nvSpPr>
+          <p:cNvPr id="54" name="Rectangle 53">
+            <a:extLst>
+              <a:ext uri="{FF2B5EF4-FFF2-40B4-BE49-F238E27FC236}">
+                <a16:creationId xmlns:a16="http://schemas.microsoft.com/office/drawing/2014/main" id="{F5D7C682-CEB5-4AC6-8B42-533536E9340E}"/>
+              </a:ext>
+            </a:extLst>
+          </p:cNvPr>
+          <p:cNvSpPr/>
+          <p:nvPr/>
+        </p:nvSpPr>
+        <p:spPr>
+          <a:xfrm>
+            <a:off x="5997390" y="6988693"/>
+            <a:ext cx="750106" cy="220142"/>
+          </a:xfrm>
+          <a:prstGeom prst="rect">
+            <a:avLst/>
+          </a:prstGeom>
+        </p:spPr>
+        <p:style>
+          <a:lnRef idx="2">
+            <a:schemeClr val="accent6"/>
+          </a:lnRef>
+          <a:fillRef idx="1">
+            <a:schemeClr val="lt1"/>
+          </a:fillRef>
+          <a:effectRef idx="0">
+            <a:schemeClr val="accent6"/>
+          </a:effectRef>
+          <a:fontRef idx="minor">
+            <a:schemeClr val="dk1"/>
+          </a:fontRef>
+        </p:style>
+        <p:txBody>
+          <a:bodyPr rtlCol="0" anchor="ctr"/>
+          <a:lstStyle/>
+          <a:p>
+            <a:pPr algn="ctr"/>
+            <a:r>
+              <a:rPr lang="en-US"/>
+              <a:t>1 / 10</a:t>
+            </a:r>
+          </a:p>
+        </p:txBody>
+      </p:sp>
+      <p:sp>
+        <p:nvSpPr>
+          <p:cNvPr id="55" name="Rectangle 54">
+            <a:extLst>
+              <a:ext uri="{FF2B5EF4-FFF2-40B4-BE49-F238E27FC236}">
+                <a16:creationId xmlns:a16="http://schemas.microsoft.com/office/drawing/2014/main" id="{A01CD9F0-22A6-4808-BB3F-D76A59982414}"/>
+              </a:ext>
+            </a:extLst>
+          </p:cNvPr>
+          <p:cNvSpPr/>
+          <p:nvPr/>
+        </p:nvSpPr>
+        <p:spPr>
+          <a:xfrm>
+            <a:off x="4499195" y="7338502"/>
+            <a:ext cx="375053" cy="220142"/>
+          </a:xfrm>
+          <a:prstGeom prst="rect">
+            <a:avLst/>
+          </a:prstGeom>
+        </p:spPr>
+        <p:style>
+          <a:lnRef idx="1">
+            <a:schemeClr val="accent2"/>
+          </a:lnRef>
+          <a:fillRef idx="2">
+            <a:schemeClr val="accent2"/>
+          </a:fillRef>
+          <a:effectRef idx="1">
+            <a:schemeClr val="accent2"/>
+          </a:effectRef>
+          <a:fontRef idx="minor">
+            <a:schemeClr val="dk1"/>
+          </a:fontRef>
+        </p:style>
+        <p:txBody>
+          <a:bodyPr rtlCol="0" anchor="ctr"/>
+          <a:lstStyle/>
+          <a:p>
+            <a:pPr algn="ctr"/>
+            <a:r>
+              <a:rPr lang="en-US"/>
+              <a:t>1</a:t>
+            </a:r>
+          </a:p>
+        </p:txBody>
+      </p:sp>
+      <p:sp>
+        <p:nvSpPr>
+          <p:cNvPr id="56" name="Rectangle 55">
+            <a:extLst>
+              <a:ext uri="{FF2B5EF4-FFF2-40B4-BE49-F238E27FC236}">
+                <a16:creationId xmlns:a16="http://schemas.microsoft.com/office/drawing/2014/main" id="{1847D1B2-8C83-4ED8-95C6-067B5206BFDA}"/>
+              </a:ext>
+            </a:extLst>
+          </p:cNvPr>
+          <p:cNvSpPr/>
+          <p:nvPr/>
+        </p:nvSpPr>
+        <p:spPr>
+          <a:xfrm>
+            <a:off x="4996138" y="7341982"/>
+            <a:ext cx="375053" cy="220142"/>
+          </a:xfrm>
+          <a:prstGeom prst="rect">
+            <a:avLst/>
+          </a:prstGeom>
+        </p:spPr>
+        <p:style>
+          <a:lnRef idx="1">
+            <a:schemeClr val="accent2"/>
+          </a:lnRef>
+          <a:fillRef idx="2">
+            <a:schemeClr val="accent2"/>
+          </a:fillRef>
+          <a:effectRef idx="1">
+            <a:schemeClr val="accent2"/>
+          </a:effectRef>
+          <a:fontRef idx="minor">
+            <a:schemeClr val="dk1"/>
+          </a:fontRef>
+        </p:style>
+        <p:txBody>
+          <a:bodyPr rtlCol="0" anchor="ctr"/>
+          <a:lstStyle/>
+          <a:p>
+            <a:pPr algn="ctr"/>
+            <a:r>
+              <a:rPr lang="en-US"/>
+              <a:t>2</a:t>
+            </a:r>
+          </a:p>
+        </p:txBody>
+      </p:sp>
+      <p:sp>
+        <p:nvSpPr>
+          <p:cNvPr id="57" name="Rectangle 56">
+            <a:extLst>
+              <a:ext uri="{FF2B5EF4-FFF2-40B4-BE49-F238E27FC236}">
+                <a16:creationId xmlns:a16="http://schemas.microsoft.com/office/drawing/2014/main" id="{94B31C9A-5335-4A82-A32D-4F916F69019E}"/>
+              </a:ext>
+            </a:extLst>
+          </p:cNvPr>
+          <p:cNvSpPr/>
+          <p:nvPr/>
+        </p:nvSpPr>
+        <p:spPr>
+          <a:xfrm>
+            <a:off x="5432423" y="7332371"/>
+            <a:ext cx="375053" cy="220142"/>
+          </a:xfrm>
+          <a:prstGeom prst="rect">
+            <a:avLst/>
+          </a:prstGeom>
+        </p:spPr>
+        <p:style>
+          <a:lnRef idx="1">
+            <a:schemeClr val="accent2"/>
+          </a:lnRef>
+          <a:fillRef idx="2">
+            <a:schemeClr val="accent2"/>
+          </a:fillRef>
+          <a:effectRef idx="1">
+            <a:schemeClr val="accent2"/>
+          </a:effectRef>
+          <a:fontRef idx="minor">
+            <a:schemeClr val="dk1"/>
+          </a:fontRef>
+        </p:style>
+        <p:txBody>
+          <a:bodyPr rtlCol="0" anchor="ctr"/>
+          <a:lstStyle/>
+          <a:p>
+            <a:pPr algn="ctr"/>
+            <a:r>
+              <a:rPr lang="en-US"/>
+              <a:t>3</a:t>
+            </a:r>
+          </a:p>
+        </p:txBody>
+      </p:sp>
+      <p:sp>
+        <p:nvSpPr>
+          <p:cNvPr id="71" name="Rectangle 70">
+            <a:extLst>
+              <a:ext uri="{FF2B5EF4-FFF2-40B4-BE49-F238E27FC236}">
+                <a16:creationId xmlns:a16="http://schemas.microsoft.com/office/drawing/2014/main" id="{38F23C96-8679-48C3-9CB4-E26B4AB37CC3}"/>
+              </a:ext>
+            </a:extLst>
+          </p:cNvPr>
+          <p:cNvSpPr/>
+          <p:nvPr/>
+        </p:nvSpPr>
+        <p:spPr>
+          <a:xfrm>
+            <a:off x="6289427" y="7332371"/>
+            <a:ext cx="375053" cy="220142"/>
+          </a:xfrm>
+          <a:prstGeom prst="rect">
+            <a:avLst/>
+          </a:prstGeom>
+        </p:spPr>
+        <p:style>
+          <a:lnRef idx="1">
+            <a:schemeClr val="accent2"/>
+          </a:lnRef>
+          <a:fillRef idx="2">
+            <a:schemeClr val="accent2"/>
+          </a:fillRef>
+          <a:effectRef idx="1">
+            <a:schemeClr val="accent2"/>
+          </a:effectRef>
+          <a:fontRef idx="minor">
+            <a:schemeClr val="dk1"/>
+          </a:fontRef>
+        </p:style>
+        <p:txBody>
+          <a:bodyPr rtlCol="0" anchor="ctr"/>
+          <a:lstStyle/>
+          <a:p>
+            <a:pPr algn="ctr"/>
+            <a:r>
+              <a:rPr lang="en-US"/>
+              <a:t>8</a:t>
+            </a:r>
+          </a:p>
+        </p:txBody>
+      </p:sp>
+      <p:sp>
+        <p:nvSpPr>
+          <p:cNvPr id="72" name="Rectangle 71">
+            <a:extLst>
+              <a:ext uri="{FF2B5EF4-FFF2-40B4-BE49-F238E27FC236}">
+                <a16:creationId xmlns:a16="http://schemas.microsoft.com/office/drawing/2014/main" id="{0F2CBC5F-2D9E-4D27-92D6-C9F24D83ACC1}"/>
+              </a:ext>
+            </a:extLst>
+          </p:cNvPr>
+          <p:cNvSpPr/>
+          <p:nvPr/>
+        </p:nvSpPr>
+        <p:spPr>
+          <a:xfrm>
+            <a:off x="6744179" y="7332371"/>
+            <a:ext cx="375053" cy="220142"/>
+          </a:xfrm>
+          <a:prstGeom prst="rect">
+            <a:avLst/>
+          </a:prstGeom>
+        </p:spPr>
+        <p:style>
+          <a:lnRef idx="1">
+            <a:schemeClr val="accent2"/>
+          </a:lnRef>
+          <a:fillRef idx="2">
+            <a:schemeClr val="accent2"/>
+          </a:fillRef>
+          <a:effectRef idx="1">
+            <a:schemeClr val="accent2"/>
+          </a:effectRef>
+          <a:fontRef idx="minor">
+            <a:schemeClr val="dk1"/>
+          </a:fontRef>
+        </p:style>
+        <p:txBody>
+          <a:bodyPr rtlCol="0" anchor="ctr"/>
+          <a:lstStyle/>
+          <a:p>
+            <a:pPr algn="ctr"/>
+            <a:r>
+              <a:rPr lang="en-US"/>
+              <a:t>9</a:t>
+            </a:r>
+          </a:p>
+        </p:txBody>
+      </p:sp>
+      <p:sp>
+        <p:nvSpPr>
+          <p:cNvPr id="73" name="Rectangle 72">
+            <a:extLst>
+              <a:ext uri="{FF2B5EF4-FFF2-40B4-BE49-F238E27FC236}">
+                <a16:creationId xmlns:a16="http://schemas.microsoft.com/office/drawing/2014/main" id="{EB9C834F-7D65-44F1-BE74-D609BDB01D5D}"/>
+              </a:ext>
+            </a:extLst>
+          </p:cNvPr>
+          <p:cNvSpPr/>
+          <p:nvPr/>
+        </p:nvSpPr>
+        <p:spPr>
+          <a:xfrm>
+            <a:off x="7251922" y="7332371"/>
+            <a:ext cx="428797" cy="220142"/>
+          </a:xfrm>
+          <a:prstGeom prst="rect">
+            <a:avLst/>
+          </a:prstGeom>
+        </p:spPr>
+        <p:style>
+          <a:lnRef idx="1">
+            <a:schemeClr val="accent2"/>
+          </a:lnRef>
+          <a:fillRef idx="2">
+            <a:schemeClr val="accent2"/>
+          </a:fillRef>
+          <a:effectRef idx="1">
+            <a:schemeClr val="accent2"/>
+          </a:effectRef>
+          <a:fontRef idx="minor">
+            <a:schemeClr val="dk1"/>
+          </a:fontRef>
+        </p:style>
+        <p:txBody>
+          <a:bodyPr rtlCol="0" anchor="ctr"/>
+          <a:lstStyle/>
+          <a:p>
+            <a:pPr algn="ctr"/>
+            <a:r>
+              <a:rPr lang="en-US"/>
+              <a:t>10</a:t>
+            </a:r>
+          </a:p>
+        </p:txBody>
+      </p:sp>
+      <p:sp>
+        <p:nvSpPr>
+          <p:cNvPr id="74" name="Rectangle 73">
+            <a:extLst>
+              <a:ext uri="{FF2B5EF4-FFF2-40B4-BE49-F238E27FC236}">
+                <a16:creationId xmlns:a16="http://schemas.microsoft.com/office/drawing/2014/main" id="{659447F4-50BE-4F92-8493-0E09FD5C2014}"/>
+              </a:ext>
+            </a:extLst>
+          </p:cNvPr>
+          <p:cNvSpPr/>
+          <p:nvPr/>
+        </p:nvSpPr>
+        <p:spPr>
+          <a:xfrm>
+            <a:off x="5855897" y="7341982"/>
+            <a:ext cx="375053" cy="220142"/>
+          </a:xfrm>
+          <a:prstGeom prst="rect">
+            <a:avLst/>
+          </a:prstGeom>
+        </p:spPr>
+        <p:style>
+          <a:lnRef idx="2">
+            <a:schemeClr val="accent6"/>
+          </a:lnRef>
+          <a:fillRef idx="1">
+            <a:schemeClr val="lt1"/>
+          </a:fillRef>
+          <a:effectRef idx="0">
+            <a:schemeClr val="accent6"/>
+          </a:effectRef>
+          <a:fontRef idx="minor">
+            <a:schemeClr val="dk1"/>
+          </a:fontRef>
+        </p:style>
+        <p:txBody>
+          <a:bodyPr rtlCol="0" anchor="ctr"/>
+          <a:lstStyle/>
+          <a:p>
+            <a:pPr algn="ctr"/>
+            <a:r>
+              <a:rPr lang="en-US"/>
+              <a:t>…</a:t>
+            </a:r>
+          </a:p>
+        </p:txBody>
+      </p:sp>
+      <p:sp>
+        <p:nvSpPr>
+          <p:cNvPr id="75" name="Arrow: Left 74">
+            <a:extLst>
+              <a:ext uri="{FF2B5EF4-FFF2-40B4-BE49-F238E27FC236}">
+                <a16:creationId xmlns:a16="http://schemas.microsoft.com/office/drawing/2014/main" id="{95164F10-588A-47A9-BC82-A3BE8EA9DFA8}"/>
+              </a:ext>
+            </a:extLst>
+          </p:cNvPr>
+          <p:cNvSpPr/>
+          <p:nvPr/>
+        </p:nvSpPr>
+        <p:spPr>
+          <a:xfrm>
+            <a:off x="4744939" y="7036318"/>
+            <a:ext cx="198348" cy="136156"/>
+          </a:xfrm>
+          <a:prstGeom prst="leftArrow">
+            <a:avLst/>
+          </a:prstGeom>
+        </p:spPr>
+        <p:style>
+          <a:lnRef idx="2">
+            <a:schemeClr val="accent1">
+              <a:shade val="50000"/>
+            </a:schemeClr>
+          </a:lnRef>
+          <a:fillRef idx="1">
+            <a:schemeClr val="accent1"/>
+          </a:fillRef>
+          <a:effectRef idx="0">
+            <a:schemeClr val="accent1"/>
+          </a:effectRef>
+          <a:fontRef idx="minor">
+            <a:schemeClr val="lt1"/>
+          </a:fontRef>
+        </p:style>
+        <p:txBody>
+          <a:bodyPr rtlCol="0" anchor="ctr"/>
+          <a:lstStyle/>
+          <a:p>
+            <a:pPr algn="ctr"/>
+            <a:endParaRPr lang="en-US"/>
+          </a:p>
+        </p:txBody>
+      </p:sp>
+      <p:sp>
+        <p:nvSpPr>
+          <p:cNvPr id="76" name="Arrow: Right 75">
+            <a:extLst>
+              <a:ext uri="{FF2B5EF4-FFF2-40B4-BE49-F238E27FC236}">
+                <a16:creationId xmlns:a16="http://schemas.microsoft.com/office/drawing/2014/main" id="{F4FA07CB-935E-4D61-9734-7F1D7C211379}"/>
+              </a:ext>
+            </a:extLst>
+          </p:cNvPr>
+          <p:cNvSpPr/>
+          <p:nvPr/>
+        </p:nvSpPr>
+        <p:spPr>
+          <a:xfrm>
+            <a:off x="6960718" y="7030360"/>
+            <a:ext cx="215926" cy="129880"/>
+          </a:xfrm>
+          <a:prstGeom prst="rightArrow">
+            <a:avLst/>
+          </a:prstGeom>
+        </p:spPr>
+        <p:style>
+          <a:lnRef idx="2">
+            <a:schemeClr val="accent1">
+              <a:shade val="50000"/>
+            </a:schemeClr>
+          </a:lnRef>
+          <a:fillRef idx="1">
+            <a:schemeClr val="accent1"/>
+          </a:fillRef>
+          <a:effectRef idx="0">
+            <a:schemeClr val="accent1"/>
+          </a:effectRef>
+          <a:fontRef idx="minor">
+            <a:schemeClr val="lt1"/>
+          </a:fontRef>
+        </p:style>
+        <p:txBody>
+          <a:bodyPr rtlCol="0" anchor="ctr"/>
+          <a:lstStyle/>
+          <a:p>
+            <a:pPr algn="ctr"/>
+            <a:endParaRPr lang="en-US"/>
+          </a:p>
+        </p:txBody>
+      </p:sp>
+      <p:sp>
+        <p:nvSpPr>
+          <p:cNvPr id="77" name="Flowchart: Merge 76">
+            <a:extLst>
+              <a:ext uri="{FF2B5EF4-FFF2-40B4-BE49-F238E27FC236}">
+                <a16:creationId xmlns:a16="http://schemas.microsoft.com/office/drawing/2014/main" id="{DE2BC498-314A-4546-96AE-8D5105FDE97A}"/>
+              </a:ext>
+            </a:extLst>
+          </p:cNvPr>
+          <p:cNvSpPr/>
+          <p:nvPr/>
+        </p:nvSpPr>
+        <p:spPr>
+          <a:xfrm>
+            <a:off x="1873481" y="5350155"/>
+            <a:ext cx="129309" cy="110837"/>
+          </a:xfrm>
+          <a:prstGeom prst="flowChartMerge">
+            <a:avLst/>
+          </a:prstGeom>
+        </p:spPr>
+        <p:style>
+          <a:lnRef idx="2">
+            <a:schemeClr val="accent6"/>
+          </a:lnRef>
+          <a:fillRef idx="1">
+            <a:schemeClr val="lt1"/>
+          </a:fillRef>
+          <a:effectRef idx="0">
+            <a:schemeClr val="accent6"/>
+          </a:effectRef>
+          <a:fontRef idx="minor">
+            <a:schemeClr val="dk1"/>
+          </a:fontRef>
+        </p:style>
+        <p:txBody>
+          <a:bodyPr rtlCol="0" anchor="ctr"/>
+          <a:lstStyle/>
+          <a:p>
+            <a:pPr algn="ctr"/>
+            <a:endParaRPr lang="en-US"/>
+          </a:p>
+        </p:txBody>
+      </p:sp>
+      <p:sp>
+        <p:nvSpPr>
+          <p:cNvPr id="78" name="Flowchart: Merge 77">
+            <a:extLst>
+              <a:ext uri="{FF2B5EF4-FFF2-40B4-BE49-F238E27FC236}">
+                <a16:creationId xmlns:a16="http://schemas.microsoft.com/office/drawing/2014/main" id="{5BAB3DB5-F70F-46D7-B201-F85394044699}"/>
+              </a:ext>
+            </a:extLst>
+          </p:cNvPr>
+          <p:cNvSpPr/>
+          <p:nvPr/>
+        </p:nvSpPr>
+        <p:spPr>
+          <a:xfrm>
+            <a:off x="2962009" y="5356178"/>
+            <a:ext cx="129309" cy="110837"/>
+          </a:xfrm>
+          <a:prstGeom prst="flowChartMerge">
+            <a:avLst/>
+          </a:prstGeom>
+        </p:spPr>
+        <p:style>
+          <a:lnRef idx="2">
+            <a:schemeClr val="accent6"/>
+          </a:lnRef>
+          <a:fillRef idx="1">
+            <a:schemeClr val="lt1"/>
+          </a:fillRef>
+          <a:effectRef idx="0">
+            <a:schemeClr val="accent6"/>
+          </a:effectRef>
+          <a:fontRef idx="minor">
+            <a:schemeClr val="dk1"/>
+          </a:fontRef>
+        </p:style>
+        <p:txBody>
+          <a:bodyPr rtlCol="0" anchor="ctr"/>
+          <a:lstStyle/>
+          <a:p>
+            <a:pPr algn="ctr"/>
+            <a:endParaRPr lang="en-US"/>
+          </a:p>
+        </p:txBody>
+      </p:sp>
+      <p:sp>
+        <p:nvSpPr>
+          <p:cNvPr id="79" name="Flowchart: Merge 78">
+            <a:extLst>
+              <a:ext uri="{FF2B5EF4-FFF2-40B4-BE49-F238E27FC236}">
+                <a16:creationId xmlns:a16="http://schemas.microsoft.com/office/drawing/2014/main" id="{FBB96495-FEBD-494A-8672-6F6EC2E46507}"/>
+              </a:ext>
+            </a:extLst>
+          </p:cNvPr>
+          <p:cNvSpPr/>
+          <p:nvPr/>
+        </p:nvSpPr>
+        <p:spPr>
+          <a:xfrm>
+            <a:off x="3789911" y="5344937"/>
+            <a:ext cx="129309" cy="110837"/>
+          </a:xfrm>
+          <a:prstGeom prst="flowChartMerge">
+            <a:avLst/>
+          </a:prstGeom>
+        </p:spPr>
+        <p:style>
+          <a:lnRef idx="2">
+            <a:schemeClr val="accent6"/>
+          </a:lnRef>
+          <a:fillRef idx="1">
+            <a:schemeClr val="lt1"/>
+          </a:fillRef>
+          <a:effectRef idx="0">
+            <a:schemeClr val="accent6"/>
+          </a:effectRef>
+          <a:fontRef idx="minor">
+            <a:schemeClr val="dk1"/>
+          </a:fontRef>
+        </p:style>
+        <p:txBody>
+          <a:bodyPr rtlCol="0" anchor="ctr"/>
+          <a:lstStyle/>
+          <a:p>
+            <a:pPr algn="ctr"/>
+            <a:endParaRPr lang="en-US"/>
+          </a:p>
+        </p:txBody>
+      </p:sp>
+      <p:sp>
+        <p:nvSpPr>
+          <p:cNvPr id="80" name="Flowchart: Merge 79">
+            <a:extLst>
+              <a:ext uri="{FF2B5EF4-FFF2-40B4-BE49-F238E27FC236}">
+                <a16:creationId xmlns:a16="http://schemas.microsoft.com/office/drawing/2014/main" id="{0D4D2588-E406-4CE4-BF4F-0ABC0BE59743}"/>
+              </a:ext>
+            </a:extLst>
+          </p:cNvPr>
+          <p:cNvSpPr/>
+          <p:nvPr/>
+        </p:nvSpPr>
+        <p:spPr>
+          <a:xfrm>
+            <a:off x="4815841" y="5344936"/>
+            <a:ext cx="129309" cy="110837"/>
+          </a:xfrm>
+          <a:prstGeom prst="flowChartMerge">
+            <a:avLst/>
+          </a:prstGeom>
+        </p:spPr>
+        <p:style>
+          <a:lnRef idx="2">
+            <a:schemeClr val="accent6"/>
+          </a:lnRef>
+          <a:fillRef idx="1">
+            <a:schemeClr val="lt1"/>
+          </a:fillRef>
+          <a:effectRef idx="0">
+            <a:schemeClr val="accent6"/>
+          </a:effectRef>
+          <a:fontRef idx="minor">
+            <a:schemeClr val="dk1"/>
+          </a:fontRef>
+        </p:style>
+        <p:txBody>
+          <a:bodyPr rtlCol="0" anchor="ctr"/>
+          <a:lstStyle/>
+          <a:p>
+            <a:pPr algn="ctr"/>
+            <a:endParaRPr lang="en-US"/>
+          </a:p>
+        </p:txBody>
+      </p:sp>
+      <p:sp>
+        <p:nvSpPr>
+          <p:cNvPr id="81" name="Flowchart: Merge 80">
+            <a:extLst>
+              <a:ext uri="{FF2B5EF4-FFF2-40B4-BE49-F238E27FC236}">
+                <a16:creationId xmlns:a16="http://schemas.microsoft.com/office/drawing/2014/main" id="{AA4A4A3C-560D-49D4-A950-0B6A8BFA9688}"/>
+              </a:ext>
+            </a:extLst>
+          </p:cNvPr>
+          <p:cNvSpPr/>
+          <p:nvPr/>
+        </p:nvSpPr>
+        <p:spPr>
+          <a:xfrm>
+            <a:off x="5906654" y="5374239"/>
+            <a:ext cx="129309" cy="110837"/>
+          </a:xfrm>
+          <a:prstGeom prst="flowChartMerge">
+            <a:avLst/>
+          </a:prstGeom>
+        </p:spPr>
+        <p:style>
+          <a:lnRef idx="2">
+            <a:schemeClr val="accent6"/>
+          </a:lnRef>
+          <a:fillRef idx="1">
+            <a:schemeClr val="lt1"/>
+          </a:fillRef>
+          <a:effectRef idx="0">
+            <a:schemeClr val="accent6"/>
+          </a:effectRef>
+          <a:fontRef idx="minor">
+            <a:schemeClr val="dk1"/>
+          </a:fontRef>
+        </p:style>
+        <p:txBody>
+          <a:bodyPr rtlCol="0" anchor="ctr"/>
+          <a:lstStyle/>
+          <a:p>
+            <a:pPr algn="ctr"/>
+            <a:endParaRPr lang="en-US"/>
+          </a:p>
+        </p:txBody>
+      </p:sp>
+      <p:sp>
+        <p:nvSpPr>
+          <p:cNvPr id="82" name="Flowchart: Merge 81">
+            <a:extLst>
+              <a:ext uri="{FF2B5EF4-FFF2-40B4-BE49-F238E27FC236}">
+                <a16:creationId xmlns:a16="http://schemas.microsoft.com/office/drawing/2014/main" id="{B783AEF8-5BB9-4C29-8F5B-A73E69ADE4CD}"/>
+              </a:ext>
+            </a:extLst>
+          </p:cNvPr>
+          <p:cNvSpPr/>
+          <p:nvPr/>
+        </p:nvSpPr>
+        <p:spPr>
+          <a:xfrm>
+            <a:off x="6918674" y="5356177"/>
+            <a:ext cx="129309" cy="110837"/>
+          </a:xfrm>
+          <a:prstGeom prst="flowChartMerge">
+            <a:avLst/>
+          </a:prstGeom>
+        </p:spPr>
+        <p:style>
+          <a:lnRef idx="2">
+            <a:schemeClr val="accent6"/>
+          </a:lnRef>
+          <a:fillRef idx="1">
+            <a:schemeClr val="lt1"/>
+          </a:fillRef>
+          <a:effectRef idx="0">
+            <a:schemeClr val="accent6"/>
+          </a:effectRef>
+          <a:fontRef idx="minor">
+            <a:schemeClr val="dk1"/>
+          </a:fontRef>
+        </p:style>
+        <p:txBody>
+          <a:bodyPr rtlCol="0" anchor="ctr"/>
+          <a:lstStyle/>
+          <a:p>
+            <a:pPr algn="ctr"/>
+            <a:endParaRPr lang="en-US"/>
+          </a:p>
+        </p:txBody>
+      </p:sp>
+      <p:sp>
+        <p:nvSpPr>
+          <p:cNvPr id="83" name="Flowchart: Merge 82">
+            <a:extLst>
+              <a:ext uri="{FF2B5EF4-FFF2-40B4-BE49-F238E27FC236}">
+                <a16:creationId xmlns:a16="http://schemas.microsoft.com/office/drawing/2014/main" id="{CE162248-8225-4AC0-8E03-C6EEEF02EA86}"/>
+              </a:ext>
+            </a:extLst>
+          </p:cNvPr>
+          <p:cNvSpPr/>
+          <p:nvPr/>
+        </p:nvSpPr>
+        <p:spPr>
+          <a:xfrm>
+            <a:off x="7958742" y="5394553"/>
+            <a:ext cx="129309" cy="110837"/>
+          </a:xfrm>
+          <a:prstGeom prst="flowChartMerge">
+            <a:avLst/>
+          </a:prstGeom>
+        </p:spPr>
+        <p:style>
+          <a:lnRef idx="2">
+            <a:schemeClr val="accent6"/>
+          </a:lnRef>
+          <a:fillRef idx="1">
+            <a:schemeClr val="lt1"/>
+          </a:fillRef>
+          <a:effectRef idx="0">
+            <a:schemeClr val="accent6"/>
+          </a:effectRef>
+          <a:fontRef idx="minor">
+            <a:schemeClr val="dk1"/>
+          </a:fontRef>
+        </p:style>
+        <p:txBody>
+          <a:bodyPr rtlCol="0" anchor="ctr"/>
+          <a:lstStyle/>
+          <a:p>
+            <a:pPr algn="ctr"/>
+            <a:endParaRPr lang="en-US"/>
+          </a:p>
+        </p:txBody>
+      </p:sp>
+      <p:sp>
+        <p:nvSpPr>
+          <p:cNvPr id="84" name="Flowchart: Merge 83">
+            <a:extLst>
+              <a:ext uri="{FF2B5EF4-FFF2-40B4-BE49-F238E27FC236}">
+                <a16:creationId xmlns:a16="http://schemas.microsoft.com/office/drawing/2014/main" id="{56C6EF4C-2D8A-4A14-AA88-8084690D5EA8}"/>
+              </a:ext>
+            </a:extLst>
+          </p:cNvPr>
+          <p:cNvSpPr/>
+          <p:nvPr/>
+        </p:nvSpPr>
+        <p:spPr>
+          <a:xfrm>
+            <a:off x="9006905" y="5394664"/>
+            <a:ext cx="129309" cy="110837"/>
+          </a:xfrm>
+          <a:prstGeom prst="flowChartMerge">
+            <a:avLst/>
+          </a:prstGeom>
+        </p:spPr>
+        <p:style>
+          <a:lnRef idx="2">
+            <a:schemeClr val="accent6"/>
+          </a:lnRef>
+          <a:fillRef idx="1">
+            <a:schemeClr val="lt1"/>
+          </a:fillRef>
+          <a:effectRef idx="0">
+            <a:schemeClr val="accent6"/>
+          </a:effectRef>
+          <a:fontRef idx="minor">
+            <a:schemeClr val="dk1"/>
+          </a:fontRef>
+        </p:style>
+        <p:txBody>
+          <a:bodyPr rtlCol="0" anchor="ctr"/>
+          <a:lstStyle/>
+          <a:p>
+            <a:pPr algn="ctr"/>
+            <a:endParaRPr lang="en-US"/>
+          </a:p>
+        </p:txBody>
+      </p:sp>
+      <p:sp>
+        <p:nvSpPr>
+          <p:cNvPr id="85" name="Flowchart: Merge 84">
+            <a:extLst>
+              <a:ext uri="{FF2B5EF4-FFF2-40B4-BE49-F238E27FC236}">
+                <a16:creationId xmlns:a16="http://schemas.microsoft.com/office/drawing/2014/main" id="{1AD8AC5C-699B-42F2-A18B-EBDA12B55639}"/>
+              </a:ext>
+            </a:extLst>
+          </p:cNvPr>
+          <p:cNvSpPr/>
+          <p:nvPr/>
+        </p:nvSpPr>
+        <p:spPr>
+          <a:xfrm>
+            <a:off x="9931321" y="5394552"/>
+            <a:ext cx="129309" cy="110837"/>
+          </a:xfrm>
+          <a:prstGeom prst="flowChartMerge">
+            <a:avLst/>
+          </a:prstGeom>
+        </p:spPr>
+        <p:style>
+          <a:lnRef idx="2">
+            <a:schemeClr val="accent6"/>
+          </a:lnRef>
+          <a:fillRef idx="1">
+            <a:schemeClr val="lt1"/>
+          </a:fillRef>
+          <a:effectRef idx="0">
+            <a:schemeClr val="accent6"/>
+          </a:effectRef>
+          <a:fontRef idx="minor">
+            <a:schemeClr val="dk1"/>
+          </a:fontRef>
+        </p:style>
+        <p:txBody>
+          <a:bodyPr rtlCol="0" anchor="ctr"/>
+          <a:lstStyle/>
+          <a:p>
+            <a:pPr algn="ctr"/>
+            <a:endParaRPr lang="en-US"/>
+          </a:p>
+        </p:txBody>
+      </p:sp>
+      <p:sp>
+        <p:nvSpPr>
+          <p:cNvPr id="86" name="Flowchart: Merge 85">
+            <a:extLst>
+              <a:ext uri="{FF2B5EF4-FFF2-40B4-BE49-F238E27FC236}">
+                <a16:creationId xmlns:a16="http://schemas.microsoft.com/office/drawing/2014/main" id="{81732DDE-FABE-4FB9-8680-12F04A162E44}"/>
+              </a:ext>
+            </a:extLst>
+          </p:cNvPr>
+          <p:cNvSpPr/>
+          <p:nvPr/>
+        </p:nvSpPr>
+        <p:spPr>
+          <a:xfrm>
+            <a:off x="10906734" y="5415362"/>
+            <a:ext cx="129309" cy="110837"/>
+          </a:xfrm>
+          <a:prstGeom prst="flowChartMerge">
+            <a:avLst/>
+          </a:prstGeom>
+        </p:spPr>
+        <p:style>
+          <a:lnRef idx="2">
+            <a:schemeClr val="accent6"/>
+          </a:lnRef>
+          <a:fillRef idx="1">
+            <a:schemeClr val="lt1"/>
+          </a:fillRef>
+          <a:effectRef idx="0">
+            <a:schemeClr val="accent6"/>
+          </a:effectRef>
+          <a:fontRef idx="minor">
+            <a:schemeClr val="dk1"/>
+          </a:fontRef>
+        </p:style>
+        <p:txBody>
+          <a:bodyPr rtlCol="0" anchor="ctr"/>
+          <a:lstStyle/>
+          <a:p>
+            <a:pPr algn="ctr"/>
+            <a:endParaRPr lang="en-US"/>
+          </a:p>
+        </p:txBody>
+      </p:sp>
+      <p:sp>
+        <p:nvSpPr>
+          <p:cNvPr id="87" name="Flowchart: Merge 86">
+            <a:extLst>
+              <a:ext uri="{FF2B5EF4-FFF2-40B4-BE49-F238E27FC236}">
+                <a16:creationId xmlns:a16="http://schemas.microsoft.com/office/drawing/2014/main" id="{5DC4E7DA-F40C-4073-87EF-4FA6CE26F11D}"/>
+              </a:ext>
+            </a:extLst>
+          </p:cNvPr>
+          <p:cNvSpPr/>
+          <p:nvPr/>
+        </p:nvSpPr>
+        <p:spPr>
+          <a:xfrm>
+            <a:off x="11890243" y="5415361"/>
+            <a:ext cx="129309" cy="110837"/>
+          </a:xfrm>
+          <a:prstGeom prst="flowChartMerge">
+            <a:avLst/>
+          </a:prstGeom>
+        </p:spPr>
+        <p:style>
+          <a:lnRef idx="2">
+            <a:schemeClr val="accent6"/>
+          </a:lnRef>
+          <a:fillRef idx="1">
+            <a:schemeClr val="lt1"/>
+          </a:fillRef>
+          <a:effectRef idx="0">
+            <a:schemeClr val="accent6"/>
+          </a:effectRef>
+          <a:fontRef idx="minor">
+            <a:schemeClr val="dk1"/>
+          </a:fontRef>
+        </p:style>
+        <p:txBody>
+          <a:bodyPr rtlCol="0" anchor="ctr"/>
+          <a:lstStyle/>
+          <a:p>
+            <a:pPr algn="ctr"/>
+            <a:endParaRPr lang="en-US"/>
           </a:p>
         </p:txBody>
       </p:sp>
@@ -17292,6 +22243,917 @@
               <a:rPr lang="en-US" sz="1400"/>
               <a:t>Caregivers</a:t>
             </a:r>
+          </a:p>
+        </p:txBody>
+      </p:sp>
+      <p:sp>
+        <p:nvSpPr>
+          <p:cNvPr id="2" name="Rectangle 1">
+            <a:extLst>
+              <a:ext uri="{FF2B5EF4-FFF2-40B4-BE49-F238E27FC236}">
+                <a16:creationId xmlns:a16="http://schemas.microsoft.com/office/drawing/2014/main" id="{CA5D3FBF-A7AE-4917-9F1D-3254DA8DF46C}"/>
+              </a:ext>
+            </a:extLst>
+          </p:cNvPr>
+          <p:cNvSpPr/>
+          <p:nvPr/>
+        </p:nvSpPr>
+        <p:spPr>
+          <a:xfrm>
+            <a:off x="0" y="6858000"/>
+            <a:ext cx="12192000" cy="817859"/>
+          </a:xfrm>
+          <a:prstGeom prst="rect">
+            <a:avLst/>
+          </a:prstGeom>
+        </p:spPr>
+        <p:style>
+          <a:lnRef idx="2">
+            <a:schemeClr val="accent1"/>
+          </a:lnRef>
+          <a:fillRef idx="1">
+            <a:schemeClr val="lt1"/>
+          </a:fillRef>
+          <a:effectRef idx="0">
+            <a:schemeClr val="accent1"/>
+          </a:effectRef>
+          <a:fontRef idx="minor">
+            <a:schemeClr val="dk1"/>
+          </a:fontRef>
+        </p:style>
+        <p:txBody>
+          <a:bodyPr rtlCol="0" anchor="ctr"/>
+          <a:lstStyle/>
+          <a:p>
+            <a:pPr algn="ctr"/>
+            <a:endParaRPr lang="en-US"/>
+          </a:p>
+        </p:txBody>
+      </p:sp>
+      <p:sp>
+        <p:nvSpPr>
+          <p:cNvPr id="37" name="Rectangle 36">
+            <a:extLst>
+              <a:ext uri="{FF2B5EF4-FFF2-40B4-BE49-F238E27FC236}">
+                <a16:creationId xmlns:a16="http://schemas.microsoft.com/office/drawing/2014/main" id="{0855E0BD-84FD-41D3-BFCD-A42D1412193C}"/>
+              </a:ext>
+            </a:extLst>
+          </p:cNvPr>
+          <p:cNvSpPr/>
+          <p:nvPr/>
+        </p:nvSpPr>
+        <p:spPr>
+          <a:xfrm>
+            <a:off x="5020709" y="6980927"/>
+            <a:ext cx="750106" cy="220142"/>
+          </a:xfrm>
+          <a:prstGeom prst="rect">
+            <a:avLst/>
+          </a:prstGeom>
+        </p:spPr>
+        <p:style>
+          <a:lnRef idx="2">
+            <a:schemeClr val="accent6"/>
+          </a:lnRef>
+          <a:fillRef idx="1">
+            <a:schemeClr val="lt1"/>
+          </a:fillRef>
+          <a:effectRef idx="0">
+            <a:schemeClr val="accent6"/>
+          </a:effectRef>
+          <a:fontRef idx="minor">
+            <a:schemeClr val="dk1"/>
+          </a:fontRef>
+        </p:style>
+        <p:txBody>
+          <a:bodyPr rtlCol="0" anchor="ctr"/>
+          <a:lstStyle/>
+          <a:p>
+            <a:pPr algn="ctr"/>
+            <a:r>
+              <a:rPr lang="en-US"/>
+              <a:t>Page</a:t>
+            </a:r>
+          </a:p>
+        </p:txBody>
+      </p:sp>
+      <p:sp>
+        <p:nvSpPr>
+          <p:cNvPr id="38" name="Rectangle 37">
+            <a:extLst>
+              <a:ext uri="{FF2B5EF4-FFF2-40B4-BE49-F238E27FC236}">
+                <a16:creationId xmlns:a16="http://schemas.microsoft.com/office/drawing/2014/main" id="{0DE03180-9F19-4454-B17C-25520CC864A5}"/>
+              </a:ext>
+            </a:extLst>
+          </p:cNvPr>
+          <p:cNvSpPr/>
+          <p:nvPr/>
+        </p:nvSpPr>
+        <p:spPr>
+          <a:xfrm>
+            <a:off x="5834434" y="6980927"/>
+            <a:ext cx="750106" cy="220142"/>
+          </a:xfrm>
+          <a:prstGeom prst="rect">
+            <a:avLst/>
+          </a:prstGeom>
+        </p:spPr>
+        <p:style>
+          <a:lnRef idx="2">
+            <a:schemeClr val="accent6"/>
+          </a:lnRef>
+          <a:fillRef idx="1">
+            <a:schemeClr val="lt1"/>
+          </a:fillRef>
+          <a:effectRef idx="0">
+            <a:schemeClr val="accent6"/>
+          </a:effectRef>
+          <a:fontRef idx="minor">
+            <a:schemeClr val="dk1"/>
+          </a:fontRef>
+        </p:style>
+        <p:txBody>
+          <a:bodyPr rtlCol="0" anchor="ctr"/>
+          <a:lstStyle/>
+          <a:p>
+            <a:pPr algn="ctr"/>
+            <a:r>
+              <a:rPr lang="en-US"/>
+              <a:t>1 / 10</a:t>
+            </a:r>
+          </a:p>
+        </p:txBody>
+      </p:sp>
+      <p:sp>
+        <p:nvSpPr>
+          <p:cNvPr id="39" name="Rectangle 38">
+            <a:extLst>
+              <a:ext uri="{FF2B5EF4-FFF2-40B4-BE49-F238E27FC236}">
+                <a16:creationId xmlns:a16="http://schemas.microsoft.com/office/drawing/2014/main" id="{CC51E54B-962D-4D07-A25F-BE925DF30DBE}"/>
+              </a:ext>
+            </a:extLst>
+          </p:cNvPr>
+          <p:cNvSpPr/>
+          <p:nvPr/>
+        </p:nvSpPr>
+        <p:spPr>
+          <a:xfrm>
+            <a:off x="4336239" y="7330736"/>
+            <a:ext cx="375053" cy="220142"/>
+          </a:xfrm>
+          <a:prstGeom prst="rect">
+            <a:avLst/>
+          </a:prstGeom>
+        </p:spPr>
+        <p:style>
+          <a:lnRef idx="1">
+            <a:schemeClr val="accent2"/>
+          </a:lnRef>
+          <a:fillRef idx="2">
+            <a:schemeClr val="accent2"/>
+          </a:fillRef>
+          <a:effectRef idx="1">
+            <a:schemeClr val="accent2"/>
+          </a:effectRef>
+          <a:fontRef idx="minor">
+            <a:schemeClr val="dk1"/>
+          </a:fontRef>
+        </p:style>
+        <p:txBody>
+          <a:bodyPr rtlCol="0" anchor="ctr"/>
+          <a:lstStyle/>
+          <a:p>
+            <a:pPr algn="ctr"/>
+            <a:r>
+              <a:rPr lang="en-US"/>
+              <a:t>1</a:t>
+            </a:r>
+          </a:p>
+        </p:txBody>
+      </p:sp>
+      <p:sp>
+        <p:nvSpPr>
+          <p:cNvPr id="40" name="Rectangle 39">
+            <a:extLst>
+              <a:ext uri="{FF2B5EF4-FFF2-40B4-BE49-F238E27FC236}">
+                <a16:creationId xmlns:a16="http://schemas.microsoft.com/office/drawing/2014/main" id="{D6F43619-2411-459F-94A4-AA52406BE049}"/>
+              </a:ext>
+            </a:extLst>
+          </p:cNvPr>
+          <p:cNvSpPr/>
+          <p:nvPr/>
+        </p:nvSpPr>
+        <p:spPr>
+          <a:xfrm>
+            <a:off x="4833182" y="7334216"/>
+            <a:ext cx="375053" cy="220142"/>
+          </a:xfrm>
+          <a:prstGeom prst="rect">
+            <a:avLst/>
+          </a:prstGeom>
+        </p:spPr>
+        <p:style>
+          <a:lnRef idx="1">
+            <a:schemeClr val="accent2"/>
+          </a:lnRef>
+          <a:fillRef idx="2">
+            <a:schemeClr val="accent2"/>
+          </a:fillRef>
+          <a:effectRef idx="1">
+            <a:schemeClr val="accent2"/>
+          </a:effectRef>
+          <a:fontRef idx="minor">
+            <a:schemeClr val="dk1"/>
+          </a:fontRef>
+        </p:style>
+        <p:txBody>
+          <a:bodyPr rtlCol="0" anchor="ctr"/>
+          <a:lstStyle/>
+          <a:p>
+            <a:pPr algn="ctr"/>
+            <a:r>
+              <a:rPr lang="en-US"/>
+              <a:t>2</a:t>
+            </a:r>
+          </a:p>
+        </p:txBody>
+      </p:sp>
+      <p:sp>
+        <p:nvSpPr>
+          <p:cNvPr id="41" name="Rectangle 40">
+            <a:extLst>
+              <a:ext uri="{FF2B5EF4-FFF2-40B4-BE49-F238E27FC236}">
+                <a16:creationId xmlns:a16="http://schemas.microsoft.com/office/drawing/2014/main" id="{78379D01-FE0D-4CCB-A7E8-951BE7824DE3}"/>
+              </a:ext>
+            </a:extLst>
+          </p:cNvPr>
+          <p:cNvSpPr/>
+          <p:nvPr/>
+        </p:nvSpPr>
+        <p:spPr>
+          <a:xfrm>
+            <a:off x="5269467" y="7324605"/>
+            <a:ext cx="375053" cy="220142"/>
+          </a:xfrm>
+          <a:prstGeom prst="rect">
+            <a:avLst/>
+          </a:prstGeom>
+        </p:spPr>
+        <p:style>
+          <a:lnRef idx="1">
+            <a:schemeClr val="accent2"/>
+          </a:lnRef>
+          <a:fillRef idx="2">
+            <a:schemeClr val="accent2"/>
+          </a:fillRef>
+          <a:effectRef idx="1">
+            <a:schemeClr val="accent2"/>
+          </a:effectRef>
+          <a:fontRef idx="minor">
+            <a:schemeClr val="dk1"/>
+          </a:fontRef>
+        </p:style>
+        <p:txBody>
+          <a:bodyPr rtlCol="0" anchor="ctr"/>
+          <a:lstStyle/>
+          <a:p>
+            <a:pPr algn="ctr"/>
+            <a:r>
+              <a:rPr lang="en-US"/>
+              <a:t>3</a:t>
+            </a:r>
+          </a:p>
+        </p:txBody>
+      </p:sp>
+      <p:sp>
+        <p:nvSpPr>
+          <p:cNvPr id="42" name="Rectangle 41">
+            <a:extLst>
+              <a:ext uri="{FF2B5EF4-FFF2-40B4-BE49-F238E27FC236}">
+                <a16:creationId xmlns:a16="http://schemas.microsoft.com/office/drawing/2014/main" id="{6873B211-CE17-4319-8DBD-BA772DC41B2E}"/>
+              </a:ext>
+            </a:extLst>
+          </p:cNvPr>
+          <p:cNvSpPr/>
+          <p:nvPr/>
+        </p:nvSpPr>
+        <p:spPr>
+          <a:xfrm>
+            <a:off x="6126471" y="7324605"/>
+            <a:ext cx="375053" cy="220142"/>
+          </a:xfrm>
+          <a:prstGeom prst="rect">
+            <a:avLst/>
+          </a:prstGeom>
+        </p:spPr>
+        <p:style>
+          <a:lnRef idx="1">
+            <a:schemeClr val="accent2"/>
+          </a:lnRef>
+          <a:fillRef idx="2">
+            <a:schemeClr val="accent2"/>
+          </a:fillRef>
+          <a:effectRef idx="1">
+            <a:schemeClr val="accent2"/>
+          </a:effectRef>
+          <a:fontRef idx="minor">
+            <a:schemeClr val="dk1"/>
+          </a:fontRef>
+        </p:style>
+        <p:txBody>
+          <a:bodyPr rtlCol="0" anchor="ctr"/>
+          <a:lstStyle/>
+          <a:p>
+            <a:pPr algn="ctr"/>
+            <a:r>
+              <a:rPr lang="en-US"/>
+              <a:t>8</a:t>
+            </a:r>
+          </a:p>
+        </p:txBody>
+      </p:sp>
+      <p:sp>
+        <p:nvSpPr>
+          <p:cNvPr id="43" name="Rectangle 42">
+            <a:extLst>
+              <a:ext uri="{FF2B5EF4-FFF2-40B4-BE49-F238E27FC236}">
+                <a16:creationId xmlns:a16="http://schemas.microsoft.com/office/drawing/2014/main" id="{D8E47404-CE3F-4A81-8315-15169E5DA315}"/>
+              </a:ext>
+            </a:extLst>
+          </p:cNvPr>
+          <p:cNvSpPr/>
+          <p:nvPr/>
+        </p:nvSpPr>
+        <p:spPr>
+          <a:xfrm>
+            <a:off x="6581223" y="7324605"/>
+            <a:ext cx="375053" cy="220142"/>
+          </a:xfrm>
+          <a:prstGeom prst="rect">
+            <a:avLst/>
+          </a:prstGeom>
+        </p:spPr>
+        <p:style>
+          <a:lnRef idx="1">
+            <a:schemeClr val="accent2"/>
+          </a:lnRef>
+          <a:fillRef idx="2">
+            <a:schemeClr val="accent2"/>
+          </a:fillRef>
+          <a:effectRef idx="1">
+            <a:schemeClr val="accent2"/>
+          </a:effectRef>
+          <a:fontRef idx="minor">
+            <a:schemeClr val="dk1"/>
+          </a:fontRef>
+        </p:style>
+        <p:txBody>
+          <a:bodyPr rtlCol="0" anchor="ctr"/>
+          <a:lstStyle/>
+          <a:p>
+            <a:pPr algn="ctr"/>
+            <a:r>
+              <a:rPr lang="en-US"/>
+              <a:t>9</a:t>
+            </a:r>
+          </a:p>
+        </p:txBody>
+      </p:sp>
+      <p:sp>
+        <p:nvSpPr>
+          <p:cNvPr id="44" name="Rectangle 43">
+            <a:extLst>
+              <a:ext uri="{FF2B5EF4-FFF2-40B4-BE49-F238E27FC236}">
+                <a16:creationId xmlns:a16="http://schemas.microsoft.com/office/drawing/2014/main" id="{A9B40EE8-6F43-4C19-BBB8-F6ADD34D91EB}"/>
+              </a:ext>
+            </a:extLst>
+          </p:cNvPr>
+          <p:cNvSpPr/>
+          <p:nvPr/>
+        </p:nvSpPr>
+        <p:spPr>
+          <a:xfrm>
+            <a:off x="7088966" y="7324605"/>
+            <a:ext cx="428797" cy="220142"/>
+          </a:xfrm>
+          <a:prstGeom prst="rect">
+            <a:avLst/>
+          </a:prstGeom>
+        </p:spPr>
+        <p:style>
+          <a:lnRef idx="1">
+            <a:schemeClr val="accent2"/>
+          </a:lnRef>
+          <a:fillRef idx="2">
+            <a:schemeClr val="accent2"/>
+          </a:fillRef>
+          <a:effectRef idx="1">
+            <a:schemeClr val="accent2"/>
+          </a:effectRef>
+          <a:fontRef idx="minor">
+            <a:schemeClr val="dk1"/>
+          </a:fontRef>
+        </p:style>
+        <p:txBody>
+          <a:bodyPr rtlCol="0" anchor="ctr"/>
+          <a:lstStyle/>
+          <a:p>
+            <a:pPr algn="ctr"/>
+            <a:r>
+              <a:rPr lang="en-US"/>
+              <a:t>10</a:t>
+            </a:r>
+          </a:p>
+        </p:txBody>
+      </p:sp>
+      <p:sp>
+        <p:nvSpPr>
+          <p:cNvPr id="45" name="Rectangle 44">
+            <a:extLst>
+              <a:ext uri="{FF2B5EF4-FFF2-40B4-BE49-F238E27FC236}">
+                <a16:creationId xmlns:a16="http://schemas.microsoft.com/office/drawing/2014/main" id="{442436F0-E6B3-451D-8E38-FF588BE71561}"/>
+              </a:ext>
+            </a:extLst>
+          </p:cNvPr>
+          <p:cNvSpPr/>
+          <p:nvPr/>
+        </p:nvSpPr>
+        <p:spPr>
+          <a:xfrm>
+            <a:off x="5692941" y="7334216"/>
+            <a:ext cx="375053" cy="220142"/>
+          </a:xfrm>
+          <a:prstGeom prst="rect">
+            <a:avLst/>
+          </a:prstGeom>
+        </p:spPr>
+        <p:style>
+          <a:lnRef idx="2">
+            <a:schemeClr val="accent6"/>
+          </a:lnRef>
+          <a:fillRef idx="1">
+            <a:schemeClr val="lt1"/>
+          </a:fillRef>
+          <a:effectRef idx="0">
+            <a:schemeClr val="accent6"/>
+          </a:effectRef>
+          <a:fontRef idx="minor">
+            <a:schemeClr val="dk1"/>
+          </a:fontRef>
+        </p:style>
+        <p:txBody>
+          <a:bodyPr rtlCol="0" anchor="ctr"/>
+          <a:lstStyle/>
+          <a:p>
+            <a:pPr algn="ctr"/>
+            <a:r>
+              <a:rPr lang="en-US"/>
+              <a:t>…</a:t>
+            </a:r>
+          </a:p>
+        </p:txBody>
+      </p:sp>
+      <p:sp>
+        <p:nvSpPr>
+          <p:cNvPr id="46" name="Arrow: Left 45">
+            <a:extLst>
+              <a:ext uri="{FF2B5EF4-FFF2-40B4-BE49-F238E27FC236}">
+                <a16:creationId xmlns:a16="http://schemas.microsoft.com/office/drawing/2014/main" id="{5D9A2EB6-AF82-4809-BD23-A6ADDDBCF5D5}"/>
+              </a:ext>
+            </a:extLst>
+          </p:cNvPr>
+          <p:cNvSpPr/>
+          <p:nvPr/>
+        </p:nvSpPr>
+        <p:spPr>
+          <a:xfrm>
+            <a:off x="4581983" y="7028552"/>
+            <a:ext cx="198348" cy="136156"/>
+          </a:xfrm>
+          <a:prstGeom prst="leftArrow">
+            <a:avLst/>
+          </a:prstGeom>
+        </p:spPr>
+        <p:style>
+          <a:lnRef idx="2">
+            <a:schemeClr val="accent1">
+              <a:shade val="50000"/>
+            </a:schemeClr>
+          </a:lnRef>
+          <a:fillRef idx="1">
+            <a:schemeClr val="accent1"/>
+          </a:fillRef>
+          <a:effectRef idx="0">
+            <a:schemeClr val="accent1"/>
+          </a:effectRef>
+          <a:fontRef idx="minor">
+            <a:schemeClr val="lt1"/>
+          </a:fontRef>
+        </p:style>
+        <p:txBody>
+          <a:bodyPr rtlCol="0" anchor="ctr"/>
+          <a:lstStyle/>
+          <a:p>
+            <a:pPr algn="ctr"/>
+            <a:endParaRPr lang="en-US"/>
+          </a:p>
+        </p:txBody>
+      </p:sp>
+      <p:sp>
+        <p:nvSpPr>
+          <p:cNvPr id="47" name="Arrow: Right 46">
+            <a:extLst>
+              <a:ext uri="{FF2B5EF4-FFF2-40B4-BE49-F238E27FC236}">
+                <a16:creationId xmlns:a16="http://schemas.microsoft.com/office/drawing/2014/main" id="{7F8B148A-4B04-41A9-911F-350DF77D1ABA}"/>
+              </a:ext>
+            </a:extLst>
+          </p:cNvPr>
+          <p:cNvSpPr/>
+          <p:nvPr/>
+        </p:nvSpPr>
+        <p:spPr>
+          <a:xfrm>
+            <a:off x="6797762" y="7022594"/>
+            <a:ext cx="215926" cy="129880"/>
+          </a:xfrm>
+          <a:prstGeom prst="rightArrow">
+            <a:avLst/>
+          </a:prstGeom>
+        </p:spPr>
+        <p:style>
+          <a:lnRef idx="2">
+            <a:schemeClr val="accent1">
+              <a:shade val="50000"/>
+            </a:schemeClr>
+          </a:lnRef>
+          <a:fillRef idx="1">
+            <a:schemeClr val="accent1"/>
+          </a:fillRef>
+          <a:effectRef idx="0">
+            <a:schemeClr val="accent1"/>
+          </a:effectRef>
+          <a:fontRef idx="minor">
+            <a:schemeClr val="lt1"/>
+          </a:fontRef>
+        </p:style>
+        <p:txBody>
+          <a:bodyPr rtlCol="0" anchor="ctr"/>
+          <a:lstStyle/>
+          <a:p>
+            <a:pPr algn="ctr"/>
+            <a:endParaRPr lang="en-US"/>
+          </a:p>
+        </p:txBody>
+      </p:sp>
+      <p:sp>
+        <p:nvSpPr>
+          <p:cNvPr id="48" name="Flowchart: Merge 47">
+            <a:extLst>
+              <a:ext uri="{FF2B5EF4-FFF2-40B4-BE49-F238E27FC236}">
+                <a16:creationId xmlns:a16="http://schemas.microsoft.com/office/drawing/2014/main" id="{838BC496-6CAC-48EC-A4AD-B6D7268AC2F4}"/>
+              </a:ext>
+            </a:extLst>
+          </p:cNvPr>
+          <p:cNvSpPr/>
+          <p:nvPr/>
+        </p:nvSpPr>
+        <p:spPr>
+          <a:xfrm>
+            <a:off x="2540924" y="5111075"/>
+            <a:ext cx="129309" cy="110837"/>
+          </a:xfrm>
+          <a:prstGeom prst="flowChartMerge">
+            <a:avLst/>
+          </a:prstGeom>
+        </p:spPr>
+        <p:style>
+          <a:lnRef idx="2">
+            <a:schemeClr val="accent6"/>
+          </a:lnRef>
+          <a:fillRef idx="1">
+            <a:schemeClr val="lt1"/>
+          </a:fillRef>
+          <a:effectRef idx="0">
+            <a:schemeClr val="accent6"/>
+          </a:effectRef>
+          <a:fontRef idx="minor">
+            <a:schemeClr val="dk1"/>
+          </a:fontRef>
+        </p:style>
+        <p:txBody>
+          <a:bodyPr rtlCol="0" anchor="ctr"/>
+          <a:lstStyle/>
+          <a:p>
+            <a:pPr algn="ctr"/>
+            <a:endParaRPr lang="en-US"/>
+          </a:p>
+        </p:txBody>
+      </p:sp>
+      <p:sp>
+        <p:nvSpPr>
+          <p:cNvPr id="52" name="Flowchart: Merge 51">
+            <a:extLst>
+              <a:ext uri="{FF2B5EF4-FFF2-40B4-BE49-F238E27FC236}">
+                <a16:creationId xmlns:a16="http://schemas.microsoft.com/office/drawing/2014/main" id="{2D7B1B47-322C-4C9F-AD4A-1C85E0288439}"/>
+              </a:ext>
+            </a:extLst>
+          </p:cNvPr>
+          <p:cNvSpPr/>
+          <p:nvPr/>
+        </p:nvSpPr>
+        <p:spPr>
+          <a:xfrm>
+            <a:off x="3929560" y="5087592"/>
+            <a:ext cx="129309" cy="110837"/>
+          </a:xfrm>
+          <a:prstGeom prst="flowChartMerge">
+            <a:avLst/>
+          </a:prstGeom>
+        </p:spPr>
+        <p:style>
+          <a:lnRef idx="2">
+            <a:schemeClr val="accent6"/>
+          </a:lnRef>
+          <a:fillRef idx="1">
+            <a:schemeClr val="lt1"/>
+          </a:fillRef>
+          <a:effectRef idx="0">
+            <a:schemeClr val="accent6"/>
+          </a:effectRef>
+          <a:fontRef idx="minor">
+            <a:schemeClr val="dk1"/>
+          </a:fontRef>
+        </p:style>
+        <p:txBody>
+          <a:bodyPr rtlCol="0" anchor="ctr"/>
+          <a:lstStyle/>
+          <a:p>
+            <a:pPr algn="ctr"/>
+            <a:endParaRPr lang="en-US"/>
+          </a:p>
+        </p:txBody>
+      </p:sp>
+      <p:sp>
+        <p:nvSpPr>
+          <p:cNvPr id="53" name="Flowchart: Merge 52">
+            <a:extLst>
+              <a:ext uri="{FF2B5EF4-FFF2-40B4-BE49-F238E27FC236}">
+                <a16:creationId xmlns:a16="http://schemas.microsoft.com/office/drawing/2014/main" id="{92CF3D89-917A-442D-99C1-B57A1D65F248}"/>
+              </a:ext>
+            </a:extLst>
+          </p:cNvPr>
+          <p:cNvSpPr/>
+          <p:nvPr/>
+        </p:nvSpPr>
+        <p:spPr>
+          <a:xfrm>
+            <a:off x="4956053" y="5117636"/>
+            <a:ext cx="129309" cy="110837"/>
+          </a:xfrm>
+          <a:prstGeom prst="flowChartMerge">
+            <a:avLst/>
+          </a:prstGeom>
+        </p:spPr>
+        <p:style>
+          <a:lnRef idx="2">
+            <a:schemeClr val="accent6"/>
+          </a:lnRef>
+          <a:fillRef idx="1">
+            <a:schemeClr val="lt1"/>
+          </a:fillRef>
+          <a:effectRef idx="0">
+            <a:schemeClr val="accent6"/>
+          </a:effectRef>
+          <a:fontRef idx="minor">
+            <a:schemeClr val="dk1"/>
+          </a:fontRef>
+        </p:style>
+        <p:txBody>
+          <a:bodyPr rtlCol="0" anchor="ctr"/>
+          <a:lstStyle/>
+          <a:p>
+            <a:pPr algn="ctr"/>
+            <a:endParaRPr lang="en-US"/>
+          </a:p>
+        </p:txBody>
+      </p:sp>
+      <p:sp>
+        <p:nvSpPr>
+          <p:cNvPr id="54" name="Flowchart: Merge 53">
+            <a:extLst>
+              <a:ext uri="{FF2B5EF4-FFF2-40B4-BE49-F238E27FC236}">
+                <a16:creationId xmlns:a16="http://schemas.microsoft.com/office/drawing/2014/main" id="{2E435A23-39E4-43E6-8CCE-8F53E768D4AA}"/>
+              </a:ext>
+            </a:extLst>
+          </p:cNvPr>
+          <p:cNvSpPr/>
+          <p:nvPr/>
+        </p:nvSpPr>
+        <p:spPr>
+          <a:xfrm>
+            <a:off x="6344689" y="5117636"/>
+            <a:ext cx="129309" cy="110837"/>
+          </a:xfrm>
+          <a:prstGeom prst="flowChartMerge">
+            <a:avLst/>
+          </a:prstGeom>
+        </p:spPr>
+        <p:style>
+          <a:lnRef idx="2">
+            <a:schemeClr val="accent6"/>
+          </a:lnRef>
+          <a:fillRef idx="1">
+            <a:schemeClr val="lt1"/>
+          </a:fillRef>
+          <a:effectRef idx="0">
+            <a:schemeClr val="accent6"/>
+          </a:effectRef>
+          <a:fontRef idx="minor">
+            <a:schemeClr val="dk1"/>
+          </a:fontRef>
+        </p:style>
+        <p:txBody>
+          <a:bodyPr rtlCol="0" anchor="ctr"/>
+          <a:lstStyle/>
+          <a:p>
+            <a:pPr algn="ctr"/>
+            <a:endParaRPr lang="en-US"/>
+          </a:p>
+        </p:txBody>
+      </p:sp>
+      <p:sp>
+        <p:nvSpPr>
+          <p:cNvPr id="55" name="Flowchart: Merge 54">
+            <a:extLst>
+              <a:ext uri="{FF2B5EF4-FFF2-40B4-BE49-F238E27FC236}">
+                <a16:creationId xmlns:a16="http://schemas.microsoft.com/office/drawing/2014/main" id="{468D4B97-6163-4335-9A24-1E6EA71C1E2F}"/>
+              </a:ext>
+            </a:extLst>
+          </p:cNvPr>
+          <p:cNvSpPr/>
+          <p:nvPr/>
+        </p:nvSpPr>
+        <p:spPr>
+          <a:xfrm>
+            <a:off x="7708835" y="5143010"/>
+            <a:ext cx="129309" cy="110837"/>
+          </a:xfrm>
+          <a:prstGeom prst="flowChartMerge">
+            <a:avLst/>
+          </a:prstGeom>
+        </p:spPr>
+        <p:style>
+          <a:lnRef idx="2">
+            <a:schemeClr val="accent6"/>
+          </a:lnRef>
+          <a:fillRef idx="1">
+            <a:schemeClr val="lt1"/>
+          </a:fillRef>
+          <a:effectRef idx="0">
+            <a:schemeClr val="accent6"/>
+          </a:effectRef>
+          <a:fontRef idx="minor">
+            <a:schemeClr val="dk1"/>
+          </a:fontRef>
+        </p:style>
+        <p:txBody>
+          <a:bodyPr rtlCol="0" anchor="ctr"/>
+          <a:lstStyle/>
+          <a:p>
+            <a:pPr algn="ctr"/>
+            <a:endParaRPr lang="en-US"/>
+          </a:p>
+        </p:txBody>
+      </p:sp>
+      <p:sp>
+        <p:nvSpPr>
+          <p:cNvPr id="56" name="Flowchart: Merge 55">
+            <a:extLst>
+              <a:ext uri="{FF2B5EF4-FFF2-40B4-BE49-F238E27FC236}">
+                <a16:creationId xmlns:a16="http://schemas.microsoft.com/office/drawing/2014/main" id="{A8368F40-8109-49A1-AC5D-C49AB016C121}"/>
+              </a:ext>
+            </a:extLst>
+          </p:cNvPr>
+          <p:cNvSpPr/>
+          <p:nvPr/>
+        </p:nvSpPr>
+        <p:spPr>
+          <a:xfrm>
+            <a:off x="9032817" y="5143009"/>
+            <a:ext cx="129309" cy="110837"/>
+          </a:xfrm>
+          <a:prstGeom prst="flowChartMerge">
+            <a:avLst/>
+          </a:prstGeom>
+        </p:spPr>
+        <p:style>
+          <a:lnRef idx="2">
+            <a:schemeClr val="accent6"/>
+          </a:lnRef>
+          <a:fillRef idx="1">
+            <a:schemeClr val="lt1"/>
+          </a:fillRef>
+          <a:effectRef idx="0">
+            <a:schemeClr val="accent6"/>
+          </a:effectRef>
+          <a:fontRef idx="minor">
+            <a:schemeClr val="dk1"/>
+          </a:fontRef>
+        </p:style>
+        <p:txBody>
+          <a:bodyPr rtlCol="0" anchor="ctr"/>
+          <a:lstStyle/>
+          <a:p>
+            <a:pPr algn="ctr"/>
+            <a:endParaRPr lang="en-US"/>
+          </a:p>
+        </p:txBody>
+      </p:sp>
+      <p:sp>
+        <p:nvSpPr>
+          <p:cNvPr id="57" name="Flowchart: Merge 56">
+            <a:extLst>
+              <a:ext uri="{FF2B5EF4-FFF2-40B4-BE49-F238E27FC236}">
+                <a16:creationId xmlns:a16="http://schemas.microsoft.com/office/drawing/2014/main" id="{684A8CD2-4727-46AC-B8B8-918F6D864525}"/>
+              </a:ext>
+            </a:extLst>
+          </p:cNvPr>
+          <p:cNvSpPr/>
+          <p:nvPr/>
+        </p:nvSpPr>
+        <p:spPr>
+          <a:xfrm>
+            <a:off x="10441535" y="5120742"/>
+            <a:ext cx="129309" cy="110837"/>
+          </a:xfrm>
+          <a:prstGeom prst="flowChartMerge">
+            <a:avLst/>
+          </a:prstGeom>
+        </p:spPr>
+        <p:style>
+          <a:lnRef idx="2">
+            <a:schemeClr val="accent6"/>
+          </a:lnRef>
+          <a:fillRef idx="1">
+            <a:schemeClr val="lt1"/>
+          </a:fillRef>
+          <a:effectRef idx="0">
+            <a:schemeClr val="accent6"/>
+          </a:effectRef>
+          <a:fontRef idx="minor">
+            <a:schemeClr val="dk1"/>
+          </a:fontRef>
+        </p:style>
+        <p:txBody>
+          <a:bodyPr rtlCol="0" anchor="ctr"/>
+          <a:lstStyle/>
+          <a:p>
+            <a:pPr algn="ctr"/>
+            <a:endParaRPr lang="en-US"/>
+          </a:p>
+        </p:txBody>
+      </p:sp>
+      <p:sp>
+        <p:nvSpPr>
+          <p:cNvPr id="58" name="Flowchart: Merge 57">
+            <a:extLst>
+              <a:ext uri="{FF2B5EF4-FFF2-40B4-BE49-F238E27FC236}">
+                <a16:creationId xmlns:a16="http://schemas.microsoft.com/office/drawing/2014/main" id="{AAA6C28D-BA45-44BA-9E28-FE08EABB258A}"/>
+              </a:ext>
+            </a:extLst>
+          </p:cNvPr>
+          <p:cNvSpPr/>
+          <p:nvPr/>
+        </p:nvSpPr>
+        <p:spPr>
+          <a:xfrm>
+            <a:off x="11825477" y="5131567"/>
+            <a:ext cx="129309" cy="110837"/>
+          </a:xfrm>
+          <a:prstGeom prst="flowChartMerge">
+            <a:avLst/>
+          </a:prstGeom>
+        </p:spPr>
+        <p:style>
+          <a:lnRef idx="2">
+            <a:schemeClr val="accent6"/>
+          </a:lnRef>
+          <a:fillRef idx="1">
+            <a:schemeClr val="lt1"/>
+          </a:fillRef>
+          <a:effectRef idx="0">
+            <a:schemeClr val="accent6"/>
+          </a:effectRef>
+          <a:fontRef idx="minor">
+            <a:schemeClr val="dk1"/>
+          </a:fontRef>
+        </p:style>
+        <p:txBody>
+          <a:bodyPr rtlCol="0" anchor="ctr"/>
+          <a:lstStyle/>
+          <a:p>
+            <a:pPr algn="ctr"/>
+            <a:endParaRPr lang="en-US"/>
           </a:p>
         </p:txBody>
       </p:sp>
@@ -19019,6 +24881,961 @@
           </a:p>
         </p:txBody>
       </p:sp>
+      <p:sp>
+        <p:nvSpPr>
+          <p:cNvPr id="28" name="Rectangle 27">
+            <a:extLst>
+              <a:ext uri="{FF2B5EF4-FFF2-40B4-BE49-F238E27FC236}">
+                <a16:creationId xmlns:a16="http://schemas.microsoft.com/office/drawing/2014/main" id="{DE7EC065-B4D2-40E4-B723-1E1A956EF2E1}"/>
+              </a:ext>
+            </a:extLst>
+          </p:cNvPr>
+          <p:cNvSpPr/>
+          <p:nvPr/>
+        </p:nvSpPr>
+        <p:spPr>
+          <a:xfrm>
+            <a:off x="5087652" y="5308547"/>
+            <a:ext cx="750106" cy="220142"/>
+          </a:xfrm>
+          <a:prstGeom prst="rect">
+            <a:avLst/>
+          </a:prstGeom>
+        </p:spPr>
+        <p:style>
+          <a:lnRef idx="2">
+            <a:schemeClr val="accent6"/>
+          </a:lnRef>
+          <a:fillRef idx="1">
+            <a:schemeClr val="lt1"/>
+          </a:fillRef>
+          <a:effectRef idx="0">
+            <a:schemeClr val="accent6"/>
+          </a:effectRef>
+          <a:fontRef idx="minor">
+            <a:schemeClr val="dk1"/>
+          </a:fontRef>
+        </p:style>
+        <p:txBody>
+          <a:bodyPr rtlCol="0" anchor="ctr"/>
+          <a:lstStyle/>
+          <a:p>
+            <a:pPr algn="ctr"/>
+            <a:r>
+              <a:rPr lang="en-US"/>
+              <a:t>Page</a:t>
+            </a:r>
+          </a:p>
+        </p:txBody>
+      </p:sp>
+      <p:sp>
+        <p:nvSpPr>
+          <p:cNvPr id="29" name="Rectangle 28">
+            <a:extLst>
+              <a:ext uri="{FF2B5EF4-FFF2-40B4-BE49-F238E27FC236}">
+                <a16:creationId xmlns:a16="http://schemas.microsoft.com/office/drawing/2014/main" id="{9A6EC8DF-00A9-4B87-8E76-5BDCB549A6A8}"/>
+              </a:ext>
+            </a:extLst>
+          </p:cNvPr>
+          <p:cNvSpPr/>
+          <p:nvPr/>
+        </p:nvSpPr>
+        <p:spPr>
+          <a:xfrm>
+            <a:off x="5901377" y="5308547"/>
+            <a:ext cx="750106" cy="220142"/>
+          </a:xfrm>
+          <a:prstGeom prst="rect">
+            <a:avLst/>
+          </a:prstGeom>
+        </p:spPr>
+        <p:style>
+          <a:lnRef idx="2">
+            <a:schemeClr val="accent6"/>
+          </a:lnRef>
+          <a:fillRef idx="1">
+            <a:schemeClr val="lt1"/>
+          </a:fillRef>
+          <a:effectRef idx="0">
+            <a:schemeClr val="accent6"/>
+          </a:effectRef>
+          <a:fontRef idx="minor">
+            <a:schemeClr val="dk1"/>
+          </a:fontRef>
+        </p:style>
+        <p:txBody>
+          <a:bodyPr rtlCol="0" anchor="ctr"/>
+          <a:lstStyle/>
+          <a:p>
+            <a:pPr algn="ctr"/>
+            <a:r>
+              <a:rPr lang="en-US"/>
+              <a:t>1 / 10</a:t>
+            </a:r>
+          </a:p>
+        </p:txBody>
+      </p:sp>
+      <p:sp>
+        <p:nvSpPr>
+          <p:cNvPr id="30" name="Rectangle 29">
+            <a:extLst>
+              <a:ext uri="{FF2B5EF4-FFF2-40B4-BE49-F238E27FC236}">
+                <a16:creationId xmlns:a16="http://schemas.microsoft.com/office/drawing/2014/main" id="{F1A60836-5FF5-4737-8970-179FBE132604}"/>
+              </a:ext>
+            </a:extLst>
+          </p:cNvPr>
+          <p:cNvSpPr/>
+          <p:nvPr/>
+        </p:nvSpPr>
+        <p:spPr>
+          <a:xfrm>
+            <a:off x="4403182" y="5658356"/>
+            <a:ext cx="375053" cy="220142"/>
+          </a:xfrm>
+          <a:prstGeom prst="rect">
+            <a:avLst/>
+          </a:prstGeom>
+        </p:spPr>
+        <p:style>
+          <a:lnRef idx="1">
+            <a:schemeClr val="accent2"/>
+          </a:lnRef>
+          <a:fillRef idx="2">
+            <a:schemeClr val="accent2"/>
+          </a:fillRef>
+          <a:effectRef idx="1">
+            <a:schemeClr val="accent2"/>
+          </a:effectRef>
+          <a:fontRef idx="minor">
+            <a:schemeClr val="dk1"/>
+          </a:fontRef>
+        </p:style>
+        <p:txBody>
+          <a:bodyPr rtlCol="0" anchor="ctr"/>
+          <a:lstStyle/>
+          <a:p>
+            <a:pPr algn="ctr"/>
+            <a:r>
+              <a:rPr lang="en-US"/>
+              <a:t>1</a:t>
+            </a:r>
+          </a:p>
+        </p:txBody>
+      </p:sp>
+      <p:sp>
+        <p:nvSpPr>
+          <p:cNvPr id="32" name="Rectangle 31">
+            <a:extLst>
+              <a:ext uri="{FF2B5EF4-FFF2-40B4-BE49-F238E27FC236}">
+                <a16:creationId xmlns:a16="http://schemas.microsoft.com/office/drawing/2014/main" id="{1E6CE200-048D-4D72-89CE-7BF32E69F9BC}"/>
+              </a:ext>
+            </a:extLst>
+          </p:cNvPr>
+          <p:cNvSpPr/>
+          <p:nvPr/>
+        </p:nvSpPr>
+        <p:spPr>
+          <a:xfrm>
+            <a:off x="4900125" y="5661836"/>
+            <a:ext cx="375053" cy="220142"/>
+          </a:xfrm>
+          <a:prstGeom prst="rect">
+            <a:avLst/>
+          </a:prstGeom>
+        </p:spPr>
+        <p:style>
+          <a:lnRef idx="1">
+            <a:schemeClr val="accent2"/>
+          </a:lnRef>
+          <a:fillRef idx="2">
+            <a:schemeClr val="accent2"/>
+          </a:fillRef>
+          <a:effectRef idx="1">
+            <a:schemeClr val="accent2"/>
+          </a:effectRef>
+          <a:fontRef idx="minor">
+            <a:schemeClr val="dk1"/>
+          </a:fontRef>
+        </p:style>
+        <p:txBody>
+          <a:bodyPr rtlCol="0" anchor="ctr"/>
+          <a:lstStyle/>
+          <a:p>
+            <a:pPr algn="ctr"/>
+            <a:r>
+              <a:rPr lang="en-US"/>
+              <a:t>2</a:t>
+            </a:r>
+          </a:p>
+        </p:txBody>
+      </p:sp>
+      <p:sp>
+        <p:nvSpPr>
+          <p:cNvPr id="37" name="Rectangle 36">
+            <a:extLst>
+              <a:ext uri="{FF2B5EF4-FFF2-40B4-BE49-F238E27FC236}">
+                <a16:creationId xmlns:a16="http://schemas.microsoft.com/office/drawing/2014/main" id="{A5E5486A-80FC-46B9-AF0C-6304110DC6D4}"/>
+              </a:ext>
+            </a:extLst>
+          </p:cNvPr>
+          <p:cNvSpPr/>
+          <p:nvPr/>
+        </p:nvSpPr>
+        <p:spPr>
+          <a:xfrm>
+            <a:off x="5336410" y="5652225"/>
+            <a:ext cx="375053" cy="220142"/>
+          </a:xfrm>
+          <a:prstGeom prst="rect">
+            <a:avLst/>
+          </a:prstGeom>
+        </p:spPr>
+        <p:style>
+          <a:lnRef idx="1">
+            <a:schemeClr val="accent2"/>
+          </a:lnRef>
+          <a:fillRef idx="2">
+            <a:schemeClr val="accent2"/>
+          </a:fillRef>
+          <a:effectRef idx="1">
+            <a:schemeClr val="accent2"/>
+          </a:effectRef>
+          <a:fontRef idx="minor">
+            <a:schemeClr val="dk1"/>
+          </a:fontRef>
+        </p:style>
+        <p:txBody>
+          <a:bodyPr rtlCol="0" anchor="ctr"/>
+          <a:lstStyle/>
+          <a:p>
+            <a:pPr algn="ctr"/>
+            <a:r>
+              <a:rPr lang="en-US"/>
+              <a:t>3</a:t>
+            </a:r>
+          </a:p>
+        </p:txBody>
+      </p:sp>
+      <p:sp>
+        <p:nvSpPr>
+          <p:cNvPr id="38" name="Rectangle 37">
+            <a:extLst>
+              <a:ext uri="{FF2B5EF4-FFF2-40B4-BE49-F238E27FC236}">
+                <a16:creationId xmlns:a16="http://schemas.microsoft.com/office/drawing/2014/main" id="{2D21516A-DC81-405A-A2A9-8F19B029022D}"/>
+              </a:ext>
+            </a:extLst>
+          </p:cNvPr>
+          <p:cNvSpPr/>
+          <p:nvPr/>
+        </p:nvSpPr>
+        <p:spPr>
+          <a:xfrm>
+            <a:off x="6193414" y="5652225"/>
+            <a:ext cx="375053" cy="220142"/>
+          </a:xfrm>
+          <a:prstGeom prst="rect">
+            <a:avLst/>
+          </a:prstGeom>
+        </p:spPr>
+        <p:style>
+          <a:lnRef idx="1">
+            <a:schemeClr val="accent2"/>
+          </a:lnRef>
+          <a:fillRef idx="2">
+            <a:schemeClr val="accent2"/>
+          </a:fillRef>
+          <a:effectRef idx="1">
+            <a:schemeClr val="accent2"/>
+          </a:effectRef>
+          <a:fontRef idx="minor">
+            <a:schemeClr val="dk1"/>
+          </a:fontRef>
+        </p:style>
+        <p:txBody>
+          <a:bodyPr rtlCol="0" anchor="ctr"/>
+          <a:lstStyle/>
+          <a:p>
+            <a:pPr algn="ctr"/>
+            <a:r>
+              <a:rPr lang="en-US"/>
+              <a:t>8</a:t>
+            </a:r>
+          </a:p>
+        </p:txBody>
+      </p:sp>
+      <p:sp>
+        <p:nvSpPr>
+          <p:cNvPr id="41" name="Rectangle 40">
+            <a:extLst>
+              <a:ext uri="{FF2B5EF4-FFF2-40B4-BE49-F238E27FC236}">
+                <a16:creationId xmlns:a16="http://schemas.microsoft.com/office/drawing/2014/main" id="{5467B925-D577-4139-941D-012A77A761EE}"/>
+              </a:ext>
+            </a:extLst>
+          </p:cNvPr>
+          <p:cNvSpPr/>
+          <p:nvPr/>
+        </p:nvSpPr>
+        <p:spPr>
+          <a:xfrm>
+            <a:off x="6648166" y="5652225"/>
+            <a:ext cx="375053" cy="220142"/>
+          </a:xfrm>
+          <a:prstGeom prst="rect">
+            <a:avLst/>
+          </a:prstGeom>
+        </p:spPr>
+        <p:style>
+          <a:lnRef idx="1">
+            <a:schemeClr val="accent2"/>
+          </a:lnRef>
+          <a:fillRef idx="2">
+            <a:schemeClr val="accent2"/>
+          </a:fillRef>
+          <a:effectRef idx="1">
+            <a:schemeClr val="accent2"/>
+          </a:effectRef>
+          <a:fontRef idx="minor">
+            <a:schemeClr val="dk1"/>
+          </a:fontRef>
+        </p:style>
+        <p:txBody>
+          <a:bodyPr rtlCol="0" anchor="ctr"/>
+          <a:lstStyle/>
+          <a:p>
+            <a:pPr algn="ctr"/>
+            <a:r>
+              <a:rPr lang="en-US"/>
+              <a:t>9</a:t>
+            </a:r>
+          </a:p>
+        </p:txBody>
+      </p:sp>
+      <p:sp>
+        <p:nvSpPr>
+          <p:cNvPr id="42" name="Rectangle 41">
+            <a:extLst>
+              <a:ext uri="{FF2B5EF4-FFF2-40B4-BE49-F238E27FC236}">
+                <a16:creationId xmlns:a16="http://schemas.microsoft.com/office/drawing/2014/main" id="{F75CB159-444E-4709-B4B5-7F8E420BBF2B}"/>
+              </a:ext>
+            </a:extLst>
+          </p:cNvPr>
+          <p:cNvSpPr/>
+          <p:nvPr/>
+        </p:nvSpPr>
+        <p:spPr>
+          <a:xfrm>
+            <a:off x="7155909" y="5652225"/>
+            <a:ext cx="428797" cy="220142"/>
+          </a:xfrm>
+          <a:prstGeom prst="rect">
+            <a:avLst/>
+          </a:prstGeom>
+        </p:spPr>
+        <p:style>
+          <a:lnRef idx="1">
+            <a:schemeClr val="accent2"/>
+          </a:lnRef>
+          <a:fillRef idx="2">
+            <a:schemeClr val="accent2"/>
+          </a:fillRef>
+          <a:effectRef idx="1">
+            <a:schemeClr val="accent2"/>
+          </a:effectRef>
+          <a:fontRef idx="minor">
+            <a:schemeClr val="dk1"/>
+          </a:fontRef>
+        </p:style>
+        <p:txBody>
+          <a:bodyPr rtlCol="0" anchor="ctr"/>
+          <a:lstStyle/>
+          <a:p>
+            <a:pPr algn="ctr"/>
+            <a:r>
+              <a:rPr lang="en-US"/>
+              <a:t>10</a:t>
+            </a:r>
+          </a:p>
+        </p:txBody>
+      </p:sp>
+      <p:sp>
+        <p:nvSpPr>
+          <p:cNvPr id="43" name="Rectangle 42">
+            <a:extLst>
+              <a:ext uri="{FF2B5EF4-FFF2-40B4-BE49-F238E27FC236}">
+                <a16:creationId xmlns:a16="http://schemas.microsoft.com/office/drawing/2014/main" id="{FFB61FA0-8411-415F-910E-3EF53662CC32}"/>
+              </a:ext>
+            </a:extLst>
+          </p:cNvPr>
+          <p:cNvSpPr/>
+          <p:nvPr/>
+        </p:nvSpPr>
+        <p:spPr>
+          <a:xfrm>
+            <a:off x="5759884" y="5661836"/>
+            <a:ext cx="375053" cy="220142"/>
+          </a:xfrm>
+          <a:prstGeom prst="rect">
+            <a:avLst/>
+          </a:prstGeom>
+        </p:spPr>
+        <p:style>
+          <a:lnRef idx="2">
+            <a:schemeClr val="accent6"/>
+          </a:lnRef>
+          <a:fillRef idx="1">
+            <a:schemeClr val="lt1"/>
+          </a:fillRef>
+          <a:effectRef idx="0">
+            <a:schemeClr val="accent6"/>
+          </a:effectRef>
+          <a:fontRef idx="minor">
+            <a:schemeClr val="dk1"/>
+          </a:fontRef>
+        </p:style>
+        <p:txBody>
+          <a:bodyPr rtlCol="0" anchor="ctr"/>
+          <a:lstStyle/>
+          <a:p>
+            <a:pPr algn="ctr"/>
+            <a:r>
+              <a:rPr lang="en-US"/>
+              <a:t>…</a:t>
+            </a:r>
+          </a:p>
+        </p:txBody>
+      </p:sp>
+      <p:sp>
+        <p:nvSpPr>
+          <p:cNvPr id="44" name="Arrow: Left 43">
+            <a:extLst>
+              <a:ext uri="{FF2B5EF4-FFF2-40B4-BE49-F238E27FC236}">
+                <a16:creationId xmlns:a16="http://schemas.microsoft.com/office/drawing/2014/main" id="{14094467-FC01-4FA2-97E8-333B408DA288}"/>
+              </a:ext>
+            </a:extLst>
+          </p:cNvPr>
+          <p:cNvSpPr/>
+          <p:nvPr/>
+        </p:nvSpPr>
+        <p:spPr>
+          <a:xfrm>
+            <a:off x="4648926" y="5356172"/>
+            <a:ext cx="198348" cy="136156"/>
+          </a:xfrm>
+          <a:prstGeom prst="leftArrow">
+            <a:avLst/>
+          </a:prstGeom>
+        </p:spPr>
+        <p:style>
+          <a:lnRef idx="2">
+            <a:schemeClr val="accent1">
+              <a:shade val="50000"/>
+            </a:schemeClr>
+          </a:lnRef>
+          <a:fillRef idx="1">
+            <a:schemeClr val="accent1"/>
+          </a:fillRef>
+          <a:effectRef idx="0">
+            <a:schemeClr val="accent1"/>
+          </a:effectRef>
+          <a:fontRef idx="minor">
+            <a:schemeClr val="lt1"/>
+          </a:fontRef>
+        </p:style>
+        <p:txBody>
+          <a:bodyPr rtlCol="0" anchor="ctr"/>
+          <a:lstStyle/>
+          <a:p>
+            <a:pPr algn="ctr"/>
+            <a:endParaRPr lang="en-US"/>
+          </a:p>
+        </p:txBody>
+      </p:sp>
+      <p:sp>
+        <p:nvSpPr>
+          <p:cNvPr id="45" name="Arrow: Right 44">
+            <a:extLst>
+              <a:ext uri="{FF2B5EF4-FFF2-40B4-BE49-F238E27FC236}">
+                <a16:creationId xmlns:a16="http://schemas.microsoft.com/office/drawing/2014/main" id="{15B27C0D-E446-4F08-B0F0-CCB3EADC3AC7}"/>
+              </a:ext>
+            </a:extLst>
+          </p:cNvPr>
+          <p:cNvSpPr/>
+          <p:nvPr/>
+        </p:nvSpPr>
+        <p:spPr>
+          <a:xfrm>
+            <a:off x="6864705" y="5350214"/>
+            <a:ext cx="215926" cy="129880"/>
+          </a:xfrm>
+          <a:prstGeom prst="rightArrow">
+            <a:avLst/>
+          </a:prstGeom>
+        </p:spPr>
+        <p:style>
+          <a:lnRef idx="2">
+            <a:schemeClr val="accent1">
+              <a:shade val="50000"/>
+            </a:schemeClr>
+          </a:lnRef>
+          <a:fillRef idx="1">
+            <a:schemeClr val="accent1"/>
+          </a:fillRef>
+          <a:effectRef idx="0">
+            <a:schemeClr val="accent1"/>
+          </a:effectRef>
+          <a:fontRef idx="minor">
+            <a:schemeClr val="lt1"/>
+          </a:fontRef>
+        </p:style>
+        <p:txBody>
+          <a:bodyPr rtlCol="0" anchor="ctr"/>
+          <a:lstStyle/>
+          <a:p>
+            <a:pPr algn="ctr"/>
+            <a:endParaRPr lang="en-US"/>
+          </a:p>
+        </p:txBody>
+      </p:sp>
+      <p:sp>
+        <p:nvSpPr>
+          <p:cNvPr id="46" name="Flowchart: Merge 45">
+            <a:extLst>
+              <a:ext uri="{FF2B5EF4-FFF2-40B4-BE49-F238E27FC236}">
+                <a16:creationId xmlns:a16="http://schemas.microsoft.com/office/drawing/2014/main" id="{A5253AF4-A4A4-4AF4-811C-0B073A9E97D3}"/>
+              </a:ext>
+            </a:extLst>
+          </p:cNvPr>
+          <p:cNvSpPr/>
+          <p:nvPr/>
+        </p:nvSpPr>
+        <p:spPr>
+          <a:xfrm>
+            <a:off x="1922780" y="3792366"/>
+            <a:ext cx="129309" cy="110837"/>
+          </a:xfrm>
+          <a:prstGeom prst="flowChartMerge">
+            <a:avLst/>
+          </a:prstGeom>
+        </p:spPr>
+        <p:style>
+          <a:lnRef idx="2">
+            <a:schemeClr val="accent6"/>
+          </a:lnRef>
+          <a:fillRef idx="1">
+            <a:schemeClr val="lt1"/>
+          </a:fillRef>
+          <a:effectRef idx="0">
+            <a:schemeClr val="accent6"/>
+          </a:effectRef>
+          <a:fontRef idx="minor">
+            <a:schemeClr val="dk1"/>
+          </a:fontRef>
+        </p:style>
+        <p:txBody>
+          <a:bodyPr rtlCol="0" anchor="ctr"/>
+          <a:lstStyle/>
+          <a:p>
+            <a:pPr algn="ctr"/>
+            <a:endParaRPr lang="en-US"/>
+          </a:p>
+        </p:txBody>
+      </p:sp>
+      <p:sp>
+        <p:nvSpPr>
+          <p:cNvPr id="47" name="Flowchart: Merge 46">
+            <a:extLst>
+              <a:ext uri="{FF2B5EF4-FFF2-40B4-BE49-F238E27FC236}">
+                <a16:creationId xmlns:a16="http://schemas.microsoft.com/office/drawing/2014/main" id="{29D98760-467E-4627-8952-CF3E276331FB}"/>
+              </a:ext>
+            </a:extLst>
+          </p:cNvPr>
+          <p:cNvSpPr/>
+          <p:nvPr/>
+        </p:nvSpPr>
+        <p:spPr>
+          <a:xfrm>
+            <a:off x="3245081" y="3813148"/>
+            <a:ext cx="129309" cy="110837"/>
+          </a:xfrm>
+          <a:prstGeom prst="flowChartMerge">
+            <a:avLst/>
+          </a:prstGeom>
+        </p:spPr>
+        <p:style>
+          <a:lnRef idx="2">
+            <a:schemeClr val="accent6"/>
+          </a:lnRef>
+          <a:fillRef idx="1">
+            <a:schemeClr val="lt1"/>
+          </a:fillRef>
+          <a:effectRef idx="0">
+            <a:schemeClr val="accent6"/>
+          </a:effectRef>
+          <a:fontRef idx="minor">
+            <a:schemeClr val="dk1"/>
+          </a:fontRef>
+        </p:style>
+        <p:txBody>
+          <a:bodyPr rtlCol="0" anchor="ctr"/>
+          <a:lstStyle/>
+          <a:p>
+            <a:pPr algn="ctr"/>
+            <a:endParaRPr lang="en-US"/>
+          </a:p>
+        </p:txBody>
+      </p:sp>
+      <p:sp>
+        <p:nvSpPr>
+          <p:cNvPr id="48" name="Flowchart: Merge 47">
+            <a:extLst>
+              <a:ext uri="{FF2B5EF4-FFF2-40B4-BE49-F238E27FC236}">
+                <a16:creationId xmlns:a16="http://schemas.microsoft.com/office/drawing/2014/main" id="{7B8EF3E7-8866-4F16-A5A5-06D5F36E57A3}"/>
+              </a:ext>
+            </a:extLst>
+          </p:cNvPr>
+          <p:cNvSpPr/>
+          <p:nvPr/>
+        </p:nvSpPr>
+        <p:spPr>
+          <a:xfrm>
+            <a:off x="5145869" y="3813093"/>
+            <a:ext cx="129309" cy="110837"/>
+          </a:xfrm>
+          <a:prstGeom prst="flowChartMerge">
+            <a:avLst/>
+          </a:prstGeom>
+        </p:spPr>
+        <p:style>
+          <a:lnRef idx="2">
+            <a:schemeClr val="accent6"/>
+          </a:lnRef>
+          <a:fillRef idx="1">
+            <a:schemeClr val="lt1"/>
+          </a:fillRef>
+          <a:effectRef idx="0">
+            <a:schemeClr val="accent6"/>
+          </a:effectRef>
+          <a:fontRef idx="minor">
+            <a:schemeClr val="dk1"/>
+          </a:fontRef>
+        </p:style>
+        <p:txBody>
+          <a:bodyPr rtlCol="0" anchor="ctr"/>
+          <a:lstStyle/>
+          <a:p>
+            <a:pPr algn="ctr"/>
+            <a:endParaRPr lang="en-US"/>
+          </a:p>
+        </p:txBody>
+      </p:sp>
+      <p:sp>
+        <p:nvSpPr>
+          <p:cNvPr id="51" name="Flowchart: Merge 50">
+            <a:extLst>
+              <a:ext uri="{FF2B5EF4-FFF2-40B4-BE49-F238E27FC236}">
+                <a16:creationId xmlns:a16="http://schemas.microsoft.com/office/drawing/2014/main" id="{E1591D4E-0FA3-4F60-947C-AF3422BF39BA}"/>
+              </a:ext>
+            </a:extLst>
+          </p:cNvPr>
+          <p:cNvSpPr/>
+          <p:nvPr/>
+        </p:nvSpPr>
+        <p:spPr>
+          <a:xfrm>
+            <a:off x="6314269" y="3764128"/>
+            <a:ext cx="129309" cy="110837"/>
+          </a:xfrm>
+          <a:prstGeom prst="flowChartMerge">
+            <a:avLst/>
+          </a:prstGeom>
+        </p:spPr>
+        <p:style>
+          <a:lnRef idx="2">
+            <a:schemeClr val="accent6"/>
+          </a:lnRef>
+          <a:fillRef idx="1">
+            <a:schemeClr val="lt1"/>
+          </a:fillRef>
+          <a:effectRef idx="0">
+            <a:schemeClr val="accent6"/>
+          </a:effectRef>
+          <a:fontRef idx="minor">
+            <a:schemeClr val="dk1"/>
+          </a:fontRef>
+        </p:style>
+        <p:txBody>
+          <a:bodyPr rtlCol="0" anchor="ctr"/>
+          <a:lstStyle/>
+          <a:p>
+            <a:pPr algn="ctr"/>
+            <a:endParaRPr lang="en-US"/>
+          </a:p>
+        </p:txBody>
+      </p:sp>
+      <p:sp>
+        <p:nvSpPr>
+          <p:cNvPr id="52" name="Flowchart: Merge 51">
+            <a:extLst>
+              <a:ext uri="{FF2B5EF4-FFF2-40B4-BE49-F238E27FC236}">
+                <a16:creationId xmlns:a16="http://schemas.microsoft.com/office/drawing/2014/main" id="{D0592CFD-9E76-4C03-93CC-3A4474FE11BD}"/>
+              </a:ext>
+            </a:extLst>
+          </p:cNvPr>
+          <p:cNvSpPr/>
+          <p:nvPr/>
+        </p:nvSpPr>
+        <p:spPr>
+          <a:xfrm>
+            <a:off x="8373956" y="3792365"/>
+            <a:ext cx="129309" cy="110837"/>
+          </a:xfrm>
+          <a:prstGeom prst="flowChartMerge">
+            <a:avLst/>
+          </a:prstGeom>
+        </p:spPr>
+        <p:style>
+          <a:lnRef idx="2">
+            <a:schemeClr val="accent6"/>
+          </a:lnRef>
+          <a:fillRef idx="1">
+            <a:schemeClr val="lt1"/>
+          </a:fillRef>
+          <a:effectRef idx="0">
+            <a:schemeClr val="accent6"/>
+          </a:effectRef>
+          <a:fontRef idx="minor">
+            <a:schemeClr val="dk1"/>
+          </a:fontRef>
+        </p:style>
+        <p:txBody>
+          <a:bodyPr rtlCol="0" anchor="ctr"/>
+          <a:lstStyle/>
+          <a:p>
+            <a:pPr algn="ctr"/>
+            <a:endParaRPr lang="en-US"/>
+          </a:p>
+        </p:txBody>
+      </p:sp>
+      <p:sp>
+        <p:nvSpPr>
+          <p:cNvPr id="58" name="Flowchart: Merge 57">
+            <a:extLst>
+              <a:ext uri="{FF2B5EF4-FFF2-40B4-BE49-F238E27FC236}">
+                <a16:creationId xmlns:a16="http://schemas.microsoft.com/office/drawing/2014/main" id="{6E7AA53B-CFC2-42DA-94E8-94D3D2BD45A0}"/>
+              </a:ext>
+            </a:extLst>
+          </p:cNvPr>
+          <p:cNvSpPr/>
+          <p:nvPr/>
+        </p:nvSpPr>
+        <p:spPr>
+          <a:xfrm>
+            <a:off x="7222836" y="3792365"/>
+            <a:ext cx="129309" cy="110837"/>
+          </a:xfrm>
+          <a:prstGeom prst="flowChartMerge">
+            <a:avLst/>
+          </a:prstGeom>
+        </p:spPr>
+        <p:style>
+          <a:lnRef idx="2">
+            <a:schemeClr val="accent6"/>
+          </a:lnRef>
+          <a:fillRef idx="1">
+            <a:schemeClr val="lt1"/>
+          </a:fillRef>
+          <a:effectRef idx="0">
+            <a:schemeClr val="accent6"/>
+          </a:effectRef>
+          <a:fontRef idx="minor">
+            <a:schemeClr val="dk1"/>
+          </a:fontRef>
+        </p:style>
+        <p:txBody>
+          <a:bodyPr rtlCol="0" anchor="ctr"/>
+          <a:lstStyle/>
+          <a:p>
+            <a:pPr algn="ctr"/>
+            <a:endParaRPr lang="en-US"/>
+          </a:p>
+        </p:txBody>
+      </p:sp>
+      <p:sp>
+        <p:nvSpPr>
+          <p:cNvPr id="59" name="Flowchart: Merge 58">
+            <a:extLst>
+              <a:ext uri="{FF2B5EF4-FFF2-40B4-BE49-F238E27FC236}">
+                <a16:creationId xmlns:a16="http://schemas.microsoft.com/office/drawing/2014/main" id="{A3DCB1FD-C777-49A5-9D3B-53245E956BC8}"/>
+              </a:ext>
+            </a:extLst>
+          </p:cNvPr>
+          <p:cNvSpPr/>
+          <p:nvPr/>
+        </p:nvSpPr>
+        <p:spPr>
+          <a:xfrm>
+            <a:off x="9432555" y="3813092"/>
+            <a:ext cx="129309" cy="110837"/>
+          </a:xfrm>
+          <a:prstGeom prst="flowChartMerge">
+            <a:avLst/>
+          </a:prstGeom>
+        </p:spPr>
+        <p:style>
+          <a:lnRef idx="2">
+            <a:schemeClr val="accent6"/>
+          </a:lnRef>
+          <a:fillRef idx="1">
+            <a:schemeClr val="lt1"/>
+          </a:fillRef>
+          <a:effectRef idx="0">
+            <a:schemeClr val="accent6"/>
+          </a:effectRef>
+          <a:fontRef idx="minor">
+            <a:schemeClr val="dk1"/>
+          </a:fontRef>
+        </p:style>
+        <p:txBody>
+          <a:bodyPr rtlCol="0" anchor="ctr"/>
+          <a:lstStyle/>
+          <a:p>
+            <a:pPr algn="ctr"/>
+            <a:endParaRPr lang="en-US"/>
+          </a:p>
+        </p:txBody>
+      </p:sp>
+      <p:sp>
+        <p:nvSpPr>
+          <p:cNvPr id="60" name="Flowchart: Merge 59">
+            <a:extLst>
+              <a:ext uri="{FF2B5EF4-FFF2-40B4-BE49-F238E27FC236}">
+                <a16:creationId xmlns:a16="http://schemas.microsoft.com/office/drawing/2014/main" id="{39E106B5-08CA-4E3C-875E-A06074FCA01E}"/>
+              </a:ext>
+            </a:extLst>
+          </p:cNvPr>
+          <p:cNvSpPr/>
+          <p:nvPr/>
+        </p:nvSpPr>
+        <p:spPr>
+          <a:xfrm>
+            <a:off x="10471646" y="3764128"/>
+            <a:ext cx="129309" cy="110837"/>
+          </a:xfrm>
+          <a:prstGeom prst="flowChartMerge">
+            <a:avLst/>
+          </a:prstGeom>
+        </p:spPr>
+        <p:style>
+          <a:lnRef idx="2">
+            <a:schemeClr val="accent6"/>
+          </a:lnRef>
+          <a:fillRef idx="1">
+            <a:schemeClr val="lt1"/>
+          </a:fillRef>
+          <a:effectRef idx="0">
+            <a:schemeClr val="accent6"/>
+          </a:effectRef>
+          <a:fontRef idx="minor">
+            <a:schemeClr val="dk1"/>
+          </a:fontRef>
+        </p:style>
+        <p:txBody>
+          <a:bodyPr rtlCol="0" anchor="ctr"/>
+          <a:lstStyle/>
+          <a:p>
+            <a:pPr algn="ctr"/>
+            <a:endParaRPr lang="en-US"/>
+          </a:p>
+        </p:txBody>
+      </p:sp>
+      <p:sp>
+        <p:nvSpPr>
+          <p:cNvPr id="61" name="Flowchart: Merge 60">
+            <a:extLst>
+              <a:ext uri="{FF2B5EF4-FFF2-40B4-BE49-F238E27FC236}">
+                <a16:creationId xmlns:a16="http://schemas.microsoft.com/office/drawing/2014/main" id="{17230BD3-8395-49A8-9130-14A4E6A94D31}"/>
+              </a:ext>
+            </a:extLst>
+          </p:cNvPr>
+          <p:cNvSpPr/>
+          <p:nvPr/>
+        </p:nvSpPr>
+        <p:spPr>
+          <a:xfrm>
+            <a:off x="11530245" y="3792364"/>
+            <a:ext cx="129309" cy="110837"/>
+          </a:xfrm>
+          <a:prstGeom prst="flowChartMerge">
+            <a:avLst/>
+          </a:prstGeom>
+        </p:spPr>
+        <p:style>
+          <a:lnRef idx="2">
+            <a:schemeClr val="accent6"/>
+          </a:lnRef>
+          <a:fillRef idx="1">
+            <a:schemeClr val="lt1"/>
+          </a:fillRef>
+          <a:effectRef idx="0">
+            <a:schemeClr val="accent6"/>
+          </a:effectRef>
+          <a:fontRef idx="minor">
+            <a:schemeClr val="dk1"/>
+          </a:fontRef>
+        </p:style>
+        <p:txBody>
+          <a:bodyPr rtlCol="0" anchor="ctr"/>
+          <a:lstStyle/>
+          <a:p>
+            <a:pPr algn="ctr"/>
+            <a:endParaRPr lang="en-US"/>
+          </a:p>
+        </p:txBody>
+      </p:sp>
+      <p:sp>
+        <p:nvSpPr>
+          <p:cNvPr id="62" name="Flowchart: Merge 61">
+            <a:extLst>
+              <a:ext uri="{FF2B5EF4-FFF2-40B4-BE49-F238E27FC236}">
+                <a16:creationId xmlns:a16="http://schemas.microsoft.com/office/drawing/2014/main" id="{694BC1E2-9714-4B5C-81D8-604059A055DC}"/>
+              </a:ext>
+            </a:extLst>
+          </p:cNvPr>
+          <p:cNvSpPr/>
+          <p:nvPr/>
+        </p:nvSpPr>
+        <p:spPr>
+          <a:xfrm>
+            <a:off x="4297043" y="3832615"/>
+            <a:ext cx="129309" cy="110837"/>
+          </a:xfrm>
+          <a:prstGeom prst="flowChartMerge">
+            <a:avLst/>
+          </a:prstGeom>
+        </p:spPr>
+        <p:style>
+          <a:lnRef idx="2">
+            <a:schemeClr val="accent6"/>
+          </a:lnRef>
+          <a:fillRef idx="1">
+            <a:schemeClr val="lt1"/>
+          </a:fillRef>
+          <a:effectRef idx="0">
+            <a:schemeClr val="accent6"/>
+          </a:effectRef>
+          <a:fontRef idx="minor">
+            <a:schemeClr val="dk1"/>
+          </a:fontRef>
+        </p:style>
+        <p:txBody>
+          <a:bodyPr rtlCol="0" anchor="ctr"/>
+          <a:lstStyle/>
+          <a:p>
+            <a:pPr algn="ctr"/>
+            <a:endParaRPr lang="en-US"/>
+          </a:p>
+        </p:txBody>
+      </p:sp>
     </p:spTree>
     <p:extLst>
       <p:ext uri="{BB962C8B-B14F-4D97-AF65-F5344CB8AC3E}">
